--- a/source/lessons/lsn8/Lsn8.pptx
+++ b/source/lessons/lsn8/Lsn8.pptx
@@ -6,10 +6,10 @@
     <p:sldMasterId id="2147483664" r:id="rId2"/>
   </p:sldMasterIdLst>
   <p:notesMasterIdLst>
-    <p:notesMasterId r:id="rId33"/>
+    <p:notesMasterId r:id="rId32"/>
   </p:notesMasterIdLst>
   <p:handoutMasterIdLst>
-    <p:handoutMasterId r:id="rId34"/>
+    <p:handoutMasterId r:id="rId33"/>
   </p:handoutMasterIdLst>
   <p:sldIdLst>
     <p:sldId id="352" r:id="rId3"/>
@@ -36,12 +36,11 @@
     <p:sldId id="332" r:id="rId24"/>
     <p:sldId id="314" r:id="rId25"/>
     <p:sldId id="330" r:id="rId26"/>
-    <p:sldId id="329" r:id="rId27"/>
-    <p:sldId id="297" r:id="rId28"/>
-    <p:sldId id="307" r:id="rId29"/>
-    <p:sldId id="301" r:id="rId30"/>
-    <p:sldId id="331" r:id="rId31"/>
-    <p:sldId id="350" r:id="rId32"/>
+    <p:sldId id="297" r:id="rId27"/>
+    <p:sldId id="307" r:id="rId28"/>
+    <p:sldId id="301" r:id="rId29"/>
+    <p:sldId id="331" r:id="rId30"/>
+    <p:sldId id="350" r:id="rId31"/>
   </p:sldIdLst>
   <p:sldSz cx="9144000" cy="6858000" type="screen4x3"/>
   <p:notesSz cx="7010400" cy="9296400"/>
@@ -969,7 +968,7 @@
               <a:pPr>
                 <a:defRPr/>
               </a:pPr>
-              <a:t>30</a:t>
+              <a:t>29</a:t>
             </a:fld>
             <a:endParaRPr lang="en-US"/>
           </a:p>
@@ -10836,137 +10835,6 @@
 </file>
 
 <file path=ppt/slides/slide25.xml><?xml version="1.0" encoding="utf-8"?>
-<p:sld xmlns:a="http://schemas.openxmlformats.org/drawingml/2006/main" xmlns:r="http://schemas.openxmlformats.org/officeDocument/2006/relationships" xmlns:p="http://schemas.openxmlformats.org/presentationml/2006/main">
-  <p:cSld>
-    <p:spTree>
-      <p:nvGrpSpPr>
-        <p:cNvPr id="1" name=""/>
-        <p:cNvGrpSpPr/>
-        <p:nvPr/>
-      </p:nvGrpSpPr>
-      <p:grpSpPr>
-        <a:xfrm>
-          <a:off x="0" y="0"/>
-          <a:ext cx="0" cy="0"/>
-          <a:chOff x="0" y="0"/>
-          <a:chExt cx="0" cy="0"/>
-        </a:xfrm>
-      </p:grpSpPr>
-      <p:sp>
-        <p:nvSpPr>
-          <p:cNvPr id="3" name="Subtitle 2"/>
-          <p:cNvSpPr>
-            <a:spLocks noGrp="1"/>
-          </p:cNvSpPr>
-          <p:nvPr>
-            <p:ph type="subTitle" idx="1"/>
-          </p:nvPr>
-        </p:nvSpPr>
-        <p:spPr/>
-        <p:txBody>
-          <a:bodyPr/>
-          <a:lstStyle/>
-          <a:p>
-            <a:pPr lvl="1" algn="l"/>
-            <a:r>
-              <a:rPr lang="en-US" sz="2000" dirty="0" smtClean="0">
-                <a:solidFill>
-                  <a:srgbClr val="0070C0"/>
-                </a:solidFill>
-                <a:hlinkClick r:id="rId2"/>
-              </a:rPr>
-              <a:t>CompEx1</a:t>
-            </a:r>
-            <a:r>
-              <a:rPr lang="en-US" sz="2000" dirty="0" smtClean="0">
-                <a:solidFill>
-                  <a:srgbClr val="0070C0"/>
-                </a:solidFill>
-              </a:rPr>
-              <a:t> </a:t>
-            </a:r>
-            <a:r>
-              <a:rPr lang="en-US" sz="2000" dirty="0">
-                <a:solidFill>
-                  <a:srgbClr val="0070C0"/>
-                </a:solidFill>
-                <a:sym typeface="Wingdings" pitchFamily="2" charset="2"/>
-              </a:rPr>
-              <a:t> due </a:t>
-            </a:r>
-            <a:r>
-              <a:rPr lang="en-US" sz="2000" dirty="0" smtClean="0">
-                <a:solidFill>
-                  <a:srgbClr val="0070C0"/>
-                </a:solidFill>
-                <a:sym typeface="Wingdings" pitchFamily="2" charset="2"/>
-              </a:rPr>
-              <a:t>next lesson</a:t>
-            </a:r>
-            <a:endParaRPr lang="en-US" sz="2000" dirty="0">
-              <a:solidFill>
-                <a:srgbClr val="FF0000"/>
-              </a:solidFill>
-            </a:endParaRPr>
-          </a:p>
-          <a:p>
-            <a:pPr lvl="1" algn="l"/>
-            <a:endParaRPr lang="en-US" sz="2000" dirty="0">
-              <a:solidFill>
-                <a:srgbClr val="0070C0"/>
-              </a:solidFill>
-            </a:endParaRPr>
-          </a:p>
-          <a:p>
-            <a:pPr algn="l"/>
-            <a:endParaRPr lang="en-US" sz="2400" dirty="0" smtClean="0"/>
-          </a:p>
-        </p:txBody>
-      </p:sp>
-      <p:sp>
-        <p:nvSpPr>
-          <p:cNvPr id="2" name="Title 1"/>
-          <p:cNvSpPr>
-            <a:spLocks noGrp="1"/>
-          </p:cNvSpPr>
-          <p:nvPr>
-            <p:ph type="title"/>
-          </p:nvPr>
-        </p:nvSpPr>
-        <p:spPr/>
-        <p:txBody>
-          <a:bodyPr/>
-          <a:lstStyle/>
-          <a:p>
-            <a:r>
-              <a:rPr lang="en-US" dirty="0"/>
-              <a:t>Intro CompEx1</a:t>
-            </a:r>
-          </a:p>
-        </p:txBody>
-      </p:sp>
-    </p:spTree>
-    <p:extLst>
-      <p:ext uri="{BB962C8B-B14F-4D97-AF65-F5344CB8AC3E}">
-        <p14:creationId xmlns:p14="http://schemas.microsoft.com/office/powerpoint/2010/main" val="3018216297"/>
-      </p:ext>
-    </p:extLst>
-  </p:cSld>
-  <p:clrMapOvr>
-    <a:masterClrMapping/>
-  </p:clrMapOvr>
-  <p:transition spd="med"/>
-  <p:timing>
-    <p:tnLst>
-      <p:par>
-        <p:cTn id="1" dur="indefinite" restart="never" nodeType="tmRoot"/>
-      </p:par>
-    </p:tnLst>
-  </p:timing>
-</p:sld>
-</file>
-
-<file path=ppt/slides/slide26.xml><?xml version="1.0" encoding="utf-8"?>
 <p:sld xmlns:a="http://schemas.openxmlformats.org/drawingml/2006/main" xmlns:r="http://schemas.openxmlformats.org/officeDocument/2006/relationships" xmlns:p="http://schemas.openxmlformats.org/presentationml/2006/main" show="0">
   <p:cSld>
     <p:spTree>
@@ -11219,6 +11087,537 @@
     <p:extLst>
       <p:ext uri="{BB962C8B-B14F-4D97-AF65-F5344CB8AC3E}">
         <p14:creationId xmlns:p14="http://schemas.microsoft.com/office/powerpoint/2010/main" val="789265109"/>
+      </p:ext>
+    </p:extLst>
+  </p:cSld>
+  <p:clrMapOvr>
+    <a:masterClrMapping/>
+  </p:clrMapOvr>
+  <mc:AlternateContent xmlns:mc="http://schemas.openxmlformats.org/markup-compatibility/2006" xmlns:p14="http://schemas.microsoft.com/office/powerpoint/2010/main">
+    <mc:Choice Requires="p14">
+      <p:transition spd="slow" p14:dur="2000"/>
+    </mc:Choice>
+    <mc:Fallback xmlns="">
+      <p:transition spd="slow"/>
+    </mc:Fallback>
+  </mc:AlternateContent>
+  <p:timing>
+    <p:tnLst>
+      <p:par>
+        <p:cTn id="1" dur="indefinite" restart="never" nodeType="tmRoot"/>
+      </p:par>
+    </p:tnLst>
+  </p:timing>
+</p:sld>
+</file>
+
+<file path=ppt/slides/slide26.xml><?xml version="1.0" encoding="utf-8"?>
+<p:sld xmlns:a="http://schemas.openxmlformats.org/drawingml/2006/main" xmlns:r="http://schemas.openxmlformats.org/officeDocument/2006/relationships" xmlns:p="http://schemas.openxmlformats.org/presentationml/2006/main" show="0">
+  <p:cSld>
+    <p:spTree>
+      <p:nvGrpSpPr>
+        <p:cNvPr id="1" name=""/>
+        <p:cNvGrpSpPr/>
+        <p:nvPr/>
+      </p:nvGrpSpPr>
+      <p:grpSpPr>
+        <a:xfrm>
+          <a:off x="0" y="0"/>
+          <a:ext cx="0" cy="0"/>
+          <a:chOff x="0" y="0"/>
+          <a:chExt cx="0" cy="0"/>
+        </a:xfrm>
+      </p:grpSpPr>
+      <p:sp>
+        <p:nvSpPr>
+          <p:cNvPr id="3" name="Content Placeholder 2"/>
+          <p:cNvSpPr>
+            <a:spLocks noGrp="1"/>
+          </p:cNvSpPr>
+          <p:nvPr>
+            <p:ph type="subTitle" idx="1"/>
+          </p:nvPr>
+        </p:nvSpPr>
+        <p:spPr/>
+        <p:txBody>
+          <a:bodyPr/>
+          <a:lstStyle/>
+          <a:p>
+            <a:r>
+              <a:rPr lang="en-US" sz="2400" b="1" dirty="0"/>
+              <a:t>Instructions:</a:t>
+            </a:r>
+            <a:r>
+              <a:rPr lang="en-US" sz="2400" dirty="0"/>
+              <a:t> </a:t>
+            </a:r>
+            <a:endParaRPr lang="en-US" sz="2400" dirty="0" smtClean="0"/>
+          </a:p>
+          <a:p>
+            <a:pPr marL="400050" lvl="1" indent="0">
+              <a:buNone/>
+            </a:pPr>
+            <a:r>
+              <a:rPr lang="en-US" sz="2000" dirty="0" smtClean="0">
+                <a:solidFill>
+                  <a:srgbClr val="0070C0"/>
+                </a:solidFill>
+              </a:rPr>
+              <a:t>words </a:t>
+            </a:r>
+            <a:r>
+              <a:rPr lang="en-US" sz="2000" dirty="0">
+                <a:solidFill>
+                  <a:srgbClr val="0070C0"/>
+                </a:solidFill>
+              </a:rPr>
+              <a:t>in a computers language</a:t>
+            </a:r>
+          </a:p>
+          <a:p>
+            <a:r>
+              <a:rPr lang="en-US" sz="2400" b="1" dirty="0"/>
+              <a:t>Instruction Set:</a:t>
+            </a:r>
+            <a:r>
+              <a:rPr lang="en-US" sz="2400" dirty="0"/>
+              <a:t> </a:t>
+            </a:r>
+            <a:endParaRPr lang="en-US" sz="2400" dirty="0" smtClean="0"/>
+          </a:p>
+          <a:p>
+            <a:pPr marL="457200" lvl="1" indent="0">
+              <a:buNone/>
+            </a:pPr>
+            <a:r>
+              <a:rPr lang="en-US" sz="2000" dirty="0" smtClean="0">
+                <a:solidFill>
+                  <a:srgbClr val="0070C0"/>
+                </a:solidFill>
+              </a:rPr>
+              <a:t>the </a:t>
+            </a:r>
+            <a:r>
+              <a:rPr lang="en-US" sz="2000" dirty="0">
+                <a:solidFill>
+                  <a:srgbClr val="0070C0"/>
+                </a:solidFill>
+              </a:rPr>
+              <a:t>dictionary of the language</a:t>
+            </a:r>
+          </a:p>
+          <a:p>
+            <a:r>
+              <a:rPr lang="en-US" sz="2400" b="1" dirty="0"/>
+              <a:t>Assembly Language:</a:t>
+            </a:r>
+            <a:r>
+              <a:rPr lang="en-US" sz="2400" dirty="0"/>
+              <a:t> </a:t>
+            </a:r>
+            <a:endParaRPr lang="en-US" sz="2400" dirty="0" smtClean="0"/>
+          </a:p>
+          <a:p>
+            <a:pPr marL="457200" lvl="1" indent="0">
+              <a:buNone/>
+            </a:pPr>
+            <a:r>
+              <a:rPr lang="en-US" sz="2000" dirty="0" smtClean="0">
+                <a:solidFill>
+                  <a:srgbClr val="0070C0"/>
+                </a:solidFill>
+              </a:rPr>
+              <a:t>human-readable </a:t>
+            </a:r>
+            <a:r>
+              <a:rPr lang="en-US" sz="2000" dirty="0">
+                <a:solidFill>
+                  <a:srgbClr val="0070C0"/>
+                </a:solidFill>
+              </a:rPr>
+              <a:t>format of computer instructions</a:t>
+            </a:r>
+          </a:p>
+          <a:p>
+            <a:r>
+              <a:rPr lang="en-US" sz="2400" b="1" dirty="0"/>
+              <a:t>Machine Language:</a:t>
+            </a:r>
+            <a:r>
+              <a:rPr lang="en-US" sz="2400" dirty="0"/>
+              <a:t> </a:t>
+            </a:r>
+            <a:endParaRPr lang="en-US" sz="2400" dirty="0" smtClean="0"/>
+          </a:p>
+          <a:p>
+            <a:pPr marL="457200" lvl="1" indent="0">
+              <a:buNone/>
+            </a:pPr>
+            <a:r>
+              <a:rPr lang="en-US" sz="2000" dirty="0" smtClean="0">
+                <a:solidFill>
+                  <a:srgbClr val="0070C0"/>
+                </a:solidFill>
+              </a:rPr>
+              <a:t>computer-readable </a:t>
+            </a:r>
+            <a:r>
+              <a:rPr lang="en-US" sz="2000" dirty="0">
+                <a:solidFill>
+                  <a:srgbClr val="0070C0"/>
+                </a:solidFill>
+              </a:rPr>
+              <a:t>instructions - binary (1's and 0's)</a:t>
+            </a:r>
+          </a:p>
+          <a:p>
+            <a:endParaRPr lang="en-US" sz="2400" dirty="0"/>
+          </a:p>
+        </p:txBody>
+      </p:sp>
+      <p:sp>
+        <p:nvSpPr>
+          <p:cNvPr id="2" name="Title 1"/>
+          <p:cNvSpPr>
+            <a:spLocks noGrp="1"/>
+          </p:cNvSpPr>
+          <p:nvPr>
+            <p:ph type="title"/>
+          </p:nvPr>
+        </p:nvSpPr>
+        <p:spPr/>
+        <p:txBody>
+          <a:bodyPr/>
+          <a:lstStyle/>
+          <a:p>
+            <a:r>
+              <a:rPr lang="en-US" b="1" dirty="0"/>
+              <a:t>Assembly and Machine Languages</a:t>
+            </a:r>
+            <a:endParaRPr lang="en-US" dirty="0"/>
+          </a:p>
+        </p:txBody>
+      </p:sp>
+      <p:sp>
+        <p:nvSpPr>
+          <p:cNvPr id="4" name="Rectangle 4"/>
+          <p:cNvSpPr>
+            <a:spLocks noChangeArrowheads="1"/>
+          </p:cNvSpPr>
+          <p:nvPr/>
+        </p:nvSpPr>
+        <p:spPr bwMode="auto">
+          <a:xfrm>
+            <a:off x="5820187" y="1906285"/>
+            <a:ext cx="2121125" cy="680396"/>
+          </a:xfrm>
+          <a:prstGeom prst="rect">
+            <a:avLst/>
+          </a:prstGeom>
+          <a:noFill/>
+          <a:ln w="9525">
+            <a:solidFill>
+              <a:schemeClr val="tx1"/>
+            </a:solidFill>
+            <a:miter lim="800000"/>
+            <a:headEnd/>
+            <a:tailEnd/>
+          </a:ln>
+        </p:spPr>
+        <p:txBody>
+          <a:bodyPr wrap="none" anchor="ctr"/>
+          <a:lstStyle/>
+          <a:p>
+            <a:pPr algn="ctr" eaLnBrk="0" hangingPunct="0">
+              <a:spcBef>
+                <a:spcPct val="0"/>
+              </a:spcBef>
+            </a:pPr>
+            <a:r>
+              <a:rPr lang="en-US" sz="1800" b="1" dirty="0" smtClean="0"/>
+              <a:t>Assembler</a:t>
+            </a:r>
+            <a:endParaRPr lang="en-US" b="1" dirty="0"/>
+          </a:p>
+        </p:txBody>
+      </p:sp>
+      <p:sp>
+        <p:nvSpPr>
+          <p:cNvPr id="7" name="Line 9"/>
+          <p:cNvSpPr>
+            <a:spLocks noChangeShapeType="1"/>
+          </p:cNvSpPr>
+          <p:nvPr/>
+        </p:nvSpPr>
+        <p:spPr bwMode="auto">
+          <a:xfrm>
+            <a:off x="6883192" y="1571985"/>
+            <a:ext cx="0" cy="323949"/>
+          </a:xfrm>
+          <a:prstGeom prst="line">
+            <a:avLst/>
+          </a:prstGeom>
+          <a:noFill/>
+          <a:ln w="9525">
+            <a:solidFill>
+              <a:schemeClr val="tx1"/>
+            </a:solidFill>
+            <a:round/>
+            <a:headEnd/>
+            <a:tailEnd type="triangle" w="med" len="med"/>
+          </a:ln>
+        </p:spPr>
+        <p:txBody>
+          <a:bodyPr wrap="none" anchor="ctr"/>
+          <a:lstStyle/>
+          <a:p>
+            <a:endParaRPr lang="en-US"/>
+          </a:p>
+        </p:txBody>
+      </p:sp>
+      <p:sp>
+        <p:nvSpPr>
+          <p:cNvPr id="9" name="TextBox 8"/>
+          <p:cNvSpPr txBox="1"/>
+          <p:nvPr/>
+        </p:nvSpPr>
+        <p:spPr>
+          <a:xfrm>
+            <a:off x="5334156" y="1213004"/>
+            <a:ext cx="2929007" cy="369332"/>
+          </a:xfrm>
+          <a:prstGeom prst="rect">
+            <a:avLst/>
+          </a:prstGeom>
+          <a:noFill/>
+        </p:spPr>
+        <p:txBody>
+          <a:bodyPr wrap="none" rtlCol="0">
+            <a:spAutoFit/>
+          </a:bodyPr>
+          <a:lstStyle/>
+          <a:p>
+            <a:r>
+              <a:rPr lang="en-US" sz="1800" dirty="0" smtClean="0"/>
+              <a:t>Assembly Language Program</a:t>
+            </a:r>
+            <a:endParaRPr lang="en-US" sz="1800" dirty="0"/>
+          </a:p>
+        </p:txBody>
+      </p:sp>
+      <p:sp>
+        <p:nvSpPr>
+          <p:cNvPr id="10" name="Line 9"/>
+          <p:cNvSpPr>
+            <a:spLocks noChangeShapeType="1"/>
+          </p:cNvSpPr>
+          <p:nvPr/>
+        </p:nvSpPr>
+        <p:spPr bwMode="auto">
+          <a:xfrm>
+            <a:off x="6880749" y="2586681"/>
+            <a:ext cx="0" cy="323949"/>
+          </a:xfrm>
+          <a:prstGeom prst="line">
+            <a:avLst/>
+          </a:prstGeom>
+          <a:noFill/>
+          <a:ln w="9525">
+            <a:solidFill>
+              <a:schemeClr val="tx1"/>
+            </a:solidFill>
+            <a:round/>
+            <a:headEnd/>
+            <a:tailEnd type="triangle" w="med" len="med"/>
+          </a:ln>
+        </p:spPr>
+        <p:txBody>
+          <a:bodyPr wrap="none" anchor="ctr"/>
+          <a:lstStyle/>
+          <a:p>
+            <a:endParaRPr lang="en-US"/>
+          </a:p>
+        </p:txBody>
+      </p:sp>
+      <p:sp>
+        <p:nvSpPr>
+          <p:cNvPr id="11" name="Rectangle 4"/>
+          <p:cNvSpPr>
+            <a:spLocks noChangeArrowheads="1"/>
+          </p:cNvSpPr>
+          <p:nvPr/>
+        </p:nvSpPr>
+        <p:spPr bwMode="auto">
+          <a:xfrm>
+            <a:off x="5822629" y="3608030"/>
+            <a:ext cx="2121125" cy="680396"/>
+          </a:xfrm>
+          <a:prstGeom prst="rect">
+            <a:avLst/>
+          </a:prstGeom>
+          <a:noFill/>
+          <a:ln w="9525">
+            <a:solidFill>
+              <a:schemeClr val="tx1"/>
+            </a:solidFill>
+            <a:miter lim="800000"/>
+            <a:headEnd/>
+            <a:tailEnd/>
+          </a:ln>
+        </p:spPr>
+        <p:txBody>
+          <a:bodyPr wrap="none" anchor="ctr"/>
+          <a:lstStyle/>
+          <a:p>
+            <a:pPr algn="ctr" eaLnBrk="0" hangingPunct="0">
+              <a:spcBef>
+                <a:spcPct val="0"/>
+              </a:spcBef>
+            </a:pPr>
+            <a:r>
+              <a:rPr lang="en-US" sz="1800" b="1" dirty="0" smtClean="0"/>
+              <a:t>Linker</a:t>
+            </a:r>
+            <a:endParaRPr lang="en-US" b="1" dirty="0"/>
+          </a:p>
+        </p:txBody>
+      </p:sp>
+      <p:sp>
+        <p:nvSpPr>
+          <p:cNvPr id="12" name="Line 9"/>
+          <p:cNvSpPr>
+            <a:spLocks noChangeShapeType="1"/>
+          </p:cNvSpPr>
+          <p:nvPr/>
+        </p:nvSpPr>
+        <p:spPr bwMode="auto">
+          <a:xfrm>
+            <a:off x="6885634" y="3273730"/>
+            <a:ext cx="0" cy="323949"/>
+          </a:xfrm>
+          <a:prstGeom prst="line">
+            <a:avLst/>
+          </a:prstGeom>
+          <a:noFill/>
+          <a:ln w="9525">
+            <a:solidFill>
+              <a:schemeClr val="tx1"/>
+            </a:solidFill>
+            <a:round/>
+            <a:headEnd/>
+            <a:tailEnd type="triangle" w="med" len="med"/>
+          </a:ln>
+        </p:spPr>
+        <p:txBody>
+          <a:bodyPr wrap="none" anchor="ctr"/>
+          <a:lstStyle/>
+          <a:p>
+            <a:endParaRPr lang="en-US"/>
+          </a:p>
+        </p:txBody>
+      </p:sp>
+      <p:sp>
+        <p:nvSpPr>
+          <p:cNvPr id="13" name="TextBox 12"/>
+          <p:cNvSpPr txBox="1"/>
+          <p:nvPr/>
+        </p:nvSpPr>
+        <p:spPr>
+          <a:xfrm>
+            <a:off x="5634254" y="2904398"/>
+            <a:ext cx="2492990" cy="369332"/>
+          </a:xfrm>
+          <a:prstGeom prst="rect">
+            <a:avLst/>
+          </a:prstGeom>
+          <a:noFill/>
+        </p:spPr>
+        <p:txBody>
+          <a:bodyPr wrap="none" rtlCol="0">
+            <a:spAutoFit/>
+          </a:bodyPr>
+          <a:lstStyle/>
+          <a:p>
+            <a:r>
+              <a:rPr lang="en-US" sz="1800" dirty="0" err="1" smtClean="0"/>
+              <a:t>Relocatable</a:t>
+            </a:r>
+            <a:r>
+              <a:rPr lang="en-US" sz="1800" dirty="0" smtClean="0"/>
+              <a:t> Object Code</a:t>
+            </a:r>
+            <a:endParaRPr lang="en-US" sz="1800" dirty="0"/>
+          </a:p>
+        </p:txBody>
+      </p:sp>
+      <p:sp>
+        <p:nvSpPr>
+          <p:cNvPr id="14" name="Line 9"/>
+          <p:cNvSpPr>
+            <a:spLocks noChangeShapeType="1"/>
+          </p:cNvSpPr>
+          <p:nvPr/>
+        </p:nvSpPr>
+        <p:spPr bwMode="auto">
+          <a:xfrm>
+            <a:off x="6883191" y="4288426"/>
+            <a:ext cx="0" cy="323949"/>
+          </a:xfrm>
+          <a:prstGeom prst="line">
+            <a:avLst/>
+          </a:prstGeom>
+          <a:noFill/>
+          <a:ln w="9525">
+            <a:solidFill>
+              <a:schemeClr val="tx1"/>
+            </a:solidFill>
+            <a:round/>
+            <a:headEnd/>
+            <a:tailEnd type="triangle" w="med" len="med"/>
+          </a:ln>
+        </p:spPr>
+        <p:txBody>
+          <a:bodyPr wrap="none" anchor="ctr"/>
+          <a:lstStyle/>
+          <a:p>
+            <a:endParaRPr lang="en-US"/>
+          </a:p>
+        </p:txBody>
+      </p:sp>
+      <p:sp>
+        <p:nvSpPr>
+          <p:cNvPr id="15" name="TextBox 14"/>
+          <p:cNvSpPr txBox="1"/>
+          <p:nvPr/>
+        </p:nvSpPr>
+        <p:spPr>
+          <a:xfrm>
+            <a:off x="6002944" y="4612375"/>
+            <a:ext cx="1755609" cy="369332"/>
+          </a:xfrm>
+          <a:prstGeom prst="rect">
+            <a:avLst/>
+          </a:prstGeom>
+          <a:noFill/>
+        </p:spPr>
+        <p:txBody>
+          <a:bodyPr wrap="none" rtlCol="0">
+            <a:spAutoFit/>
+          </a:bodyPr>
+          <a:lstStyle/>
+          <a:p>
+            <a:r>
+              <a:rPr lang="en-US" sz="1800" dirty="0" smtClean="0"/>
+              <a:t>Executable Code</a:t>
+            </a:r>
+            <a:endParaRPr lang="en-US" sz="1800" dirty="0"/>
+          </a:p>
+        </p:txBody>
+      </p:sp>
+    </p:spTree>
+    <p:extLst>
+      <p:ext uri="{BB962C8B-B14F-4D97-AF65-F5344CB8AC3E}">
+        <p14:creationId xmlns:p14="http://schemas.microsoft.com/office/powerpoint/2010/main" val="3138691699"/>
       </p:ext>
     </p:extLst>
   </p:cSld>
@@ -11275,135 +11674,540 @@
           <a:bodyPr/>
           <a:lstStyle/>
           <a:p>
-            <a:r>
-              <a:rPr lang="en-US" sz="2400" b="1" dirty="0"/>
-              <a:t>Instructions:</a:t>
-            </a:r>
-            <a:r>
-              <a:rPr lang="en-US" sz="2400" dirty="0"/>
-              <a:t> </a:t>
-            </a:r>
-            <a:endParaRPr lang="en-US" sz="2400" dirty="0" smtClean="0"/>
-          </a:p>
-          <a:p>
-            <a:pPr marL="400050" lvl="1" indent="0">
+            <a:pPr marL="0" lvl="1" indent="0">
               <a:buNone/>
             </a:pPr>
             <a:r>
-              <a:rPr lang="en-US" sz="2000" dirty="0" smtClean="0">
+              <a:rPr lang="en-US" sz="2400" dirty="0">
                 <a:solidFill>
                   <a:srgbClr val="0070C0"/>
                 </a:solidFill>
               </a:rPr>
-              <a:t>words </a:t>
-            </a:r>
-            <a:r>
-              <a:rPr lang="en-US" sz="2000" dirty="0">
+              <a:t>Our chip version: </a:t>
+            </a:r>
+            <a:r>
+              <a:rPr lang="en-US" sz="2400" b="1" dirty="0" smtClean="0"/>
+              <a:t>Msp430g2553  </a:t>
+            </a:r>
+            <a:r>
+              <a:rPr lang="en-US" sz="2400" b="1" dirty="0" smtClean="0">
                 <a:solidFill>
                   <a:srgbClr val="0070C0"/>
                 </a:solidFill>
-              </a:rPr>
-              <a:t>in a computers language</a:t>
-            </a:r>
-          </a:p>
-          <a:p>
-            <a:r>
-              <a:rPr lang="en-US" sz="2400" b="1" dirty="0"/>
-              <a:t>Instruction Set:</a:t>
-            </a:r>
-            <a:r>
-              <a:rPr lang="en-US" sz="2400" dirty="0"/>
+                <a:sym typeface="Wingdings" pitchFamily="2" charset="2"/>
+              </a:rPr>
+              <a:t> open CCS</a:t>
+            </a:r>
+            <a:endParaRPr lang="en-US" sz="2400" dirty="0">
+              <a:solidFill>
+                <a:srgbClr val="0070C0"/>
+              </a:solidFill>
+            </a:endParaRPr>
+          </a:p>
+          <a:p>
+            <a:pPr marL="0" indent="0">
+              <a:buNone/>
+            </a:pPr>
+            <a:endParaRPr lang="en-US" sz="1400" dirty="0" smtClean="0">
+              <a:latin typeface="Courier New" pitchFamily="49" charset="0"/>
+              <a:cs typeface="Courier New" pitchFamily="49" charset="0"/>
+            </a:endParaRPr>
+          </a:p>
+          <a:p>
+            <a:pPr marL="0" indent="0">
+              <a:buNone/>
+            </a:pPr>
+            <a:r>
+              <a:rPr lang="en-US" sz="1400" dirty="0" smtClean="0">
+                <a:latin typeface="Courier New" pitchFamily="49" charset="0"/>
+                <a:cs typeface="Courier New" pitchFamily="49" charset="0"/>
+              </a:rPr>
+              <a:t>; </a:t>
+            </a:r>
+            <a:r>
+              <a:rPr lang="en-US" sz="1400" dirty="0">
+                <a:latin typeface="Courier New" pitchFamily="49" charset="0"/>
+                <a:cs typeface="Courier New" pitchFamily="49" charset="0"/>
+              </a:rPr>
+              <a:t>This program sets all pins on Port 1 to output and high.  Since LEDs 1 and 2 are connected to P1.0 and P1.6 respectively, they will light up</a:t>
+            </a:r>
+            <a:r>
+              <a:rPr lang="en-US" sz="1400" dirty="0" smtClean="0">
+                <a:latin typeface="Courier New" pitchFamily="49" charset="0"/>
+                <a:cs typeface="Courier New" pitchFamily="49" charset="0"/>
+              </a:rPr>
+              <a:t>. This program turns the LEDs on and off</a:t>
+            </a:r>
+            <a:endParaRPr lang="en-US" sz="1400" dirty="0">
+              <a:latin typeface="Courier New" pitchFamily="49" charset="0"/>
+              <a:cs typeface="Courier New" pitchFamily="49" charset="0"/>
+            </a:endParaRPr>
+          </a:p>
+          <a:p>
+            <a:pPr marL="0" indent="0">
+              <a:buNone/>
+            </a:pPr>
+            <a:endParaRPr lang="en-US" sz="1400" dirty="0">
+              <a:latin typeface="Courier New" pitchFamily="49" charset="0"/>
+              <a:cs typeface="Courier New" pitchFamily="49" charset="0"/>
+            </a:endParaRPr>
+          </a:p>
+          <a:p>
+            <a:pPr marL="0" indent="0">
+              <a:buNone/>
+            </a:pPr>
+            <a:r>
+              <a:rPr lang="en-US" sz="1400" dirty="0">
+                <a:latin typeface="Courier New" pitchFamily="49" charset="0"/>
+                <a:cs typeface="Courier New" pitchFamily="49" charset="0"/>
+              </a:rPr>
+              <a:t>.text</a:t>
+            </a:r>
+          </a:p>
+          <a:p>
+            <a:pPr marL="0" indent="0">
+              <a:buNone/>
+            </a:pPr>
+            <a:r>
+              <a:rPr lang="en-US" sz="1400" dirty="0">
+                <a:latin typeface="Courier New" pitchFamily="49" charset="0"/>
+                <a:cs typeface="Courier New" pitchFamily="49" charset="0"/>
+              </a:rPr>
               <a:t> </a:t>
             </a:r>
-            <a:endParaRPr lang="en-US" sz="2400" dirty="0" smtClean="0"/>
-          </a:p>
-          <a:p>
-            <a:pPr marL="457200" lvl="1" indent="0">
+            <a:r>
+              <a:rPr lang="en-US" sz="1400" dirty="0" smtClean="0">
+                <a:latin typeface="Courier New" pitchFamily="49" charset="0"/>
+                <a:cs typeface="Courier New" pitchFamily="49" charset="0"/>
+              </a:rPr>
+              <a:t>                         ; </a:t>
+            </a:r>
+            <a:r>
+              <a:rPr lang="en-US" sz="1400" dirty="0">
+                <a:latin typeface="Courier New" pitchFamily="49" charset="0"/>
+                <a:cs typeface="Courier New" pitchFamily="49" charset="0"/>
+              </a:rPr>
+              <a:t>turn off watchdog timer</a:t>
+            </a:r>
+            <a:endParaRPr lang="en-US" sz="1400" dirty="0" smtClean="0">
+              <a:latin typeface="Courier New" pitchFamily="49" charset="0"/>
+              <a:cs typeface="Courier New" pitchFamily="49" charset="0"/>
+            </a:endParaRPr>
+          </a:p>
+          <a:p>
+            <a:pPr marL="0" indent="0">
               <a:buNone/>
             </a:pPr>
             <a:r>
-              <a:rPr lang="en-US" sz="2000" dirty="0" smtClean="0">
+              <a:rPr lang="en-US" sz="1400" dirty="0" smtClean="0">
+                <a:latin typeface="Courier New" pitchFamily="49" charset="0"/>
+                <a:cs typeface="Courier New" pitchFamily="49" charset="0"/>
+              </a:rPr>
+              <a:t>main</a:t>
+            </a:r>
+            <a:r>
+              <a:rPr lang="en-US" sz="1400" dirty="0">
+                <a:latin typeface="Courier New" pitchFamily="49" charset="0"/>
+                <a:cs typeface="Courier New" pitchFamily="49" charset="0"/>
+              </a:rPr>
+              <a:t>:</a:t>
+            </a:r>
+          </a:p>
+          <a:p>
+            <a:pPr marL="0" indent="0">
+              <a:buNone/>
+            </a:pPr>
+            <a:r>
+              <a:rPr lang="en-US" sz="1400" dirty="0" smtClean="0">
+                <a:latin typeface="Courier New" pitchFamily="49" charset="0"/>
+                <a:cs typeface="Courier New" pitchFamily="49" charset="0"/>
+              </a:rPr>
+              <a:t>    </a:t>
+            </a:r>
+            <a:r>
+              <a:rPr lang="en-US" sz="1400" dirty="0" err="1" smtClean="0">
+                <a:latin typeface="Courier New" pitchFamily="49" charset="0"/>
+                <a:cs typeface="Courier New" pitchFamily="49" charset="0"/>
+              </a:rPr>
+              <a:t>bis.b</a:t>
+            </a:r>
+            <a:r>
+              <a:rPr lang="en-US" sz="1400" dirty="0" smtClean="0">
+                <a:latin typeface="Courier New" pitchFamily="49" charset="0"/>
+                <a:cs typeface="Courier New" pitchFamily="49" charset="0"/>
+              </a:rPr>
+              <a:t>   </a:t>
+            </a:r>
+            <a:r>
+              <a:rPr lang="en-US" sz="1400" dirty="0">
+                <a:latin typeface="Courier New" pitchFamily="49" charset="0"/>
+                <a:cs typeface="Courier New" pitchFamily="49" charset="0"/>
+              </a:rPr>
+              <a:t>#0xFF, &amp;</a:t>
+            </a:r>
+            <a:r>
+              <a:rPr lang="en-US" sz="1400" dirty="0" smtClean="0">
+                <a:latin typeface="Courier New" pitchFamily="49" charset="0"/>
+                <a:cs typeface="Courier New" pitchFamily="49" charset="0"/>
+              </a:rPr>
+              <a:t>P1DIR    ; set port1 direction to output</a:t>
+            </a:r>
+            <a:endParaRPr lang="en-US" sz="1400" dirty="0">
+              <a:latin typeface="Courier New" pitchFamily="49" charset="0"/>
+              <a:cs typeface="Courier New" pitchFamily="49" charset="0"/>
+            </a:endParaRPr>
+          </a:p>
+          <a:p>
+            <a:pPr marL="0" indent="0">
+              <a:buNone/>
+            </a:pPr>
+            <a:r>
+              <a:rPr lang="en-US" sz="1400" dirty="0" err="1" smtClean="0">
+                <a:latin typeface="Courier New" pitchFamily="49" charset="0"/>
+                <a:cs typeface="Courier New" pitchFamily="49" charset="0"/>
+              </a:rPr>
+              <a:t>Turn_on</a:t>
+            </a:r>
+            <a:r>
+              <a:rPr lang="en-US" sz="1400" dirty="0" smtClean="0">
+                <a:latin typeface="Courier New" pitchFamily="49" charset="0"/>
+                <a:cs typeface="Courier New" pitchFamily="49" charset="0"/>
+              </a:rPr>
+              <a:t>:</a:t>
+            </a:r>
+          </a:p>
+          <a:p>
+            <a:pPr marL="0" indent="0">
+              <a:buNone/>
+            </a:pPr>
+            <a:r>
+              <a:rPr lang="en-US" sz="1400" dirty="0" smtClean="0">
+                <a:latin typeface="Courier New" pitchFamily="49" charset="0"/>
+                <a:cs typeface="Courier New" pitchFamily="49" charset="0"/>
+              </a:rPr>
+              <a:t>    </a:t>
+            </a:r>
+            <a:r>
+              <a:rPr lang="en-US" sz="1400" dirty="0" err="1">
+                <a:latin typeface="Courier New" pitchFamily="49" charset="0"/>
+                <a:cs typeface="Courier New" pitchFamily="49" charset="0"/>
+              </a:rPr>
+              <a:t>bis.b</a:t>
+            </a:r>
+            <a:r>
+              <a:rPr lang="en-US" sz="1400" dirty="0">
+                <a:latin typeface="Courier New" pitchFamily="49" charset="0"/>
+                <a:cs typeface="Courier New" pitchFamily="49" charset="0"/>
+              </a:rPr>
+              <a:t>   #0xFF, &amp;</a:t>
+            </a:r>
+            <a:r>
+              <a:rPr lang="en-US" sz="1400" dirty="0" smtClean="0">
+                <a:latin typeface="Courier New" pitchFamily="49" charset="0"/>
+                <a:cs typeface="Courier New" pitchFamily="49" charset="0"/>
+              </a:rPr>
+              <a:t>P1OUT    ; turn on </a:t>
+            </a:r>
+            <a:r>
+              <a:rPr lang="en-US" sz="1400" dirty="0" err="1" smtClean="0">
+                <a:latin typeface="Courier New" pitchFamily="49" charset="0"/>
+                <a:cs typeface="Courier New" pitchFamily="49" charset="0"/>
+              </a:rPr>
+              <a:t>leds</a:t>
+            </a:r>
+            <a:r>
+              <a:rPr lang="en-US" sz="1400" dirty="0" smtClean="0">
+                <a:latin typeface="Courier New" pitchFamily="49" charset="0"/>
+                <a:cs typeface="Courier New" pitchFamily="49" charset="0"/>
+              </a:rPr>
+              <a:t> at port1,  </a:t>
+            </a:r>
+            <a:r>
+              <a:rPr lang="en-US" sz="1400" dirty="0" err="1" smtClean="0">
                 <a:solidFill>
                   <a:srgbClr val="0070C0"/>
                 </a:solidFill>
-              </a:rPr>
-              <a:t>the </a:t>
-            </a:r>
-            <a:r>
-              <a:rPr lang="en-US" sz="2000" dirty="0">
+                <a:latin typeface="Courier New" pitchFamily="49" charset="0"/>
+                <a:cs typeface="Courier New" pitchFamily="49" charset="0"/>
+              </a:rPr>
+              <a:t>bis</a:t>
+            </a:r>
+            <a:r>
+              <a:rPr lang="en-US" sz="1400" dirty="0" smtClean="0">
                 <a:solidFill>
                   <a:srgbClr val="0070C0"/>
                 </a:solidFill>
-              </a:rPr>
-              <a:t>dictionary of the language</a:t>
-            </a:r>
-          </a:p>
-          <a:p>
-            <a:r>
-              <a:rPr lang="en-US" sz="2400" b="1" dirty="0"/>
-              <a:t>Assembly Language:</a:t>
-            </a:r>
-            <a:r>
-              <a:rPr lang="en-US" sz="2400" dirty="0"/>
+                <a:latin typeface="Courier New" pitchFamily="49" charset="0"/>
+                <a:cs typeface="Courier New" pitchFamily="49" charset="0"/>
+              </a:rPr>
+              <a:t>?</a:t>
+            </a:r>
+          </a:p>
+          <a:p>
+            <a:pPr marL="0" indent="0">
+              <a:buNone/>
+            </a:pPr>
+            <a:r>
+              <a:rPr lang="en-US" sz="1400" dirty="0">
+                <a:latin typeface="Courier New" pitchFamily="49" charset="0"/>
+                <a:cs typeface="Courier New" pitchFamily="49" charset="0"/>
+              </a:rPr>
               <a:t> </a:t>
             </a:r>
-            <a:endParaRPr lang="en-US" sz="2400" dirty="0" smtClean="0"/>
-          </a:p>
-          <a:p>
-            <a:pPr marL="457200" lvl="1" indent="0">
-              <a:buNone/>
-            </a:pPr>
-            <a:r>
-              <a:rPr lang="en-US" sz="2000" dirty="0" smtClean="0">
+            <a:r>
+              <a:rPr lang="en-US" sz="1400" dirty="0" smtClean="0">
+                <a:latin typeface="Courier New" pitchFamily="49" charset="0"/>
+                <a:cs typeface="Courier New" pitchFamily="49" charset="0"/>
+              </a:rPr>
+              <a:t>                            ; could of:    </a:t>
+            </a:r>
+            <a:r>
+              <a:rPr lang="en-US" sz="1400" dirty="0" smtClean="0">
                 <a:solidFill>
                   <a:srgbClr val="0070C0"/>
                 </a:solidFill>
-              </a:rPr>
-              <a:t>human-readable </a:t>
-            </a:r>
-            <a:r>
-              <a:rPr lang="en-US" sz="2000" dirty="0">
+                <a:latin typeface="Courier New" pitchFamily="49" charset="0"/>
+                <a:cs typeface="Courier New" pitchFamily="49" charset="0"/>
+              </a:rPr>
+              <a:t>move ____ ,</a:t>
+            </a:r>
+            <a:r>
+              <a:rPr lang="en-US" sz="1400" dirty="0">
                 <a:solidFill>
                   <a:srgbClr val="0070C0"/>
                 </a:solidFill>
-              </a:rPr>
-              <a:t>format of computer instructions</a:t>
-            </a:r>
-          </a:p>
-          <a:p>
-            <a:r>
-              <a:rPr lang="en-US" sz="2400" b="1" dirty="0"/>
-              <a:t>Machine Language:</a:t>
-            </a:r>
-            <a:r>
-              <a:rPr lang="en-US" sz="2400" dirty="0"/>
-              <a:t> </a:t>
-            </a:r>
-            <a:endParaRPr lang="en-US" sz="2400" dirty="0" smtClean="0"/>
-          </a:p>
-          <a:p>
-            <a:pPr marL="457200" lvl="1" indent="0">
-              <a:buNone/>
-            </a:pPr>
-            <a:r>
-              <a:rPr lang="en-US" sz="2000" dirty="0" smtClean="0">
+                <a:latin typeface="Courier New" pitchFamily="49" charset="0"/>
+                <a:cs typeface="Courier New" pitchFamily="49" charset="0"/>
+              </a:rPr>
+              <a:t> &amp;P1OUT</a:t>
+            </a:r>
+            <a:r>
+              <a:rPr lang="en-US" sz="1400" dirty="0" smtClean="0">
                 <a:solidFill>
                   <a:srgbClr val="0070C0"/>
                 </a:solidFill>
-              </a:rPr>
-              <a:t>computer-readable </a:t>
-            </a:r>
-            <a:r>
-              <a:rPr lang="en-US" sz="2000" dirty="0">
+                <a:latin typeface="Courier New" pitchFamily="49" charset="0"/>
+                <a:cs typeface="Courier New" pitchFamily="49" charset="0"/>
+              </a:rPr>
+              <a:t> </a:t>
+            </a:r>
+            <a:endParaRPr lang="en-US" sz="1400" dirty="0">
+              <a:solidFill>
+                <a:srgbClr val="0070C0"/>
+              </a:solidFill>
+              <a:latin typeface="Courier New" pitchFamily="49" charset="0"/>
+              <a:cs typeface="Courier New" pitchFamily="49" charset="0"/>
+            </a:endParaRPr>
+          </a:p>
+          <a:p>
+            <a:pPr marL="0" indent="0">
+              <a:buNone/>
+            </a:pPr>
+            <a:r>
+              <a:rPr lang="en-US" sz="1400" dirty="0" err="1" smtClean="0">
+                <a:latin typeface="Courier New" pitchFamily="49" charset="0"/>
+                <a:cs typeface="Courier New" pitchFamily="49" charset="0"/>
+              </a:rPr>
+              <a:t>Turn_off</a:t>
+            </a:r>
+            <a:r>
+              <a:rPr lang="en-US" sz="1400" dirty="0" smtClean="0">
+                <a:latin typeface="Courier New" pitchFamily="49" charset="0"/>
+                <a:cs typeface="Courier New" pitchFamily="49" charset="0"/>
+              </a:rPr>
+              <a:t>:</a:t>
+            </a:r>
+          </a:p>
+          <a:p>
+            <a:pPr marL="0" indent="0">
+              <a:buNone/>
+            </a:pPr>
+            <a:r>
+              <a:rPr lang="en-US" sz="1400" dirty="0">
+                <a:latin typeface="Courier New" pitchFamily="49" charset="0"/>
+                <a:cs typeface="Courier New" pitchFamily="49" charset="0"/>
+              </a:rPr>
+              <a:t> </a:t>
+            </a:r>
+            <a:r>
+              <a:rPr lang="en-US" sz="1400" dirty="0" smtClean="0">
+                <a:latin typeface="Courier New" pitchFamily="49" charset="0"/>
+                <a:cs typeface="Courier New" pitchFamily="49" charset="0"/>
+              </a:rPr>
+              <a:t>   </a:t>
+            </a:r>
+            <a:r>
+              <a:rPr lang="en-US" sz="1400" dirty="0" err="1" smtClean="0">
+                <a:latin typeface="Courier New" pitchFamily="49" charset="0"/>
+                <a:cs typeface="Courier New" pitchFamily="49" charset="0"/>
+              </a:rPr>
+              <a:t>bic.b</a:t>
+            </a:r>
+            <a:r>
+              <a:rPr lang="en-US" sz="1400" dirty="0" smtClean="0">
+                <a:latin typeface="Courier New" pitchFamily="49" charset="0"/>
+                <a:cs typeface="Courier New" pitchFamily="49" charset="0"/>
+              </a:rPr>
+              <a:t>   </a:t>
+            </a:r>
+            <a:r>
+              <a:rPr lang="en-US" sz="1400" dirty="0">
+                <a:latin typeface="Courier New" pitchFamily="49" charset="0"/>
+                <a:cs typeface="Courier New" pitchFamily="49" charset="0"/>
+              </a:rPr>
+              <a:t>#0xFF, &amp;P1OUT    ; turn on </a:t>
+            </a:r>
+            <a:r>
+              <a:rPr lang="en-US" sz="1400" dirty="0" err="1">
+                <a:latin typeface="Courier New" pitchFamily="49" charset="0"/>
+                <a:cs typeface="Courier New" pitchFamily="49" charset="0"/>
+              </a:rPr>
+              <a:t>leds</a:t>
+            </a:r>
+            <a:r>
+              <a:rPr lang="en-US" sz="1400" dirty="0">
+                <a:latin typeface="Courier New" pitchFamily="49" charset="0"/>
+                <a:cs typeface="Courier New" pitchFamily="49" charset="0"/>
+              </a:rPr>
+              <a:t> at </a:t>
+            </a:r>
+            <a:r>
+              <a:rPr lang="en-US" sz="1400" dirty="0" smtClean="0">
+                <a:latin typeface="Courier New" pitchFamily="49" charset="0"/>
+                <a:cs typeface="Courier New" pitchFamily="49" charset="0"/>
+              </a:rPr>
+              <a:t>port1,  </a:t>
+            </a:r>
+            <a:r>
+              <a:rPr lang="en-US" sz="1400" dirty="0" err="1" smtClean="0">
                 <a:solidFill>
                   <a:srgbClr val="0070C0"/>
                 </a:solidFill>
-              </a:rPr>
-              <a:t>instructions - binary (1's and 0's)</a:t>
-            </a:r>
-          </a:p>
-          <a:p>
-            <a:endParaRPr lang="en-US" sz="2400" dirty="0"/>
+                <a:latin typeface="Courier New" pitchFamily="49" charset="0"/>
+                <a:cs typeface="Courier New" pitchFamily="49" charset="0"/>
+              </a:rPr>
+              <a:t>bic</a:t>
+            </a:r>
+            <a:r>
+              <a:rPr lang="en-US" sz="1400" dirty="0" smtClean="0">
+                <a:solidFill>
+                  <a:srgbClr val="0070C0"/>
+                </a:solidFill>
+                <a:latin typeface="Courier New" pitchFamily="49" charset="0"/>
+                <a:cs typeface="Courier New" pitchFamily="49" charset="0"/>
+              </a:rPr>
+              <a:t>?</a:t>
+            </a:r>
+            <a:endParaRPr lang="en-US" sz="1400" dirty="0">
+              <a:solidFill>
+                <a:srgbClr val="0070C0"/>
+              </a:solidFill>
+              <a:latin typeface="Courier New" pitchFamily="49" charset="0"/>
+              <a:cs typeface="Courier New" pitchFamily="49" charset="0"/>
+            </a:endParaRPr>
+          </a:p>
+          <a:p>
+            <a:pPr marL="0" indent="0">
+              <a:buNone/>
+            </a:pPr>
+            <a:r>
+              <a:rPr lang="en-US" sz="1400" dirty="0">
+                <a:latin typeface="Courier New" pitchFamily="49" charset="0"/>
+                <a:cs typeface="Courier New" pitchFamily="49" charset="0"/>
+              </a:rPr>
+              <a:t>                             ; could </a:t>
+            </a:r>
+            <a:r>
+              <a:rPr lang="en-US" sz="1400" dirty="0" smtClean="0">
+                <a:latin typeface="Courier New" pitchFamily="49" charset="0"/>
+                <a:cs typeface="Courier New" pitchFamily="49" charset="0"/>
+              </a:rPr>
+              <a:t>of:     </a:t>
+            </a:r>
+            <a:r>
+              <a:rPr lang="en-US" sz="1400" dirty="0">
+                <a:solidFill>
+                  <a:srgbClr val="0070C0"/>
+                </a:solidFill>
+                <a:latin typeface="Courier New" pitchFamily="49" charset="0"/>
+                <a:cs typeface="Courier New" pitchFamily="49" charset="0"/>
+              </a:rPr>
+              <a:t>move ____ , &amp;P1OUT </a:t>
+            </a:r>
+          </a:p>
+          <a:p>
+            <a:pPr marL="0" indent="0">
+              <a:buNone/>
+            </a:pPr>
+            <a:r>
+              <a:rPr lang="en-US" sz="1400" dirty="0">
+                <a:latin typeface="Courier New" pitchFamily="49" charset="0"/>
+                <a:cs typeface="Courier New" pitchFamily="49" charset="0"/>
+              </a:rPr>
+              <a:t>    </a:t>
+            </a:r>
+            <a:r>
+              <a:rPr lang="en-US" sz="1400" dirty="0" err="1">
+                <a:latin typeface="Courier New" pitchFamily="49" charset="0"/>
+                <a:cs typeface="Courier New" pitchFamily="49" charset="0"/>
+              </a:rPr>
+              <a:t>jmp</a:t>
+            </a:r>
+            <a:r>
+              <a:rPr lang="en-US" sz="1400" dirty="0">
+                <a:latin typeface="Courier New" pitchFamily="49" charset="0"/>
+                <a:cs typeface="Courier New" pitchFamily="49" charset="0"/>
+              </a:rPr>
+              <a:t> </a:t>
+            </a:r>
+            <a:r>
+              <a:rPr lang="en-US" sz="1400" dirty="0" err="1" smtClean="0">
+                <a:latin typeface="Courier New" pitchFamily="49" charset="0"/>
+                <a:cs typeface="Courier New" pitchFamily="49" charset="0"/>
+              </a:rPr>
+              <a:t>Turn_on</a:t>
+            </a:r>
+            <a:r>
+              <a:rPr lang="en-US" sz="1400" dirty="0" smtClean="0">
+                <a:latin typeface="Courier New" pitchFamily="49" charset="0"/>
+                <a:cs typeface="Courier New" pitchFamily="49" charset="0"/>
+              </a:rPr>
+              <a:t>              ; loop forever</a:t>
+            </a:r>
+          </a:p>
+          <a:p>
+            <a:pPr marL="0" indent="0">
+              <a:buNone/>
+            </a:pPr>
+            <a:endParaRPr lang="en-US" sz="1400" dirty="0">
+              <a:latin typeface="Courier New" pitchFamily="49" charset="0"/>
+              <a:cs typeface="Courier New" pitchFamily="49" charset="0"/>
+            </a:endParaRPr>
+          </a:p>
+          <a:p>
+            <a:pPr marL="0" indent="0">
+              <a:buNone/>
+            </a:pPr>
+            <a:r>
+              <a:rPr lang="en-US" sz="1400" dirty="0" smtClean="0">
+                <a:latin typeface="Courier New" pitchFamily="49" charset="0"/>
+                <a:cs typeface="Courier New" pitchFamily="49" charset="0"/>
+              </a:rPr>
+              <a:t>			</a:t>
+            </a:r>
+            <a:endParaRPr lang="en-US" sz="1400" dirty="0">
+              <a:latin typeface="Courier New" pitchFamily="49" charset="0"/>
+              <a:cs typeface="Courier New" pitchFamily="49" charset="0"/>
+            </a:endParaRPr>
+          </a:p>
+          <a:p>
+            <a:pPr marL="0" indent="0">
+              <a:buNone/>
+            </a:pPr>
+            <a:endParaRPr lang="en-US" sz="1400" dirty="0">
+              <a:latin typeface="Courier New" pitchFamily="49" charset="0"/>
+              <a:cs typeface="Courier New" pitchFamily="49" charset="0"/>
+            </a:endParaRPr>
           </a:p>
         </p:txBody>
       </p:sp>
@@ -11424,7 +12228,15 @@
           <a:p>
             <a:r>
               <a:rPr lang="en-US" b="1" dirty="0"/>
-              <a:t>Assembly and Machine Languages</a:t>
+              <a:t>Let's write </a:t>
+            </a:r>
+            <a:r>
+              <a:rPr lang="en-US" b="1" dirty="0" smtClean="0"/>
+              <a:t>a MSP430 </a:t>
+            </a:r>
+            <a:r>
+              <a:rPr lang="en-US" b="1" dirty="0"/>
+              <a:t>program</a:t>
             </a:r>
             <a:endParaRPr lang="en-US" dirty="0"/>
           </a:p>
@@ -11432,91 +12244,14 @@
       </p:sp>
       <p:sp>
         <p:nvSpPr>
-          <p:cNvPr id="4" name="Rectangle 4"/>
-          <p:cNvSpPr>
-            <a:spLocks noChangeArrowheads="1"/>
-          </p:cNvSpPr>
-          <p:nvPr/>
-        </p:nvSpPr>
-        <p:spPr bwMode="auto">
-          <a:xfrm>
-            <a:off x="5820187" y="1906285"/>
-            <a:ext cx="2121125" cy="680396"/>
-          </a:xfrm>
-          <a:prstGeom prst="rect">
-            <a:avLst/>
-          </a:prstGeom>
-          <a:noFill/>
-          <a:ln w="9525">
-            <a:solidFill>
-              <a:schemeClr val="tx1"/>
-            </a:solidFill>
-            <a:miter lim="800000"/>
-            <a:headEnd/>
-            <a:tailEnd/>
-          </a:ln>
-        </p:spPr>
-        <p:txBody>
-          <a:bodyPr wrap="none" anchor="ctr"/>
-          <a:lstStyle/>
-          <a:p>
-            <a:pPr algn="ctr" eaLnBrk="0" hangingPunct="0">
-              <a:spcBef>
-                <a:spcPct val="0"/>
-              </a:spcBef>
-            </a:pPr>
-            <a:r>
-              <a:rPr lang="en-US" sz="1800" b="1" dirty="0" smtClean="0"/>
-              <a:t>Assembler</a:t>
-            </a:r>
-            <a:endParaRPr lang="en-US" b="1" dirty="0"/>
-          </a:p>
-        </p:txBody>
-      </p:sp>
-      <p:sp>
-        <p:nvSpPr>
-          <p:cNvPr id="7" name="Line 9"/>
-          <p:cNvSpPr>
-            <a:spLocks noChangeShapeType="1"/>
-          </p:cNvSpPr>
-          <p:nvPr/>
-        </p:nvSpPr>
-        <p:spPr bwMode="auto">
-          <a:xfrm>
-            <a:off x="6883192" y="1571985"/>
-            <a:ext cx="0" cy="323949"/>
-          </a:xfrm>
-          <a:prstGeom prst="line">
-            <a:avLst/>
-          </a:prstGeom>
-          <a:noFill/>
-          <a:ln w="9525">
-            <a:solidFill>
-              <a:schemeClr val="tx1"/>
-            </a:solidFill>
-            <a:round/>
-            <a:headEnd/>
-            <a:tailEnd type="triangle" w="med" len="med"/>
-          </a:ln>
-        </p:spPr>
-        <p:txBody>
-          <a:bodyPr wrap="none" anchor="ctr"/>
-          <a:lstStyle/>
-          <a:p>
-            <a:endParaRPr lang="en-US"/>
-          </a:p>
-        </p:txBody>
-      </p:sp>
-      <p:sp>
-        <p:nvSpPr>
-          <p:cNvPr id="9" name="TextBox 8"/>
+          <p:cNvPr id="4" name="TextBox 3"/>
           <p:cNvSpPr txBox="1"/>
           <p:nvPr/>
         </p:nvSpPr>
         <p:spPr>
           <a:xfrm>
-            <a:off x="5334156" y="1213004"/>
-            <a:ext cx="2929007" cy="369332"/>
+            <a:off x="1408014" y="2330506"/>
+            <a:ext cx="1297150" cy="461665"/>
           </a:xfrm>
           <a:prstGeom prst="rect">
             <a:avLst/>
@@ -11530,134 +12265,31 @@
           <a:lstStyle/>
           <a:p>
             <a:r>
-              <a:rPr lang="en-US" sz="1800" dirty="0" smtClean="0"/>
-              <a:t>Assembly Language Program</a:t>
-            </a:r>
-            <a:endParaRPr lang="en-US" sz="1800" dirty="0"/>
+              <a:rPr lang="en-US" dirty="0" smtClean="0">
+                <a:solidFill>
+                  <a:srgbClr val="0070C0"/>
+                </a:solidFill>
+              </a:rPr>
+              <a:t> what?</a:t>
+            </a:r>
+            <a:endParaRPr lang="en-US" dirty="0">
+              <a:solidFill>
+                <a:srgbClr val="0070C0"/>
+              </a:solidFill>
+            </a:endParaRPr>
           </a:p>
         </p:txBody>
       </p:sp>
       <p:sp>
         <p:nvSpPr>
-          <p:cNvPr id="10" name="Line 9"/>
-          <p:cNvSpPr>
-            <a:spLocks noChangeShapeType="1"/>
-          </p:cNvSpPr>
-          <p:nvPr/>
-        </p:nvSpPr>
-        <p:spPr bwMode="auto">
-          <a:xfrm>
-            <a:off x="6880749" y="2586681"/>
-            <a:ext cx="0" cy="323949"/>
-          </a:xfrm>
-          <a:prstGeom prst="line">
-            <a:avLst/>
-          </a:prstGeom>
-          <a:noFill/>
-          <a:ln w="9525">
-            <a:solidFill>
-              <a:schemeClr val="tx1"/>
-            </a:solidFill>
-            <a:round/>
-            <a:headEnd/>
-            <a:tailEnd type="triangle" w="med" len="med"/>
-          </a:ln>
-        </p:spPr>
-        <p:txBody>
-          <a:bodyPr wrap="none" anchor="ctr"/>
-          <a:lstStyle/>
-          <a:p>
-            <a:endParaRPr lang="en-US"/>
-          </a:p>
-        </p:txBody>
-      </p:sp>
-      <p:sp>
-        <p:nvSpPr>
-          <p:cNvPr id="11" name="Rectangle 4"/>
-          <p:cNvSpPr>
-            <a:spLocks noChangeArrowheads="1"/>
-          </p:cNvSpPr>
-          <p:nvPr/>
-        </p:nvSpPr>
-        <p:spPr bwMode="auto">
-          <a:xfrm>
-            <a:off x="5822629" y="3608030"/>
-            <a:ext cx="2121125" cy="680396"/>
-          </a:xfrm>
-          <a:prstGeom prst="rect">
-            <a:avLst/>
-          </a:prstGeom>
-          <a:noFill/>
-          <a:ln w="9525">
-            <a:solidFill>
-              <a:schemeClr val="tx1"/>
-            </a:solidFill>
-            <a:miter lim="800000"/>
-            <a:headEnd/>
-            <a:tailEnd/>
-          </a:ln>
-        </p:spPr>
-        <p:txBody>
-          <a:bodyPr wrap="none" anchor="ctr"/>
-          <a:lstStyle/>
-          <a:p>
-            <a:pPr algn="ctr" eaLnBrk="0" hangingPunct="0">
-              <a:spcBef>
-                <a:spcPct val="0"/>
-              </a:spcBef>
-            </a:pPr>
-            <a:r>
-              <a:rPr lang="en-US" sz="1800" b="1" dirty="0" smtClean="0"/>
-              <a:t>Linker</a:t>
-            </a:r>
-            <a:endParaRPr lang="en-US" b="1" dirty="0"/>
-          </a:p>
-        </p:txBody>
-      </p:sp>
-      <p:sp>
-        <p:nvSpPr>
-          <p:cNvPr id="12" name="Line 9"/>
-          <p:cNvSpPr>
-            <a:spLocks noChangeShapeType="1"/>
-          </p:cNvSpPr>
-          <p:nvPr/>
-        </p:nvSpPr>
-        <p:spPr bwMode="auto">
-          <a:xfrm>
-            <a:off x="6885634" y="3273730"/>
-            <a:ext cx="0" cy="323949"/>
-          </a:xfrm>
-          <a:prstGeom prst="line">
-            <a:avLst/>
-          </a:prstGeom>
-          <a:noFill/>
-          <a:ln w="9525">
-            <a:solidFill>
-              <a:schemeClr val="tx1"/>
-            </a:solidFill>
-            <a:round/>
-            <a:headEnd/>
-            <a:tailEnd type="triangle" w="med" len="med"/>
-          </a:ln>
-        </p:spPr>
-        <p:txBody>
-          <a:bodyPr wrap="none" anchor="ctr"/>
-          <a:lstStyle/>
-          <a:p>
-            <a:endParaRPr lang="en-US"/>
-          </a:p>
-        </p:txBody>
-      </p:sp>
-      <p:sp>
-        <p:nvSpPr>
-          <p:cNvPr id="13" name="TextBox 12"/>
+          <p:cNvPr id="5" name="TextBox 4"/>
           <p:cNvSpPr txBox="1"/>
           <p:nvPr/>
         </p:nvSpPr>
         <p:spPr>
           <a:xfrm>
-            <a:off x="5634254" y="2904398"/>
-            <a:ext cx="2492990" cy="369332"/>
+            <a:off x="662198" y="5557879"/>
+            <a:ext cx="1951175" cy="461665"/>
           </a:xfrm>
           <a:prstGeom prst="rect">
             <a:avLst/>
@@ -11671,85 +12303,25 @@
           <a:lstStyle/>
           <a:p>
             <a:r>
-              <a:rPr lang="en-US" sz="1800" dirty="0" err="1" smtClean="0"/>
-              <a:t>Relocatable</a:t>
-            </a:r>
-            <a:r>
-              <a:rPr lang="en-US" sz="1800" dirty="0" smtClean="0"/>
-              <a:t> Object Code</a:t>
-            </a:r>
-            <a:endParaRPr lang="en-US" sz="1800" dirty="0"/>
-          </a:p>
-        </p:txBody>
-      </p:sp>
-      <p:sp>
-        <p:nvSpPr>
-          <p:cNvPr id="14" name="Line 9"/>
-          <p:cNvSpPr>
-            <a:spLocks noChangeShapeType="1"/>
-          </p:cNvSpPr>
-          <p:nvPr/>
-        </p:nvSpPr>
-        <p:spPr bwMode="auto">
-          <a:xfrm>
-            <a:off x="6883191" y="4288426"/>
-            <a:ext cx="0" cy="323949"/>
-          </a:xfrm>
-          <a:prstGeom prst="line">
-            <a:avLst/>
-          </a:prstGeom>
-          <a:noFill/>
-          <a:ln w="9525">
-            <a:solidFill>
-              <a:schemeClr val="tx1"/>
-            </a:solidFill>
-            <a:round/>
-            <a:headEnd/>
-            <a:tailEnd type="triangle" w="med" len="med"/>
-          </a:ln>
-        </p:spPr>
-        <p:txBody>
-          <a:bodyPr wrap="none" anchor="ctr"/>
-          <a:lstStyle/>
-          <a:p>
-            <a:endParaRPr lang="en-US"/>
-          </a:p>
-        </p:txBody>
-      </p:sp>
-      <p:sp>
-        <p:nvSpPr>
-          <p:cNvPr id="15" name="TextBox 14"/>
-          <p:cNvSpPr txBox="1"/>
-          <p:nvPr/>
-        </p:nvSpPr>
-        <p:spPr>
-          <a:xfrm>
-            <a:off x="6002944" y="4612375"/>
-            <a:ext cx="1755609" cy="369332"/>
-          </a:xfrm>
-          <a:prstGeom prst="rect">
-            <a:avLst/>
-          </a:prstGeom>
-          <a:noFill/>
-        </p:spPr>
-        <p:txBody>
-          <a:bodyPr wrap="none" rtlCol="0">
-            <a:spAutoFit/>
-          </a:bodyPr>
-          <a:lstStyle/>
-          <a:p>
-            <a:r>
-              <a:rPr lang="en-US" sz="1800" dirty="0" smtClean="0"/>
-              <a:t>Executable Code</a:t>
-            </a:r>
-            <a:endParaRPr lang="en-US" sz="1800" dirty="0"/>
+              <a:rPr lang="en-US" dirty="0" smtClean="0">
+                <a:solidFill>
+                  <a:srgbClr val="0070C0"/>
+                </a:solidFill>
+              </a:rPr>
+              <a:t>Stack pointer?</a:t>
+            </a:r>
+            <a:endParaRPr lang="en-US" dirty="0">
+              <a:solidFill>
+                <a:srgbClr val="0070C0"/>
+              </a:solidFill>
+            </a:endParaRPr>
           </a:p>
         </p:txBody>
       </p:sp>
     </p:spTree>
     <p:extLst>
       <p:ext uri="{BB962C8B-B14F-4D97-AF65-F5344CB8AC3E}">
-        <p14:creationId xmlns:p14="http://schemas.microsoft.com/office/powerpoint/2010/main" val="3138691699"/>
+        <p14:creationId xmlns:p14="http://schemas.microsoft.com/office/powerpoint/2010/main" val="2200167092"/>
       </p:ext>
     </p:extLst>
   </p:cSld>
@@ -11793,710 +12365,6 @@
       </p:grpSpPr>
       <p:sp>
         <p:nvSpPr>
-          <p:cNvPr id="3" name="Content Placeholder 2"/>
-          <p:cNvSpPr>
-            <a:spLocks noGrp="1"/>
-          </p:cNvSpPr>
-          <p:nvPr>
-            <p:ph type="subTitle" idx="1"/>
-          </p:nvPr>
-        </p:nvSpPr>
-        <p:spPr/>
-        <p:txBody>
-          <a:bodyPr/>
-          <a:lstStyle/>
-          <a:p>
-            <a:pPr marL="0" lvl="1" indent="0">
-              <a:buNone/>
-            </a:pPr>
-            <a:r>
-              <a:rPr lang="en-US" sz="2400" dirty="0">
-                <a:solidFill>
-                  <a:srgbClr val="0070C0"/>
-                </a:solidFill>
-              </a:rPr>
-              <a:t>Our chip version: </a:t>
-            </a:r>
-            <a:r>
-              <a:rPr lang="en-US" sz="2400" b="1" dirty="0" smtClean="0"/>
-              <a:t>Msp430g2553  </a:t>
-            </a:r>
-            <a:r>
-              <a:rPr lang="en-US" sz="2400" b="1" dirty="0" smtClean="0">
-                <a:solidFill>
-                  <a:srgbClr val="0070C0"/>
-                </a:solidFill>
-                <a:sym typeface="Wingdings" pitchFamily="2" charset="2"/>
-              </a:rPr>
-              <a:t> open CCS</a:t>
-            </a:r>
-            <a:endParaRPr lang="en-US" sz="2400" dirty="0">
-              <a:solidFill>
-                <a:srgbClr val="0070C0"/>
-              </a:solidFill>
-            </a:endParaRPr>
-          </a:p>
-          <a:p>
-            <a:pPr marL="0" indent="0">
-              <a:buNone/>
-            </a:pPr>
-            <a:endParaRPr lang="en-US" sz="1400" dirty="0" smtClean="0">
-              <a:latin typeface="Courier New" pitchFamily="49" charset="0"/>
-              <a:cs typeface="Courier New" pitchFamily="49" charset="0"/>
-            </a:endParaRPr>
-          </a:p>
-          <a:p>
-            <a:pPr marL="0" indent="0">
-              <a:buNone/>
-            </a:pPr>
-            <a:r>
-              <a:rPr lang="en-US" sz="1400" dirty="0" smtClean="0">
-                <a:latin typeface="Courier New" pitchFamily="49" charset="0"/>
-                <a:cs typeface="Courier New" pitchFamily="49" charset="0"/>
-              </a:rPr>
-              <a:t>; </a:t>
-            </a:r>
-            <a:r>
-              <a:rPr lang="en-US" sz="1400" dirty="0">
-                <a:latin typeface="Courier New" pitchFamily="49" charset="0"/>
-                <a:cs typeface="Courier New" pitchFamily="49" charset="0"/>
-              </a:rPr>
-              <a:t>This program sets all pins on Port 1 to output and high.  Since LEDs 1 and 2 are connected to P1.0 and P1.6 respectively, they will light up</a:t>
-            </a:r>
-            <a:r>
-              <a:rPr lang="en-US" sz="1400" dirty="0" smtClean="0">
-                <a:latin typeface="Courier New" pitchFamily="49" charset="0"/>
-                <a:cs typeface="Courier New" pitchFamily="49" charset="0"/>
-              </a:rPr>
-              <a:t>. This program turns the LEDs on and off</a:t>
-            </a:r>
-            <a:endParaRPr lang="en-US" sz="1400" dirty="0">
-              <a:latin typeface="Courier New" pitchFamily="49" charset="0"/>
-              <a:cs typeface="Courier New" pitchFamily="49" charset="0"/>
-            </a:endParaRPr>
-          </a:p>
-          <a:p>
-            <a:pPr marL="0" indent="0">
-              <a:buNone/>
-            </a:pPr>
-            <a:endParaRPr lang="en-US" sz="1400" dirty="0">
-              <a:latin typeface="Courier New" pitchFamily="49" charset="0"/>
-              <a:cs typeface="Courier New" pitchFamily="49" charset="0"/>
-            </a:endParaRPr>
-          </a:p>
-          <a:p>
-            <a:pPr marL="0" indent="0">
-              <a:buNone/>
-            </a:pPr>
-            <a:r>
-              <a:rPr lang="en-US" sz="1400" dirty="0">
-                <a:latin typeface="Courier New" pitchFamily="49" charset="0"/>
-                <a:cs typeface="Courier New" pitchFamily="49" charset="0"/>
-              </a:rPr>
-              <a:t>.text</a:t>
-            </a:r>
-          </a:p>
-          <a:p>
-            <a:pPr marL="0" indent="0">
-              <a:buNone/>
-            </a:pPr>
-            <a:r>
-              <a:rPr lang="en-US" sz="1400" dirty="0">
-                <a:latin typeface="Courier New" pitchFamily="49" charset="0"/>
-                <a:cs typeface="Courier New" pitchFamily="49" charset="0"/>
-              </a:rPr>
-              <a:t> </a:t>
-            </a:r>
-            <a:r>
-              <a:rPr lang="en-US" sz="1400" dirty="0" smtClean="0">
-                <a:latin typeface="Courier New" pitchFamily="49" charset="0"/>
-                <a:cs typeface="Courier New" pitchFamily="49" charset="0"/>
-              </a:rPr>
-              <a:t>                         ; </a:t>
-            </a:r>
-            <a:r>
-              <a:rPr lang="en-US" sz="1400" dirty="0">
-                <a:latin typeface="Courier New" pitchFamily="49" charset="0"/>
-                <a:cs typeface="Courier New" pitchFamily="49" charset="0"/>
-              </a:rPr>
-              <a:t>turn off watchdog timer</a:t>
-            </a:r>
-            <a:endParaRPr lang="en-US" sz="1400" dirty="0" smtClean="0">
-              <a:latin typeface="Courier New" pitchFamily="49" charset="0"/>
-              <a:cs typeface="Courier New" pitchFamily="49" charset="0"/>
-            </a:endParaRPr>
-          </a:p>
-          <a:p>
-            <a:pPr marL="0" indent="0">
-              <a:buNone/>
-            </a:pPr>
-            <a:r>
-              <a:rPr lang="en-US" sz="1400" dirty="0" smtClean="0">
-                <a:latin typeface="Courier New" pitchFamily="49" charset="0"/>
-                <a:cs typeface="Courier New" pitchFamily="49" charset="0"/>
-              </a:rPr>
-              <a:t>main</a:t>
-            </a:r>
-            <a:r>
-              <a:rPr lang="en-US" sz="1400" dirty="0">
-                <a:latin typeface="Courier New" pitchFamily="49" charset="0"/>
-                <a:cs typeface="Courier New" pitchFamily="49" charset="0"/>
-              </a:rPr>
-              <a:t>:</a:t>
-            </a:r>
-          </a:p>
-          <a:p>
-            <a:pPr marL="0" indent="0">
-              <a:buNone/>
-            </a:pPr>
-            <a:r>
-              <a:rPr lang="en-US" sz="1400" dirty="0" smtClean="0">
-                <a:latin typeface="Courier New" pitchFamily="49" charset="0"/>
-                <a:cs typeface="Courier New" pitchFamily="49" charset="0"/>
-              </a:rPr>
-              <a:t>    </a:t>
-            </a:r>
-            <a:r>
-              <a:rPr lang="en-US" sz="1400" dirty="0" err="1" smtClean="0">
-                <a:latin typeface="Courier New" pitchFamily="49" charset="0"/>
-                <a:cs typeface="Courier New" pitchFamily="49" charset="0"/>
-              </a:rPr>
-              <a:t>bis.b</a:t>
-            </a:r>
-            <a:r>
-              <a:rPr lang="en-US" sz="1400" dirty="0" smtClean="0">
-                <a:latin typeface="Courier New" pitchFamily="49" charset="0"/>
-                <a:cs typeface="Courier New" pitchFamily="49" charset="0"/>
-              </a:rPr>
-              <a:t>   </a:t>
-            </a:r>
-            <a:r>
-              <a:rPr lang="en-US" sz="1400" dirty="0">
-                <a:latin typeface="Courier New" pitchFamily="49" charset="0"/>
-                <a:cs typeface="Courier New" pitchFamily="49" charset="0"/>
-              </a:rPr>
-              <a:t>#0xFF, &amp;</a:t>
-            </a:r>
-            <a:r>
-              <a:rPr lang="en-US" sz="1400" dirty="0" smtClean="0">
-                <a:latin typeface="Courier New" pitchFamily="49" charset="0"/>
-                <a:cs typeface="Courier New" pitchFamily="49" charset="0"/>
-              </a:rPr>
-              <a:t>P1DIR    ; set port1 direction to output</a:t>
-            </a:r>
-            <a:endParaRPr lang="en-US" sz="1400" dirty="0">
-              <a:latin typeface="Courier New" pitchFamily="49" charset="0"/>
-              <a:cs typeface="Courier New" pitchFamily="49" charset="0"/>
-            </a:endParaRPr>
-          </a:p>
-          <a:p>
-            <a:pPr marL="0" indent="0">
-              <a:buNone/>
-            </a:pPr>
-            <a:r>
-              <a:rPr lang="en-US" sz="1400" dirty="0" err="1" smtClean="0">
-                <a:latin typeface="Courier New" pitchFamily="49" charset="0"/>
-                <a:cs typeface="Courier New" pitchFamily="49" charset="0"/>
-              </a:rPr>
-              <a:t>Turn_on</a:t>
-            </a:r>
-            <a:r>
-              <a:rPr lang="en-US" sz="1400" dirty="0" smtClean="0">
-                <a:latin typeface="Courier New" pitchFamily="49" charset="0"/>
-                <a:cs typeface="Courier New" pitchFamily="49" charset="0"/>
-              </a:rPr>
-              <a:t>:</a:t>
-            </a:r>
-          </a:p>
-          <a:p>
-            <a:pPr marL="0" indent="0">
-              <a:buNone/>
-            </a:pPr>
-            <a:r>
-              <a:rPr lang="en-US" sz="1400" dirty="0" smtClean="0">
-                <a:latin typeface="Courier New" pitchFamily="49" charset="0"/>
-                <a:cs typeface="Courier New" pitchFamily="49" charset="0"/>
-              </a:rPr>
-              <a:t>    </a:t>
-            </a:r>
-            <a:r>
-              <a:rPr lang="en-US" sz="1400" dirty="0" err="1">
-                <a:latin typeface="Courier New" pitchFamily="49" charset="0"/>
-                <a:cs typeface="Courier New" pitchFamily="49" charset="0"/>
-              </a:rPr>
-              <a:t>bis.b</a:t>
-            </a:r>
-            <a:r>
-              <a:rPr lang="en-US" sz="1400" dirty="0">
-                <a:latin typeface="Courier New" pitchFamily="49" charset="0"/>
-                <a:cs typeface="Courier New" pitchFamily="49" charset="0"/>
-              </a:rPr>
-              <a:t>   #0xFF, &amp;</a:t>
-            </a:r>
-            <a:r>
-              <a:rPr lang="en-US" sz="1400" dirty="0" smtClean="0">
-                <a:latin typeface="Courier New" pitchFamily="49" charset="0"/>
-                <a:cs typeface="Courier New" pitchFamily="49" charset="0"/>
-              </a:rPr>
-              <a:t>P1OUT    ; turn on </a:t>
-            </a:r>
-            <a:r>
-              <a:rPr lang="en-US" sz="1400" dirty="0" err="1" smtClean="0">
-                <a:latin typeface="Courier New" pitchFamily="49" charset="0"/>
-                <a:cs typeface="Courier New" pitchFamily="49" charset="0"/>
-              </a:rPr>
-              <a:t>leds</a:t>
-            </a:r>
-            <a:r>
-              <a:rPr lang="en-US" sz="1400" dirty="0" smtClean="0">
-                <a:latin typeface="Courier New" pitchFamily="49" charset="0"/>
-                <a:cs typeface="Courier New" pitchFamily="49" charset="0"/>
-              </a:rPr>
-              <a:t> at port1,  </a:t>
-            </a:r>
-            <a:r>
-              <a:rPr lang="en-US" sz="1400" dirty="0" err="1" smtClean="0">
-                <a:solidFill>
-                  <a:srgbClr val="0070C0"/>
-                </a:solidFill>
-                <a:latin typeface="Courier New" pitchFamily="49" charset="0"/>
-                <a:cs typeface="Courier New" pitchFamily="49" charset="0"/>
-              </a:rPr>
-              <a:t>bis</a:t>
-            </a:r>
-            <a:r>
-              <a:rPr lang="en-US" sz="1400" dirty="0" smtClean="0">
-                <a:solidFill>
-                  <a:srgbClr val="0070C0"/>
-                </a:solidFill>
-                <a:latin typeface="Courier New" pitchFamily="49" charset="0"/>
-                <a:cs typeface="Courier New" pitchFamily="49" charset="0"/>
-              </a:rPr>
-              <a:t>?</a:t>
-            </a:r>
-          </a:p>
-          <a:p>
-            <a:pPr marL="0" indent="0">
-              <a:buNone/>
-            </a:pPr>
-            <a:r>
-              <a:rPr lang="en-US" sz="1400" dirty="0">
-                <a:latin typeface="Courier New" pitchFamily="49" charset="0"/>
-                <a:cs typeface="Courier New" pitchFamily="49" charset="0"/>
-              </a:rPr>
-              <a:t> </a:t>
-            </a:r>
-            <a:r>
-              <a:rPr lang="en-US" sz="1400" dirty="0" smtClean="0">
-                <a:latin typeface="Courier New" pitchFamily="49" charset="0"/>
-                <a:cs typeface="Courier New" pitchFamily="49" charset="0"/>
-              </a:rPr>
-              <a:t>                            ; could of:    </a:t>
-            </a:r>
-            <a:r>
-              <a:rPr lang="en-US" sz="1400" dirty="0" smtClean="0">
-                <a:solidFill>
-                  <a:srgbClr val="0070C0"/>
-                </a:solidFill>
-                <a:latin typeface="Courier New" pitchFamily="49" charset="0"/>
-                <a:cs typeface="Courier New" pitchFamily="49" charset="0"/>
-              </a:rPr>
-              <a:t>move ____ ,</a:t>
-            </a:r>
-            <a:r>
-              <a:rPr lang="en-US" sz="1400" dirty="0">
-                <a:solidFill>
-                  <a:srgbClr val="0070C0"/>
-                </a:solidFill>
-                <a:latin typeface="Courier New" pitchFamily="49" charset="0"/>
-                <a:cs typeface="Courier New" pitchFamily="49" charset="0"/>
-              </a:rPr>
-              <a:t> &amp;P1OUT</a:t>
-            </a:r>
-            <a:r>
-              <a:rPr lang="en-US" sz="1400" dirty="0" smtClean="0">
-                <a:solidFill>
-                  <a:srgbClr val="0070C0"/>
-                </a:solidFill>
-                <a:latin typeface="Courier New" pitchFamily="49" charset="0"/>
-                <a:cs typeface="Courier New" pitchFamily="49" charset="0"/>
-              </a:rPr>
-              <a:t> </a:t>
-            </a:r>
-            <a:endParaRPr lang="en-US" sz="1400" dirty="0">
-              <a:solidFill>
-                <a:srgbClr val="0070C0"/>
-              </a:solidFill>
-              <a:latin typeface="Courier New" pitchFamily="49" charset="0"/>
-              <a:cs typeface="Courier New" pitchFamily="49" charset="0"/>
-            </a:endParaRPr>
-          </a:p>
-          <a:p>
-            <a:pPr marL="0" indent="0">
-              <a:buNone/>
-            </a:pPr>
-            <a:r>
-              <a:rPr lang="en-US" sz="1400" dirty="0" err="1" smtClean="0">
-                <a:latin typeface="Courier New" pitchFamily="49" charset="0"/>
-                <a:cs typeface="Courier New" pitchFamily="49" charset="0"/>
-              </a:rPr>
-              <a:t>Turn_off</a:t>
-            </a:r>
-            <a:r>
-              <a:rPr lang="en-US" sz="1400" dirty="0" smtClean="0">
-                <a:latin typeface="Courier New" pitchFamily="49" charset="0"/>
-                <a:cs typeface="Courier New" pitchFamily="49" charset="0"/>
-              </a:rPr>
-              <a:t>:</a:t>
-            </a:r>
-          </a:p>
-          <a:p>
-            <a:pPr marL="0" indent="0">
-              <a:buNone/>
-            </a:pPr>
-            <a:r>
-              <a:rPr lang="en-US" sz="1400" dirty="0">
-                <a:latin typeface="Courier New" pitchFamily="49" charset="0"/>
-                <a:cs typeface="Courier New" pitchFamily="49" charset="0"/>
-              </a:rPr>
-              <a:t> </a:t>
-            </a:r>
-            <a:r>
-              <a:rPr lang="en-US" sz="1400" dirty="0" smtClean="0">
-                <a:latin typeface="Courier New" pitchFamily="49" charset="0"/>
-                <a:cs typeface="Courier New" pitchFamily="49" charset="0"/>
-              </a:rPr>
-              <a:t>   </a:t>
-            </a:r>
-            <a:r>
-              <a:rPr lang="en-US" sz="1400" dirty="0" err="1" smtClean="0">
-                <a:latin typeface="Courier New" pitchFamily="49" charset="0"/>
-                <a:cs typeface="Courier New" pitchFamily="49" charset="0"/>
-              </a:rPr>
-              <a:t>bic.b</a:t>
-            </a:r>
-            <a:r>
-              <a:rPr lang="en-US" sz="1400" dirty="0" smtClean="0">
-                <a:latin typeface="Courier New" pitchFamily="49" charset="0"/>
-                <a:cs typeface="Courier New" pitchFamily="49" charset="0"/>
-              </a:rPr>
-              <a:t>   </a:t>
-            </a:r>
-            <a:r>
-              <a:rPr lang="en-US" sz="1400" dirty="0">
-                <a:latin typeface="Courier New" pitchFamily="49" charset="0"/>
-                <a:cs typeface="Courier New" pitchFamily="49" charset="0"/>
-              </a:rPr>
-              <a:t>#0xFF, &amp;P1OUT    ; turn on </a:t>
-            </a:r>
-            <a:r>
-              <a:rPr lang="en-US" sz="1400" dirty="0" err="1">
-                <a:latin typeface="Courier New" pitchFamily="49" charset="0"/>
-                <a:cs typeface="Courier New" pitchFamily="49" charset="0"/>
-              </a:rPr>
-              <a:t>leds</a:t>
-            </a:r>
-            <a:r>
-              <a:rPr lang="en-US" sz="1400" dirty="0">
-                <a:latin typeface="Courier New" pitchFamily="49" charset="0"/>
-                <a:cs typeface="Courier New" pitchFamily="49" charset="0"/>
-              </a:rPr>
-              <a:t> at </a:t>
-            </a:r>
-            <a:r>
-              <a:rPr lang="en-US" sz="1400" dirty="0" smtClean="0">
-                <a:latin typeface="Courier New" pitchFamily="49" charset="0"/>
-                <a:cs typeface="Courier New" pitchFamily="49" charset="0"/>
-              </a:rPr>
-              <a:t>port1,  </a:t>
-            </a:r>
-            <a:r>
-              <a:rPr lang="en-US" sz="1400" dirty="0" err="1" smtClean="0">
-                <a:solidFill>
-                  <a:srgbClr val="0070C0"/>
-                </a:solidFill>
-                <a:latin typeface="Courier New" pitchFamily="49" charset="0"/>
-                <a:cs typeface="Courier New" pitchFamily="49" charset="0"/>
-              </a:rPr>
-              <a:t>bic</a:t>
-            </a:r>
-            <a:r>
-              <a:rPr lang="en-US" sz="1400" dirty="0" smtClean="0">
-                <a:solidFill>
-                  <a:srgbClr val="0070C0"/>
-                </a:solidFill>
-                <a:latin typeface="Courier New" pitchFamily="49" charset="0"/>
-                <a:cs typeface="Courier New" pitchFamily="49" charset="0"/>
-              </a:rPr>
-              <a:t>?</a:t>
-            </a:r>
-            <a:endParaRPr lang="en-US" sz="1400" dirty="0">
-              <a:solidFill>
-                <a:srgbClr val="0070C0"/>
-              </a:solidFill>
-              <a:latin typeface="Courier New" pitchFamily="49" charset="0"/>
-              <a:cs typeface="Courier New" pitchFamily="49" charset="0"/>
-            </a:endParaRPr>
-          </a:p>
-          <a:p>
-            <a:pPr marL="0" indent="0">
-              <a:buNone/>
-            </a:pPr>
-            <a:r>
-              <a:rPr lang="en-US" sz="1400" dirty="0">
-                <a:latin typeface="Courier New" pitchFamily="49" charset="0"/>
-                <a:cs typeface="Courier New" pitchFamily="49" charset="0"/>
-              </a:rPr>
-              <a:t>                             ; could </a:t>
-            </a:r>
-            <a:r>
-              <a:rPr lang="en-US" sz="1400" dirty="0" smtClean="0">
-                <a:latin typeface="Courier New" pitchFamily="49" charset="0"/>
-                <a:cs typeface="Courier New" pitchFamily="49" charset="0"/>
-              </a:rPr>
-              <a:t>of:     </a:t>
-            </a:r>
-            <a:r>
-              <a:rPr lang="en-US" sz="1400" dirty="0">
-                <a:solidFill>
-                  <a:srgbClr val="0070C0"/>
-                </a:solidFill>
-                <a:latin typeface="Courier New" pitchFamily="49" charset="0"/>
-                <a:cs typeface="Courier New" pitchFamily="49" charset="0"/>
-              </a:rPr>
-              <a:t>move ____ , &amp;P1OUT </a:t>
-            </a:r>
-          </a:p>
-          <a:p>
-            <a:pPr marL="0" indent="0">
-              <a:buNone/>
-            </a:pPr>
-            <a:r>
-              <a:rPr lang="en-US" sz="1400" dirty="0">
-                <a:latin typeface="Courier New" pitchFamily="49" charset="0"/>
-                <a:cs typeface="Courier New" pitchFamily="49" charset="0"/>
-              </a:rPr>
-              <a:t>    </a:t>
-            </a:r>
-            <a:r>
-              <a:rPr lang="en-US" sz="1400" dirty="0" err="1">
-                <a:latin typeface="Courier New" pitchFamily="49" charset="0"/>
-                <a:cs typeface="Courier New" pitchFamily="49" charset="0"/>
-              </a:rPr>
-              <a:t>jmp</a:t>
-            </a:r>
-            <a:r>
-              <a:rPr lang="en-US" sz="1400" dirty="0">
-                <a:latin typeface="Courier New" pitchFamily="49" charset="0"/>
-                <a:cs typeface="Courier New" pitchFamily="49" charset="0"/>
-              </a:rPr>
-              <a:t> </a:t>
-            </a:r>
-            <a:r>
-              <a:rPr lang="en-US" sz="1400" dirty="0" err="1" smtClean="0">
-                <a:latin typeface="Courier New" pitchFamily="49" charset="0"/>
-                <a:cs typeface="Courier New" pitchFamily="49" charset="0"/>
-              </a:rPr>
-              <a:t>Turn_on</a:t>
-            </a:r>
-            <a:r>
-              <a:rPr lang="en-US" sz="1400" dirty="0" smtClean="0">
-                <a:latin typeface="Courier New" pitchFamily="49" charset="0"/>
-                <a:cs typeface="Courier New" pitchFamily="49" charset="0"/>
-              </a:rPr>
-              <a:t>              ; loop forever</a:t>
-            </a:r>
-          </a:p>
-          <a:p>
-            <a:pPr marL="0" indent="0">
-              <a:buNone/>
-            </a:pPr>
-            <a:endParaRPr lang="en-US" sz="1400" dirty="0">
-              <a:latin typeface="Courier New" pitchFamily="49" charset="0"/>
-              <a:cs typeface="Courier New" pitchFamily="49" charset="0"/>
-            </a:endParaRPr>
-          </a:p>
-          <a:p>
-            <a:pPr marL="0" indent="0">
-              <a:buNone/>
-            </a:pPr>
-            <a:r>
-              <a:rPr lang="en-US" sz="1400" dirty="0" smtClean="0">
-                <a:latin typeface="Courier New" pitchFamily="49" charset="0"/>
-                <a:cs typeface="Courier New" pitchFamily="49" charset="0"/>
-              </a:rPr>
-              <a:t>			</a:t>
-            </a:r>
-            <a:endParaRPr lang="en-US" sz="1400" dirty="0">
-              <a:latin typeface="Courier New" pitchFamily="49" charset="0"/>
-              <a:cs typeface="Courier New" pitchFamily="49" charset="0"/>
-            </a:endParaRPr>
-          </a:p>
-          <a:p>
-            <a:pPr marL="0" indent="0">
-              <a:buNone/>
-            </a:pPr>
-            <a:endParaRPr lang="en-US" sz="1400" dirty="0">
-              <a:latin typeface="Courier New" pitchFamily="49" charset="0"/>
-              <a:cs typeface="Courier New" pitchFamily="49" charset="0"/>
-            </a:endParaRPr>
-          </a:p>
-        </p:txBody>
-      </p:sp>
-      <p:sp>
-        <p:nvSpPr>
-          <p:cNvPr id="2" name="Title 1"/>
-          <p:cNvSpPr>
-            <a:spLocks noGrp="1"/>
-          </p:cNvSpPr>
-          <p:nvPr>
-            <p:ph type="title"/>
-          </p:nvPr>
-        </p:nvSpPr>
-        <p:spPr/>
-        <p:txBody>
-          <a:bodyPr/>
-          <a:lstStyle/>
-          <a:p>
-            <a:r>
-              <a:rPr lang="en-US" b="1" dirty="0"/>
-              <a:t>Let's write </a:t>
-            </a:r>
-            <a:r>
-              <a:rPr lang="en-US" b="1" dirty="0" smtClean="0"/>
-              <a:t>a MSP430 </a:t>
-            </a:r>
-            <a:r>
-              <a:rPr lang="en-US" b="1" dirty="0"/>
-              <a:t>program</a:t>
-            </a:r>
-            <a:endParaRPr lang="en-US" dirty="0"/>
-          </a:p>
-        </p:txBody>
-      </p:sp>
-      <p:sp>
-        <p:nvSpPr>
-          <p:cNvPr id="4" name="TextBox 3"/>
-          <p:cNvSpPr txBox="1"/>
-          <p:nvPr/>
-        </p:nvSpPr>
-        <p:spPr>
-          <a:xfrm>
-            <a:off x="1408014" y="2330506"/>
-            <a:ext cx="1297150" cy="461665"/>
-          </a:xfrm>
-          <a:prstGeom prst="rect">
-            <a:avLst/>
-          </a:prstGeom>
-          <a:noFill/>
-        </p:spPr>
-        <p:txBody>
-          <a:bodyPr wrap="none" rtlCol="0">
-            <a:spAutoFit/>
-          </a:bodyPr>
-          <a:lstStyle/>
-          <a:p>
-            <a:r>
-              <a:rPr lang="en-US" dirty="0" smtClean="0">
-                <a:solidFill>
-                  <a:srgbClr val="0070C0"/>
-                </a:solidFill>
-              </a:rPr>
-              <a:t> what?</a:t>
-            </a:r>
-            <a:endParaRPr lang="en-US" dirty="0">
-              <a:solidFill>
-                <a:srgbClr val="0070C0"/>
-              </a:solidFill>
-            </a:endParaRPr>
-          </a:p>
-        </p:txBody>
-      </p:sp>
-      <p:sp>
-        <p:nvSpPr>
-          <p:cNvPr id="5" name="TextBox 4"/>
-          <p:cNvSpPr txBox="1"/>
-          <p:nvPr/>
-        </p:nvSpPr>
-        <p:spPr>
-          <a:xfrm>
-            <a:off x="662198" y="5557879"/>
-            <a:ext cx="1951175" cy="461665"/>
-          </a:xfrm>
-          <a:prstGeom prst="rect">
-            <a:avLst/>
-          </a:prstGeom>
-          <a:noFill/>
-        </p:spPr>
-        <p:txBody>
-          <a:bodyPr wrap="none" rtlCol="0">
-            <a:spAutoFit/>
-          </a:bodyPr>
-          <a:lstStyle/>
-          <a:p>
-            <a:r>
-              <a:rPr lang="en-US" dirty="0" smtClean="0">
-                <a:solidFill>
-                  <a:srgbClr val="0070C0"/>
-                </a:solidFill>
-              </a:rPr>
-              <a:t>Stack pointer?</a:t>
-            </a:r>
-            <a:endParaRPr lang="en-US" dirty="0">
-              <a:solidFill>
-                <a:srgbClr val="0070C0"/>
-              </a:solidFill>
-            </a:endParaRPr>
-          </a:p>
-        </p:txBody>
-      </p:sp>
-    </p:spTree>
-    <p:extLst>
-      <p:ext uri="{BB962C8B-B14F-4D97-AF65-F5344CB8AC3E}">
-        <p14:creationId xmlns:p14="http://schemas.microsoft.com/office/powerpoint/2010/main" val="2200167092"/>
-      </p:ext>
-    </p:extLst>
-  </p:cSld>
-  <p:clrMapOvr>
-    <a:masterClrMapping/>
-  </p:clrMapOvr>
-  <mc:AlternateContent xmlns:mc="http://schemas.openxmlformats.org/markup-compatibility/2006" xmlns:p14="http://schemas.microsoft.com/office/powerpoint/2010/main">
-    <mc:Choice Requires="p14">
-      <p:transition spd="slow" p14:dur="2000"/>
-    </mc:Choice>
-    <mc:Fallback xmlns="">
-      <p:transition spd="slow"/>
-    </mc:Fallback>
-  </mc:AlternateContent>
-  <p:timing>
-    <p:tnLst>
-      <p:par>
-        <p:cTn id="1" dur="indefinite" restart="never" nodeType="tmRoot"/>
-      </p:par>
-    </p:tnLst>
-  </p:timing>
-</p:sld>
-</file>
-
-<file path=ppt/slides/slide29.xml><?xml version="1.0" encoding="utf-8"?>
-<p:sld xmlns:a="http://schemas.openxmlformats.org/drawingml/2006/main" xmlns:r="http://schemas.openxmlformats.org/officeDocument/2006/relationships" xmlns:p="http://schemas.openxmlformats.org/presentationml/2006/main" show="0">
-  <p:cSld>
-    <p:spTree>
-      <p:nvGrpSpPr>
-        <p:cNvPr id="1" name=""/>
-        <p:cNvGrpSpPr/>
-        <p:nvPr/>
-      </p:nvGrpSpPr>
-      <p:grpSpPr>
-        <a:xfrm>
-          <a:off x="0" y="0"/>
-          <a:ext cx="0" cy="0"/>
-          <a:chOff x="0" y="0"/>
-          <a:chExt cx="0" cy="0"/>
-        </a:xfrm>
-      </p:grpSpPr>
-      <p:sp>
-        <p:nvSpPr>
           <p:cNvPr id="3" name="Subtitle 2"/>
           <p:cNvSpPr>
             <a:spLocks noGrp="1"/>
@@ -12554,7 +12422,7 @@
         </p:nvGraphicFramePr>
         <p:xfrm>
           <a:off x="0" y="857250"/>
-          <a:ext cx="9144000" cy="1279525"/>
+          <a:ext cx="9144000" cy="1280160"/>
         </p:xfrm>
         <a:graphic>
           <a:graphicData uri="http://schemas.openxmlformats.org/drawingml/2006/table">
@@ -15426,202 +15294,7 @@
 </p:sld>
 </file>
 
-<file path=ppt/slides/slide3.xml><?xml version="1.0" encoding="utf-8"?>
-<p:sld xmlns:a="http://schemas.openxmlformats.org/drawingml/2006/main" xmlns:r="http://schemas.openxmlformats.org/officeDocument/2006/relationships" xmlns:p="http://schemas.openxmlformats.org/presentationml/2006/main">
-  <p:cSld>
-    <p:spTree>
-      <p:nvGrpSpPr>
-        <p:cNvPr id="1" name=""/>
-        <p:cNvGrpSpPr/>
-        <p:nvPr/>
-      </p:nvGrpSpPr>
-      <p:grpSpPr>
-        <a:xfrm>
-          <a:off x="0" y="0"/>
-          <a:ext cx="0" cy="0"/>
-          <a:chOff x="0" y="0"/>
-          <a:chExt cx="0" cy="0"/>
-        </a:xfrm>
-      </p:grpSpPr>
-      <p:sp>
-        <p:nvSpPr>
-          <p:cNvPr id="3" name="Content Placeholder 2"/>
-          <p:cNvSpPr>
-            <a:spLocks noGrp="1"/>
-          </p:cNvSpPr>
-          <p:nvPr>
-            <p:ph type="subTitle" idx="1"/>
-          </p:nvPr>
-        </p:nvSpPr>
-        <p:spPr/>
-        <p:txBody>
-          <a:bodyPr/>
-          <a:lstStyle/>
-          <a:p>
-            <a:r>
-              <a:rPr lang="en-US" dirty="0" smtClean="0"/>
-              <a:t>Upper 7 bits are unused</a:t>
-            </a:r>
-            <a:endParaRPr lang="en-US" dirty="0"/>
-          </a:p>
-        </p:txBody>
-      </p:sp>
-      <p:sp>
-        <p:nvSpPr>
-          <p:cNvPr id="2" name="Title 1"/>
-          <p:cNvSpPr>
-            <a:spLocks noGrp="1"/>
-          </p:cNvSpPr>
-          <p:nvPr>
-            <p:ph type="title"/>
-          </p:nvPr>
-        </p:nvSpPr>
-        <p:spPr/>
-        <p:txBody>
-          <a:bodyPr/>
-          <a:lstStyle/>
-          <a:p>
-            <a:r>
-              <a:rPr lang="en-US" dirty="0" smtClean="0"/>
-              <a:t>Status Register</a:t>
-            </a:r>
-            <a:endParaRPr lang="en-US" dirty="0"/>
-          </a:p>
-        </p:txBody>
-      </p:sp>
-      <p:pic>
-        <p:nvPicPr>
-          <p:cNvPr id="1027" name="Picture 3"/>
-          <p:cNvPicPr>
-            <a:picLocks noChangeAspect="1" noChangeArrowheads="1"/>
-          </p:cNvPicPr>
-          <p:nvPr/>
-        </p:nvPicPr>
-        <p:blipFill>
-          <a:blip r:embed="rId2">
-            <a:extLst>
-              <a:ext uri="{28A0092B-C50C-407E-A947-70E740481C1C}">
-                <a14:useLocalDpi xmlns:a14="http://schemas.microsoft.com/office/drawing/2010/main" val="0"/>
-              </a:ext>
-            </a:extLst>
-          </a:blip>
-          <a:srcRect/>
-          <a:stretch>
-            <a:fillRect/>
-          </a:stretch>
-        </p:blipFill>
-        <p:spPr bwMode="auto">
-          <a:xfrm>
-            <a:off x="94308" y="2888480"/>
-            <a:ext cx="8955384" cy="1081042"/>
-          </a:xfrm>
-          <a:prstGeom prst="rect">
-            <a:avLst/>
-          </a:prstGeom>
-          <a:noFill/>
-          <a:ln>
-            <a:noFill/>
-          </a:ln>
-          <a:extLst>
-            <a:ext uri="{909E8E84-426E-40DD-AFC4-6F175D3DCCD1}">
-              <a14:hiddenFill xmlns:a14="http://schemas.microsoft.com/office/drawing/2010/main">
-                <a:solidFill>
-                  <a:schemeClr val="accent1"/>
-                </a:solidFill>
-              </a14:hiddenFill>
-            </a:ext>
-            <a:ext uri="{91240B29-F687-4F45-9708-019B960494DF}">
-              <a14:hiddenLine xmlns:a14="http://schemas.microsoft.com/office/drawing/2010/main" w="9525">
-                <a:solidFill>
-                  <a:schemeClr val="tx1"/>
-                </a:solidFill>
-                <a:miter lim="800000"/>
-                <a:headEnd/>
-                <a:tailEnd/>
-              </a14:hiddenLine>
-            </a:ext>
-          </a:extLst>
-        </p:spPr>
-      </p:pic>
-      <p:sp>
-        <p:nvSpPr>
-          <p:cNvPr id="6" name="TextBox 5"/>
-          <p:cNvSpPr txBox="1"/>
-          <p:nvPr/>
-        </p:nvSpPr>
-        <p:spPr>
-          <a:xfrm>
-            <a:off x="-1" y="5831677"/>
-            <a:ext cx="3944203" cy="1015663"/>
-          </a:xfrm>
-          <a:prstGeom prst="rect">
-            <a:avLst/>
-          </a:prstGeom>
-          <a:noFill/>
-        </p:spPr>
-        <p:txBody>
-          <a:bodyPr wrap="square" rtlCol="0">
-            <a:spAutoFit/>
-          </a:bodyPr>
-          <a:lstStyle/>
-          <a:p>
-            <a:pPr>
-              <a:spcBef>
-                <a:spcPts val="0"/>
-              </a:spcBef>
-            </a:pPr>
-            <a:r>
-              <a:rPr lang="en-US" sz="2000" dirty="0" smtClean="0"/>
-              <a:t>Figure 3-6</a:t>
-            </a:r>
-          </a:p>
-          <a:p>
-            <a:pPr>
-              <a:spcBef>
-                <a:spcPts val="0"/>
-              </a:spcBef>
-            </a:pPr>
-            <a:r>
-              <a:rPr lang="en-US" sz="2000" dirty="0" smtClean="0"/>
-              <a:t>Family User Guide 3.2.3 pp46</a:t>
-            </a:r>
-          </a:p>
-          <a:p>
-            <a:pPr>
-              <a:spcBef>
-                <a:spcPts val="0"/>
-              </a:spcBef>
-            </a:pPr>
-            <a:r>
-              <a:rPr lang="en-US" sz="2000" dirty="0" smtClean="0"/>
-              <a:t>Blue Book pp11</a:t>
-            </a:r>
-            <a:endParaRPr lang="en-US" sz="2000" dirty="0"/>
-          </a:p>
-        </p:txBody>
-      </p:sp>
-    </p:spTree>
-    <p:extLst>
-      <p:ext uri="{BB962C8B-B14F-4D97-AF65-F5344CB8AC3E}">
-        <p14:creationId xmlns:p14="http://schemas.microsoft.com/office/powerpoint/2010/main" val="1149124510"/>
-      </p:ext>
-    </p:extLst>
-  </p:cSld>
-  <p:clrMapOvr>
-    <a:masterClrMapping/>
-  </p:clrMapOvr>
-  <p:transition spd="med"/>
-  <p:timing>
-    <p:tnLst>
-      <p:par>
-        <p:cTn id="1" dur="indefinite" restart="never" nodeType="tmRoot"/>
-      </p:par>
-    </p:tnLst>
-  </p:timing>
-</p:sld>
-</file>
-
-<file path=ppt/slides/slide30.xml><?xml version="1.0" encoding="utf-8"?>
+<file path=ppt/slides/slide29.xml><?xml version="1.0" encoding="utf-8"?>
 <p:sld xmlns:a="http://schemas.openxmlformats.org/drawingml/2006/main" xmlns:r="http://schemas.openxmlformats.org/officeDocument/2006/relationships" xmlns:p="http://schemas.openxmlformats.org/presentationml/2006/main">
   <p:cSld>
     <p:spTree>
@@ -18151,6 +17824,201 @@
             </p:seq>
           </p:childTnLst>
         </p:cTn>
+      </p:par>
+    </p:tnLst>
+  </p:timing>
+</p:sld>
+</file>
+
+<file path=ppt/slides/slide3.xml><?xml version="1.0" encoding="utf-8"?>
+<p:sld xmlns:a="http://schemas.openxmlformats.org/drawingml/2006/main" xmlns:r="http://schemas.openxmlformats.org/officeDocument/2006/relationships" xmlns:p="http://schemas.openxmlformats.org/presentationml/2006/main">
+  <p:cSld>
+    <p:spTree>
+      <p:nvGrpSpPr>
+        <p:cNvPr id="1" name=""/>
+        <p:cNvGrpSpPr/>
+        <p:nvPr/>
+      </p:nvGrpSpPr>
+      <p:grpSpPr>
+        <a:xfrm>
+          <a:off x="0" y="0"/>
+          <a:ext cx="0" cy="0"/>
+          <a:chOff x="0" y="0"/>
+          <a:chExt cx="0" cy="0"/>
+        </a:xfrm>
+      </p:grpSpPr>
+      <p:sp>
+        <p:nvSpPr>
+          <p:cNvPr id="3" name="Content Placeholder 2"/>
+          <p:cNvSpPr>
+            <a:spLocks noGrp="1"/>
+          </p:cNvSpPr>
+          <p:nvPr>
+            <p:ph type="subTitle" idx="1"/>
+          </p:nvPr>
+        </p:nvSpPr>
+        <p:spPr/>
+        <p:txBody>
+          <a:bodyPr/>
+          <a:lstStyle/>
+          <a:p>
+            <a:r>
+              <a:rPr lang="en-US" dirty="0" smtClean="0"/>
+              <a:t>Upper 7 bits are unused</a:t>
+            </a:r>
+            <a:endParaRPr lang="en-US" dirty="0"/>
+          </a:p>
+        </p:txBody>
+      </p:sp>
+      <p:sp>
+        <p:nvSpPr>
+          <p:cNvPr id="2" name="Title 1"/>
+          <p:cNvSpPr>
+            <a:spLocks noGrp="1"/>
+          </p:cNvSpPr>
+          <p:nvPr>
+            <p:ph type="title"/>
+          </p:nvPr>
+        </p:nvSpPr>
+        <p:spPr/>
+        <p:txBody>
+          <a:bodyPr/>
+          <a:lstStyle/>
+          <a:p>
+            <a:r>
+              <a:rPr lang="en-US" dirty="0" smtClean="0"/>
+              <a:t>Status Register</a:t>
+            </a:r>
+            <a:endParaRPr lang="en-US" dirty="0"/>
+          </a:p>
+        </p:txBody>
+      </p:sp>
+      <p:pic>
+        <p:nvPicPr>
+          <p:cNvPr id="1027" name="Picture 3"/>
+          <p:cNvPicPr>
+            <a:picLocks noChangeAspect="1" noChangeArrowheads="1"/>
+          </p:cNvPicPr>
+          <p:nvPr/>
+        </p:nvPicPr>
+        <p:blipFill>
+          <a:blip r:embed="rId2">
+            <a:extLst>
+              <a:ext uri="{28A0092B-C50C-407E-A947-70E740481C1C}">
+                <a14:useLocalDpi xmlns:a14="http://schemas.microsoft.com/office/drawing/2010/main" val="0"/>
+              </a:ext>
+            </a:extLst>
+          </a:blip>
+          <a:srcRect/>
+          <a:stretch>
+            <a:fillRect/>
+          </a:stretch>
+        </p:blipFill>
+        <p:spPr bwMode="auto">
+          <a:xfrm>
+            <a:off x="94308" y="2888480"/>
+            <a:ext cx="8955384" cy="1081042"/>
+          </a:xfrm>
+          <a:prstGeom prst="rect">
+            <a:avLst/>
+          </a:prstGeom>
+          <a:noFill/>
+          <a:ln>
+            <a:noFill/>
+          </a:ln>
+          <a:extLst>
+            <a:ext uri="{909E8E84-426E-40DD-AFC4-6F175D3DCCD1}">
+              <a14:hiddenFill xmlns:a14="http://schemas.microsoft.com/office/drawing/2010/main">
+                <a:solidFill>
+                  <a:schemeClr val="accent1"/>
+                </a:solidFill>
+              </a14:hiddenFill>
+            </a:ext>
+            <a:ext uri="{91240B29-F687-4F45-9708-019B960494DF}">
+              <a14:hiddenLine xmlns:a14="http://schemas.microsoft.com/office/drawing/2010/main" w="9525">
+                <a:solidFill>
+                  <a:schemeClr val="tx1"/>
+                </a:solidFill>
+                <a:miter lim="800000"/>
+                <a:headEnd/>
+                <a:tailEnd/>
+              </a14:hiddenLine>
+            </a:ext>
+          </a:extLst>
+        </p:spPr>
+      </p:pic>
+      <p:sp>
+        <p:nvSpPr>
+          <p:cNvPr id="6" name="TextBox 5"/>
+          <p:cNvSpPr txBox="1"/>
+          <p:nvPr/>
+        </p:nvSpPr>
+        <p:spPr>
+          <a:xfrm>
+            <a:off x="-1" y="5831677"/>
+            <a:ext cx="3944203" cy="1015663"/>
+          </a:xfrm>
+          <a:prstGeom prst="rect">
+            <a:avLst/>
+          </a:prstGeom>
+          <a:noFill/>
+        </p:spPr>
+        <p:txBody>
+          <a:bodyPr wrap="square" rtlCol="0">
+            <a:spAutoFit/>
+          </a:bodyPr>
+          <a:lstStyle/>
+          <a:p>
+            <a:pPr>
+              <a:spcBef>
+                <a:spcPts val="0"/>
+              </a:spcBef>
+            </a:pPr>
+            <a:r>
+              <a:rPr lang="en-US" sz="2000" dirty="0" smtClean="0"/>
+              <a:t>Figure 3-6</a:t>
+            </a:r>
+          </a:p>
+          <a:p>
+            <a:pPr>
+              <a:spcBef>
+                <a:spcPts val="0"/>
+              </a:spcBef>
+            </a:pPr>
+            <a:r>
+              <a:rPr lang="en-US" sz="2000" dirty="0" smtClean="0"/>
+              <a:t>Family User Guide 3.2.3 pp46</a:t>
+            </a:r>
+          </a:p>
+          <a:p>
+            <a:pPr>
+              <a:spcBef>
+                <a:spcPts val="0"/>
+              </a:spcBef>
+            </a:pPr>
+            <a:r>
+              <a:rPr lang="en-US" sz="2000" dirty="0" smtClean="0"/>
+              <a:t>Blue Book pp11</a:t>
+            </a:r>
+            <a:endParaRPr lang="en-US" sz="2000" dirty="0"/>
+          </a:p>
+        </p:txBody>
+      </p:sp>
+    </p:spTree>
+    <p:extLst>
+      <p:ext uri="{BB962C8B-B14F-4D97-AF65-F5344CB8AC3E}">
+        <p14:creationId xmlns:p14="http://schemas.microsoft.com/office/powerpoint/2010/main" val="1149124510"/>
+      </p:ext>
+    </p:extLst>
+  </p:cSld>
+  <p:clrMapOvr>
+    <a:masterClrMapping/>
+  </p:clrMapOvr>
+  <p:transition spd="med"/>
+  <p:timing>
+    <p:tnLst>
+      <p:par>
+        <p:cTn id="1" dur="indefinite" restart="never" nodeType="tmRoot"/>
       </p:par>
     </p:tnLst>
   </p:timing>

--- a/source/lessons/lsn8/Lsn8.pptx
+++ b/source/lessons/lsn8/Lsn8.pptx
@@ -17955,8 +17955,8 @@
         </p:nvSpPr>
         <p:spPr>
           <a:xfrm>
-            <a:off x="-1" y="5831677"/>
-            <a:ext cx="3944203" cy="1015663"/>
+            <a:off x="0" y="5577842"/>
+            <a:ext cx="3944203" cy="707886"/>
           </a:xfrm>
           <a:prstGeom prst="rect">
             <a:avLst/>
@@ -17987,20 +17987,13 @@
             </a:pPr>
             <a:r>
               <a:rPr lang="en-US" sz="2000" dirty="0" smtClean="0"/>
-              <a:t>Family User Guide 3.2.3 pp46</a:t>
-            </a:r>
-          </a:p>
-          <a:p>
-            <a:pPr>
-              <a:spcBef>
-                <a:spcPts val="0"/>
-              </a:spcBef>
-            </a:pPr>
+              <a:t>Family User Guide 3.2.3 </a:t>
+            </a:r>
             <a:r>
               <a:rPr lang="en-US" sz="2000" dirty="0" smtClean="0"/>
-              <a:t>Blue Book pp11</a:t>
-            </a:r>
-            <a:endParaRPr lang="en-US" sz="2000" dirty="0"/>
+              <a:t>pp46</a:t>
+            </a:r>
+            <a:endParaRPr lang="en-US" sz="2000" dirty="0" smtClean="0"/>
           </a:p>
         </p:txBody>
       </p:sp>

--- a/source/lessons/lsn8/Lsn8.pptx
+++ b/source/lessons/lsn8/Lsn8.pptx
@@ -6,10 +6,10 @@
     <p:sldMasterId id="2147483664" r:id="rId2"/>
   </p:sldMasterIdLst>
   <p:notesMasterIdLst>
-    <p:notesMasterId r:id="rId32"/>
+    <p:notesMasterId r:id="rId34"/>
   </p:notesMasterIdLst>
   <p:handoutMasterIdLst>
-    <p:handoutMasterId r:id="rId33"/>
+    <p:handoutMasterId r:id="rId35"/>
   </p:handoutMasterIdLst>
   <p:sldIdLst>
     <p:sldId id="352" r:id="rId3"/>
@@ -23,24 +23,26 @@
     <p:sldId id="339" r:id="rId11"/>
     <p:sldId id="340" r:id="rId12"/>
     <p:sldId id="341" r:id="rId13"/>
-    <p:sldId id="344" r:id="rId14"/>
-    <p:sldId id="345" r:id="rId15"/>
-    <p:sldId id="346" r:id="rId16"/>
-    <p:sldId id="347" r:id="rId17"/>
-    <p:sldId id="348" r:id="rId18"/>
-    <p:sldId id="349" r:id="rId19"/>
-    <p:sldId id="351" r:id="rId20"/>
+    <p:sldId id="357" r:id="rId14"/>
+    <p:sldId id="346" r:id="rId15"/>
+    <p:sldId id="347" r:id="rId16"/>
+    <p:sldId id="354" r:id="rId17"/>
+    <p:sldId id="355" r:id="rId18"/>
+    <p:sldId id="356" r:id="rId19"/>
+    <p:sldId id="349" r:id="rId20"/>
     <p:sldId id="353" r:id="rId21"/>
     <p:sldId id="325" r:id="rId22"/>
-    <p:sldId id="303" r:id="rId23"/>
-    <p:sldId id="332" r:id="rId24"/>
-    <p:sldId id="314" r:id="rId25"/>
-    <p:sldId id="330" r:id="rId26"/>
-    <p:sldId id="297" r:id="rId27"/>
-    <p:sldId id="307" r:id="rId28"/>
-    <p:sldId id="301" r:id="rId29"/>
-    <p:sldId id="331" r:id="rId30"/>
-    <p:sldId id="350" r:id="rId31"/>
+    <p:sldId id="348" r:id="rId23"/>
+    <p:sldId id="303" r:id="rId24"/>
+    <p:sldId id="351" r:id="rId25"/>
+    <p:sldId id="332" r:id="rId26"/>
+    <p:sldId id="314" r:id="rId27"/>
+    <p:sldId id="330" r:id="rId28"/>
+    <p:sldId id="297" r:id="rId29"/>
+    <p:sldId id="307" r:id="rId30"/>
+    <p:sldId id="301" r:id="rId31"/>
+    <p:sldId id="331" r:id="rId32"/>
+    <p:sldId id="350" r:id="rId33"/>
   </p:sldIdLst>
   <p:sldSz cx="9144000" cy="6858000" type="screen4x3"/>
   <p:notesSz cx="7010400" cy="9296400"/>
@@ -968,7 +970,7 @@
               <a:pPr>
                 <a:defRPr/>
               </a:pPr>
-              <a:t>29</a:t>
+              <a:t>31</a:t>
             </a:fld>
             <a:endParaRPr lang="en-US"/>
           </a:p>
@@ -4927,15 +4929,27 @@
             <p:ph type="subTitle" idx="1"/>
           </p:nvPr>
         </p:nvSpPr>
-        <p:spPr/>
+        <p:spPr>
+          <a:xfrm>
+            <a:off x="365760" y="1463040"/>
+            <a:ext cx="8412480" cy="2738470"/>
+          </a:xfrm>
+        </p:spPr>
         <p:txBody>
-          <a:bodyPr/>
+          <a:bodyPr>
+            <a:normAutofit lnSpcReduction="10000"/>
+          </a:bodyPr>
           <a:lstStyle/>
           <a:p>
             <a:r>
               <a:rPr lang="en-US" sz="2800" dirty="0" smtClean="0"/>
-              <a:t>When we want to use certain pieces of code conditionally</a:t>
-            </a:r>
+              <a:t>When we want to use certain pieces of </a:t>
+            </a:r>
+            <a:r>
+              <a:rPr lang="en-US" sz="2800" dirty="0" smtClean="0"/>
+              <a:t>code based off of certain conditions</a:t>
+            </a:r>
+            <a:endParaRPr lang="en-US" sz="2800" dirty="0" smtClean="0"/>
           </a:p>
           <a:p>
             <a:r>
@@ -4958,59 +4972,9 @@
           <a:p>
             <a:r>
               <a:rPr lang="en-US" sz="2800" dirty="0" smtClean="0"/>
-              <a:t>In High-Level Languages use:</a:t>
-            </a:r>
-          </a:p>
-          <a:p>
-            <a:pPr marL="400050" lvl="1" indent="0">
-              <a:buNone/>
-            </a:pPr>
-            <a:r>
-              <a:rPr lang="en-US" sz="2000" dirty="0"/>
-              <a:t>if (a &gt; 10) {</a:t>
-            </a:r>
-          </a:p>
-          <a:p>
-            <a:pPr marL="400050" lvl="1" indent="0">
-              <a:buNone/>
-            </a:pPr>
-            <a:r>
-              <a:rPr lang="en-US" sz="2000" dirty="0"/>
-              <a:t>    //if a is greater than 10, execute this code</a:t>
-            </a:r>
-          </a:p>
-          <a:p>
-            <a:pPr marL="400050" lvl="1" indent="0">
-              <a:buNone/>
-            </a:pPr>
-            <a:r>
-              <a:rPr lang="en-US" sz="2000" dirty="0"/>
-              <a:t>} else {</a:t>
-            </a:r>
-          </a:p>
-          <a:p>
-            <a:pPr marL="400050" lvl="1" indent="0">
-              <a:buNone/>
-            </a:pPr>
-            <a:r>
-              <a:rPr lang="en-US" sz="2000" dirty="0"/>
-              <a:t>    //if not, execute this</a:t>
-            </a:r>
-          </a:p>
-          <a:p>
-            <a:pPr marL="400050" lvl="1" indent="0">
-              <a:buNone/>
-            </a:pPr>
-            <a:r>
-              <a:rPr lang="en-US" sz="2000" dirty="0"/>
-              <a:t>}</a:t>
-            </a:r>
-          </a:p>
-          <a:p>
-            <a:pPr marL="400050" lvl="1" indent="0">
-              <a:buNone/>
-            </a:pPr>
-            <a:endParaRPr lang="en-US" sz="2000" dirty="0"/>
+              <a:t>Let’s look at if/else, for loop, and while loop</a:t>
+            </a:r>
+            <a:endParaRPr lang="en-US" sz="2800" dirty="0" smtClean="0"/>
           </a:p>
         </p:txBody>
       </p:sp>
@@ -5037,68 +5001,82 @@
           </a:p>
         </p:txBody>
       </p:sp>
-      <p:sp>
-        <p:nvSpPr>
-          <p:cNvPr id="4" name="Rectangle 3"/>
-          <p:cNvSpPr/>
+      <p:pic>
+        <p:nvPicPr>
+          <p:cNvPr id="5" name="Picture 4"/>
+          <p:cNvPicPr>
+            <a:picLocks noChangeAspect="1"/>
+          </p:cNvPicPr>
           <p:nvPr/>
-        </p:nvSpPr>
+        </p:nvPicPr>
+        <p:blipFill>
+          <a:blip r:embed="rId2"/>
+          <a:stretch>
+            <a:fillRect/>
+          </a:stretch>
+        </p:blipFill>
         <p:spPr>
-          <a:xfrm rot="19352782">
-            <a:off x="3325506" y="2967335"/>
-            <a:ext cx="2492990" cy="923330"/>
+          <a:xfrm>
+            <a:off x="1248570" y="4335520"/>
+            <a:ext cx="1602196" cy="2049024"/>
           </a:xfrm>
           <a:prstGeom prst="rect">
             <a:avLst/>
           </a:prstGeom>
-          <a:noFill/>
         </p:spPr>
-        <p:txBody>
-          <a:bodyPr wrap="none" lIns="91440" tIns="45720" rIns="91440" bIns="45720">
-            <a:spAutoFit/>
-          </a:bodyPr>
-          <a:lstStyle/>
-          <a:p>
-            <a:pPr algn="ctr"/>
-            <a:r>
-              <a:rPr lang="en-US" sz="5400" b="1" dirty="0" smtClean="0">
-                <a:ln w="22225">
-                  <a:solidFill>
-                    <a:schemeClr val="accent2"/>
-                  </a:solidFill>
-                  <a:prstDash val="solid"/>
-                </a:ln>
-                <a:solidFill>
-                  <a:schemeClr val="accent2">
-                    <a:lumMod val="40000"/>
-                    <a:lumOff val="60000"/>
-                  </a:schemeClr>
-                </a:solidFill>
-              </a:rPr>
-              <a:t>FIXME</a:t>
-            </a:r>
-            <a:endParaRPr lang="en-US" sz="5400" b="1" cap="none" spc="0" dirty="0">
-              <a:ln w="22225">
-                <a:solidFill>
-                  <a:schemeClr val="accent2"/>
-                </a:solidFill>
-                <a:prstDash val="solid"/>
-              </a:ln>
-              <a:solidFill>
-                <a:schemeClr val="accent2">
-                  <a:lumMod val="40000"/>
-                  <a:lumOff val="60000"/>
-                </a:schemeClr>
-              </a:solidFill>
-              <a:effectLst/>
-            </a:endParaRPr>
-          </a:p>
-        </p:txBody>
-      </p:sp>
+      </p:pic>
+      <p:pic>
+        <p:nvPicPr>
+          <p:cNvPr id="7" name="Picture 6"/>
+          <p:cNvPicPr>
+            <a:picLocks noChangeAspect="1"/>
+          </p:cNvPicPr>
+          <p:nvPr/>
+        </p:nvPicPr>
+        <p:blipFill>
+          <a:blip r:embed="rId3"/>
+          <a:stretch>
+            <a:fillRect/>
+          </a:stretch>
+        </p:blipFill>
+        <p:spPr>
+          <a:xfrm>
+            <a:off x="5293410" y="4335520"/>
+            <a:ext cx="1333894" cy="2049024"/>
+          </a:xfrm>
+          <a:prstGeom prst="rect">
+            <a:avLst/>
+          </a:prstGeom>
+        </p:spPr>
+      </p:pic>
+      <p:pic>
+        <p:nvPicPr>
+          <p:cNvPr id="8" name="Picture 7"/>
+          <p:cNvPicPr>
+            <a:picLocks noChangeAspect="1"/>
+          </p:cNvPicPr>
+          <p:nvPr/>
+        </p:nvPicPr>
+        <p:blipFill>
+          <a:blip r:embed="rId4"/>
+          <a:stretch>
+            <a:fillRect/>
+          </a:stretch>
+        </p:blipFill>
+        <p:spPr>
+          <a:xfrm>
+            <a:off x="3346558" y="4335520"/>
+            <a:ext cx="1459523" cy="2049024"/>
+          </a:xfrm>
+          <a:prstGeom prst="rect">
+            <a:avLst/>
+          </a:prstGeom>
+        </p:spPr>
+      </p:pic>
     </p:spTree>
     <p:extLst>
       <p:ext uri="{BB962C8B-B14F-4D97-AF65-F5344CB8AC3E}">
-        <p14:creationId xmlns:p14="http://schemas.microsoft.com/office/powerpoint/2010/main" val="3905596884"/>
+        <p14:creationId xmlns:p14="http://schemas.microsoft.com/office/powerpoint/2010/main" val="1556109590"/>
       </p:ext>
     </p:extLst>
   </p:cSld>
@@ -5148,140 +5126,17 @@
           <a:bodyPr/>
           <a:lstStyle/>
           <a:p>
-            <a:pPr marL="400050" lvl="1" indent="0">
-              <a:buNone/>
-            </a:pPr>
-            <a:r>
-              <a:rPr lang="en-US" sz="2000" dirty="0" smtClean="0"/>
-              <a:t>switch </a:t>
-            </a:r>
-            <a:r>
-              <a:rPr lang="en-US" sz="2000" dirty="0"/>
-              <a:t>(variable) {</a:t>
-            </a:r>
-          </a:p>
-          <a:p>
-            <a:pPr marL="400050" lvl="1" indent="0">
-              <a:buNone/>
-            </a:pPr>
-            <a:r>
-              <a:rPr lang="en-US" sz="2000" dirty="0"/>
-              <a:t>    case 10:</a:t>
-            </a:r>
-          </a:p>
-          <a:p>
-            <a:pPr marL="400050" lvl="1" indent="0">
-              <a:buNone/>
-            </a:pPr>
-            <a:r>
-              <a:rPr lang="en-US" sz="2000" dirty="0"/>
-              <a:t>        //if variable is 10, do something</a:t>
-            </a:r>
-          </a:p>
-          <a:p>
-            <a:pPr marL="400050" lvl="1" indent="0">
-              <a:buNone/>
-            </a:pPr>
-            <a:r>
-              <a:rPr lang="en-US" sz="2000" dirty="0"/>
-              <a:t>        break;</a:t>
-            </a:r>
-          </a:p>
-          <a:p>
-            <a:pPr marL="400050" lvl="1" indent="0">
-              <a:buNone/>
-            </a:pPr>
-            <a:r>
-              <a:rPr lang="en-US" sz="2000" dirty="0"/>
-              <a:t>    case 20:</a:t>
-            </a:r>
-          </a:p>
-          <a:p>
-            <a:pPr marL="400050" lvl="1" indent="0">
-              <a:buNone/>
-            </a:pPr>
-            <a:r>
-              <a:rPr lang="en-US" sz="2000" dirty="0"/>
-              <a:t>        //if variable is 20, do something else</a:t>
-            </a:r>
-          </a:p>
-          <a:p>
-            <a:pPr marL="400050" lvl="1" indent="0">
-              <a:buNone/>
-            </a:pPr>
-            <a:r>
-              <a:rPr lang="en-US" sz="2000" dirty="0"/>
-              <a:t>        break;</a:t>
-            </a:r>
-          </a:p>
-          <a:p>
-            <a:pPr marL="400050" lvl="1" indent="0">
-              <a:buNone/>
-            </a:pPr>
-            <a:r>
-              <a:rPr lang="en-US" sz="2000" dirty="0"/>
-              <a:t>    default:</a:t>
-            </a:r>
-          </a:p>
-          <a:p>
-            <a:pPr marL="400050" lvl="1" indent="0">
-              <a:buNone/>
-            </a:pPr>
-            <a:r>
-              <a:rPr lang="en-US" sz="2000" dirty="0"/>
-              <a:t>        //do some default thing</a:t>
-            </a:r>
-          </a:p>
-          <a:p>
-            <a:pPr marL="400050" lvl="1" indent="0">
-              <a:buNone/>
-            </a:pPr>
-            <a:r>
-              <a:rPr lang="en-US" sz="2000" dirty="0"/>
-              <a:t>        break;</a:t>
-            </a:r>
-          </a:p>
-          <a:p>
-            <a:pPr marL="400050" lvl="1" indent="0">
-              <a:buNone/>
-            </a:pPr>
-            <a:r>
-              <a:rPr lang="en-US" sz="2000" dirty="0"/>
-              <a:t>}</a:t>
-            </a:r>
-          </a:p>
-          <a:p>
-            <a:pPr marL="400050" lvl="1" indent="0">
-              <a:buNone/>
-            </a:pPr>
-            <a:endParaRPr lang="en-US" sz="2000" dirty="0"/>
-          </a:p>
-          <a:p>
-            <a:pPr marL="400050" lvl="1" indent="0">
-              <a:buNone/>
-            </a:pPr>
-            <a:r>
-              <a:rPr lang="en-US" sz="2000" dirty="0"/>
-              <a:t>while (b &lt; 10) {</a:t>
-            </a:r>
-          </a:p>
-          <a:p>
-            <a:pPr marL="400050" lvl="1" indent="0">
-              <a:buNone/>
-            </a:pPr>
-            <a:r>
-              <a:rPr lang="en-US" sz="2000" dirty="0"/>
-              <a:t>    //do this code as long as b is less than 10</a:t>
-            </a:r>
-          </a:p>
-          <a:p>
-            <a:pPr marL="400050" lvl="1" indent="0">
-              <a:buNone/>
-            </a:pPr>
-            <a:r>
-              <a:rPr lang="en-US" sz="2000" dirty="0"/>
-              <a:t>}</a:t>
-            </a:r>
+            <a:r>
+              <a:rPr lang="en-US" sz="2800" dirty="0" smtClean="0"/>
+              <a:t>Remember, all higher level code eventually becomes assembly, then is assembled into machine code.</a:t>
+            </a:r>
+          </a:p>
+          <a:p>
+            <a:r>
+              <a:rPr lang="en-US" sz="2800" dirty="0"/>
+              <a:t>In assembly, we use conditional jumping instructions that jump based on the status of certain flags in the Status Register to achieve this.</a:t>
+            </a:r>
+            <a:endParaRPr lang="en-US" sz="2800" dirty="0" smtClean="0"/>
           </a:p>
         </p:txBody>
       </p:sp>
@@ -5308,68 +5163,10 @@
           </a:p>
         </p:txBody>
       </p:sp>
-      <p:sp>
-        <p:nvSpPr>
-          <p:cNvPr id="4" name="Rectangle 3"/>
-          <p:cNvSpPr/>
-          <p:nvPr/>
-        </p:nvSpPr>
-        <p:spPr>
-          <a:xfrm rot="19352782">
-            <a:off x="3325506" y="2975218"/>
-            <a:ext cx="2492990" cy="923330"/>
-          </a:xfrm>
-          <a:prstGeom prst="rect">
-            <a:avLst/>
-          </a:prstGeom>
-          <a:noFill/>
-        </p:spPr>
-        <p:txBody>
-          <a:bodyPr wrap="none" lIns="91440" tIns="45720" rIns="91440" bIns="45720">
-            <a:spAutoFit/>
-          </a:bodyPr>
-          <a:lstStyle/>
-          <a:p>
-            <a:pPr algn="ctr"/>
-            <a:r>
-              <a:rPr lang="en-US" sz="5400" b="1" dirty="0" smtClean="0">
-                <a:ln w="22225">
-                  <a:solidFill>
-                    <a:schemeClr val="accent2"/>
-                  </a:solidFill>
-                  <a:prstDash val="solid"/>
-                </a:ln>
-                <a:solidFill>
-                  <a:schemeClr val="accent2">
-                    <a:lumMod val="40000"/>
-                    <a:lumOff val="60000"/>
-                  </a:schemeClr>
-                </a:solidFill>
-              </a:rPr>
-              <a:t>FIXME</a:t>
-            </a:r>
-            <a:endParaRPr lang="en-US" sz="5400" b="1" cap="none" spc="0" dirty="0">
-              <a:ln w="22225">
-                <a:solidFill>
-                  <a:schemeClr val="accent2"/>
-                </a:solidFill>
-                <a:prstDash val="solid"/>
-              </a:ln>
-              <a:solidFill>
-                <a:schemeClr val="accent2">
-                  <a:lumMod val="40000"/>
-                  <a:lumOff val="60000"/>
-                </a:schemeClr>
-              </a:solidFill>
-              <a:effectLst/>
-            </a:endParaRPr>
-          </a:p>
-        </p:txBody>
-      </p:sp>
     </p:spTree>
     <p:extLst>
       <p:ext uri="{BB962C8B-B14F-4D97-AF65-F5344CB8AC3E}">
-        <p14:creationId xmlns:p14="http://schemas.microsoft.com/office/powerpoint/2010/main" val="1072008770"/>
+        <p14:creationId xmlns:p14="http://schemas.microsoft.com/office/powerpoint/2010/main" val="753484813"/>
       </p:ext>
     </p:extLst>
   </p:cSld>
@@ -5406,35 +5203,6 @@
       </p:grpSpPr>
       <p:sp>
         <p:nvSpPr>
-          <p:cNvPr id="3" name="Content Placeholder 2"/>
-          <p:cNvSpPr>
-            <a:spLocks noGrp="1"/>
-          </p:cNvSpPr>
-          <p:nvPr>
-            <p:ph type="subTitle" idx="1"/>
-          </p:nvPr>
-        </p:nvSpPr>
-        <p:spPr/>
-        <p:txBody>
-          <a:bodyPr/>
-          <a:lstStyle/>
-          <a:p>
-            <a:r>
-              <a:rPr lang="en-US" sz="2800" dirty="0" smtClean="0"/>
-              <a:t>Remember, all higher level code eventually becomes assembly, then is assembled into machine code.</a:t>
-            </a:r>
-          </a:p>
-          <a:p>
-            <a:r>
-              <a:rPr lang="en-US" sz="2800" dirty="0"/>
-              <a:t>In assembly, we use conditional jumping instructions that jump based on the status of certain flags in the Status Register to achieve this.</a:t>
-            </a:r>
-            <a:endParaRPr lang="en-US" sz="2800" dirty="0" smtClean="0"/>
-          </a:p>
-        </p:txBody>
-      </p:sp>
-      <p:sp>
-        <p:nvSpPr>
           <p:cNvPr id="2" name="Title 1"/>
           <p:cNvSpPr>
             <a:spLocks noGrp="1"/>
@@ -5450,74 +5218,1578 @@
           <a:p>
             <a:r>
               <a:rPr lang="en-US" dirty="0" smtClean="0"/>
-              <a:t>Flow of Control</a:t>
+              <a:t>Jump Instructions</a:t>
             </a:r>
             <a:endParaRPr lang="en-US" dirty="0"/>
           </a:p>
         </p:txBody>
       </p:sp>
-      <p:sp>
-        <p:nvSpPr>
-          <p:cNvPr id="4" name="Rectangle 3"/>
-          <p:cNvSpPr/>
-          <p:nvPr/>
-        </p:nvSpPr>
-        <p:spPr>
-          <a:xfrm rot="19352782">
-            <a:off x="3325506" y="2998867"/>
-            <a:ext cx="2492990" cy="923330"/>
-          </a:xfrm>
-          <a:prstGeom prst="rect">
-            <a:avLst/>
-          </a:prstGeom>
-          <a:noFill/>
-        </p:spPr>
-        <p:txBody>
-          <a:bodyPr wrap="none" lIns="91440" tIns="45720" rIns="91440" bIns="45720">
-            <a:spAutoFit/>
-          </a:bodyPr>
-          <a:lstStyle/>
-          <a:p>
-            <a:pPr algn="ctr"/>
-            <a:r>
-              <a:rPr lang="en-US" sz="5400" b="1" dirty="0" smtClean="0">
-                <a:ln w="22225">
-                  <a:solidFill>
-                    <a:schemeClr val="accent2"/>
-                  </a:solidFill>
-                  <a:prstDash val="solid"/>
-                </a:ln>
-                <a:solidFill>
-                  <a:schemeClr val="accent2">
-                    <a:lumMod val="40000"/>
-                    <a:lumOff val="60000"/>
-                  </a:schemeClr>
-                </a:solidFill>
-              </a:rPr>
-              <a:t>FIXME</a:t>
-            </a:r>
-            <a:endParaRPr lang="en-US" sz="5400" b="1" cap="none" spc="0" dirty="0">
-              <a:ln w="22225">
-                <a:solidFill>
-                  <a:schemeClr val="accent2"/>
-                </a:solidFill>
-                <a:prstDash val="solid"/>
-              </a:ln>
-              <a:solidFill>
-                <a:schemeClr val="accent2">
-                  <a:lumMod val="40000"/>
-                  <a:lumOff val="60000"/>
-                </a:schemeClr>
-              </a:solidFill>
-              <a:effectLst/>
-            </a:endParaRPr>
-          </a:p>
-        </p:txBody>
-      </p:sp>
+      <p:graphicFrame>
+        <p:nvGraphicFramePr>
+          <p:cNvPr id="5" name="Content Placeholder 4"/>
+          <p:cNvGraphicFramePr>
+            <a:graphicFrameLocks noGrp="1"/>
+          </p:cNvGraphicFramePr>
+          <p:nvPr>
+            <p:ph idx="4294967295"/>
+            <p:extLst>
+              <p:ext uri="{D42A27DB-BD31-4B8C-83A1-F6EECF244321}">
+                <p14:modId xmlns:p14="http://schemas.microsoft.com/office/powerpoint/2010/main" val="2934030702"/>
+              </p:ext>
+            </p:extLst>
+          </p:nvPr>
+        </p:nvGraphicFramePr>
+        <p:xfrm>
+          <a:off x="312534" y="1670598"/>
+          <a:ext cx="8557146" cy="4310310"/>
+        </p:xfrm>
+        <a:graphic>
+          <a:graphicData uri="http://schemas.openxmlformats.org/drawingml/2006/table">
+            <a:tbl>
+              <a:tblPr/>
+              <a:tblGrid>
+                <a:gridCol w="1719617"/>
+                <a:gridCol w="1856096"/>
+                <a:gridCol w="4981433"/>
+              </a:tblGrid>
+              <a:tr h="297892">
+                <a:tc>
+                  <a:txBody>
+                    <a:bodyPr/>
+                    <a:lstStyle/>
+                    <a:p>
+                      <a:pPr algn="ctr" fontAlgn="b"/>
+                      <a:r>
+                        <a:rPr lang="en-US" sz="2000" b="1" dirty="0">
+                          <a:effectLst/>
+                        </a:rPr>
+                        <a:t>Condition Code</a:t>
+                      </a:r>
+                    </a:p>
+                  </a:txBody>
+                  <a:tcPr marL="53195" marR="53195" marT="53195" marB="53195" anchor="b">
+                    <a:lnL w="9525" cap="flat" cmpd="sng" algn="ctr">
+                      <a:solidFill>
+                        <a:srgbClr val="DDDDDD"/>
+                      </a:solidFill>
+                      <a:prstDash val="solid"/>
+                      <a:round/>
+                      <a:headEnd type="none" w="med" len="med"/>
+                      <a:tailEnd type="none" w="med" len="med"/>
+                    </a:lnL>
+                    <a:lnR w="9525" cap="flat" cmpd="sng" algn="ctr">
+                      <a:solidFill>
+                        <a:srgbClr val="DDDDDD"/>
+                      </a:solidFill>
+                      <a:prstDash val="solid"/>
+                      <a:round/>
+                      <a:headEnd type="none" w="med" len="med"/>
+                      <a:tailEnd type="none" w="med" len="med"/>
+                    </a:lnR>
+                    <a:lnT w="9525" cap="flat" cmpd="sng" algn="ctr">
+                      <a:solidFill>
+                        <a:srgbClr val="DDDDDD"/>
+                      </a:solidFill>
+                      <a:prstDash val="solid"/>
+                      <a:round/>
+                      <a:headEnd type="none" w="med" len="med"/>
+                      <a:tailEnd type="none" w="med" len="med"/>
+                    </a:lnT>
+                    <a:lnB w="9525" cap="flat" cmpd="sng" algn="ctr">
+                      <a:solidFill>
+                        <a:srgbClr val="DDDDDD"/>
+                      </a:solidFill>
+                      <a:prstDash val="solid"/>
+                      <a:round/>
+                      <a:headEnd type="none" w="med" len="med"/>
+                      <a:tailEnd type="none" w="med" len="med"/>
+                    </a:lnB>
+                    <a:solidFill>
+                      <a:srgbClr val="FFFFFF"/>
+                    </a:solidFill>
+                  </a:tcPr>
+                </a:tc>
+                <a:tc>
+                  <a:txBody>
+                    <a:bodyPr/>
+                    <a:lstStyle/>
+                    <a:p>
+                      <a:pPr algn="ctr" fontAlgn="b"/>
+                      <a:r>
+                        <a:rPr lang="en-US" sz="2000" b="1">
+                          <a:effectLst/>
+                        </a:rPr>
+                        <a:t>Assembly Instruction</a:t>
+                      </a:r>
+                    </a:p>
+                  </a:txBody>
+                  <a:tcPr marL="53195" marR="53195" marT="53195" marB="53195" anchor="b">
+                    <a:lnL w="9525" cap="flat" cmpd="sng" algn="ctr">
+                      <a:solidFill>
+                        <a:srgbClr val="DDDDDD"/>
+                      </a:solidFill>
+                      <a:prstDash val="solid"/>
+                      <a:round/>
+                      <a:headEnd type="none" w="med" len="med"/>
+                      <a:tailEnd type="none" w="med" len="med"/>
+                    </a:lnL>
+                    <a:lnR w="9525" cap="flat" cmpd="sng" algn="ctr">
+                      <a:solidFill>
+                        <a:srgbClr val="DDDDDD"/>
+                      </a:solidFill>
+                      <a:prstDash val="solid"/>
+                      <a:round/>
+                      <a:headEnd type="none" w="med" len="med"/>
+                      <a:tailEnd type="none" w="med" len="med"/>
+                    </a:lnR>
+                    <a:lnT w="9525" cap="flat" cmpd="sng" algn="ctr">
+                      <a:solidFill>
+                        <a:srgbClr val="DDDDDD"/>
+                      </a:solidFill>
+                      <a:prstDash val="solid"/>
+                      <a:round/>
+                      <a:headEnd type="none" w="med" len="med"/>
+                      <a:tailEnd type="none" w="med" len="med"/>
+                    </a:lnT>
+                    <a:lnB w="9525" cap="flat" cmpd="sng" algn="ctr">
+                      <a:solidFill>
+                        <a:srgbClr val="DDDDDD"/>
+                      </a:solidFill>
+                      <a:prstDash val="solid"/>
+                      <a:round/>
+                      <a:headEnd type="none" w="med" len="med"/>
+                      <a:tailEnd type="none" w="med" len="med"/>
+                    </a:lnB>
+                    <a:solidFill>
+                      <a:srgbClr val="FFFFFF"/>
+                    </a:solidFill>
+                  </a:tcPr>
+                </a:tc>
+                <a:tc>
+                  <a:txBody>
+                    <a:bodyPr/>
+                    <a:lstStyle/>
+                    <a:p>
+                      <a:pPr algn="ctr" fontAlgn="b"/>
+                      <a:r>
+                        <a:rPr lang="en-US" sz="2000" b="1" dirty="0">
+                          <a:effectLst/>
+                        </a:rPr>
+                        <a:t>Description</a:t>
+                      </a:r>
+                    </a:p>
+                  </a:txBody>
+                  <a:tcPr marL="53195" marR="53195" marT="53195" marB="53195" anchor="b">
+                    <a:lnL w="9525" cap="flat" cmpd="sng" algn="ctr">
+                      <a:solidFill>
+                        <a:srgbClr val="DDDDDD"/>
+                      </a:solidFill>
+                      <a:prstDash val="solid"/>
+                      <a:round/>
+                      <a:headEnd type="none" w="med" len="med"/>
+                      <a:tailEnd type="none" w="med" len="med"/>
+                    </a:lnL>
+                    <a:lnR w="9525" cap="flat" cmpd="sng" algn="ctr">
+                      <a:solidFill>
+                        <a:srgbClr val="DDDDDD"/>
+                      </a:solidFill>
+                      <a:prstDash val="solid"/>
+                      <a:round/>
+                      <a:headEnd type="none" w="med" len="med"/>
+                      <a:tailEnd type="none" w="med" len="med"/>
+                    </a:lnR>
+                    <a:lnT w="9525" cap="flat" cmpd="sng" algn="ctr">
+                      <a:solidFill>
+                        <a:srgbClr val="DDDDDD"/>
+                      </a:solidFill>
+                      <a:prstDash val="solid"/>
+                      <a:round/>
+                      <a:headEnd type="none" w="med" len="med"/>
+                      <a:tailEnd type="none" w="med" len="med"/>
+                    </a:lnT>
+                    <a:lnB w="9525" cap="flat" cmpd="sng" algn="ctr">
+                      <a:solidFill>
+                        <a:srgbClr val="DDDDDD"/>
+                      </a:solidFill>
+                      <a:prstDash val="solid"/>
+                      <a:round/>
+                      <a:headEnd type="none" w="med" len="med"/>
+                      <a:tailEnd type="none" w="med" len="med"/>
+                    </a:lnB>
+                    <a:solidFill>
+                      <a:srgbClr val="FFFFFF"/>
+                    </a:solidFill>
+                  </a:tcPr>
+                </a:tc>
+              </a:tr>
+              <a:tr h="297892">
+                <a:tc>
+                  <a:txBody>
+                    <a:bodyPr/>
+                    <a:lstStyle/>
+                    <a:p>
+                      <a:pPr algn="ctr" fontAlgn="t"/>
+                      <a:r>
+                        <a:rPr lang="en-US" sz="2000" dirty="0">
+                          <a:effectLst/>
+                        </a:rPr>
+                        <a:t>000</a:t>
+                      </a:r>
+                    </a:p>
+                  </a:txBody>
+                  <a:tcPr marL="53195" marR="53195" marT="53195" marB="53195">
+                    <a:lnL w="9525" cap="flat" cmpd="sng" algn="ctr">
+                      <a:solidFill>
+                        <a:srgbClr val="DDDDDD"/>
+                      </a:solidFill>
+                      <a:prstDash val="solid"/>
+                      <a:round/>
+                      <a:headEnd type="none" w="med" len="med"/>
+                      <a:tailEnd type="none" w="med" len="med"/>
+                    </a:lnL>
+                    <a:lnR w="9525" cap="flat" cmpd="sng" algn="ctr">
+                      <a:solidFill>
+                        <a:srgbClr val="DDDDDD"/>
+                      </a:solidFill>
+                      <a:prstDash val="solid"/>
+                      <a:round/>
+                      <a:headEnd type="none" w="med" len="med"/>
+                      <a:tailEnd type="none" w="med" len="med"/>
+                    </a:lnR>
+                    <a:lnT w="9525" cap="flat" cmpd="sng" algn="ctr">
+                      <a:solidFill>
+                        <a:srgbClr val="DDDDDD"/>
+                      </a:solidFill>
+                      <a:prstDash val="solid"/>
+                      <a:round/>
+                      <a:headEnd type="none" w="med" len="med"/>
+                      <a:tailEnd type="none" w="med" len="med"/>
+                    </a:lnT>
+                    <a:lnB w="9525" cap="flat" cmpd="sng" algn="ctr">
+                      <a:solidFill>
+                        <a:srgbClr val="DDDDDD"/>
+                      </a:solidFill>
+                      <a:prstDash val="solid"/>
+                      <a:round/>
+                      <a:headEnd type="none" w="med" len="med"/>
+                      <a:tailEnd type="none" w="med" len="med"/>
+                    </a:lnB>
+                    <a:solidFill>
+                      <a:srgbClr val="F9F9F9"/>
+                    </a:solidFill>
+                  </a:tcPr>
+                </a:tc>
+                <a:tc>
+                  <a:txBody>
+                    <a:bodyPr/>
+                    <a:lstStyle/>
+                    <a:p>
+                      <a:pPr algn="ctr" fontAlgn="t"/>
+                      <a:r>
+                        <a:rPr lang="en-US" sz="2000">
+                          <a:effectLst/>
+                        </a:rPr>
+                        <a:t>JNE/JNZ</a:t>
+                      </a:r>
+                    </a:p>
+                  </a:txBody>
+                  <a:tcPr marL="53195" marR="53195" marT="53195" marB="53195">
+                    <a:lnL w="9525" cap="flat" cmpd="sng" algn="ctr">
+                      <a:solidFill>
+                        <a:srgbClr val="DDDDDD"/>
+                      </a:solidFill>
+                      <a:prstDash val="solid"/>
+                      <a:round/>
+                      <a:headEnd type="none" w="med" len="med"/>
+                      <a:tailEnd type="none" w="med" len="med"/>
+                    </a:lnL>
+                    <a:lnR w="9525" cap="flat" cmpd="sng" algn="ctr">
+                      <a:solidFill>
+                        <a:srgbClr val="DDDDDD"/>
+                      </a:solidFill>
+                      <a:prstDash val="solid"/>
+                      <a:round/>
+                      <a:headEnd type="none" w="med" len="med"/>
+                      <a:tailEnd type="none" w="med" len="med"/>
+                    </a:lnR>
+                    <a:lnT w="9525" cap="flat" cmpd="sng" algn="ctr">
+                      <a:solidFill>
+                        <a:srgbClr val="DDDDDD"/>
+                      </a:solidFill>
+                      <a:prstDash val="solid"/>
+                      <a:round/>
+                      <a:headEnd type="none" w="med" len="med"/>
+                      <a:tailEnd type="none" w="med" len="med"/>
+                    </a:lnT>
+                    <a:lnB w="9525" cap="flat" cmpd="sng" algn="ctr">
+                      <a:solidFill>
+                        <a:srgbClr val="DDDDDD"/>
+                      </a:solidFill>
+                      <a:prstDash val="solid"/>
+                      <a:round/>
+                      <a:headEnd type="none" w="med" len="med"/>
+                      <a:tailEnd type="none" w="med" len="med"/>
+                    </a:lnB>
+                    <a:solidFill>
+                      <a:srgbClr val="F9F9F9"/>
+                    </a:solidFill>
+                  </a:tcPr>
+                </a:tc>
+                <a:tc>
+                  <a:txBody>
+                    <a:bodyPr/>
+                    <a:lstStyle/>
+                    <a:p>
+                      <a:pPr algn="l" fontAlgn="t"/>
+                      <a:r>
+                        <a:rPr lang="en-US" sz="2000" dirty="0">
+                          <a:effectLst/>
+                        </a:rPr>
+                        <a:t>Jump if Z==0 (if !=)</a:t>
+                      </a:r>
+                    </a:p>
+                  </a:txBody>
+                  <a:tcPr marL="53195" marR="53195" marT="53195" marB="53195">
+                    <a:lnL w="9525" cap="flat" cmpd="sng" algn="ctr">
+                      <a:solidFill>
+                        <a:srgbClr val="DDDDDD"/>
+                      </a:solidFill>
+                      <a:prstDash val="solid"/>
+                      <a:round/>
+                      <a:headEnd type="none" w="med" len="med"/>
+                      <a:tailEnd type="none" w="med" len="med"/>
+                    </a:lnL>
+                    <a:lnR w="9525" cap="flat" cmpd="sng" algn="ctr">
+                      <a:solidFill>
+                        <a:srgbClr val="DDDDDD"/>
+                      </a:solidFill>
+                      <a:prstDash val="solid"/>
+                      <a:round/>
+                      <a:headEnd type="none" w="med" len="med"/>
+                      <a:tailEnd type="none" w="med" len="med"/>
+                    </a:lnR>
+                    <a:lnT w="9525" cap="flat" cmpd="sng" algn="ctr">
+                      <a:solidFill>
+                        <a:srgbClr val="DDDDDD"/>
+                      </a:solidFill>
+                      <a:prstDash val="solid"/>
+                      <a:round/>
+                      <a:headEnd type="none" w="med" len="med"/>
+                      <a:tailEnd type="none" w="med" len="med"/>
+                    </a:lnT>
+                    <a:lnB w="9525" cap="flat" cmpd="sng" algn="ctr">
+                      <a:solidFill>
+                        <a:srgbClr val="DDDDDD"/>
+                      </a:solidFill>
+                      <a:prstDash val="solid"/>
+                      <a:round/>
+                      <a:headEnd type="none" w="med" len="med"/>
+                      <a:tailEnd type="none" w="med" len="med"/>
+                    </a:lnB>
+                    <a:solidFill>
+                      <a:srgbClr val="F9F9F9"/>
+                    </a:solidFill>
+                  </a:tcPr>
+                </a:tc>
+              </a:tr>
+              <a:tr h="297892">
+                <a:tc>
+                  <a:txBody>
+                    <a:bodyPr/>
+                    <a:lstStyle/>
+                    <a:p>
+                      <a:pPr algn="ctr" fontAlgn="t"/>
+                      <a:r>
+                        <a:rPr lang="en-US" sz="2000" dirty="0">
+                          <a:effectLst/>
+                        </a:rPr>
+                        <a:t>001</a:t>
+                      </a:r>
+                    </a:p>
+                  </a:txBody>
+                  <a:tcPr marL="53195" marR="53195" marT="53195" marB="53195">
+                    <a:lnL w="9525" cap="flat" cmpd="sng" algn="ctr">
+                      <a:solidFill>
+                        <a:srgbClr val="DDDDDD"/>
+                      </a:solidFill>
+                      <a:prstDash val="solid"/>
+                      <a:round/>
+                      <a:headEnd type="none" w="med" len="med"/>
+                      <a:tailEnd type="none" w="med" len="med"/>
+                    </a:lnL>
+                    <a:lnR w="9525" cap="flat" cmpd="sng" algn="ctr">
+                      <a:solidFill>
+                        <a:srgbClr val="DDDDDD"/>
+                      </a:solidFill>
+                      <a:prstDash val="solid"/>
+                      <a:round/>
+                      <a:headEnd type="none" w="med" len="med"/>
+                      <a:tailEnd type="none" w="med" len="med"/>
+                    </a:lnR>
+                    <a:lnT w="9525" cap="flat" cmpd="sng" algn="ctr">
+                      <a:solidFill>
+                        <a:srgbClr val="DDDDDD"/>
+                      </a:solidFill>
+                      <a:prstDash val="solid"/>
+                      <a:round/>
+                      <a:headEnd type="none" w="med" len="med"/>
+                      <a:tailEnd type="none" w="med" len="med"/>
+                    </a:lnT>
+                    <a:lnB w="9525" cap="flat" cmpd="sng" algn="ctr">
+                      <a:solidFill>
+                        <a:srgbClr val="DDDDDD"/>
+                      </a:solidFill>
+                      <a:prstDash val="solid"/>
+                      <a:round/>
+                      <a:headEnd type="none" w="med" len="med"/>
+                      <a:tailEnd type="none" w="med" len="med"/>
+                    </a:lnB>
+                    <a:solidFill>
+                      <a:srgbClr val="FFFFFF"/>
+                    </a:solidFill>
+                  </a:tcPr>
+                </a:tc>
+                <a:tc>
+                  <a:txBody>
+                    <a:bodyPr/>
+                    <a:lstStyle/>
+                    <a:p>
+                      <a:pPr algn="ctr" fontAlgn="t"/>
+                      <a:r>
+                        <a:rPr lang="en-US" sz="2000" dirty="0">
+                          <a:effectLst/>
+                        </a:rPr>
+                        <a:t>JEQ/JZ</a:t>
+                      </a:r>
+                    </a:p>
+                  </a:txBody>
+                  <a:tcPr marL="53195" marR="53195" marT="53195" marB="53195">
+                    <a:lnL w="9525" cap="flat" cmpd="sng" algn="ctr">
+                      <a:solidFill>
+                        <a:srgbClr val="DDDDDD"/>
+                      </a:solidFill>
+                      <a:prstDash val="solid"/>
+                      <a:round/>
+                      <a:headEnd type="none" w="med" len="med"/>
+                      <a:tailEnd type="none" w="med" len="med"/>
+                    </a:lnL>
+                    <a:lnR w="9525" cap="flat" cmpd="sng" algn="ctr">
+                      <a:solidFill>
+                        <a:srgbClr val="DDDDDD"/>
+                      </a:solidFill>
+                      <a:prstDash val="solid"/>
+                      <a:round/>
+                      <a:headEnd type="none" w="med" len="med"/>
+                      <a:tailEnd type="none" w="med" len="med"/>
+                    </a:lnR>
+                    <a:lnT w="9525" cap="flat" cmpd="sng" algn="ctr">
+                      <a:solidFill>
+                        <a:srgbClr val="DDDDDD"/>
+                      </a:solidFill>
+                      <a:prstDash val="solid"/>
+                      <a:round/>
+                      <a:headEnd type="none" w="med" len="med"/>
+                      <a:tailEnd type="none" w="med" len="med"/>
+                    </a:lnT>
+                    <a:lnB w="9525" cap="flat" cmpd="sng" algn="ctr">
+                      <a:solidFill>
+                        <a:srgbClr val="DDDDDD"/>
+                      </a:solidFill>
+                      <a:prstDash val="solid"/>
+                      <a:round/>
+                      <a:headEnd type="none" w="med" len="med"/>
+                      <a:tailEnd type="none" w="med" len="med"/>
+                    </a:lnB>
+                    <a:solidFill>
+                      <a:srgbClr val="FFFFFF"/>
+                    </a:solidFill>
+                  </a:tcPr>
+                </a:tc>
+                <a:tc>
+                  <a:txBody>
+                    <a:bodyPr/>
+                    <a:lstStyle/>
+                    <a:p>
+                      <a:pPr algn="l" fontAlgn="t"/>
+                      <a:r>
+                        <a:rPr lang="en-US" sz="2000" dirty="0">
+                          <a:effectLst/>
+                        </a:rPr>
+                        <a:t>Jump if Z==1 (if ==)</a:t>
+                      </a:r>
+                    </a:p>
+                  </a:txBody>
+                  <a:tcPr marL="53195" marR="53195" marT="53195" marB="53195">
+                    <a:lnL w="9525" cap="flat" cmpd="sng" algn="ctr">
+                      <a:solidFill>
+                        <a:srgbClr val="DDDDDD"/>
+                      </a:solidFill>
+                      <a:prstDash val="solid"/>
+                      <a:round/>
+                      <a:headEnd type="none" w="med" len="med"/>
+                      <a:tailEnd type="none" w="med" len="med"/>
+                    </a:lnL>
+                    <a:lnR w="9525" cap="flat" cmpd="sng" algn="ctr">
+                      <a:solidFill>
+                        <a:srgbClr val="DDDDDD"/>
+                      </a:solidFill>
+                      <a:prstDash val="solid"/>
+                      <a:round/>
+                      <a:headEnd type="none" w="med" len="med"/>
+                      <a:tailEnd type="none" w="med" len="med"/>
+                    </a:lnR>
+                    <a:lnT w="9525" cap="flat" cmpd="sng" algn="ctr">
+                      <a:solidFill>
+                        <a:srgbClr val="DDDDDD"/>
+                      </a:solidFill>
+                      <a:prstDash val="solid"/>
+                      <a:round/>
+                      <a:headEnd type="none" w="med" len="med"/>
+                      <a:tailEnd type="none" w="med" len="med"/>
+                    </a:lnT>
+                    <a:lnB w="9525" cap="flat" cmpd="sng" algn="ctr">
+                      <a:solidFill>
+                        <a:srgbClr val="DDDDDD"/>
+                      </a:solidFill>
+                      <a:prstDash val="solid"/>
+                      <a:round/>
+                      <a:headEnd type="none" w="med" len="med"/>
+                      <a:tailEnd type="none" w="med" len="med"/>
+                    </a:lnB>
+                    <a:solidFill>
+                      <a:srgbClr val="FFFFFF"/>
+                    </a:solidFill>
+                  </a:tcPr>
+                </a:tc>
+              </a:tr>
+              <a:tr h="297892">
+                <a:tc>
+                  <a:txBody>
+                    <a:bodyPr/>
+                    <a:lstStyle/>
+                    <a:p>
+                      <a:pPr algn="ctr" fontAlgn="t"/>
+                      <a:r>
+                        <a:rPr lang="en-US" sz="2000">
+                          <a:effectLst/>
+                        </a:rPr>
+                        <a:t>010</a:t>
+                      </a:r>
+                    </a:p>
+                  </a:txBody>
+                  <a:tcPr marL="53195" marR="53195" marT="53195" marB="53195">
+                    <a:lnL w="9525" cap="flat" cmpd="sng" algn="ctr">
+                      <a:solidFill>
+                        <a:srgbClr val="DDDDDD"/>
+                      </a:solidFill>
+                      <a:prstDash val="solid"/>
+                      <a:round/>
+                      <a:headEnd type="none" w="med" len="med"/>
+                      <a:tailEnd type="none" w="med" len="med"/>
+                    </a:lnL>
+                    <a:lnR w="9525" cap="flat" cmpd="sng" algn="ctr">
+                      <a:solidFill>
+                        <a:srgbClr val="DDDDDD"/>
+                      </a:solidFill>
+                      <a:prstDash val="solid"/>
+                      <a:round/>
+                      <a:headEnd type="none" w="med" len="med"/>
+                      <a:tailEnd type="none" w="med" len="med"/>
+                    </a:lnR>
+                    <a:lnT w="9525" cap="flat" cmpd="sng" algn="ctr">
+                      <a:solidFill>
+                        <a:srgbClr val="DDDDDD"/>
+                      </a:solidFill>
+                      <a:prstDash val="solid"/>
+                      <a:round/>
+                      <a:headEnd type="none" w="med" len="med"/>
+                      <a:tailEnd type="none" w="med" len="med"/>
+                    </a:lnT>
+                    <a:lnB w="9525" cap="flat" cmpd="sng" algn="ctr">
+                      <a:solidFill>
+                        <a:srgbClr val="DDDDDD"/>
+                      </a:solidFill>
+                      <a:prstDash val="solid"/>
+                      <a:round/>
+                      <a:headEnd type="none" w="med" len="med"/>
+                      <a:tailEnd type="none" w="med" len="med"/>
+                    </a:lnB>
+                    <a:solidFill>
+                      <a:srgbClr val="F9F9F9"/>
+                    </a:solidFill>
+                  </a:tcPr>
+                </a:tc>
+                <a:tc>
+                  <a:txBody>
+                    <a:bodyPr/>
+                    <a:lstStyle/>
+                    <a:p>
+                      <a:pPr algn="ctr" fontAlgn="t"/>
+                      <a:r>
+                        <a:rPr lang="en-US" sz="2000" dirty="0">
+                          <a:effectLst/>
+                        </a:rPr>
+                        <a:t>JNC/JLO</a:t>
+                      </a:r>
+                    </a:p>
+                  </a:txBody>
+                  <a:tcPr marL="53195" marR="53195" marT="53195" marB="53195">
+                    <a:lnL w="9525" cap="flat" cmpd="sng" algn="ctr">
+                      <a:solidFill>
+                        <a:srgbClr val="DDDDDD"/>
+                      </a:solidFill>
+                      <a:prstDash val="solid"/>
+                      <a:round/>
+                      <a:headEnd type="none" w="med" len="med"/>
+                      <a:tailEnd type="none" w="med" len="med"/>
+                    </a:lnL>
+                    <a:lnR w="9525" cap="flat" cmpd="sng" algn="ctr">
+                      <a:solidFill>
+                        <a:srgbClr val="DDDDDD"/>
+                      </a:solidFill>
+                      <a:prstDash val="solid"/>
+                      <a:round/>
+                      <a:headEnd type="none" w="med" len="med"/>
+                      <a:tailEnd type="none" w="med" len="med"/>
+                    </a:lnR>
+                    <a:lnT w="9525" cap="flat" cmpd="sng" algn="ctr">
+                      <a:solidFill>
+                        <a:srgbClr val="DDDDDD"/>
+                      </a:solidFill>
+                      <a:prstDash val="solid"/>
+                      <a:round/>
+                      <a:headEnd type="none" w="med" len="med"/>
+                      <a:tailEnd type="none" w="med" len="med"/>
+                    </a:lnT>
+                    <a:lnB w="9525" cap="flat" cmpd="sng" algn="ctr">
+                      <a:solidFill>
+                        <a:srgbClr val="DDDDDD"/>
+                      </a:solidFill>
+                      <a:prstDash val="solid"/>
+                      <a:round/>
+                      <a:headEnd type="none" w="med" len="med"/>
+                      <a:tailEnd type="none" w="med" len="med"/>
+                    </a:lnB>
+                    <a:solidFill>
+                      <a:srgbClr val="F9F9F9"/>
+                    </a:solidFill>
+                  </a:tcPr>
+                </a:tc>
+                <a:tc>
+                  <a:txBody>
+                    <a:bodyPr/>
+                    <a:lstStyle/>
+                    <a:p>
+                      <a:pPr algn="l" fontAlgn="t"/>
+                      <a:r>
+                        <a:rPr lang="en-US" sz="2000" dirty="0">
+                          <a:effectLst/>
+                        </a:rPr>
+                        <a:t>Jump if C==0 (if unsigned &lt;)</a:t>
+                      </a:r>
+                    </a:p>
+                  </a:txBody>
+                  <a:tcPr marL="53195" marR="53195" marT="53195" marB="53195">
+                    <a:lnL w="9525" cap="flat" cmpd="sng" algn="ctr">
+                      <a:solidFill>
+                        <a:srgbClr val="DDDDDD"/>
+                      </a:solidFill>
+                      <a:prstDash val="solid"/>
+                      <a:round/>
+                      <a:headEnd type="none" w="med" len="med"/>
+                      <a:tailEnd type="none" w="med" len="med"/>
+                    </a:lnL>
+                    <a:lnR w="9525" cap="flat" cmpd="sng" algn="ctr">
+                      <a:solidFill>
+                        <a:srgbClr val="DDDDDD"/>
+                      </a:solidFill>
+                      <a:prstDash val="solid"/>
+                      <a:round/>
+                      <a:headEnd type="none" w="med" len="med"/>
+                      <a:tailEnd type="none" w="med" len="med"/>
+                    </a:lnR>
+                    <a:lnT w="9525" cap="flat" cmpd="sng" algn="ctr">
+                      <a:solidFill>
+                        <a:srgbClr val="DDDDDD"/>
+                      </a:solidFill>
+                      <a:prstDash val="solid"/>
+                      <a:round/>
+                      <a:headEnd type="none" w="med" len="med"/>
+                      <a:tailEnd type="none" w="med" len="med"/>
+                    </a:lnT>
+                    <a:lnB w="9525" cap="flat" cmpd="sng" algn="ctr">
+                      <a:solidFill>
+                        <a:srgbClr val="DDDDDD"/>
+                      </a:solidFill>
+                      <a:prstDash val="solid"/>
+                      <a:round/>
+                      <a:headEnd type="none" w="med" len="med"/>
+                      <a:tailEnd type="none" w="med" len="med"/>
+                    </a:lnB>
+                    <a:solidFill>
+                      <a:srgbClr val="F9F9F9"/>
+                    </a:solidFill>
+                  </a:tcPr>
+                </a:tc>
+              </a:tr>
+              <a:tr h="297892">
+                <a:tc>
+                  <a:txBody>
+                    <a:bodyPr/>
+                    <a:lstStyle/>
+                    <a:p>
+                      <a:pPr algn="ctr" fontAlgn="t"/>
+                      <a:r>
+                        <a:rPr lang="en-US" sz="2000">
+                          <a:effectLst/>
+                        </a:rPr>
+                        <a:t>011</a:t>
+                      </a:r>
+                    </a:p>
+                  </a:txBody>
+                  <a:tcPr marL="53195" marR="53195" marT="53195" marB="53195">
+                    <a:lnL w="9525" cap="flat" cmpd="sng" algn="ctr">
+                      <a:solidFill>
+                        <a:srgbClr val="DDDDDD"/>
+                      </a:solidFill>
+                      <a:prstDash val="solid"/>
+                      <a:round/>
+                      <a:headEnd type="none" w="med" len="med"/>
+                      <a:tailEnd type="none" w="med" len="med"/>
+                    </a:lnL>
+                    <a:lnR w="9525" cap="flat" cmpd="sng" algn="ctr">
+                      <a:solidFill>
+                        <a:srgbClr val="DDDDDD"/>
+                      </a:solidFill>
+                      <a:prstDash val="solid"/>
+                      <a:round/>
+                      <a:headEnd type="none" w="med" len="med"/>
+                      <a:tailEnd type="none" w="med" len="med"/>
+                    </a:lnR>
+                    <a:lnT w="9525" cap="flat" cmpd="sng" algn="ctr">
+                      <a:solidFill>
+                        <a:srgbClr val="DDDDDD"/>
+                      </a:solidFill>
+                      <a:prstDash val="solid"/>
+                      <a:round/>
+                      <a:headEnd type="none" w="med" len="med"/>
+                      <a:tailEnd type="none" w="med" len="med"/>
+                    </a:lnT>
+                    <a:lnB w="9525" cap="flat" cmpd="sng" algn="ctr">
+                      <a:solidFill>
+                        <a:srgbClr val="DDDDDD"/>
+                      </a:solidFill>
+                      <a:prstDash val="solid"/>
+                      <a:round/>
+                      <a:headEnd type="none" w="med" len="med"/>
+                      <a:tailEnd type="none" w="med" len="med"/>
+                    </a:lnB>
+                    <a:solidFill>
+                      <a:srgbClr val="FFFFFF"/>
+                    </a:solidFill>
+                  </a:tcPr>
+                </a:tc>
+                <a:tc>
+                  <a:txBody>
+                    <a:bodyPr/>
+                    <a:lstStyle/>
+                    <a:p>
+                      <a:pPr algn="ctr" fontAlgn="t"/>
+                      <a:r>
+                        <a:rPr lang="en-US" sz="2000">
+                          <a:effectLst/>
+                        </a:rPr>
+                        <a:t>JC/JHS</a:t>
+                      </a:r>
+                    </a:p>
+                  </a:txBody>
+                  <a:tcPr marL="53195" marR="53195" marT="53195" marB="53195">
+                    <a:lnL w="9525" cap="flat" cmpd="sng" algn="ctr">
+                      <a:solidFill>
+                        <a:srgbClr val="DDDDDD"/>
+                      </a:solidFill>
+                      <a:prstDash val="solid"/>
+                      <a:round/>
+                      <a:headEnd type="none" w="med" len="med"/>
+                      <a:tailEnd type="none" w="med" len="med"/>
+                    </a:lnL>
+                    <a:lnR w="9525" cap="flat" cmpd="sng" algn="ctr">
+                      <a:solidFill>
+                        <a:srgbClr val="DDDDDD"/>
+                      </a:solidFill>
+                      <a:prstDash val="solid"/>
+                      <a:round/>
+                      <a:headEnd type="none" w="med" len="med"/>
+                      <a:tailEnd type="none" w="med" len="med"/>
+                    </a:lnR>
+                    <a:lnT w="9525" cap="flat" cmpd="sng" algn="ctr">
+                      <a:solidFill>
+                        <a:srgbClr val="DDDDDD"/>
+                      </a:solidFill>
+                      <a:prstDash val="solid"/>
+                      <a:round/>
+                      <a:headEnd type="none" w="med" len="med"/>
+                      <a:tailEnd type="none" w="med" len="med"/>
+                    </a:lnT>
+                    <a:lnB w="9525" cap="flat" cmpd="sng" algn="ctr">
+                      <a:solidFill>
+                        <a:srgbClr val="DDDDDD"/>
+                      </a:solidFill>
+                      <a:prstDash val="solid"/>
+                      <a:round/>
+                      <a:headEnd type="none" w="med" len="med"/>
+                      <a:tailEnd type="none" w="med" len="med"/>
+                    </a:lnB>
+                    <a:solidFill>
+                      <a:srgbClr val="FFFFFF"/>
+                    </a:solidFill>
+                  </a:tcPr>
+                </a:tc>
+                <a:tc>
+                  <a:txBody>
+                    <a:bodyPr/>
+                    <a:lstStyle/>
+                    <a:p>
+                      <a:pPr algn="l" fontAlgn="t"/>
+                      <a:r>
+                        <a:rPr lang="en-US" sz="2000" dirty="0">
+                          <a:effectLst/>
+                        </a:rPr>
+                        <a:t>Jump if C==1 (if unsigned &gt;=)</a:t>
+                      </a:r>
+                    </a:p>
+                  </a:txBody>
+                  <a:tcPr marL="53195" marR="53195" marT="53195" marB="53195">
+                    <a:lnL w="9525" cap="flat" cmpd="sng" algn="ctr">
+                      <a:solidFill>
+                        <a:srgbClr val="DDDDDD"/>
+                      </a:solidFill>
+                      <a:prstDash val="solid"/>
+                      <a:round/>
+                      <a:headEnd type="none" w="med" len="med"/>
+                      <a:tailEnd type="none" w="med" len="med"/>
+                    </a:lnL>
+                    <a:lnR w="9525" cap="flat" cmpd="sng" algn="ctr">
+                      <a:solidFill>
+                        <a:srgbClr val="DDDDDD"/>
+                      </a:solidFill>
+                      <a:prstDash val="solid"/>
+                      <a:round/>
+                      <a:headEnd type="none" w="med" len="med"/>
+                      <a:tailEnd type="none" w="med" len="med"/>
+                    </a:lnR>
+                    <a:lnT w="9525" cap="flat" cmpd="sng" algn="ctr">
+                      <a:solidFill>
+                        <a:srgbClr val="DDDDDD"/>
+                      </a:solidFill>
+                      <a:prstDash val="solid"/>
+                      <a:round/>
+                      <a:headEnd type="none" w="med" len="med"/>
+                      <a:tailEnd type="none" w="med" len="med"/>
+                    </a:lnT>
+                    <a:lnB w="9525" cap="flat" cmpd="sng" algn="ctr">
+                      <a:solidFill>
+                        <a:srgbClr val="DDDDDD"/>
+                      </a:solidFill>
+                      <a:prstDash val="solid"/>
+                      <a:round/>
+                      <a:headEnd type="none" w="med" len="med"/>
+                      <a:tailEnd type="none" w="med" len="med"/>
+                    </a:lnB>
+                    <a:solidFill>
+                      <a:srgbClr val="FFFFFF"/>
+                    </a:solidFill>
+                  </a:tcPr>
+                </a:tc>
+              </a:tr>
+              <a:tr h="424476">
+                <a:tc>
+                  <a:txBody>
+                    <a:bodyPr/>
+                    <a:lstStyle/>
+                    <a:p>
+                      <a:pPr algn="ctr" fontAlgn="t"/>
+                      <a:r>
+                        <a:rPr lang="en-US" sz="2000">
+                          <a:effectLst/>
+                        </a:rPr>
+                        <a:t>100</a:t>
+                      </a:r>
+                    </a:p>
+                  </a:txBody>
+                  <a:tcPr marL="53195" marR="53195" marT="53195" marB="53195">
+                    <a:lnL w="9525" cap="flat" cmpd="sng" algn="ctr">
+                      <a:solidFill>
+                        <a:srgbClr val="DDDDDD"/>
+                      </a:solidFill>
+                      <a:prstDash val="solid"/>
+                      <a:round/>
+                      <a:headEnd type="none" w="med" len="med"/>
+                      <a:tailEnd type="none" w="med" len="med"/>
+                    </a:lnL>
+                    <a:lnR w="9525" cap="flat" cmpd="sng" algn="ctr">
+                      <a:solidFill>
+                        <a:srgbClr val="DDDDDD"/>
+                      </a:solidFill>
+                      <a:prstDash val="solid"/>
+                      <a:round/>
+                      <a:headEnd type="none" w="med" len="med"/>
+                      <a:tailEnd type="none" w="med" len="med"/>
+                    </a:lnR>
+                    <a:lnT w="9525" cap="flat" cmpd="sng" algn="ctr">
+                      <a:solidFill>
+                        <a:srgbClr val="DDDDDD"/>
+                      </a:solidFill>
+                      <a:prstDash val="solid"/>
+                      <a:round/>
+                      <a:headEnd type="none" w="med" len="med"/>
+                      <a:tailEnd type="none" w="med" len="med"/>
+                    </a:lnT>
+                    <a:lnB w="9525" cap="flat" cmpd="sng" algn="ctr">
+                      <a:solidFill>
+                        <a:srgbClr val="DDDDDD"/>
+                      </a:solidFill>
+                      <a:prstDash val="solid"/>
+                      <a:round/>
+                      <a:headEnd type="none" w="med" len="med"/>
+                      <a:tailEnd type="none" w="med" len="med"/>
+                    </a:lnB>
+                    <a:solidFill>
+                      <a:srgbClr val="F9F9F9"/>
+                    </a:solidFill>
+                  </a:tcPr>
+                </a:tc>
+                <a:tc>
+                  <a:txBody>
+                    <a:bodyPr/>
+                    <a:lstStyle/>
+                    <a:p>
+                      <a:pPr algn="ctr" fontAlgn="t"/>
+                      <a:r>
+                        <a:rPr lang="en-US" sz="2000">
+                          <a:effectLst/>
+                        </a:rPr>
+                        <a:t>JN</a:t>
+                      </a:r>
+                    </a:p>
+                  </a:txBody>
+                  <a:tcPr marL="53195" marR="53195" marT="53195" marB="53195">
+                    <a:lnL w="9525" cap="flat" cmpd="sng" algn="ctr">
+                      <a:solidFill>
+                        <a:srgbClr val="DDDDDD"/>
+                      </a:solidFill>
+                      <a:prstDash val="solid"/>
+                      <a:round/>
+                      <a:headEnd type="none" w="med" len="med"/>
+                      <a:tailEnd type="none" w="med" len="med"/>
+                    </a:lnL>
+                    <a:lnR w="9525" cap="flat" cmpd="sng" algn="ctr">
+                      <a:solidFill>
+                        <a:srgbClr val="DDDDDD"/>
+                      </a:solidFill>
+                      <a:prstDash val="solid"/>
+                      <a:round/>
+                      <a:headEnd type="none" w="med" len="med"/>
+                      <a:tailEnd type="none" w="med" len="med"/>
+                    </a:lnR>
+                    <a:lnT w="9525" cap="flat" cmpd="sng" algn="ctr">
+                      <a:solidFill>
+                        <a:srgbClr val="DDDDDD"/>
+                      </a:solidFill>
+                      <a:prstDash val="solid"/>
+                      <a:round/>
+                      <a:headEnd type="none" w="med" len="med"/>
+                      <a:tailEnd type="none" w="med" len="med"/>
+                    </a:lnT>
+                    <a:lnB w="9525" cap="flat" cmpd="sng" algn="ctr">
+                      <a:solidFill>
+                        <a:srgbClr val="DDDDDD"/>
+                      </a:solidFill>
+                      <a:prstDash val="solid"/>
+                      <a:round/>
+                      <a:headEnd type="none" w="med" len="med"/>
+                      <a:tailEnd type="none" w="med" len="med"/>
+                    </a:lnB>
+                    <a:solidFill>
+                      <a:srgbClr val="F9F9F9"/>
+                    </a:solidFill>
+                  </a:tcPr>
+                </a:tc>
+                <a:tc>
+                  <a:txBody>
+                    <a:bodyPr/>
+                    <a:lstStyle/>
+                    <a:p>
+                      <a:pPr algn="l" fontAlgn="t"/>
+                      <a:r>
+                        <a:rPr lang="en-US" sz="2000" dirty="0">
+                          <a:effectLst/>
+                        </a:rPr>
+                        <a:t>Jump if N==1 - Note there is no jump if N==0</a:t>
+                      </a:r>
+                    </a:p>
+                  </a:txBody>
+                  <a:tcPr marL="53195" marR="53195" marT="53195" marB="53195">
+                    <a:lnL w="9525" cap="flat" cmpd="sng" algn="ctr">
+                      <a:solidFill>
+                        <a:srgbClr val="DDDDDD"/>
+                      </a:solidFill>
+                      <a:prstDash val="solid"/>
+                      <a:round/>
+                      <a:headEnd type="none" w="med" len="med"/>
+                      <a:tailEnd type="none" w="med" len="med"/>
+                    </a:lnL>
+                    <a:lnR w="9525" cap="flat" cmpd="sng" algn="ctr">
+                      <a:solidFill>
+                        <a:srgbClr val="DDDDDD"/>
+                      </a:solidFill>
+                      <a:prstDash val="solid"/>
+                      <a:round/>
+                      <a:headEnd type="none" w="med" len="med"/>
+                      <a:tailEnd type="none" w="med" len="med"/>
+                    </a:lnR>
+                    <a:lnT w="9525" cap="flat" cmpd="sng" algn="ctr">
+                      <a:solidFill>
+                        <a:srgbClr val="DDDDDD"/>
+                      </a:solidFill>
+                      <a:prstDash val="solid"/>
+                      <a:round/>
+                      <a:headEnd type="none" w="med" len="med"/>
+                      <a:tailEnd type="none" w="med" len="med"/>
+                    </a:lnT>
+                    <a:lnB w="9525" cap="flat" cmpd="sng" algn="ctr">
+                      <a:solidFill>
+                        <a:srgbClr val="DDDDDD"/>
+                      </a:solidFill>
+                      <a:prstDash val="solid"/>
+                      <a:round/>
+                      <a:headEnd type="none" w="med" len="med"/>
+                      <a:tailEnd type="none" w="med" len="med"/>
+                    </a:lnB>
+                    <a:solidFill>
+                      <a:srgbClr val="F9F9F9"/>
+                    </a:solidFill>
+                  </a:tcPr>
+                </a:tc>
+              </a:tr>
+              <a:tr h="297892">
+                <a:tc>
+                  <a:txBody>
+                    <a:bodyPr/>
+                    <a:lstStyle/>
+                    <a:p>
+                      <a:pPr algn="ctr" fontAlgn="t"/>
+                      <a:r>
+                        <a:rPr lang="en-US" sz="2000">
+                          <a:effectLst/>
+                        </a:rPr>
+                        <a:t>101</a:t>
+                      </a:r>
+                    </a:p>
+                  </a:txBody>
+                  <a:tcPr marL="53195" marR="53195" marT="53195" marB="53195">
+                    <a:lnL w="9525" cap="flat" cmpd="sng" algn="ctr">
+                      <a:solidFill>
+                        <a:srgbClr val="DDDDDD"/>
+                      </a:solidFill>
+                      <a:prstDash val="solid"/>
+                      <a:round/>
+                      <a:headEnd type="none" w="med" len="med"/>
+                      <a:tailEnd type="none" w="med" len="med"/>
+                    </a:lnL>
+                    <a:lnR w="9525" cap="flat" cmpd="sng" algn="ctr">
+                      <a:solidFill>
+                        <a:srgbClr val="DDDDDD"/>
+                      </a:solidFill>
+                      <a:prstDash val="solid"/>
+                      <a:round/>
+                      <a:headEnd type="none" w="med" len="med"/>
+                      <a:tailEnd type="none" w="med" len="med"/>
+                    </a:lnR>
+                    <a:lnT w="9525" cap="flat" cmpd="sng" algn="ctr">
+                      <a:solidFill>
+                        <a:srgbClr val="DDDDDD"/>
+                      </a:solidFill>
+                      <a:prstDash val="solid"/>
+                      <a:round/>
+                      <a:headEnd type="none" w="med" len="med"/>
+                      <a:tailEnd type="none" w="med" len="med"/>
+                    </a:lnT>
+                    <a:lnB w="9525" cap="flat" cmpd="sng" algn="ctr">
+                      <a:solidFill>
+                        <a:srgbClr val="DDDDDD"/>
+                      </a:solidFill>
+                      <a:prstDash val="solid"/>
+                      <a:round/>
+                      <a:headEnd type="none" w="med" len="med"/>
+                      <a:tailEnd type="none" w="med" len="med"/>
+                    </a:lnB>
+                    <a:solidFill>
+                      <a:srgbClr val="FFFFFF"/>
+                    </a:solidFill>
+                  </a:tcPr>
+                </a:tc>
+                <a:tc>
+                  <a:txBody>
+                    <a:bodyPr/>
+                    <a:lstStyle/>
+                    <a:p>
+                      <a:pPr algn="ctr" fontAlgn="t"/>
+                      <a:r>
+                        <a:rPr lang="en-US" sz="2000">
+                          <a:effectLst/>
+                        </a:rPr>
+                        <a:t>JGE</a:t>
+                      </a:r>
+                    </a:p>
+                  </a:txBody>
+                  <a:tcPr marL="53195" marR="53195" marT="53195" marB="53195">
+                    <a:lnL w="9525" cap="flat" cmpd="sng" algn="ctr">
+                      <a:solidFill>
+                        <a:srgbClr val="DDDDDD"/>
+                      </a:solidFill>
+                      <a:prstDash val="solid"/>
+                      <a:round/>
+                      <a:headEnd type="none" w="med" len="med"/>
+                      <a:tailEnd type="none" w="med" len="med"/>
+                    </a:lnL>
+                    <a:lnR w="9525" cap="flat" cmpd="sng" algn="ctr">
+                      <a:solidFill>
+                        <a:srgbClr val="DDDDDD"/>
+                      </a:solidFill>
+                      <a:prstDash val="solid"/>
+                      <a:round/>
+                      <a:headEnd type="none" w="med" len="med"/>
+                      <a:tailEnd type="none" w="med" len="med"/>
+                    </a:lnR>
+                    <a:lnT w="9525" cap="flat" cmpd="sng" algn="ctr">
+                      <a:solidFill>
+                        <a:srgbClr val="DDDDDD"/>
+                      </a:solidFill>
+                      <a:prstDash val="solid"/>
+                      <a:round/>
+                      <a:headEnd type="none" w="med" len="med"/>
+                      <a:tailEnd type="none" w="med" len="med"/>
+                    </a:lnT>
+                    <a:lnB w="9525" cap="flat" cmpd="sng" algn="ctr">
+                      <a:solidFill>
+                        <a:srgbClr val="DDDDDD"/>
+                      </a:solidFill>
+                      <a:prstDash val="solid"/>
+                      <a:round/>
+                      <a:headEnd type="none" w="med" len="med"/>
+                      <a:tailEnd type="none" w="med" len="med"/>
+                    </a:lnB>
+                    <a:solidFill>
+                      <a:srgbClr val="FFFFFF"/>
+                    </a:solidFill>
+                  </a:tcPr>
+                </a:tc>
+                <a:tc>
+                  <a:txBody>
+                    <a:bodyPr/>
+                    <a:lstStyle/>
+                    <a:p>
+                      <a:pPr algn="l" fontAlgn="t"/>
+                      <a:r>
+                        <a:rPr lang="en-US" sz="2000" dirty="0">
+                          <a:effectLst/>
+                        </a:rPr>
+                        <a:t>Jump if N==V (if signed &gt;=)</a:t>
+                      </a:r>
+                    </a:p>
+                  </a:txBody>
+                  <a:tcPr marL="53195" marR="53195" marT="53195" marB="53195">
+                    <a:lnL w="9525" cap="flat" cmpd="sng" algn="ctr">
+                      <a:solidFill>
+                        <a:srgbClr val="DDDDDD"/>
+                      </a:solidFill>
+                      <a:prstDash val="solid"/>
+                      <a:round/>
+                      <a:headEnd type="none" w="med" len="med"/>
+                      <a:tailEnd type="none" w="med" len="med"/>
+                    </a:lnL>
+                    <a:lnR w="9525" cap="flat" cmpd="sng" algn="ctr">
+                      <a:solidFill>
+                        <a:srgbClr val="DDDDDD"/>
+                      </a:solidFill>
+                      <a:prstDash val="solid"/>
+                      <a:round/>
+                      <a:headEnd type="none" w="med" len="med"/>
+                      <a:tailEnd type="none" w="med" len="med"/>
+                    </a:lnR>
+                    <a:lnT w="9525" cap="flat" cmpd="sng" algn="ctr">
+                      <a:solidFill>
+                        <a:srgbClr val="DDDDDD"/>
+                      </a:solidFill>
+                      <a:prstDash val="solid"/>
+                      <a:round/>
+                      <a:headEnd type="none" w="med" len="med"/>
+                      <a:tailEnd type="none" w="med" len="med"/>
+                    </a:lnT>
+                    <a:lnB w="9525" cap="flat" cmpd="sng" algn="ctr">
+                      <a:solidFill>
+                        <a:srgbClr val="DDDDDD"/>
+                      </a:solidFill>
+                      <a:prstDash val="solid"/>
+                      <a:round/>
+                      <a:headEnd type="none" w="med" len="med"/>
+                      <a:tailEnd type="none" w="med" len="med"/>
+                    </a:lnB>
+                    <a:solidFill>
+                      <a:srgbClr val="FFFFFF"/>
+                    </a:solidFill>
+                  </a:tcPr>
+                </a:tc>
+              </a:tr>
+              <a:tr h="297892">
+                <a:tc>
+                  <a:txBody>
+                    <a:bodyPr/>
+                    <a:lstStyle/>
+                    <a:p>
+                      <a:pPr algn="ctr" fontAlgn="t"/>
+                      <a:r>
+                        <a:rPr lang="en-US" sz="2000">
+                          <a:effectLst/>
+                        </a:rPr>
+                        <a:t>110</a:t>
+                      </a:r>
+                    </a:p>
+                  </a:txBody>
+                  <a:tcPr marL="53195" marR="53195" marT="53195" marB="53195">
+                    <a:lnL w="9525" cap="flat" cmpd="sng" algn="ctr">
+                      <a:solidFill>
+                        <a:srgbClr val="DDDDDD"/>
+                      </a:solidFill>
+                      <a:prstDash val="solid"/>
+                      <a:round/>
+                      <a:headEnd type="none" w="med" len="med"/>
+                      <a:tailEnd type="none" w="med" len="med"/>
+                    </a:lnL>
+                    <a:lnR w="9525" cap="flat" cmpd="sng" algn="ctr">
+                      <a:solidFill>
+                        <a:srgbClr val="DDDDDD"/>
+                      </a:solidFill>
+                      <a:prstDash val="solid"/>
+                      <a:round/>
+                      <a:headEnd type="none" w="med" len="med"/>
+                      <a:tailEnd type="none" w="med" len="med"/>
+                    </a:lnR>
+                    <a:lnT w="9525" cap="flat" cmpd="sng" algn="ctr">
+                      <a:solidFill>
+                        <a:srgbClr val="DDDDDD"/>
+                      </a:solidFill>
+                      <a:prstDash val="solid"/>
+                      <a:round/>
+                      <a:headEnd type="none" w="med" len="med"/>
+                      <a:tailEnd type="none" w="med" len="med"/>
+                    </a:lnT>
+                    <a:lnB w="9525" cap="flat" cmpd="sng" algn="ctr">
+                      <a:solidFill>
+                        <a:srgbClr val="DDDDDD"/>
+                      </a:solidFill>
+                      <a:prstDash val="solid"/>
+                      <a:round/>
+                      <a:headEnd type="none" w="med" len="med"/>
+                      <a:tailEnd type="none" w="med" len="med"/>
+                    </a:lnB>
+                    <a:solidFill>
+                      <a:srgbClr val="F9F9F9"/>
+                    </a:solidFill>
+                  </a:tcPr>
+                </a:tc>
+                <a:tc>
+                  <a:txBody>
+                    <a:bodyPr/>
+                    <a:lstStyle/>
+                    <a:p>
+                      <a:pPr algn="ctr" fontAlgn="t"/>
+                      <a:r>
+                        <a:rPr lang="en-US" sz="2000">
+                          <a:effectLst/>
+                        </a:rPr>
+                        <a:t>JL</a:t>
+                      </a:r>
+                    </a:p>
+                  </a:txBody>
+                  <a:tcPr marL="53195" marR="53195" marT="53195" marB="53195">
+                    <a:lnL w="9525" cap="flat" cmpd="sng" algn="ctr">
+                      <a:solidFill>
+                        <a:srgbClr val="DDDDDD"/>
+                      </a:solidFill>
+                      <a:prstDash val="solid"/>
+                      <a:round/>
+                      <a:headEnd type="none" w="med" len="med"/>
+                      <a:tailEnd type="none" w="med" len="med"/>
+                    </a:lnL>
+                    <a:lnR w="9525" cap="flat" cmpd="sng" algn="ctr">
+                      <a:solidFill>
+                        <a:srgbClr val="DDDDDD"/>
+                      </a:solidFill>
+                      <a:prstDash val="solid"/>
+                      <a:round/>
+                      <a:headEnd type="none" w="med" len="med"/>
+                      <a:tailEnd type="none" w="med" len="med"/>
+                    </a:lnR>
+                    <a:lnT w="9525" cap="flat" cmpd="sng" algn="ctr">
+                      <a:solidFill>
+                        <a:srgbClr val="DDDDDD"/>
+                      </a:solidFill>
+                      <a:prstDash val="solid"/>
+                      <a:round/>
+                      <a:headEnd type="none" w="med" len="med"/>
+                      <a:tailEnd type="none" w="med" len="med"/>
+                    </a:lnT>
+                    <a:lnB w="9525" cap="flat" cmpd="sng" algn="ctr">
+                      <a:solidFill>
+                        <a:srgbClr val="DDDDDD"/>
+                      </a:solidFill>
+                      <a:prstDash val="solid"/>
+                      <a:round/>
+                      <a:headEnd type="none" w="med" len="med"/>
+                      <a:tailEnd type="none" w="med" len="med"/>
+                    </a:lnB>
+                    <a:solidFill>
+                      <a:srgbClr val="F9F9F9"/>
+                    </a:solidFill>
+                  </a:tcPr>
+                </a:tc>
+                <a:tc>
+                  <a:txBody>
+                    <a:bodyPr/>
+                    <a:lstStyle/>
+                    <a:p>
+                      <a:pPr algn="l" fontAlgn="t"/>
+                      <a:r>
+                        <a:rPr lang="en-US" sz="2000" dirty="0">
+                          <a:effectLst/>
+                        </a:rPr>
+                        <a:t>Jump if N!=V (if signed &lt;)</a:t>
+                      </a:r>
+                    </a:p>
+                  </a:txBody>
+                  <a:tcPr marL="53195" marR="53195" marT="53195" marB="53195">
+                    <a:lnL w="9525" cap="flat" cmpd="sng" algn="ctr">
+                      <a:solidFill>
+                        <a:srgbClr val="DDDDDD"/>
+                      </a:solidFill>
+                      <a:prstDash val="solid"/>
+                      <a:round/>
+                      <a:headEnd type="none" w="med" len="med"/>
+                      <a:tailEnd type="none" w="med" len="med"/>
+                    </a:lnL>
+                    <a:lnR w="9525" cap="flat" cmpd="sng" algn="ctr">
+                      <a:solidFill>
+                        <a:srgbClr val="DDDDDD"/>
+                      </a:solidFill>
+                      <a:prstDash val="solid"/>
+                      <a:round/>
+                      <a:headEnd type="none" w="med" len="med"/>
+                      <a:tailEnd type="none" w="med" len="med"/>
+                    </a:lnR>
+                    <a:lnT w="9525" cap="flat" cmpd="sng" algn="ctr">
+                      <a:solidFill>
+                        <a:srgbClr val="DDDDDD"/>
+                      </a:solidFill>
+                      <a:prstDash val="solid"/>
+                      <a:round/>
+                      <a:headEnd type="none" w="med" len="med"/>
+                      <a:tailEnd type="none" w="med" len="med"/>
+                    </a:lnT>
+                    <a:lnB w="9525" cap="flat" cmpd="sng" algn="ctr">
+                      <a:solidFill>
+                        <a:srgbClr val="DDDDDD"/>
+                      </a:solidFill>
+                      <a:prstDash val="solid"/>
+                      <a:round/>
+                      <a:headEnd type="none" w="med" len="med"/>
+                      <a:tailEnd type="none" w="med" len="med"/>
+                    </a:lnB>
+                    <a:solidFill>
+                      <a:srgbClr val="F9F9F9"/>
+                    </a:solidFill>
+                  </a:tcPr>
+                </a:tc>
+              </a:tr>
+              <a:tr h="297892">
+                <a:tc>
+                  <a:txBody>
+                    <a:bodyPr/>
+                    <a:lstStyle/>
+                    <a:p>
+                      <a:pPr algn="ctr" fontAlgn="t"/>
+                      <a:r>
+                        <a:rPr lang="en-US" sz="2000">
+                          <a:effectLst/>
+                        </a:rPr>
+                        <a:t>111</a:t>
+                      </a:r>
+                    </a:p>
+                  </a:txBody>
+                  <a:tcPr marL="53195" marR="53195" marT="53195" marB="53195">
+                    <a:lnL w="9525" cap="flat" cmpd="sng" algn="ctr">
+                      <a:solidFill>
+                        <a:srgbClr val="DDDDDD"/>
+                      </a:solidFill>
+                      <a:prstDash val="solid"/>
+                      <a:round/>
+                      <a:headEnd type="none" w="med" len="med"/>
+                      <a:tailEnd type="none" w="med" len="med"/>
+                    </a:lnL>
+                    <a:lnR w="9525" cap="flat" cmpd="sng" algn="ctr">
+                      <a:solidFill>
+                        <a:srgbClr val="DDDDDD"/>
+                      </a:solidFill>
+                      <a:prstDash val="solid"/>
+                      <a:round/>
+                      <a:headEnd type="none" w="med" len="med"/>
+                      <a:tailEnd type="none" w="med" len="med"/>
+                    </a:lnR>
+                    <a:lnT w="9525" cap="flat" cmpd="sng" algn="ctr">
+                      <a:solidFill>
+                        <a:srgbClr val="DDDDDD"/>
+                      </a:solidFill>
+                      <a:prstDash val="solid"/>
+                      <a:round/>
+                      <a:headEnd type="none" w="med" len="med"/>
+                      <a:tailEnd type="none" w="med" len="med"/>
+                    </a:lnT>
+                    <a:lnB w="9525" cap="flat" cmpd="sng" algn="ctr">
+                      <a:solidFill>
+                        <a:srgbClr val="DDDDDD"/>
+                      </a:solidFill>
+                      <a:prstDash val="solid"/>
+                      <a:round/>
+                      <a:headEnd type="none" w="med" len="med"/>
+                      <a:tailEnd type="none" w="med" len="med"/>
+                    </a:lnB>
+                    <a:solidFill>
+                      <a:srgbClr val="FFFFFF"/>
+                    </a:solidFill>
+                  </a:tcPr>
+                </a:tc>
+                <a:tc>
+                  <a:txBody>
+                    <a:bodyPr/>
+                    <a:lstStyle/>
+                    <a:p>
+                      <a:pPr algn="ctr" fontAlgn="t"/>
+                      <a:r>
+                        <a:rPr lang="en-US" sz="2000">
+                          <a:effectLst/>
+                        </a:rPr>
+                        <a:t>JMP</a:t>
+                      </a:r>
+                    </a:p>
+                  </a:txBody>
+                  <a:tcPr marL="53195" marR="53195" marT="53195" marB="53195">
+                    <a:lnL w="9525" cap="flat" cmpd="sng" algn="ctr">
+                      <a:solidFill>
+                        <a:srgbClr val="DDDDDD"/>
+                      </a:solidFill>
+                      <a:prstDash val="solid"/>
+                      <a:round/>
+                      <a:headEnd type="none" w="med" len="med"/>
+                      <a:tailEnd type="none" w="med" len="med"/>
+                    </a:lnL>
+                    <a:lnR w="9525" cap="flat" cmpd="sng" algn="ctr">
+                      <a:solidFill>
+                        <a:srgbClr val="DDDDDD"/>
+                      </a:solidFill>
+                      <a:prstDash val="solid"/>
+                      <a:round/>
+                      <a:headEnd type="none" w="med" len="med"/>
+                      <a:tailEnd type="none" w="med" len="med"/>
+                    </a:lnR>
+                    <a:lnT w="9525" cap="flat" cmpd="sng" algn="ctr">
+                      <a:solidFill>
+                        <a:srgbClr val="DDDDDD"/>
+                      </a:solidFill>
+                      <a:prstDash val="solid"/>
+                      <a:round/>
+                      <a:headEnd type="none" w="med" len="med"/>
+                      <a:tailEnd type="none" w="med" len="med"/>
+                    </a:lnT>
+                    <a:lnB w="9525" cap="flat" cmpd="sng" algn="ctr">
+                      <a:solidFill>
+                        <a:srgbClr val="DDDDDD"/>
+                      </a:solidFill>
+                      <a:prstDash val="solid"/>
+                      <a:round/>
+                      <a:headEnd type="none" w="med" len="med"/>
+                      <a:tailEnd type="none" w="med" len="med"/>
+                    </a:lnB>
+                    <a:solidFill>
+                      <a:srgbClr val="FFFFFF"/>
+                    </a:solidFill>
+                  </a:tcPr>
+                </a:tc>
+                <a:tc>
+                  <a:txBody>
+                    <a:bodyPr/>
+                    <a:lstStyle/>
+                    <a:p>
+                      <a:pPr algn="l" fontAlgn="t"/>
+                      <a:r>
+                        <a:rPr lang="en-US" sz="2000" dirty="0">
+                          <a:effectLst/>
+                        </a:rPr>
+                        <a:t>Jump unconditionally</a:t>
+                      </a:r>
+                    </a:p>
+                  </a:txBody>
+                  <a:tcPr marL="53195" marR="53195" marT="53195" marB="53195">
+                    <a:lnL w="9525" cap="flat" cmpd="sng" algn="ctr">
+                      <a:solidFill>
+                        <a:srgbClr val="DDDDDD"/>
+                      </a:solidFill>
+                      <a:prstDash val="solid"/>
+                      <a:round/>
+                      <a:headEnd type="none" w="med" len="med"/>
+                      <a:tailEnd type="none" w="med" len="med"/>
+                    </a:lnL>
+                    <a:lnR w="9525" cap="flat" cmpd="sng" algn="ctr">
+                      <a:solidFill>
+                        <a:srgbClr val="DDDDDD"/>
+                      </a:solidFill>
+                      <a:prstDash val="solid"/>
+                      <a:round/>
+                      <a:headEnd type="none" w="med" len="med"/>
+                      <a:tailEnd type="none" w="med" len="med"/>
+                    </a:lnR>
+                    <a:lnT w="9525" cap="flat" cmpd="sng" algn="ctr">
+                      <a:solidFill>
+                        <a:srgbClr val="DDDDDD"/>
+                      </a:solidFill>
+                      <a:prstDash val="solid"/>
+                      <a:round/>
+                      <a:headEnd type="none" w="med" len="med"/>
+                      <a:tailEnd type="none" w="med" len="med"/>
+                    </a:lnT>
+                    <a:lnB w="9525" cap="flat" cmpd="sng" algn="ctr">
+                      <a:solidFill>
+                        <a:srgbClr val="DDDDDD"/>
+                      </a:solidFill>
+                      <a:prstDash val="solid"/>
+                      <a:round/>
+                      <a:headEnd type="none" w="med" len="med"/>
+                      <a:tailEnd type="none" w="med" len="med"/>
+                    </a:lnB>
+                    <a:solidFill>
+                      <a:srgbClr val="FFFFFF"/>
+                    </a:solidFill>
+                  </a:tcPr>
+                </a:tc>
+              </a:tr>
+            </a:tbl>
+          </a:graphicData>
+        </a:graphic>
+      </p:graphicFrame>
     </p:spTree>
     <p:extLst>
       <p:ext uri="{BB962C8B-B14F-4D97-AF65-F5344CB8AC3E}">
-        <p14:creationId xmlns:p14="http://schemas.microsoft.com/office/powerpoint/2010/main" val="753484813"/>
+        <p14:creationId xmlns:p14="http://schemas.microsoft.com/office/powerpoint/2010/main" val="2101753573"/>
       </p:ext>
     </p:extLst>
   </p:cSld>
@@ -5554,7 +6826,7 @@
       </p:grpSpPr>
       <p:sp>
         <p:nvSpPr>
-          <p:cNvPr id="2" name="Title 1"/>
+          <p:cNvPr id="3" name="Title 2"/>
           <p:cNvSpPr>
             <a:spLocks noGrp="1"/>
           </p:cNvSpPr>
@@ -5569,1578 +6841,655 @@
           <a:p>
             <a:r>
               <a:rPr lang="en-US" dirty="0" smtClean="0"/>
-              <a:t>Jump Instructions</a:t>
+              <a:t>Decision Making</a:t>
             </a:r>
             <a:endParaRPr lang="en-US" dirty="0"/>
           </a:p>
         </p:txBody>
       </p:sp>
-      <p:graphicFrame>
-        <p:nvGraphicFramePr>
-          <p:cNvPr id="5" name="Content Placeholder 4"/>
-          <p:cNvGraphicFramePr>
-            <a:graphicFrameLocks noGrp="1"/>
-          </p:cNvGraphicFramePr>
+      <p:pic>
+        <p:nvPicPr>
+          <p:cNvPr id="4" name="Picture 3"/>
+          <p:cNvPicPr>
+            <a:picLocks noChangeAspect="1"/>
+          </p:cNvPicPr>
+          <p:nvPr/>
+        </p:nvPicPr>
+        <p:blipFill>
+          <a:blip r:embed="rId2"/>
+          <a:stretch>
+            <a:fillRect/>
+          </a:stretch>
+        </p:blipFill>
+        <p:spPr>
+          <a:xfrm>
+            <a:off x="633412" y="2191899"/>
+            <a:ext cx="2390775" cy="3057525"/>
+          </a:xfrm>
+          <a:prstGeom prst="rect">
+            <a:avLst/>
+          </a:prstGeom>
+        </p:spPr>
+      </p:pic>
+      <p:sp>
+        <p:nvSpPr>
+          <p:cNvPr id="6" name="Content Placeholder 2"/>
+          <p:cNvSpPr>
+            <a:spLocks noGrp="1"/>
+          </p:cNvSpPr>
           <p:nvPr>
-            <p:ph idx="4294967295"/>
-            <p:extLst>
-              <p:ext uri="{D42A27DB-BD31-4B8C-83A1-F6EECF244321}">
-                <p14:modId xmlns:p14="http://schemas.microsoft.com/office/powerpoint/2010/main" val="370580096"/>
-              </p:ext>
-            </p:extLst>
+            <p:ph type="subTitle" idx="1"/>
           </p:nvPr>
-        </p:nvGraphicFramePr>
-        <p:xfrm>
-          <a:off x="587375" y="1978025"/>
-          <a:ext cx="8557146" cy="4310310"/>
-        </p:xfrm>
-        <a:graphic>
-          <a:graphicData uri="http://schemas.openxmlformats.org/drawingml/2006/table">
-            <a:tbl>
-              <a:tblPr/>
-              <a:tblGrid>
-                <a:gridCol w="1719617"/>
-                <a:gridCol w="1856096"/>
-                <a:gridCol w="4981433"/>
-              </a:tblGrid>
-              <a:tr h="297892">
-                <a:tc>
-                  <a:txBody>
-                    <a:bodyPr/>
-                    <a:lstStyle/>
-                    <a:p>
-                      <a:pPr algn="ctr" fontAlgn="b"/>
-                      <a:r>
-                        <a:rPr lang="en-US" sz="2000" b="1" dirty="0">
-                          <a:effectLst/>
-                        </a:rPr>
-                        <a:t>Condition Code</a:t>
-                      </a:r>
-                    </a:p>
-                  </a:txBody>
-                  <a:tcPr marL="53195" marR="53195" marT="53195" marB="53195" anchor="b">
-                    <a:lnL w="9525" cap="flat" cmpd="sng" algn="ctr">
-                      <a:solidFill>
-                        <a:srgbClr val="DDDDDD"/>
-                      </a:solidFill>
-                      <a:prstDash val="solid"/>
-                      <a:round/>
-                      <a:headEnd type="none" w="med" len="med"/>
-                      <a:tailEnd type="none" w="med" len="med"/>
-                    </a:lnL>
-                    <a:lnR w="9525" cap="flat" cmpd="sng" algn="ctr">
-                      <a:solidFill>
-                        <a:srgbClr val="DDDDDD"/>
-                      </a:solidFill>
-                      <a:prstDash val="solid"/>
-                      <a:round/>
-                      <a:headEnd type="none" w="med" len="med"/>
-                      <a:tailEnd type="none" w="med" len="med"/>
-                    </a:lnR>
-                    <a:lnT w="9525" cap="flat" cmpd="sng" algn="ctr">
-                      <a:solidFill>
-                        <a:srgbClr val="DDDDDD"/>
-                      </a:solidFill>
-                      <a:prstDash val="solid"/>
-                      <a:round/>
-                      <a:headEnd type="none" w="med" len="med"/>
-                      <a:tailEnd type="none" w="med" len="med"/>
-                    </a:lnT>
-                    <a:lnB w="9525" cap="flat" cmpd="sng" algn="ctr">
-                      <a:solidFill>
-                        <a:srgbClr val="DDDDDD"/>
-                      </a:solidFill>
-                      <a:prstDash val="solid"/>
-                      <a:round/>
-                      <a:headEnd type="none" w="med" len="med"/>
-                      <a:tailEnd type="none" w="med" len="med"/>
-                    </a:lnB>
-                    <a:solidFill>
-                      <a:srgbClr val="FFFFFF"/>
-                    </a:solidFill>
-                  </a:tcPr>
-                </a:tc>
-                <a:tc>
-                  <a:txBody>
-                    <a:bodyPr/>
-                    <a:lstStyle/>
-                    <a:p>
-                      <a:pPr algn="ctr" fontAlgn="b"/>
-                      <a:r>
-                        <a:rPr lang="en-US" sz="2000" b="1">
-                          <a:effectLst/>
-                        </a:rPr>
-                        <a:t>Assembly Instruction</a:t>
-                      </a:r>
-                    </a:p>
-                  </a:txBody>
-                  <a:tcPr marL="53195" marR="53195" marT="53195" marB="53195" anchor="b">
-                    <a:lnL w="9525" cap="flat" cmpd="sng" algn="ctr">
-                      <a:solidFill>
-                        <a:srgbClr val="DDDDDD"/>
-                      </a:solidFill>
-                      <a:prstDash val="solid"/>
-                      <a:round/>
-                      <a:headEnd type="none" w="med" len="med"/>
-                      <a:tailEnd type="none" w="med" len="med"/>
-                    </a:lnL>
-                    <a:lnR w="9525" cap="flat" cmpd="sng" algn="ctr">
-                      <a:solidFill>
-                        <a:srgbClr val="DDDDDD"/>
-                      </a:solidFill>
-                      <a:prstDash val="solid"/>
-                      <a:round/>
-                      <a:headEnd type="none" w="med" len="med"/>
-                      <a:tailEnd type="none" w="med" len="med"/>
-                    </a:lnR>
-                    <a:lnT w="9525" cap="flat" cmpd="sng" algn="ctr">
-                      <a:solidFill>
-                        <a:srgbClr val="DDDDDD"/>
-                      </a:solidFill>
-                      <a:prstDash val="solid"/>
-                      <a:round/>
-                      <a:headEnd type="none" w="med" len="med"/>
-                      <a:tailEnd type="none" w="med" len="med"/>
-                    </a:lnT>
-                    <a:lnB w="9525" cap="flat" cmpd="sng" algn="ctr">
-                      <a:solidFill>
-                        <a:srgbClr val="DDDDDD"/>
-                      </a:solidFill>
-                      <a:prstDash val="solid"/>
-                      <a:round/>
-                      <a:headEnd type="none" w="med" len="med"/>
-                      <a:tailEnd type="none" w="med" len="med"/>
-                    </a:lnB>
-                    <a:solidFill>
-                      <a:srgbClr val="FFFFFF"/>
-                    </a:solidFill>
-                  </a:tcPr>
-                </a:tc>
-                <a:tc>
-                  <a:txBody>
-                    <a:bodyPr/>
-                    <a:lstStyle/>
-                    <a:p>
-                      <a:pPr algn="ctr" fontAlgn="b"/>
-                      <a:r>
-                        <a:rPr lang="en-US" sz="2000" b="1" dirty="0">
-                          <a:effectLst/>
-                        </a:rPr>
-                        <a:t>Description</a:t>
-                      </a:r>
-                    </a:p>
-                  </a:txBody>
-                  <a:tcPr marL="53195" marR="53195" marT="53195" marB="53195" anchor="b">
-                    <a:lnL w="9525" cap="flat" cmpd="sng" algn="ctr">
-                      <a:solidFill>
-                        <a:srgbClr val="DDDDDD"/>
-                      </a:solidFill>
-                      <a:prstDash val="solid"/>
-                      <a:round/>
-                      <a:headEnd type="none" w="med" len="med"/>
-                      <a:tailEnd type="none" w="med" len="med"/>
-                    </a:lnL>
-                    <a:lnR w="9525" cap="flat" cmpd="sng" algn="ctr">
-                      <a:solidFill>
-                        <a:srgbClr val="DDDDDD"/>
-                      </a:solidFill>
-                      <a:prstDash val="solid"/>
-                      <a:round/>
-                      <a:headEnd type="none" w="med" len="med"/>
-                      <a:tailEnd type="none" w="med" len="med"/>
-                    </a:lnR>
-                    <a:lnT w="9525" cap="flat" cmpd="sng" algn="ctr">
-                      <a:solidFill>
-                        <a:srgbClr val="DDDDDD"/>
-                      </a:solidFill>
-                      <a:prstDash val="solid"/>
-                      <a:round/>
-                      <a:headEnd type="none" w="med" len="med"/>
-                      <a:tailEnd type="none" w="med" len="med"/>
-                    </a:lnT>
-                    <a:lnB w="9525" cap="flat" cmpd="sng" algn="ctr">
-                      <a:solidFill>
-                        <a:srgbClr val="DDDDDD"/>
-                      </a:solidFill>
-                      <a:prstDash val="solid"/>
-                      <a:round/>
-                      <a:headEnd type="none" w="med" len="med"/>
-                      <a:tailEnd type="none" w="med" len="med"/>
-                    </a:lnB>
-                    <a:solidFill>
-                      <a:srgbClr val="FFFFFF"/>
-                    </a:solidFill>
-                  </a:tcPr>
-                </a:tc>
-              </a:tr>
-              <a:tr h="297892">
-                <a:tc>
-                  <a:txBody>
-                    <a:bodyPr/>
-                    <a:lstStyle/>
-                    <a:p>
-                      <a:pPr algn="ctr" fontAlgn="t"/>
-                      <a:r>
-                        <a:rPr lang="en-US" sz="2000" dirty="0">
-                          <a:effectLst/>
-                        </a:rPr>
-                        <a:t>000</a:t>
-                      </a:r>
-                    </a:p>
-                  </a:txBody>
-                  <a:tcPr marL="53195" marR="53195" marT="53195" marB="53195">
-                    <a:lnL w="9525" cap="flat" cmpd="sng" algn="ctr">
-                      <a:solidFill>
-                        <a:srgbClr val="DDDDDD"/>
-                      </a:solidFill>
-                      <a:prstDash val="solid"/>
-                      <a:round/>
-                      <a:headEnd type="none" w="med" len="med"/>
-                      <a:tailEnd type="none" w="med" len="med"/>
-                    </a:lnL>
-                    <a:lnR w="9525" cap="flat" cmpd="sng" algn="ctr">
-                      <a:solidFill>
-                        <a:srgbClr val="DDDDDD"/>
-                      </a:solidFill>
-                      <a:prstDash val="solid"/>
-                      <a:round/>
-                      <a:headEnd type="none" w="med" len="med"/>
-                      <a:tailEnd type="none" w="med" len="med"/>
-                    </a:lnR>
-                    <a:lnT w="9525" cap="flat" cmpd="sng" algn="ctr">
-                      <a:solidFill>
-                        <a:srgbClr val="DDDDDD"/>
-                      </a:solidFill>
-                      <a:prstDash val="solid"/>
-                      <a:round/>
-                      <a:headEnd type="none" w="med" len="med"/>
-                      <a:tailEnd type="none" w="med" len="med"/>
-                    </a:lnT>
-                    <a:lnB w="9525" cap="flat" cmpd="sng" algn="ctr">
-                      <a:solidFill>
-                        <a:srgbClr val="DDDDDD"/>
-                      </a:solidFill>
-                      <a:prstDash val="solid"/>
-                      <a:round/>
-                      <a:headEnd type="none" w="med" len="med"/>
-                      <a:tailEnd type="none" w="med" len="med"/>
-                    </a:lnB>
-                    <a:solidFill>
-                      <a:srgbClr val="F9F9F9"/>
-                    </a:solidFill>
-                  </a:tcPr>
-                </a:tc>
-                <a:tc>
-                  <a:txBody>
-                    <a:bodyPr/>
-                    <a:lstStyle/>
-                    <a:p>
-                      <a:pPr algn="ctr" fontAlgn="t"/>
-                      <a:r>
-                        <a:rPr lang="en-US" sz="2000">
-                          <a:effectLst/>
-                        </a:rPr>
-                        <a:t>JNE/JNZ</a:t>
-                      </a:r>
-                    </a:p>
-                  </a:txBody>
-                  <a:tcPr marL="53195" marR="53195" marT="53195" marB="53195">
-                    <a:lnL w="9525" cap="flat" cmpd="sng" algn="ctr">
-                      <a:solidFill>
-                        <a:srgbClr val="DDDDDD"/>
-                      </a:solidFill>
-                      <a:prstDash val="solid"/>
-                      <a:round/>
-                      <a:headEnd type="none" w="med" len="med"/>
-                      <a:tailEnd type="none" w="med" len="med"/>
-                    </a:lnL>
-                    <a:lnR w="9525" cap="flat" cmpd="sng" algn="ctr">
-                      <a:solidFill>
-                        <a:srgbClr val="DDDDDD"/>
-                      </a:solidFill>
-                      <a:prstDash val="solid"/>
-                      <a:round/>
-                      <a:headEnd type="none" w="med" len="med"/>
-                      <a:tailEnd type="none" w="med" len="med"/>
-                    </a:lnR>
-                    <a:lnT w="9525" cap="flat" cmpd="sng" algn="ctr">
-                      <a:solidFill>
-                        <a:srgbClr val="DDDDDD"/>
-                      </a:solidFill>
-                      <a:prstDash val="solid"/>
-                      <a:round/>
-                      <a:headEnd type="none" w="med" len="med"/>
-                      <a:tailEnd type="none" w="med" len="med"/>
-                    </a:lnT>
-                    <a:lnB w="9525" cap="flat" cmpd="sng" algn="ctr">
-                      <a:solidFill>
-                        <a:srgbClr val="DDDDDD"/>
-                      </a:solidFill>
-                      <a:prstDash val="solid"/>
-                      <a:round/>
-                      <a:headEnd type="none" w="med" len="med"/>
-                      <a:tailEnd type="none" w="med" len="med"/>
-                    </a:lnB>
-                    <a:solidFill>
-                      <a:srgbClr val="F9F9F9"/>
-                    </a:solidFill>
-                  </a:tcPr>
-                </a:tc>
-                <a:tc>
-                  <a:txBody>
-                    <a:bodyPr/>
-                    <a:lstStyle/>
-                    <a:p>
-                      <a:pPr algn="l" fontAlgn="t"/>
-                      <a:r>
-                        <a:rPr lang="en-US" sz="2000" dirty="0">
-                          <a:effectLst/>
-                        </a:rPr>
-                        <a:t>Jump if Z==0 (if !=)</a:t>
-                      </a:r>
-                    </a:p>
-                  </a:txBody>
-                  <a:tcPr marL="53195" marR="53195" marT="53195" marB="53195">
-                    <a:lnL w="9525" cap="flat" cmpd="sng" algn="ctr">
-                      <a:solidFill>
-                        <a:srgbClr val="DDDDDD"/>
-                      </a:solidFill>
-                      <a:prstDash val="solid"/>
-                      <a:round/>
-                      <a:headEnd type="none" w="med" len="med"/>
-                      <a:tailEnd type="none" w="med" len="med"/>
-                    </a:lnL>
-                    <a:lnR w="9525" cap="flat" cmpd="sng" algn="ctr">
-                      <a:solidFill>
-                        <a:srgbClr val="DDDDDD"/>
-                      </a:solidFill>
-                      <a:prstDash val="solid"/>
-                      <a:round/>
-                      <a:headEnd type="none" w="med" len="med"/>
-                      <a:tailEnd type="none" w="med" len="med"/>
-                    </a:lnR>
-                    <a:lnT w="9525" cap="flat" cmpd="sng" algn="ctr">
-                      <a:solidFill>
-                        <a:srgbClr val="DDDDDD"/>
-                      </a:solidFill>
-                      <a:prstDash val="solid"/>
-                      <a:round/>
-                      <a:headEnd type="none" w="med" len="med"/>
-                      <a:tailEnd type="none" w="med" len="med"/>
-                    </a:lnT>
-                    <a:lnB w="9525" cap="flat" cmpd="sng" algn="ctr">
-                      <a:solidFill>
-                        <a:srgbClr val="DDDDDD"/>
-                      </a:solidFill>
-                      <a:prstDash val="solid"/>
-                      <a:round/>
-                      <a:headEnd type="none" w="med" len="med"/>
-                      <a:tailEnd type="none" w="med" len="med"/>
-                    </a:lnB>
-                    <a:solidFill>
-                      <a:srgbClr val="F9F9F9"/>
-                    </a:solidFill>
-                  </a:tcPr>
-                </a:tc>
-              </a:tr>
-              <a:tr h="297892">
-                <a:tc>
-                  <a:txBody>
-                    <a:bodyPr/>
-                    <a:lstStyle/>
-                    <a:p>
-                      <a:pPr algn="ctr" fontAlgn="t"/>
-                      <a:r>
-                        <a:rPr lang="en-US" sz="2000" dirty="0">
-                          <a:effectLst/>
-                        </a:rPr>
-                        <a:t>001</a:t>
-                      </a:r>
-                    </a:p>
-                  </a:txBody>
-                  <a:tcPr marL="53195" marR="53195" marT="53195" marB="53195">
-                    <a:lnL w="9525" cap="flat" cmpd="sng" algn="ctr">
-                      <a:solidFill>
-                        <a:srgbClr val="DDDDDD"/>
-                      </a:solidFill>
-                      <a:prstDash val="solid"/>
-                      <a:round/>
-                      <a:headEnd type="none" w="med" len="med"/>
-                      <a:tailEnd type="none" w="med" len="med"/>
-                    </a:lnL>
-                    <a:lnR w="9525" cap="flat" cmpd="sng" algn="ctr">
-                      <a:solidFill>
-                        <a:srgbClr val="DDDDDD"/>
-                      </a:solidFill>
-                      <a:prstDash val="solid"/>
-                      <a:round/>
-                      <a:headEnd type="none" w="med" len="med"/>
-                      <a:tailEnd type="none" w="med" len="med"/>
-                    </a:lnR>
-                    <a:lnT w="9525" cap="flat" cmpd="sng" algn="ctr">
-                      <a:solidFill>
-                        <a:srgbClr val="DDDDDD"/>
-                      </a:solidFill>
-                      <a:prstDash val="solid"/>
-                      <a:round/>
-                      <a:headEnd type="none" w="med" len="med"/>
-                      <a:tailEnd type="none" w="med" len="med"/>
-                    </a:lnT>
-                    <a:lnB w="9525" cap="flat" cmpd="sng" algn="ctr">
-                      <a:solidFill>
-                        <a:srgbClr val="DDDDDD"/>
-                      </a:solidFill>
-                      <a:prstDash val="solid"/>
-                      <a:round/>
-                      <a:headEnd type="none" w="med" len="med"/>
-                      <a:tailEnd type="none" w="med" len="med"/>
-                    </a:lnB>
-                    <a:solidFill>
-                      <a:srgbClr val="FFFFFF"/>
-                    </a:solidFill>
-                  </a:tcPr>
-                </a:tc>
-                <a:tc>
-                  <a:txBody>
-                    <a:bodyPr/>
-                    <a:lstStyle/>
-                    <a:p>
-                      <a:pPr algn="ctr" fontAlgn="t"/>
-                      <a:r>
-                        <a:rPr lang="en-US" sz="2000" dirty="0">
-                          <a:effectLst/>
-                        </a:rPr>
-                        <a:t>JEQ/JZ</a:t>
-                      </a:r>
-                    </a:p>
-                  </a:txBody>
-                  <a:tcPr marL="53195" marR="53195" marT="53195" marB="53195">
-                    <a:lnL w="9525" cap="flat" cmpd="sng" algn="ctr">
-                      <a:solidFill>
-                        <a:srgbClr val="DDDDDD"/>
-                      </a:solidFill>
-                      <a:prstDash val="solid"/>
-                      <a:round/>
-                      <a:headEnd type="none" w="med" len="med"/>
-                      <a:tailEnd type="none" w="med" len="med"/>
-                    </a:lnL>
-                    <a:lnR w="9525" cap="flat" cmpd="sng" algn="ctr">
-                      <a:solidFill>
-                        <a:srgbClr val="DDDDDD"/>
-                      </a:solidFill>
-                      <a:prstDash val="solid"/>
-                      <a:round/>
-                      <a:headEnd type="none" w="med" len="med"/>
-                      <a:tailEnd type="none" w="med" len="med"/>
-                    </a:lnR>
-                    <a:lnT w="9525" cap="flat" cmpd="sng" algn="ctr">
-                      <a:solidFill>
-                        <a:srgbClr val="DDDDDD"/>
-                      </a:solidFill>
-                      <a:prstDash val="solid"/>
-                      <a:round/>
-                      <a:headEnd type="none" w="med" len="med"/>
-                      <a:tailEnd type="none" w="med" len="med"/>
-                    </a:lnT>
-                    <a:lnB w="9525" cap="flat" cmpd="sng" algn="ctr">
-                      <a:solidFill>
-                        <a:srgbClr val="DDDDDD"/>
-                      </a:solidFill>
-                      <a:prstDash val="solid"/>
-                      <a:round/>
-                      <a:headEnd type="none" w="med" len="med"/>
-                      <a:tailEnd type="none" w="med" len="med"/>
-                    </a:lnB>
-                    <a:solidFill>
-                      <a:srgbClr val="FFFFFF"/>
-                    </a:solidFill>
-                  </a:tcPr>
-                </a:tc>
-                <a:tc>
-                  <a:txBody>
-                    <a:bodyPr/>
-                    <a:lstStyle/>
-                    <a:p>
-                      <a:pPr algn="l" fontAlgn="t"/>
-                      <a:r>
-                        <a:rPr lang="en-US" sz="2000" dirty="0">
-                          <a:effectLst/>
-                        </a:rPr>
-                        <a:t>Jump if Z==1 (if ==)</a:t>
-                      </a:r>
-                    </a:p>
-                  </a:txBody>
-                  <a:tcPr marL="53195" marR="53195" marT="53195" marB="53195">
-                    <a:lnL w="9525" cap="flat" cmpd="sng" algn="ctr">
-                      <a:solidFill>
-                        <a:srgbClr val="DDDDDD"/>
-                      </a:solidFill>
-                      <a:prstDash val="solid"/>
-                      <a:round/>
-                      <a:headEnd type="none" w="med" len="med"/>
-                      <a:tailEnd type="none" w="med" len="med"/>
-                    </a:lnL>
-                    <a:lnR w="9525" cap="flat" cmpd="sng" algn="ctr">
-                      <a:solidFill>
-                        <a:srgbClr val="DDDDDD"/>
-                      </a:solidFill>
-                      <a:prstDash val="solid"/>
-                      <a:round/>
-                      <a:headEnd type="none" w="med" len="med"/>
-                      <a:tailEnd type="none" w="med" len="med"/>
-                    </a:lnR>
-                    <a:lnT w="9525" cap="flat" cmpd="sng" algn="ctr">
-                      <a:solidFill>
-                        <a:srgbClr val="DDDDDD"/>
-                      </a:solidFill>
-                      <a:prstDash val="solid"/>
-                      <a:round/>
-                      <a:headEnd type="none" w="med" len="med"/>
-                      <a:tailEnd type="none" w="med" len="med"/>
-                    </a:lnT>
-                    <a:lnB w="9525" cap="flat" cmpd="sng" algn="ctr">
-                      <a:solidFill>
-                        <a:srgbClr val="DDDDDD"/>
-                      </a:solidFill>
-                      <a:prstDash val="solid"/>
-                      <a:round/>
-                      <a:headEnd type="none" w="med" len="med"/>
-                      <a:tailEnd type="none" w="med" len="med"/>
-                    </a:lnB>
-                    <a:solidFill>
-                      <a:srgbClr val="FFFFFF"/>
-                    </a:solidFill>
-                  </a:tcPr>
-                </a:tc>
-              </a:tr>
-              <a:tr h="297892">
-                <a:tc>
-                  <a:txBody>
-                    <a:bodyPr/>
-                    <a:lstStyle/>
-                    <a:p>
-                      <a:pPr algn="ctr" fontAlgn="t"/>
-                      <a:r>
-                        <a:rPr lang="en-US" sz="2000">
-                          <a:effectLst/>
-                        </a:rPr>
-                        <a:t>010</a:t>
-                      </a:r>
-                    </a:p>
-                  </a:txBody>
-                  <a:tcPr marL="53195" marR="53195" marT="53195" marB="53195">
-                    <a:lnL w="9525" cap="flat" cmpd="sng" algn="ctr">
-                      <a:solidFill>
-                        <a:srgbClr val="DDDDDD"/>
-                      </a:solidFill>
-                      <a:prstDash val="solid"/>
-                      <a:round/>
-                      <a:headEnd type="none" w="med" len="med"/>
-                      <a:tailEnd type="none" w="med" len="med"/>
-                    </a:lnL>
-                    <a:lnR w="9525" cap="flat" cmpd="sng" algn="ctr">
-                      <a:solidFill>
-                        <a:srgbClr val="DDDDDD"/>
-                      </a:solidFill>
-                      <a:prstDash val="solid"/>
-                      <a:round/>
-                      <a:headEnd type="none" w="med" len="med"/>
-                      <a:tailEnd type="none" w="med" len="med"/>
-                    </a:lnR>
-                    <a:lnT w="9525" cap="flat" cmpd="sng" algn="ctr">
-                      <a:solidFill>
-                        <a:srgbClr val="DDDDDD"/>
-                      </a:solidFill>
-                      <a:prstDash val="solid"/>
-                      <a:round/>
-                      <a:headEnd type="none" w="med" len="med"/>
-                      <a:tailEnd type="none" w="med" len="med"/>
-                    </a:lnT>
-                    <a:lnB w="9525" cap="flat" cmpd="sng" algn="ctr">
-                      <a:solidFill>
-                        <a:srgbClr val="DDDDDD"/>
-                      </a:solidFill>
-                      <a:prstDash val="solid"/>
-                      <a:round/>
-                      <a:headEnd type="none" w="med" len="med"/>
-                      <a:tailEnd type="none" w="med" len="med"/>
-                    </a:lnB>
-                    <a:solidFill>
-                      <a:srgbClr val="F9F9F9"/>
-                    </a:solidFill>
-                  </a:tcPr>
-                </a:tc>
-                <a:tc>
-                  <a:txBody>
-                    <a:bodyPr/>
-                    <a:lstStyle/>
-                    <a:p>
-                      <a:pPr algn="ctr" fontAlgn="t"/>
-                      <a:r>
-                        <a:rPr lang="en-US" sz="2000" dirty="0">
-                          <a:effectLst/>
-                        </a:rPr>
-                        <a:t>JNC/JLO</a:t>
-                      </a:r>
-                    </a:p>
-                  </a:txBody>
-                  <a:tcPr marL="53195" marR="53195" marT="53195" marB="53195">
-                    <a:lnL w="9525" cap="flat" cmpd="sng" algn="ctr">
-                      <a:solidFill>
-                        <a:srgbClr val="DDDDDD"/>
-                      </a:solidFill>
-                      <a:prstDash val="solid"/>
-                      <a:round/>
-                      <a:headEnd type="none" w="med" len="med"/>
-                      <a:tailEnd type="none" w="med" len="med"/>
-                    </a:lnL>
-                    <a:lnR w="9525" cap="flat" cmpd="sng" algn="ctr">
-                      <a:solidFill>
-                        <a:srgbClr val="DDDDDD"/>
-                      </a:solidFill>
-                      <a:prstDash val="solid"/>
-                      <a:round/>
-                      <a:headEnd type="none" w="med" len="med"/>
-                      <a:tailEnd type="none" w="med" len="med"/>
-                    </a:lnR>
-                    <a:lnT w="9525" cap="flat" cmpd="sng" algn="ctr">
-                      <a:solidFill>
-                        <a:srgbClr val="DDDDDD"/>
-                      </a:solidFill>
-                      <a:prstDash val="solid"/>
-                      <a:round/>
-                      <a:headEnd type="none" w="med" len="med"/>
-                      <a:tailEnd type="none" w="med" len="med"/>
-                    </a:lnT>
-                    <a:lnB w="9525" cap="flat" cmpd="sng" algn="ctr">
-                      <a:solidFill>
-                        <a:srgbClr val="DDDDDD"/>
-                      </a:solidFill>
-                      <a:prstDash val="solid"/>
-                      <a:round/>
-                      <a:headEnd type="none" w="med" len="med"/>
-                      <a:tailEnd type="none" w="med" len="med"/>
-                    </a:lnB>
-                    <a:solidFill>
-                      <a:srgbClr val="F9F9F9"/>
-                    </a:solidFill>
-                  </a:tcPr>
-                </a:tc>
-                <a:tc>
-                  <a:txBody>
-                    <a:bodyPr/>
-                    <a:lstStyle/>
-                    <a:p>
-                      <a:pPr algn="l" fontAlgn="t"/>
-                      <a:r>
-                        <a:rPr lang="en-US" sz="2000" dirty="0">
-                          <a:effectLst/>
-                        </a:rPr>
-                        <a:t>Jump if C==0 (if unsigned &lt;)</a:t>
-                      </a:r>
-                    </a:p>
-                  </a:txBody>
-                  <a:tcPr marL="53195" marR="53195" marT="53195" marB="53195">
-                    <a:lnL w="9525" cap="flat" cmpd="sng" algn="ctr">
-                      <a:solidFill>
-                        <a:srgbClr val="DDDDDD"/>
-                      </a:solidFill>
-                      <a:prstDash val="solid"/>
-                      <a:round/>
-                      <a:headEnd type="none" w="med" len="med"/>
-                      <a:tailEnd type="none" w="med" len="med"/>
-                    </a:lnL>
-                    <a:lnR w="9525" cap="flat" cmpd="sng" algn="ctr">
-                      <a:solidFill>
-                        <a:srgbClr val="DDDDDD"/>
-                      </a:solidFill>
-                      <a:prstDash val="solid"/>
-                      <a:round/>
-                      <a:headEnd type="none" w="med" len="med"/>
-                      <a:tailEnd type="none" w="med" len="med"/>
-                    </a:lnR>
-                    <a:lnT w="9525" cap="flat" cmpd="sng" algn="ctr">
-                      <a:solidFill>
-                        <a:srgbClr val="DDDDDD"/>
-                      </a:solidFill>
-                      <a:prstDash val="solid"/>
-                      <a:round/>
-                      <a:headEnd type="none" w="med" len="med"/>
-                      <a:tailEnd type="none" w="med" len="med"/>
-                    </a:lnT>
-                    <a:lnB w="9525" cap="flat" cmpd="sng" algn="ctr">
-                      <a:solidFill>
-                        <a:srgbClr val="DDDDDD"/>
-                      </a:solidFill>
-                      <a:prstDash val="solid"/>
-                      <a:round/>
-                      <a:headEnd type="none" w="med" len="med"/>
-                      <a:tailEnd type="none" w="med" len="med"/>
-                    </a:lnB>
-                    <a:solidFill>
-                      <a:srgbClr val="F9F9F9"/>
-                    </a:solidFill>
-                  </a:tcPr>
-                </a:tc>
-              </a:tr>
-              <a:tr h="297892">
-                <a:tc>
-                  <a:txBody>
-                    <a:bodyPr/>
-                    <a:lstStyle/>
-                    <a:p>
-                      <a:pPr algn="ctr" fontAlgn="t"/>
-                      <a:r>
-                        <a:rPr lang="en-US" sz="2000">
-                          <a:effectLst/>
-                        </a:rPr>
-                        <a:t>011</a:t>
-                      </a:r>
-                    </a:p>
-                  </a:txBody>
-                  <a:tcPr marL="53195" marR="53195" marT="53195" marB="53195">
-                    <a:lnL w="9525" cap="flat" cmpd="sng" algn="ctr">
-                      <a:solidFill>
-                        <a:srgbClr val="DDDDDD"/>
-                      </a:solidFill>
-                      <a:prstDash val="solid"/>
-                      <a:round/>
-                      <a:headEnd type="none" w="med" len="med"/>
-                      <a:tailEnd type="none" w="med" len="med"/>
-                    </a:lnL>
-                    <a:lnR w="9525" cap="flat" cmpd="sng" algn="ctr">
-                      <a:solidFill>
-                        <a:srgbClr val="DDDDDD"/>
-                      </a:solidFill>
-                      <a:prstDash val="solid"/>
-                      <a:round/>
-                      <a:headEnd type="none" w="med" len="med"/>
-                      <a:tailEnd type="none" w="med" len="med"/>
-                    </a:lnR>
-                    <a:lnT w="9525" cap="flat" cmpd="sng" algn="ctr">
-                      <a:solidFill>
-                        <a:srgbClr val="DDDDDD"/>
-                      </a:solidFill>
-                      <a:prstDash val="solid"/>
-                      <a:round/>
-                      <a:headEnd type="none" w="med" len="med"/>
-                      <a:tailEnd type="none" w="med" len="med"/>
-                    </a:lnT>
-                    <a:lnB w="9525" cap="flat" cmpd="sng" algn="ctr">
-                      <a:solidFill>
-                        <a:srgbClr val="DDDDDD"/>
-                      </a:solidFill>
-                      <a:prstDash val="solid"/>
-                      <a:round/>
-                      <a:headEnd type="none" w="med" len="med"/>
-                      <a:tailEnd type="none" w="med" len="med"/>
-                    </a:lnB>
-                    <a:solidFill>
-                      <a:srgbClr val="FFFFFF"/>
-                    </a:solidFill>
-                  </a:tcPr>
-                </a:tc>
-                <a:tc>
-                  <a:txBody>
-                    <a:bodyPr/>
-                    <a:lstStyle/>
-                    <a:p>
-                      <a:pPr algn="ctr" fontAlgn="t"/>
-                      <a:r>
-                        <a:rPr lang="en-US" sz="2000">
-                          <a:effectLst/>
-                        </a:rPr>
-                        <a:t>JC/JHS</a:t>
-                      </a:r>
-                    </a:p>
-                  </a:txBody>
-                  <a:tcPr marL="53195" marR="53195" marT="53195" marB="53195">
-                    <a:lnL w="9525" cap="flat" cmpd="sng" algn="ctr">
-                      <a:solidFill>
-                        <a:srgbClr val="DDDDDD"/>
-                      </a:solidFill>
-                      <a:prstDash val="solid"/>
-                      <a:round/>
-                      <a:headEnd type="none" w="med" len="med"/>
-                      <a:tailEnd type="none" w="med" len="med"/>
-                    </a:lnL>
-                    <a:lnR w="9525" cap="flat" cmpd="sng" algn="ctr">
-                      <a:solidFill>
-                        <a:srgbClr val="DDDDDD"/>
-                      </a:solidFill>
-                      <a:prstDash val="solid"/>
-                      <a:round/>
-                      <a:headEnd type="none" w="med" len="med"/>
-                      <a:tailEnd type="none" w="med" len="med"/>
-                    </a:lnR>
-                    <a:lnT w="9525" cap="flat" cmpd="sng" algn="ctr">
-                      <a:solidFill>
-                        <a:srgbClr val="DDDDDD"/>
-                      </a:solidFill>
-                      <a:prstDash val="solid"/>
-                      <a:round/>
-                      <a:headEnd type="none" w="med" len="med"/>
-                      <a:tailEnd type="none" w="med" len="med"/>
-                    </a:lnT>
-                    <a:lnB w="9525" cap="flat" cmpd="sng" algn="ctr">
-                      <a:solidFill>
-                        <a:srgbClr val="DDDDDD"/>
-                      </a:solidFill>
-                      <a:prstDash val="solid"/>
-                      <a:round/>
-                      <a:headEnd type="none" w="med" len="med"/>
-                      <a:tailEnd type="none" w="med" len="med"/>
-                    </a:lnB>
-                    <a:solidFill>
-                      <a:srgbClr val="FFFFFF"/>
-                    </a:solidFill>
-                  </a:tcPr>
-                </a:tc>
-                <a:tc>
-                  <a:txBody>
-                    <a:bodyPr/>
-                    <a:lstStyle/>
-                    <a:p>
-                      <a:pPr algn="l" fontAlgn="t"/>
-                      <a:r>
-                        <a:rPr lang="en-US" sz="2000" dirty="0">
-                          <a:effectLst/>
-                        </a:rPr>
-                        <a:t>Jump if C==1 (if unsigned &gt;=)</a:t>
-                      </a:r>
-                    </a:p>
-                  </a:txBody>
-                  <a:tcPr marL="53195" marR="53195" marT="53195" marB="53195">
-                    <a:lnL w="9525" cap="flat" cmpd="sng" algn="ctr">
-                      <a:solidFill>
-                        <a:srgbClr val="DDDDDD"/>
-                      </a:solidFill>
-                      <a:prstDash val="solid"/>
-                      <a:round/>
-                      <a:headEnd type="none" w="med" len="med"/>
-                      <a:tailEnd type="none" w="med" len="med"/>
-                    </a:lnL>
-                    <a:lnR w="9525" cap="flat" cmpd="sng" algn="ctr">
-                      <a:solidFill>
-                        <a:srgbClr val="DDDDDD"/>
-                      </a:solidFill>
-                      <a:prstDash val="solid"/>
-                      <a:round/>
-                      <a:headEnd type="none" w="med" len="med"/>
-                      <a:tailEnd type="none" w="med" len="med"/>
-                    </a:lnR>
-                    <a:lnT w="9525" cap="flat" cmpd="sng" algn="ctr">
-                      <a:solidFill>
-                        <a:srgbClr val="DDDDDD"/>
-                      </a:solidFill>
-                      <a:prstDash val="solid"/>
-                      <a:round/>
-                      <a:headEnd type="none" w="med" len="med"/>
-                      <a:tailEnd type="none" w="med" len="med"/>
-                    </a:lnT>
-                    <a:lnB w="9525" cap="flat" cmpd="sng" algn="ctr">
-                      <a:solidFill>
-                        <a:srgbClr val="DDDDDD"/>
-                      </a:solidFill>
-                      <a:prstDash val="solid"/>
-                      <a:round/>
-                      <a:headEnd type="none" w="med" len="med"/>
-                      <a:tailEnd type="none" w="med" len="med"/>
-                    </a:lnB>
-                    <a:solidFill>
-                      <a:srgbClr val="FFFFFF"/>
-                    </a:solidFill>
-                  </a:tcPr>
-                </a:tc>
-              </a:tr>
-              <a:tr h="424476">
-                <a:tc>
-                  <a:txBody>
-                    <a:bodyPr/>
-                    <a:lstStyle/>
-                    <a:p>
-                      <a:pPr algn="ctr" fontAlgn="t"/>
-                      <a:r>
-                        <a:rPr lang="en-US" sz="2000">
-                          <a:effectLst/>
-                        </a:rPr>
-                        <a:t>100</a:t>
-                      </a:r>
-                    </a:p>
-                  </a:txBody>
-                  <a:tcPr marL="53195" marR="53195" marT="53195" marB="53195">
-                    <a:lnL w="9525" cap="flat" cmpd="sng" algn="ctr">
-                      <a:solidFill>
-                        <a:srgbClr val="DDDDDD"/>
-                      </a:solidFill>
-                      <a:prstDash val="solid"/>
-                      <a:round/>
-                      <a:headEnd type="none" w="med" len="med"/>
-                      <a:tailEnd type="none" w="med" len="med"/>
-                    </a:lnL>
-                    <a:lnR w="9525" cap="flat" cmpd="sng" algn="ctr">
-                      <a:solidFill>
-                        <a:srgbClr val="DDDDDD"/>
-                      </a:solidFill>
-                      <a:prstDash val="solid"/>
-                      <a:round/>
-                      <a:headEnd type="none" w="med" len="med"/>
-                      <a:tailEnd type="none" w="med" len="med"/>
-                    </a:lnR>
-                    <a:lnT w="9525" cap="flat" cmpd="sng" algn="ctr">
-                      <a:solidFill>
-                        <a:srgbClr val="DDDDDD"/>
-                      </a:solidFill>
-                      <a:prstDash val="solid"/>
-                      <a:round/>
-                      <a:headEnd type="none" w="med" len="med"/>
-                      <a:tailEnd type="none" w="med" len="med"/>
-                    </a:lnT>
-                    <a:lnB w="9525" cap="flat" cmpd="sng" algn="ctr">
-                      <a:solidFill>
-                        <a:srgbClr val="DDDDDD"/>
-                      </a:solidFill>
-                      <a:prstDash val="solid"/>
-                      <a:round/>
-                      <a:headEnd type="none" w="med" len="med"/>
-                      <a:tailEnd type="none" w="med" len="med"/>
-                    </a:lnB>
-                    <a:solidFill>
-                      <a:srgbClr val="F9F9F9"/>
-                    </a:solidFill>
-                  </a:tcPr>
-                </a:tc>
-                <a:tc>
-                  <a:txBody>
-                    <a:bodyPr/>
-                    <a:lstStyle/>
-                    <a:p>
-                      <a:pPr algn="ctr" fontAlgn="t"/>
-                      <a:r>
-                        <a:rPr lang="en-US" sz="2000">
-                          <a:effectLst/>
-                        </a:rPr>
-                        <a:t>JN</a:t>
-                      </a:r>
-                    </a:p>
-                  </a:txBody>
-                  <a:tcPr marL="53195" marR="53195" marT="53195" marB="53195">
-                    <a:lnL w="9525" cap="flat" cmpd="sng" algn="ctr">
-                      <a:solidFill>
-                        <a:srgbClr val="DDDDDD"/>
-                      </a:solidFill>
-                      <a:prstDash val="solid"/>
-                      <a:round/>
-                      <a:headEnd type="none" w="med" len="med"/>
-                      <a:tailEnd type="none" w="med" len="med"/>
-                    </a:lnL>
-                    <a:lnR w="9525" cap="flat" cmpd="sng" algn="ctr">
-                      <a:solidFill>
-                        <a:srgbClr val="DDDDDD"/>
-                      </a:solidFill>
-                      <a:prstDash val="solid"/>
-                      <a:round/>
-                      <a:headEnd type="none" w="med" len="med"/>
-                      <a:tailEnd type="none" w="med" len="med"/>
-                    </a:lnR>
-                    <a:lnT w="9525" cap="flat" cmpd="sng" algn="ctr">
-                      <a:solidFill>
-                        <a:srgbClr val="DDDDDD"/>
-                      </a:solidFill>
-                      <a:prstDash val="solid"/>
-                      <a:round/>
-                      <a:headEnd type="none" w="med" len="med"/>
-                      <a:tailEnd type="none" w="med" len="med"/>
-                    </a:lnT>
-                    <a:lnB w="9525" cap="flat" cmpd="sng" algn="ctr">
-                      <a:solidFill>
-                        <a:srgbClr val="DDDDDD"/>
-                      </a:solidFill>
-                      <a:prstDash val="solid"/>
-                      <a:round/>
-                      <a:headEnd type="none" w="med" len="med"/>
-                      <a:tailEnd type="none" w="med" len="med"/>
-                    </a:lnB>
-                    <a:solidFill>
-                      <a:srgbClr val="F9F9F9"/>
-                    </a:solidFill>
-                  </a:tcPr>
-                </a:tc>
-                <a:tc>
-                  <a:txBody>
-                    <a:bodyPr/>
-                    <a:lstStyle/>
-                    <a:p>
-                      <a:pPr algn="l" fontAlgn="t"/>
-                      <a:r>
-                        <a:rPr lang="en-US" sz="2000" dirty="0">
-                          <a:effectLst/>
-                        </a:rPr>
-                        <a:t>Jump if N==1 - Note there is no jump if N==0</a:t>
-                      </a:r>
-                    </a:p>
-                  </a:txBody>
-                  <a:tcPr marL="53195" marR="53195" marT="53195" marB="53195">
-                    <a:lnL w="9525" cap="flat" cmpd="sng" algn="ctr">
-                      <a:solidFill>
-                        <a:srgbClr val="DDDDDD"/>
-                      </a:solidFill>
-                      <a:prstDash val="solid"/>
-                      <a:round/>
-                      <a:headEnd type="none" w="med" len="med"/>
-                      <a:tailEnd type="none" w="med" len="med"/>
-                    </a:lnL>
-                    <a:lnR w="9525" cap="flat" cmpd="sng" algn="ctr">
-                      <a:solidFill>
-                        <a:srgbClr val="DDDDDD"/>
-                      </a:solidFill>
-                      <a:prstDash val="solid"/>
-                      <a:round/>
-                      <a:headEnd type="none" w="med" len="med"/>
-                      <a:tailEnd type="none" w="med" len="med"/>
-                    </a:lnR>
-                    <a:lnT w="9525" cap="flat" cmpd="sng" algn="ctr">
-                      <a:solidFill>
-                        <a:srgbClr val="DDDDDD"/>
-                      </a:solidFill>
-                      <a:prstDash val="solid"/>
-                      <a:round/>
-                      <a:headEnd type="none" w="med" len="med"/>
-                      <a:tailEnd type="none" w="med" len="med"/>
-                    </a:lnT>
-                    <a:lnB w="9525" cap="flat" cmpd="sng" algn="ctr">
-                      <a:solidFill>
-                        <a:srgbClr val="DDDDDD"/>
-                      </a:solidFill>
-                      <a:prstDash val="solid"/>
-                      <a:round/>
-                      <a:headEnd type="none" w="med" len="med"/>
-                      <a:tailEnd type="none" w="med" len="med"/>
-                    </a:lnB>
-                    <a:solidFill>
-                      <a:srgbClr val="F9F9F9"/>
-                    </a:solidFill>
-                  </a:tcPr>
-                </a:tc>
-              </a:tr>
-              <a:tr h="297892">
-                <a:tc>
-                  <a:txBody>
-                    <a:bodyPr/>
-                    <a:lstStyle/>
-                    <a:p>
-                      <a:pPr algn="ctr" fontAlgn="t"/>
-                      <a:r>
-                        <a:rPr lang="en-US" sz="2000">
-                          <a:effectLst/>
-                        </a:rPr>
-                        <a:t>101</a:t>
-                      </a:r>
-                    </a:p>
-                  </a:txBody>
-                  <a:tcPr marL="53195" marR="53195" marT="53195" marB="53195">
-                    <a:lnL w="9525" cap="flat" cmpd="sng" algn="ctr">
-                      <a:solidFill>
-                        <a:srgbClr val="DDDDDD"/>
-                      </a:solidFill>
-                      <a:prstDash val="solid"/>
-                      <a:round/>
-                      <a:headEnd type="none" w="med" len="med"/>
-                      <a:tailEnd type="none" w="med" len="med"/>
-                    </a:lnL>
-                    <a:lnR w="9525" cap="flat" cmpd="sng" algn="ctr">
-                      <a:solidFill>
-                        <a:srgbClr val="DDDDDD"/>
-                      </a:solidFill>
-                      <a:prstDash val="solid"/>
-                      <a:round/>
-                      <a:headEnd type="none" w="med" len="med"/>
-                      <a:tailEnd type="none" w="med" len="med"/>
-                    </a:lnR>
-                    <a:lnT w="9525" cap="flat" cmpd="sng" algn="ctr">
-                      <a:solidFill>
-                        <a:srgbClr val="DDDDDD"/>
-                      </a:solidFill>
-                      <a:prstDash val="solid"/>
-                      <a:round/>
-                      <a:headEnd type="none" w="med" len="med"/>
-                      <a:tailEnd type="none" w="med" len="med"/>
-                    </a:lnT>
-                    <a:lnB w="9525" cap="flat" cmpd="sng" algn="ctr">
-                      <a:solidFill>
-                        <a:srgbClr val="DDDDDD"/>
-                      </a:solidFill>
-                      <a:prstDash val="solid"/>
-                      <a:round/>
-                      <a:headEnd type="none" w="med" len="med"/>
-                      <a:tailEnd type="none" w="med" len="med"/>
-                    </a:lnB>
-                    <a:solidFill>
-                      <a:srgbClr val="FFFFFF"/>
-                    </a:solidFill>
-                  </a:tcPr>
-                </a:tc>
-                <a:tc>
-                  <a:txBody>
-                    <a:bodyPr/>
-                    <a:lstStyle/>
-                    <a:p>
-                      <a:pPr algn="ctr" fontAlgn="t"/>
-                      <a:r>
-                        <a:rPr lang="en-US" sz="2000">
-                          <a:effectLst/>
-                        </a:rPr>
-                        <a:t>JGE</a:t>
-                      </a:r>
-                    </a:p>
-                  </a:txBody>
-                  <a:tcPr marL="53195" marR="53195" marT="53195" marB="53195">
-                    <a:lnL w="9525" cap="flat" cmpd="sng" algn="ctr">
-                      <a:solidFill>
-                        <a:srgbClr val="DDDDDD"/>
-                      </a:solidFill>
-                      <a:prstDash val="solid"/>
-                      <a:round/>
-                      <a:headEnd type="none" w="med" len="med"/>
-                      <a:tailEnd type="none" w="med" len="med"/>
-                    </a:lnL>
-                    <a:lnR w="9525" cap="flat" cmpd="sng" algn="ctr">
-                      <a:solidFill>
-                        <a:srgbClr val="DDDDDD"/>
-                      </a:solidFill>
-                      <a:prstDash val="solid"/>
-                      <a:round/>
-                      <a:headEnd type="none" w="med" len="med"/>
-                      <a:tailEnd type="none" w="med" len="med"/>
-                    </a:lnR>
-                    <a:lnT w="9525" cap="flat" cmpd="sng" algn="ctr">
-                      <a:solidFill>
-                        <a:srgbClr val="DDDDDD"/>
-                      </a:solidFill>
-                      <a:prstDash val="solid"/>
-                      <a:round/>
-                      <a:headEnd type="none" w="med" len="med"/>
-                      <a:tailEnd type="none" w="med" len="med"/>
-                    </a:lnT>
-                    <a:lnB w="9525" cap="flat" cmpd="sng" algn="ctr">
-                      <a:solidFill>
-                        <a:srgbClr val="DDDDDD"/>
-                      </a:solidFill>
-                      <a:prstDash val="solid"/>
-                      <a:round/>
-                      <a:headEnd type="none" w="med" len="med"/>
-                      <a:tailEnd type="none" w="med" len="med"/>
-                    </a:lnB>
-                    <a:solidFill>
-                      <a:srgbClr val="FFFFFF"/>
-                    </a:solidFill>
-                  </a:tcPr>
-                </a:tc>
-                <a:tc>
-                  <a:txBody>
-                    <a:bodyPr/>
-                    <a:lstStyle/>
-                    <a:p>
-                      <a:pPr algn="l" fontAlgn="t"/>
-                      <a:r>
-                        <a:rPr lang="en-US" sz="2000" dirty="0">
-                          <a:effectLst/>
-                        </a:rPr>
-                        <a:t>Jump if N==V (if signed &gt;=)</a:t>
-                      </a:r>
-                    </a:p>
-                  </a:txBody>
-                  <a:tcPr marL="53195" marR="53195" marT="53195" marB="53195">
-                    <a:lnL w="9525" cap="flat" cmpd="sng" algn="ctr">
-                      <a:solidFill>
-                        <a:srgbClr val="DDDDDD"/>
-                      </a:solidFill>
-                      <a:prstDash val="solid"/>
-                      <a:round/>
-                      <a:headEnd type="none" w="med" len="med"/>
-                      <a:tailEnd type="none" w="med" len="med"/>
-                    </a:lnL>
-                    <a:lnR w="9525" cap="flat" cmpd="sng" algn="ctr">
-                      <a:solidFill>
-                        <a:srgbClr val="DDDDDD"/>
-                      </a:solidFill>
-                      <a:prstDash val="solid"/>
-                      <a:round/>
-                      <a:headEnd type="none" w="med" len="med"/>
-                      <a:tailEnd type="none" w="med" len="med"/>
-                    </a:lnR>
-                    <a:lnT w="9525" cap="flat" cmpd="sng" algn="ctr">
-                      <a:solidFill>
-                        <a:srgbClr val="DDDDDD"/>
-                      </a:solidFill>
-                      <a:prstDash val="solid"/>
-                      <a:round/>
-                      <a:headEnd type="none" w="med" len="med"/>
-                      <a:tailEnd type="none" w="med" len="med"/>
-                    </a:lnT>
-                    <a:lnB w="9525" cap="flat" cmpd="sng" algn="ctr">
-                      <a:solidFill>
-                        <a:srgbClr val="DDDDDD"/>
-                      </a:solidFill>
-                      <a:prstDash val="solid"/>
-                      <a:round/>
-                      <a:headEnd type="none" w="med" len="med"/>
-                      <a:tailEnd type="none" w="med" len="med"/>
-                    </a:lnB>
-                    <a:solidFill>
-                      <a:srgbClr val="FFFFFF"/>
-                    </a:solidFill>
-                  </a:tcPr>
-                </a:tc>
-              </a:tr>
-              <a:tr h="297892">
-                <a:tc>
-                  <a:txBody>
-                    <a:bodyPr/>
-                    <a:lstStyle/>
-                    <a:p>
-                      <a:pPr algn="ctr" fontAlgn="t"/>
-                      <a:r>
-                        <a:rPr lang="en-US" sz="2000">
-                          <a:effectLst/>
-                        </a:rPr>
-                        <a:t>110</a:t>
-                      </a:r>
-                    </a:p>
-                  </a:txBody>
-                  <a:tcPr marL="53195" marR="53195" marT="53195" marB="53195">
-                    <a:lnL w="9525" cap="flat" cmpd="sng" algn="ctr">
-                      <a:solidFill>
-                        <a:srgbClr val="DDDDDD"/>
-                      </a:solidFill>
-                      <a:prstDash val="solid"/>
-                      <a:round/>
-                      <a:headEnd type="none" w="med" len="med"/>
-                      <a:tailEnd type="none" w="med" len="med"/>
-                    </a:lnL>
-                    <a:lnR w="9525" cap="flat" cmpd="sng" algn="ctr">
-                      <a:solidFill>
-                        <a:srgbClr val="DDDDDD"/>
-                      </a:solidFill>
-                      <a:prstDash val="solid"/>
-                      <a:round/>
-                      <a:headEnd type="none" w="med" len="med"/>
-                      <a:tailEnd type="none" w="med" len="med"/>
-                    </a:lnR>
-                    <a:lnT w="9525" cap="flat" cmpd="sng" algn="ctr">
-                      <a:solidFill>
-                        <a:srgbClr val="DDDDDD"/>
-                      </a:solidFill>
-                      <a:prstDash val="solid"/>
-                      <a:round/>
-                      <a:headEnd type="none" w="med" len="med"/>
-                      <a:tailEnd type="none" w="med" len="med"/>
-                    </a:lnT>
-                    <a:lnB w="9525" cap="flat" cmpd="sng" algn="ctr">
-                      <a:solidFill>
-                        <a:srgbClr val="DDDDDD"/>
-                      </a:solidFill>
-                      <a:prstDash val="solid"/>
-                      <a:round/>
-                      <a:headEnd type="none" w="med" len="med"/>
-                      <a:tailEnd type="none" w="med" len="med"/>
-                    </a:lnB>
-                    <a:solidFill>
-                      <a:srgbClr val="F9F9F9"/>
-                    </a:solidFill>
-                  </a:tcPr>
-                </a:tc>
-                <a:tc>
-                  <a:txBody>
-                    <a:bodyPr/>
-                    <a:lstStyle/>
-                    <a:p>
-                      <a:pPr algn="ctr" fontAlgn="t"/>
-                      <a:r>
-                        <a:rPr lang="en-US" sz="2000">
-                          <a:effectLst/>
-                        </a:rPr>
-                        <a:t>JL</a:t>
-                      </a:r>
-                    </a:p>
-                  </a:txBody>
-                  <a:tcPr marL="53195" marR="53195" marT="53195" marB="53195">
-                    <a:lnL w="9525" cap="flat" cmpd="sng" algn="ctr">
-                      <a:solidFill>
-                        <a:srgbClr val="DDDDDD"/>
-                      </a:solidFill>
-                      <a:prstDash val="solid"/>
-                      <a:round/>
-                      <a:headEnd type="none" w="med" len="med"/>
-                      <a:tailEnd type="none" w="med" len="med"/>
-                    </a:lnL>
-                    <a:lnR w="9525" cap="flat" cmpd="sng" algn="ctr">
-                      <a:solidFill>
-                        <a:srgbClr val="DDDDDD"/>
-                      </a:solidFill>
-                      <a:prstDash val="solid"/>
-                      <a:round/>
-                      <a:headEnd type="none" w="med" len="med"/>
-                      <a:tailEnd type="none" w="med" len="med"/>
-                    </a:lnR>
-                    <a:lnT w="9525" cap="flat" cmpd="sng" algn="ctr">
-                      <a:solidFill>
-                        <a:srgbClr val="DDDDDD"/>
-                      </a:solidFill>
-                      <a:prstDash val="solid"/>
-                      <a:round/>
-                      <a:headEnd type="none" w="med" len="med"/>
-                      <a:tailEnd type="none" w="med" len="med"/>
-                    </a:lnT>
-                    <a:lnB w="9525" cap="flat" cmpd="sng" algn="ctr">
-                      <a:solidFill>
-                        <a:srgbClr val="DDDDDD"/>
-                      </a:solidFill>
-                      <a:prstDash val="solid"/>
-                      <a:round/>
-                      <a:headEnd type="none" w="med" len="med"/>
-                      <a:tailEnd type="none" w="med" len="med"/>
-                    </a:lnB>
-                    <a:solidFill>
-                      <a:srgbClr val="F9F9F9"/>
-                    </a:solidFill>
-                  </a:tcPr>
-                </a:tc>
-                <a:tc>
-                  <a:txBody>
-                    <a:bodyPr/>
-                    <a:lstStyle/>
-                    <a:p>
-                      <a:pPr algn="l" fontAlgn="t"/>
-                      <a:r>
-                        <a:rPr lang="en-US" sz="2000" dirty="0">
-                          <a:effectLst/>
-                        </a:rPr>
-                        <a:t>Jump if N!=V (if signed &lt;)</a:t>
-                      </a:r>
-                    </a:p>
-                  </a:txBody>
-                  <a:tcPr marL="53195" marR="53195" marT="53195" marB="53195">
-                    <a:lnL w="9525" cap="flat" cmpd="sng" algn="ctr">
-                      <a:solidFill>
-                        <a:srgbClr val="DDDDDD"/>
-                      </a:solidFill>
-                      <a:prstDash val="solid"/>
-                      <a:round/>
-                      <a:headEnd type="none" w="med" len="med"/>
-                      <a:tailEnd type="none" w="med" len="med"/>
-                    </a:lnL>
-                    <a:lnR w="9525" cap="flat" cmpd="sng" algn="ctr">
-                      <a:solidFill>
-                        <a:srgbClr val="DDDDDD"/>
-                      </a:solidFill>
-                      <a:prstDash val="solid"/>
-                      <a:round/>
-                      <a:headEnd type="none" w="med" len="med"/>
-                      <a:tailEnd type="none" w="med" len="med"/>
-                    </a:lnR>
-                    <a:lnT w="9525" cap="flat" cmpd="sng" algn="ctr">
-                      <a:solidFill>
-                        <a:srgbClr val="DDDDDD"/>
-                      </a:solidFill>
-                      <a:prstDash val="solid"/>
-                      <a:round/>
-                      <a:headEnd type="none" w="med" len="med"/>
-                      <a:tailEnd type="none" w="med" len="med"/>
-                    </a:lnT>
-                    <a:lnB w="9525" cap="flat" cmpd="sng" algn="ctr">
-                      <a:solidFill>
-                        <a:srgbClr val="DDDDDD"/>
-                      </a:solidFill>
-                      <a:prstDash val="solid"/>
-                      <a:round/>
-                      <a:headEnd type="none" w="med" len="med"/>
-                      <a:tailEnd type="none" w="med" len="med"/>
-                    </a:lnB>
-                    <a:solidFill>
-                      <a:srgbClr val="F9F9F9"/>
-                    </a:solidFill>
-                  </a:tcPr>
-                </a:tc>
-              </a:tr>
-              <a:tr h="297892">
-                <a:tc>
-                  <a:txBody>
-                    <a:bodyPr/>
-                    <a:lstStyle/>
-                    <a:p>
-                      <a:pPr algn="ctr" fontAlgn="t"/>
-                      <a:r>
-                        <a:rPr lang="en-US" sz="2000">
-                          <a:effectLst/>
-                        </a:rPr>
-                        <a:t>111</a:t>
-                      </a:r>
-                    </a:p>
-                  </a:txBody>
-                  <a:tcPr marL="53195" marR="53195" marT="53195" marB="53195">
-                    <a:lnL w="9525" cap="flat" cmpd="sng" algn="ctr">
-                      <a:solidFill>
-                        <a:srgbClr val="DDDDDD"/>
-                      </a:solidFill>
-                      <a:prstDash val="solid"/>
-                      <a:round/>
-                      <a:headEnd type="none" w="med" len="med"/>
-                      <a:tailEnd type="none" w="med" len="med"/>
-                    </a:lnL>
-                    <a:lnR w="9525" cap="flat" cmpd="sng" algn="ctr">
-                      <a:solidFill>
-                        <a:srgbClr val="DDDDDD"/>
-                      </a:solidFill>
-                      <a:prstDash val="solid"/>
-                      <a:round/>
-                      <a:headEnd type="none" w="med" len="med"/>
-                      <a:tailEnd type="none" w="med" len="med"/>
-                    </a:lnR>
-                    <a:lnT w="9525" cap="flat" cmpd="sng" algn="ctr">
-                      <a:solidFill>
-                        <a:srgbClr val="DDDDDD"/>
-                      </a:solidFill>
-                      <a:prstDash val="solid"/>
-                      <a:round/>
-                      <a:headEnd type="none" w="med" len="med"/>
-                      <a:tailEnd type="none" w="med" len="med"/>
-                    </a:lnT>
-                    <a:lnB w="9525" cap="flat" cmpd="sng" algn="ctr">
-                      <a:solidFill>
-                        <a:srgbClr val="DDDDDD"/>
-                      </a:solidFill>
-                      <a:prstDash val="solid"/>
-                      <a:round/>
-                      <a:headEnd type="none" w="med" len="med"/>
-                      <a:tailEnd type="none" w="med" len="med"/>
-                    </a:lnB>
-                    <a:solidFill>
-                      <a:srgbClr val="FFFFFF"/>
-                    </a:solidFill>
-                  </a:tcPr>
-                </a:tc>
-                <a:tc>
-                  <a:txBody>
-                    <a:bodyPr/>
-                    <a:lstStyle/>
-                    <a:p>
-                      <a:pPr algn="ctr" fontAlgn="t"/>
-                      <a:r>
-                        <a:rPr lang="en-US" sz="2000">
-                          <a:effectLst/>
-                        </a:rPr>
-                        <a:t>JMP</a:t>
-                      </a:r>
-                    </a:p>
-                  </a:txBody>
-                  <a:tcPr marL="53195" marR="53195" marT="53195" marB="53195">
-                    <a:lnL w="9525" cap="flat" cmpd="sng" algn="ctr">
-                      <a:solidFill>
-                        <a:srgbClr val="DDDDDD"/>
-                      </a:solidFill>
-                      <a:prstDash val="solid"/>
-                      <a:round/>
-                      <a:headEnd type="none" w="med" len="med"/>
-                      <a:tailEnd type="none" w="med" len="med"/>
-                    </a:lnL>
-                    <a:lnR w="9525" cap="flat" cmpd="sng" algn="ctr">
-                      <a:solidFill>
-                        <a:srgbClr val="DDDDDD"/>
-                      </a:solidFill>
-                      <a:prstDash val="solid"/>
-                      <a:round/>
-                      <a:headEnd type="none" w="med" len="med"/>
-                      <a:tailEnd type="none" w="med" len="med"/>
-                    </a:lnR>
-                    <a:lnT w="9525" cap="flat" cmpd="sng" algn="ctr">
-                      <a:solidFill>
-                        <a:srgbClr val="DDDDDD"/>
-                      </a:solidFill>
-                      <a:prstDash val="solid"/>
-                      <a:round/>
-                      <a:headEnd type="none" w="med" len="med"/>
-                      <a:tailEnd type="none" w="med" len="med"/>
-                    </a:lnT>
-                    <a:lnB w="9525" cap="flat" cmpd="sng" algn="ctr">
-                      <a:solidFill>
-                        <a:srgbClr val="DDDDDD"/>
-                      </a:solidFill>
-                      <a:prstDash val="solid"/>
-                      <a:round/>
-                      <a:headEnd type="none" w="med" len="med"/>
-                      <a:tailEnd type="none" w="med" len="med"/>
-                    </a:lnB>
-                    <a:solidFill>
-                      <a:srgbClr val="FFFFFF"/>
-                    </a:solidFill>
-                  </a:tcPr>
-                </a:tc>
-                <a:tc>
-                  <a:txBody>
-                    <a:bodyPr/>
-                    <a:lstStyle/>
-                    <a:p>
-                      <a:pPr algn="l" fontAlgn="t"/>
-                      <a:r>
-                        <a:rPr lang="en-US" sz="2000" dirty="0">
-                          <a:effectLst/>
-                        </a:rPr>
-                        <a:t>Jump unconditionally</a:t>
-                      </a:r>
-                    </a:p>
-                  </a:txBody>
-                  <a:tcPr marL="53195" marR="53195" marT="53195" marB="53195">
-                    <a:lnL w="9525" cap="flat" cmpd="sng" algn="ctr">
-                      <a:solidFill>
-                        <a:srgbClr val="DDDDDD"/>
-                      </a:solidFill>
-                      <a:prstDash val="solid"/>
-                      <a:round/>
-                      <a:headEnd type="none" w="med" len="med"/>
-                      <a:tailEnd type="none" w="med" len="med"/>
-                    </a:lnL>
-                    <a:lnR w="9525" cap="flat" cmpd="sng" algn="ctr">
-                      <a:solidFill>
-                        <a:srgbClr val="DDDDDD"/>
-                      </a:solidFill>
-                      <a:prstDash val="solid"/>
-                      <a:round/>
-                      <a:headEnd type="none" w="med" len="med"/>
-                      <a:tailEnd type="none" w="med" len="med"/>
-                    </a:lnR>
-                    <a:lnT w="9525" cap="flat" cmpd="sng" algn="ctr">
-                      <a:solidFill>
-                        <a:srgbClr val="DDDDDD"/>
-                      </a:solidFill>
-                      <a:prstDash val="solid"/>
-                      <a:round/>
-                      <a:headEnd type="none" w="med" len="med"/>
-                      <a:tailEnd type="none" w="med" len="med"/>
-                    </a:lnT>
-                    <a:lnB w="9525" cap="flat" cmpd="sng" algn="ctr">
-                      <a:solidFill>
-                        <a:srgbClr val="DDDDDD"/>
-                      </a:solidFill>
-                      <a:prstDash val="solid"/>
-                      <a:round/>
-                      <a:headEnd type="none" w="med" len="med"/>
-                      <a:tailEnd type="none" w="med" len="med"/>
-                    </a:lnB>
-                    <a:solidFill>
-                      <a:srgbClr val="FFFFFF"/>
-                    </a:solidFill>
-                  </a:tcPr>
-                </a:tc>
-              </a:tr>
-            </a:tbl>
-          </a:graphicData>
-        </a:graphic>
-      </p:graphicFrame>
+        </p:nvSpPr>
+        <p:spPr>
+          <a:xfrm>
+            <a:off x="3752192" y="1463040"/>
+            <a:ext cx="5026047" cy="4937760"/>
+          </a:xfrm>
+        </p:spPr>
+        <p:txBody>
+          <a:bodyPr>
+            <a:normAutofit lnSpcReduction="10000"/>
+          </a:bodyPr>
+          <a:lstStyle/>
+          <a:p>
+            <a:pPr marL="4763" lvl="1" indent="0">
+              <a:buNone/>
+            </a:pPr>
+            <a:r>
+              <a:rPr lang="en-US" sz="2000" dirty="0" smtClean="0">
+                <a:solidFill>
+                  <a:srgbClr val="00B050"/>
+                </a:solidFill>
+              </a:rPr>
+              <a:t>; start of “if” block of code</a:t>
+            </a:r>
+          </a:p>
+          <a:p>
+            <a:pPr marL="4763" lvl="1" indent="0">
+              <a:buNone/>
+            </a:pPr>
+            <a:r>
+              <a:rPr lang="en-US" dirty="0"/>
+              <a:t>i</a:t>
+            </a:r>
+            <a:r>
+              <a:rPr lang="en-US" dirty="0" smtClean="0"/>
+              <a:t>f:</a:t>
+            </a:r>
+            <a:endParaRPr lang="en-US" sz="2000" dirty="0"/>
+          </a:p>
+          <a:p>
+            <a:pPr marL="4763" lvl="1" indent="0">
+              <a:buNone/>
+            </a:pPr>
+            <a:r>
+              <a:rPr lang="en-US" sz="2000" dirty="0"/>
+              <a:t>    </a:t>
+            </a:r>
+            <a:r>
+              <a:rPr lang="en-US" sz="2000" dirty="0" err="1"/>
+              <a:t>mov</a:t>
+            </a:r>
+            <a:r>
+              <a:rPr lang="en-US" sz="2000" dirty="0"/>
+              <a:t>     #10, </a:t>
+            </a:r>
+            <a:r>
+              <a:rPr lang="en-US" sz="2000" dirty="0" smtClean="0"/>
+              <a:t>r7   </a:t>
+            </a:r>
+            <a:r>
+              <a:rPr lang="en-US" sz="2000" dirty="0" smtClean="0">
+                <a:solidFill>
+                  <a:srgbClr val="00B050"/>
+                </a:solidFill>
+              </a:rPr>
+              <a:t>; setup condition </a:t>
+            </a:r>
+            <a:r>
+              <a:rPr lang="en-US" sz="2000" dirty="0" err="1" smtClean="0">
+                <a:solidFill>
+                  <a:srgbClr val="00B050"/>
+                </a:solidFill>
+              </a:rPr>
+              <a:t>chk</a:t>
+            </a:r>
+            <a:endParaRPr lang="en-US" sz="2000" dirty="0">
+              <a:solidFill>
+                <a:srgbClr val="00B050"/>
+              </a:solidFill>
+            </a:endParaRPr>
+          </a:p>
+          <a:p>
+            <a:pPr marL="4763" lvl="1" indent="0">
+              <a:buNone/>
+            </a:pPr>
+            <a:r>
+              <a:rPr lang="en-US" sz="2000" dirty="0"/>
+              <a:t>    </a:t>
+            </a:r>
+            <a:r>
+              <a:rPr lang="en-US" sz="2000" dirty="0" err="1"/>
+              <a:t>cmp</a:t>
+            </a:r>
+            <a:r>
+              <a:rPr lang="en-US" sz="2000" dirty="0"/>
+              <a:t>     #</a:t>
+            </a:r>
+            <a:r>
+              <a:rPr lang="en-US" sz="2000" dirty="0" smtClean="0"/>
+              <a:t>5, r7     </a:t>
+            </a:r>
+            <a:r>
+              <a:rPr lang="en-US" dirty="0" smtClean="0">
+                <a:solidFill>
+                  <a:srgbClr val="00B050"/>
+                </a:solidFill>
+              </a:rPr>
+              <a:t>; </a:t>
+            </a:r>
+            <a:r>
+              <a:rPr lang="en-US" dirty="0">
+                <a:solidFill>
+                  <a:srgbClr val="00B050"/>
+                </a:solidFill>
+              </a:rPr>
+              <a:t>if Z == 0, </a:t>
+            </a:r>
+            <a:r>
+              <a:rPr lang="en-US" dirty="0" smtClean="0">
+                <a:solidFill>
+                  <a:srgbClr val="00B050"/>
+                </a:solidFill>
+              </a:rPr>
+              <a:t>run code</a:t>
+            </a:r>
+            <a:r>
+              <a:rPr lang="en-US" sz="2000" dirty="0" smtClean="0"/>
+              <a:t> </a:t>
+            </a:r>
+          </a:p>
+          <a:p>
+            <a:pPr marL="4763" lvl="1" indent="0">
+              <a:buNone/>
+            </a:pPr>
+            <a:r>
+              <a:rPr lang="en-US" sz="2000" dirty="0" smtClean="0"/>
+              <a:t>    </a:t>
+            </a:r>
+            <a:r>
+              <a:rPr lang="en-US" sz="2000" dirty="0" err="1" smtClean="0"/>
+              <a:t>jnz</a:t>
+            </a:r>
+            <a:r>
+              <a:rPr lang="en-US" sz="2000" dirty="0" smtClean="0"/>
+              <a:t>       </a:t>
+            </a:r>
+            <a:r>
+              <a:rPr lang="en-US" sz="2000" dirty="0" err="1" smtClean="0"/>
+              <a:t>elseif</a:t>
+            </a:r>
+            <a:r>
+              <a:rPr lang="en-US" sz="2000" dirty="0" smtClean="0"/>
+              <a:t>      </a:t>
+            </a:r>
+            <a:r>
+              <a:rPr lang="en-US" sz="2000" dirty="0" smtClean="0">
+                <a:solidFill>
+                  <a:srgbClr val="00B050"/>
+                </a:solidFill>
+              </a:rPr>
+              <a:t>; </a:t>
+            </a:r>
+            <a:r>
+              <a:rPr lang="en-US" sz="2000" dirty="0" err="1" smtClean="0">
+                <a:solidFill>
+                  <a:srgbClr val="00B050"/>
+                </a:solidFill>
+              </a:rPr>
+              <a:t>jmp</a:t>
+            </a:r>
+            <a:r>
+              <a:rPr lang="en-US" sz="2000" dirty="0" smtClean="0">
+                <a:solidFill>
+                  <a:srgbClr val="00B050"/>
+                </a:solidFill>
+              </a:rPr>
+              <a:t> to next </a:t>
+            </a:r>
+            <a:r>
+              <a:rPr lang="en-US" sz="2000" dirty="0" err="1" smtClean="0">
+                <a:solidFill>
+                  <a:srgbClr val="00B050"/>
+                </a:solidFill>
+              </a:rPr>
+              <a:t>chk</a:t>
+            </a:r>
+            <a:endParaRPr lang="en-US" sz="2000" dirty="0">
+              <a:solidFill>
+                <a:srgbClr val="00B050"/>
+              </a:solidFill>
+            </a:endParaRPr>
+          </a:p>
+          <a:p>
+            <a:pPr marL="4763" lvl="1" indent="0">
+              <a:buNone/>
+            </a:pPr>
+            <a:r>
+              <a:rPr lang="en-US" sz="2000" dirty="0"/>
+              <a:t>    </a:t>
+            </a:r>
+            <a:r>
+              <a:rPr lang="en-US" sz="2000" dirty="0" err="1"/>
+              <a:t>mov</a:t>
+            </a:r>
+            <a:r>
+              <a:rPr lang="en-US" sz="2000" dirty="0"/>
+              <a:t> </a:t>
+            </a:r>
+            <a:r>
+              <a:rPr lang="en-US" sz="2000" dirty="0" smtClean="0"/>
+              <a:t>    r7, r8      </a:t>
+            </a:r>
+            <a:r>
+              <a:rPr lang="en-US" sz="2000" dirty="0" smtClean="0">
+                <a:solidFill>
+                  <a:srgbClr val="00B050"/>
+                </a:solidFill>
+              </a:rPr>
+              <a:t>; here is the code!</a:t>
+            </a:r>
+            <a:endParaRPr lang="en-US" sz="2000" dirty="0">
+              <a:solidFill>
+                <a:srgbClr val="00B050"/>
+              </a:solidFill>
+            </a:endParaRPr>
+          </a:p>
+          <a:p>
+            <a:pPr marL="4763" lvl="1" indent="0">
+              <a:buNone/>
+            </a:pPr>
+            <a:r>
+              <a:rPr lang="en-US" sz="2000" dirty="0"/>
+              <a:t>    </a:t>
+            </a:r>
+            <a:r>
+              <a:rPr lang="en-US" sz="2000" dirty="0" err="1"/>
+              <a:t>jmp</a:t>
+            </a:r>
+            <a:r>
+              <a:rPr lang="en-US" sz="2000" dirty="0"/>
+              <a:t>     done       </a:t>
+            </a:r>
+            <a:r>
+              <a:rPr lang="en-US" sz="2000" dirty="0" smtClean="0">
+                <a:solidFill>
+                  <a:srgbClr val="00B050"/>
+                </a:solidFill>
+              </a:rPr>
+              <a:t>; </a:t>
+            </a:r>
+            <a:r>
+              <a:rPr lang="en-US" sz="2000" dirty="0">
+                <a:solidFill>
+                  <a:srgbClr val="00B050"/>
+                </a:solidFill>
+              </a:rPr>
+              <a:t>always </a:t>
+            </a:r>
+            <a:r>
+              <a:rPr lang="en-US" sz="2000" dirty="0" err="1" smtClean="0">
+                <a:solidFill>
+                  <a:srgbClr val="00B050"/>
+                </a:solidFill>
+              </a:rPr>
+              <a:t>jmp</a:t>
+            </a:r>
+            <a:r>
+              <a:rPr lang="en-US" sz="2000" dirty="0" smtClean="0">
+                <a:solidFill>
+                  <a:srgbClr val="00B050"/>
+                </a:solidFill>
+              </a:rPr>
+              <a:t>, to end</a:t>
+            </a:r>
+            <a:endParaRPr lang="en-US" sz="2000" dirty="0">
+              <a:solidFill>
+                <a:srgbClr val="00B050"/>
+              </a:solidFill>
+            </a:endParaRPr>
+          </a:p>
+          <a:p>
+            <a:pPr marL="4763" lvl="1" indent="0">
+              <a:buNone/>
+            </a:pPr>
+            <a:r>
+              <a:rPr lang="en-US" dirty="0" err="1" smtClean="0"/>
+              <a:t>elseif</a:t>
+            </a:r>
+            <a:r>
+              <a:rPr lang="en-US" sz="2000" dirty="0" smtClean="0"/>
+              <a:t>:</a:t>
+            </a:r>
+            <a:endParaRPr lang="en-US" sz="2000" dirty="0"/>
+          </a:p>
+          <a:p>
+            <a:pPr marL="4763" lvl="1" indent="0">
+              <a:buNone/>
+            </a:pPr>
+            <a:r>
+              <a:rPr lang="en-US" dirty="0" smtClean="0"/>
+              <a:t>    </a:t>
+            </a:r>
+            <a:r>
+              <a:rPr lang="en-US" dirty="0" err="1" smtClean="0"/>
+              <a:t>cmp</a:t>
+            </a:r>
+            <a:r>
+              <a:rPr lang="en-US" dirty="0" smtClean="0"/>
+              <a:t>     #20, r7  </a:t>
+            </a:r>
+            <a:r>
+              <a:rPr lang="en-US" dirty="0" smtClean="0">
+                <a:solidFill>
+                  <a:srgbClr val="00B050"/>
+                </a:solidFill>
+              </a:rPr>
+              <a:t>; if Z == 0, run code</a:t>
+            </a:r>
+          </a:p>
+          <a:p>
+            <a:pPr marL="4763" lvl="1" indent="0">
+              <a:buNone/>
+            </a:pPr>
+            <a:r>
+              <a:rPr lang="en-US" dirty="0"/>
+              <a:t> </a:t>
+            </a:r>
+            <a:r>
+              <a:rPr lang="en-US" dirty="0" smtClean="0"/>
+              <a:t>   </a:t>
+            </a:r>
+            <a:r>
+              <a:rPr lang="en-US" dirty="0" err="1" smtClean="0"/>
+              <a:t>jnz</a:t>
+            </a:r>
+            <a:r>
+              <a:rPr lang="en-US" dirty="0" smtClean="0"/>
+              <a:t>       else       </a:t>
+            </a:r>
+            <a:r>
+              <a:rPr lang="en-US" dirty="0" smtClean="0">
+                <a:solidFill>
+                  <a:srgbClr val="00B050"/>
+                </a:solidFill>
+              </a:rPr>
+              <a:t>; </a:t>
+            </a:r>
+            <a:r>
+              <a:rPr lang="en-US" dirty="0" err="1" smtClean="0">
+                <a:solidFill>
+                  <a:srgbClr val="00B050"/>
+                </a:solidFill>
+              </a:rPr>
+              <a:t>jmp</a:t>
+            </a:r>
+            <a:r>
+              <a:rPr lang="en-US" dirty="0" smtClean="0">
+                <a:solidFill>
+                  <a:srgbClr val="00B050"/>
+                </a:solidFill>
+              </a:rPr>
+              <a:t> to final code</a:t>
+            </a:r>
+          </a:p>
+          <a:p>
+            <a:pPr marL="4763" lvl="1" indent="0">
+              <a:buNone/>
+            </a:pPr>
+            <a:r>
+              <a:rPr lang="en-US" dirty="0"/>
+              <a:t> </a:t>
+            </a:r>
+            <a:r>
+              <a:rPr lang="en-US" dirty="0" smtClean="0"/>
+              <a:t>   </a:t>
+            </a:r>
+            <a:r>
+              <a:rPr lang="en-US" dirty="0" err="1" smtClean="0"/>
+              <a:t>mov</a:t>
+            </a:r>
+            <a:r>
+              <a:rPr lang="en-US" dirty="0" smtClean="0"/>
+              <a:t>     r7, r9     </a:t>
+            </a:r>
+            <a:r>
+              <a:rPr lang="en-US" dirty="0" smtClean="0">
+                <a:solidFill>
+                  <a:srgbClr val="00B050"/>
+                </a:solidFill>
+              </a:rPr>
+              <a:t>; here is the code!</a:t>
+            </a:r>
+          </a:p>
+          <a:p>
+            <a:pPr marL="4763" lvl="1" indent="0">
+              <a:buNone/>
+            </a:pPr>
+            <a:r>
+              <a:rPr lang="en-US" dirty="0"/>
+              <a:t>e</a:t>
+            </a:r>
+            <a:r>
+              <a:rPr lang="en-US" sz="2000" dirty="0" smtClean="0"/>
+              <a:t>lse:</a:t>
+            </a:r>
+          </a:p>
+          <a:p>
+            <a:pPr marL="4763" lvl="1" indent="0">
+              <a:buNone/>
+            </a:pPr>
+            <a:r>
+              <a:rPr lang="en-US" dirty="0"/>
+              <a:t> </a:t>
+            </a:r>
+            <a:r>
+              <a:rPr lang="en-US" dirty="0" smtClean="0"/>
+              <a:t>   </a:t>
+            </a:r>
+            <a:r>
+              <a:rPr lang="en-US" dirty="0" err="1" smtClean="0"/>
+              <a:t>mov</a:t>
+            </a:r>
+            <a:r>
+              <a:rPr lang="en-US" dirty="0" smtClean="0"/>
+              <a:t>     r7, r10   </a:t>
+            </a:r>
+            <a:r>
+              <a:rPr lang="en-US" dirty="0" smtClean="0">
+                <a:solidFill>
+                  <a:srgbClr val="00B050"/>
+                </a:solidFill>
+              </a:rPr>
+              <a:t>; all else fails, do this</a:t>
+            </a:r>
+            <a:endParaRPr lang="en-US" sz="2000" dirty="0">
+              <a:solidFill>
+                <a:srgbClr val="00B050"/>
+              </a:solidFill>
+            </a:endParaRPr>
+          </a:p>
+          <a:p>
+            <a:pPr marL="4763" lvl="1" indent="0">
+              <a:buNone/>
+            </a:pPr>
+            <a:r>
+              <a:rPr lang="en-US" sz="2000" dirty="0"/>
+              <a:t>done</a:t>
+            </a:r>
+            <a:r>
+              <a:rPr lang="en-US" sz="2000" dirty="0" smtClean="0"/>
+              <a:t>:</a:t>
+            </a:r>
+            <a:endParaRPr lang="en-US" sz="2000" dirty="0" smtClean="0"/>
+          </a:p>
+        </p:txBody>
+      </p:sp>
+      <p:sp>
+        <p:nvSpPr>
+          <p:cNvPr id="13" name="Rectangular Callout 12"/>
+          <p:cNvSpPr/>
+          <p:nvPr/>
+        </p:nvSpPr>
+        <p:spPr bwMode="auto">
+          <a:xfrm>
+            <a:off x="202405" y="5612770"/>
+            <a:ext cx="3252788" cy="1016384"/>
+          </a:xfrm>
+          <a:prstGeom prst="wedgeRectCallout">
+            <a:avLst>
+              <a:gd name="adj1" fmla="val 58169"/>
+              <a:gd name="adj2" fmla="val -80205"/>
+            </a:avLst>
+          </a:prstGeom>
+          <a:solidFill>
+            <a:srgbClr val="FFFF00"/>
+          </a:solidFill>
+          <a:ln w="12700" cap="flat" cmpd="sng" algn="ctr">
+            <a:solidFill>
+              <a:schemeClr val="tx1"/>
+            </a:solidFill>
+            <a:prstDash val="solid"/>
+            <a:round/>
+            <a:headEnd type="none" w="med" len="med"/>
+            <a:tailEnd type="none" w="med" len="med"/>
+          </a:ln>
+          <a:effectLst/>
+        </p:spPr>
+        <p:txBody>
+          <a:bodyPr vert="horz" wrap="square" lIns="91440" tIns="45720" rIns="91440" bIns="45720" numCol="1" rtlCol="0" anchor="ctr" anchorCtr="0" compatLnSpc="1">
+            <a:prstTxWarp prst="textNoShape">
+              <a:avLst/>
+            </a:prstTxWarp>
+          </a:bodyPr>
+          <a:lstStyle/>
+          <a:p>
+            <a:pPr marL="0" marR="0" indent="0" algn="ctr" defTabSz="914400" rtl="0" eaLnBrk="0" fontAlgn="base" latinLnBrk="0" hangingPunct="0">
+              <a:lnSpc>
+                <a:spcPct val="100000"/>
+              </a:lnSpc>
+              <a:spcBef>
+                <a:spcPct val="0"/>
+              </a:spcBef>
+              <a:spcAft>
+                <a:spcPct val="0"/>
+              </a:spcAft>
+              <a:buClrTx/>
+              <a:buSzTx/>
+              <a:buFontTx/>
+              <a:buNone/>
+              <a:tabLst/>
+            </a:pPr>
+            <a:r>
+              <a:rPr kumimoji="0" lang="en-US" sz="1600" b="0" i="0" u="none" strike="noStrike" cap="none" normalizeH="0" baseline="0" dirty="0" smtClean="0">
+                <a:ln>
+                  <a:noFill/>
+                </a:ln>
+                <a:solidFill>
+                  <a:schemeClr val="tx1"/>
+                </a:solidFill>
+                <a:effectLst/>
+                <a:latin typeface="Arial" charset="0"/>
+              </a:rPr>
+              <a:t>These labels</a:t>
+            </a:r>
+            <a:r>
+              <a:rPr kumimoji="0" lang="en-US" sz="1600" b="0" i="0" u="none" strike="noStrike" cap="none" normalizeH="0" dirty="0" smtClean="0">
+                <a:ln>
+                  <a:noFill/>
+                </a:ln>
+                <a:solidFill>
+                  <a:schemeClr val="tx1"/>
+                </a:solidFill>
+                <a:effectLst/>
+                <a:latin typeface="Arial" charset="0"/>
+              </a:rPr>
+              <a:t> (if, </a:t>
+            </a:r>
+            <a:r>
+              <a:rPr kumimoji="0" lang="en-US" sz="1600" b="0" i="0" u="none" strike="noStrike" cap="none" normalizeH="0" dirty="0" err="1" smtClean="0">
+                <a:ln>
+                  <a:noFill/>
+                </a:ln>
+                <a:solidFill>
+                  <a:schemeClr val="tx1"/>
+                </a:solidFill>
+                <a:effectLst/>
+                <a:latin typeface="Arial" charset="0"/>
+              </a:rPr>
+              <a:t>elseif</a:t>
+            </a:r>
+            <a:r>
+              <a:rPr kumimoji="0" lang="en-US" sz="1600" b="0" i="0" u="none" strike="noStrike" cap="none" normalizeH="0" dirty="0" smtClean="0">
+                <a:ln>
+                  <a:noFill/>
+                </a:ln>
+                <a:solidFill>
+                  <a:schemeClr val="tx1"/>
+                </a:solidFill>
+                <a:effectLst/>
+                <a:latin typeface="Arial" charset="0"/>
+              </a:rPr>
+              <a:t>, else, done) do thing, they are just labels for the jump commands</a:t>
+            </a:r>
+            <a:endParaRPr kumimoji="0" lang="en-US" sz="1600" b="0" i="0" u="none" strike="noStrike" cap="none" normalizeH="0" baseline="0" dirty="0" smtClean="0">
+              <a:ln>
+                <a:noFill/>
+              </a:ln>
+              <a:solidFill>
+                <a:schemeClr val="tx1"/>
+              </a:solidFill>
+              <a:effectLst/>
+              <a:latin typeface="Arial" charset="0"/>
+            </a:endParaRPr>
+          </a:p>
+        </p:txBody>
+      </p:sp>
+      <p:sp>
+        <p:nvSpPr>
+          <p:cNvPr id="14" name="TextBox 13"/>
+          <p:cNvSpPr txBox="1"/>
+          <p:nvPr/>
+        </p:nvSpPr>
+        <p:spPr>
+          <a:xfrm>
+            <a:off x="311439" y="1463040"/>
+            <a:ext cx="3216164" cy="830997"/>
+          </a:xfrm>
+          <a:prstGeom prst="rect">
+            <a:avLst/>
+          </a:prstGeom>
+          <a:noFill/>
+        </p:spPr>
+        <p:txBody>
+          <a:bodyPr wrap="square" rtlCol="0">
+            <a:spAutoFit/>
+          </a:bodyPr>
+          <a:lstStyle/>
+          <a:p>
+            <a:r>
+              <a:rPr lang="en-US" sz="1600" dirty="0" smtClean="0"/>
+              <a:t>The code has the “if” and “else” in it, but it also has one more check, “else if”. </a:t>
+            </a:r>
+            <a:endParaRPr lang="en-US" sz="1600" dirty="0"/>
+          </a:p>
+        </p:txBody>
+      </p:sp>
     </p:spTree>
     <p:extLst>
       <p:ext uri="{BB962C8B-B14F-4D97-AF65-F5344CB8AC3E}">
-        <p14:creationId xmlns:p14="http://schemas.microsoft.com/office/powerpoint/2010/main" val="2101753573"/>
+        <p14:creationId xmlns:p14="http://schemas.microsoft.com/office/powerpoint/2010/main" val="3903041110"/>
       </p:ext>
     </p:extLst>
   </p:cSld>
@@ -7148,13 +7497,6 @@
     <a:masterClrMapping/>
   </p:clrMapOvr>
   <p:transition spd="med"/>
-  <p:timing>
-    <p:tnLst>
-      <p:par>
-        <p:cTn id="1" dur="indefinite" restart="never" nodeType="tmRoot"/>
-      </p:par>
-    </p:tnLst>
-  </p:timing>
 </p:sld>
 </file>
 
@@ -7177,249 +7519,7 @@
       </p:grpSpPr>
       <p:sp>
         <p:nvSpPr>
-          <p:cNvPr id="3" name="Content Placeholder 2"/>
-          <p:cNvSpPr>
-            <a:spLocks noGrp="1"/>
-          </p:cNvSpPr>
-          <p:nvPr>
-            <p:ph type="subTitle" idx="1"/>
-          </p:nvPr>
-        </p:nvSpPr>
-        <p:spPr/>
-        <p:txBody>
-          <a:bodyPr/>
-          <a:lstStyle/>
-          <a:p>
-            <a:pPr marL="4763" lvl="1" indent="0">
-              <a:buNone/>
-            </a:pPr>
-            <a:r>
-              <a:rPr lang="en-US" sz="2000" dirty="0" smtClean="0">
-                <a:solidFill>
-                  <a:srgbClr val="00B050"/>
-                </a:solidFill>
-              </a:rPr>
-              <a:t> </a:t>
-            </a:r>
-            <a:r>
-              <a:rPr lang="en-US" sz="2000" dirty="0">
-                <a:solidFill>
-                  <a:srgbClr val="00B050"/>
-                </a:solidFill>
-              </a:rPr>
-              <a:t>; example of a conditional</a:t>
-            </a:r>
-          </a:p>
-          <a:p>
-            <a:pPr marL="4763" lvl="1" indent="0">
-              <a:buNone/>
-            </a:pPr>
-            <a:r>
-              <a:rPr lang="en-US" sz="2000" dirty="0"/>
-              <a:t>    </a:t>
-            </a:r>
-            <a:r>
-              <a:rPr lang="en-US" sz="2000" dirty="0" err="1"/>
-              <a:t>mov</a:t>
-            </a:r>
-            <a:r>
-              <a:rPr lang="en-US" sz="2000" dirty="0"/>
-              <a:t>     #10, r7</a:t>
-            </a:r>
-          </a:p>
-          <a:p>
-            <a:pPr marL="4763" lvl="1" indent="0">
-              <a:buNone/>
-            </a:pPr>
-            <a:r>
-              <a:rPr lang="en-US" sz="2000" dirty="0"/>
-              <a:t>    </a:t>
-            </a:r>
-            <a:r>
-              <a:rPr lang="en-US" sz="2000" dirty="0" err="1"/>
-              <a:t>cmp</a:t>
-            </a:r>
-            <a:r>
-              <a:rPr lang="en-US" sz="2000" dirty="0"/>
-              <a:t>     #5, r7             </a:t>
-            </a:r>
-            <a:r>
-              <a:rPr lang="en-US" sz="2000" dirty="0" smtClean="0">
-                <a:solidFill>
-                  <a:srgbClr val="00B050"/>
-                </a:solidFill>
-              </a:rPr>
-              <a:t>; </a:t>
-            </a:r>
-            <a:r>
-              <a:rPr lang="en-US" sz="2000" dirty="0">
-                <a:solidFill>
-                  <a:srgbClr val="00B050"/>
-                </a:solidFill>
-              </a:rPr>
-              <a:t>set C - why is the carry flag set here?  think about how CMP is SUB and how the SUB operation is implemented</a:t>
-            </a:r>
-          </a:p>
-          <a:p>
-            <a:pPr marL="4763" lvl="1" indent="0">
-              <a:buNone/>
-            </a:pPr>
-            <a:r>
-              <a:rPr lang="en-US" sz="2000" dirty="0"/>
-              <a:t>    </a:t>
-            </a:r>
-            <a:r>
-              <a:rPr lang="en-US" sz="2000" dirty="0" err="1"/>
-              <a:t>jge</a:t>
-            </a:r>
-            <a:r>
-              <a:rPr lang="en-US" sz="2000" dirty="0"/>
-              <a:t>     greater             </a:t>
-            </a:r>
-            <a:r>
-              <a:rPr lang="en-US" sz="2000" dirty="0">
-                <a:solidFill>
-                  <a:srgbClr val="00B050"/>
-                </a:solidFill>
-              </a:rPr>
-              <a:t>; if N == V, jump</a:t>
-            </a:r>
-          </a:p>
-          <a:p>
-            <a:pPr marL="4763" lvl="1" indent="0">
-              <a:buNone/>
-            </a:pPr>
-            <a:r>
-              <a:rPr lang="en-US" sz="2000" dirty="0"/>
-              <a:t>    </a:t>
-            </a:r>
-            <a:r>
-              <a:rPr lang="en-US" sz="2000" dirty="0" err="1"/>
-              <a:t>mov</a:t>
-            </a:r>
-            <a:r>
-              <a:rPr lang="en-US" sz="2000" dirty="0"/>
-              <a:t>     #0xbeef, r7</a:t>
-            </a:r>
-          </a:p>
-          <a:p>
-            <a:pPr marL="4763" lvl="1" indent="0">
-              <a:buNone/>
-            </a:pPr>
-            <a:r>
-              <a:rPr lang="en-US" sz="2000" dirty="0"/>
-              <a:t>    </a:t>
-            </a:r>
-            <a:r>
-              <a:rPr lang="en-US" sz="2000" dirty="0" err="1"/>
-              <a:t>jmp</a:t>
-            </a:r>
-            <a:r>
-              <a:rPr lang="en-US" sz="2000" dirty="0"/>
-              <a:t>     done               </a:t>
-            </a:r>
-            <a:r>
-              <a:rPr lang="en-US" sz="2000" dirty="0" smtClean="0">
-                <a:solidFill>
-                  <a:srgbClr val="00B050"/>
-                </a:solidFill>
-              </a:rPr>
-              <a:t>; </a:t>
-            </a:r>
-            <a:r>
-              <a:rPr lang="en-US" sz="2000" dirty="0">
-                <a:solidFill>
-                  <a:srgbClr val="00B050"/>
-                </a:solidFill>
-              </a:rPr>
-              <a:t>always jump</a:t>
-            </a:r>
-          </a:p>
-          <a:p>
-            <a:pPr marL="4763" lvl="1" indent="0">
-              <a:buNone/>
-            </a:pPr>
-            <a:r>
-              <a:rPr lang="en-US" sz="2000" dirty="0"/>
-              <a:t>greater:</a:t>
-            </a:r>
-          </a:p>
-          <a:p>
-            <a:pPr marL="4763" lvl="1" indent="0">
-              <a:buNone/>
-            </a:pPr>
-            <a:r>
-              <a:rPr lang="en-US" sz="2000" dirty="0"/>
-              <a:t>    </a:t>
-            </a:r>
-            <a:r>
-              <a:rPr lang="en-US" sz="2000" dirty="0" err="1"/>
-              <a:t>mov</a:t>
-            </a:r>
-            <a:r>
-              <a:rPr lang="en-US" sz="2000" dirty="0"/>
-              <a:t>     #0xdfec, r7</a:t>
-            </a:r>
-          </a:p>
-          <a:p>
-            <a:pPr marL="4763" lvl="1" indent="0">
-              <a:buNone/>
-            </a:pPr>
-            <a:r>
-              <a:rPr lang="en-US" sz="2000" dirty="0"/>
-              <a:t>done</a:t>
-            </a:r>
-            <a:r>
-              <a:rPr lang="en-US" sz="2000" dirty="0" smtClean="0"/>
-              <a:t>:</a:t>
-            </a:r>
-          </a:p>
-          <a:p>
-            <a:pPr marL="4763" lvl="1" indent="0">
-              <a:buNone/>
-            </a:pPr>
-            <a:endParaRPr lang="en-US" sz="2000" dirty="0" smtClean="0"/>
-          </a:p>
-          <a:p>
-            <a:pPr marL="4763" lvl="1" indent="0">
-              <a:buNone/>
-            </a:pPr>
-            <a:r>
-              <a:rPr lang="en-US" sz="2000" dirty="0" smtClean="0"/>
-              <a:t>forever:                        </a:t>
-            </a:r>
-            <a:r>
-              <a:rPr lang="en-US" sz="2000" dirty="0" smtClean="0">
-                <a:solidFill>
-                  <a:srgbClr val="00B050"/>
-                </a:solidFill>
-              </a:rPr>
-              <a:t>; trap CPU</a:t>
-            </a:r>
-          </a:p>
-          <a:p>
-            <a:pPr marL="4763" lvl="1" indent="0">
-              <a:buNone/>
-            </a:pPr>
-            <a:r>
-              <a:rPr lang="en-US" sz="2000" dirty="0" smtClean="0"/>
-              <a:t>    </a:t>
-            </a:r>
-            <a:r>
-              <a:rPr lang="en-US" sz="2000" dirty="0" err="1" smtClean="0"/>
-              <a:t>jmp</a:t>
-            </a:r>
-            <a:r>
-              <a:rPr lang="en-US" sz="2000" dirty="0" smtClean="0"/>
-              <a:t>     forever</a:t>
-            </a:r>
-            <a:endParaRPr lang="en-US" sz="2000" dirty="0"/>
-          </a:p>
-        </p:txBody>
-      </p:sp>
-      <p:sp>
-        <p:nvSpPr>
-          <p:cNvPr id="2" name="Title 1"/>
+          <p:cNvPr id="3" name="Title 2"/>
           <p:cNvSpPr>
             <a:spLocks noGrp="1"/>
           </p:cNvSpPr>
@@ -7434,16 +7534,353 @@
           <a:p>
             <a:r>
               <a:rPr lang="en-US" dirty="0" smtClean="0"/>
-              <a:t>Examples of a Conditional</a:t>
+              <a:t>For Loop</a:t>
             </a:r>
             <a:endParaRPr lang="en-US" dirty="0"/>
+          </a:p>
+        </p:txBody>
+      </p:sp>
+      <p:pic>
+        <p:nvPicPr>
+          <p:cNvPr id="4" name="Picture 3"/>
+          <p:cNvPicPr>
+            <a:picLocks noChangeAspect="1"/>
+          </p:cNvPicPr>
+          <p:nvPr/>
+        </p:nvPicPr>
+        <p:blipFill>
+          <a:blip r:embed="rId2"/>
+          <a:stretch>
+            <a:fillRect/>
+          </a:stretch>
+        </p:blipFill>
+        <p:spPr>
+          <a:xfrm>
+            <a:off x="463967" y="1453816"/>
+            <a:ext cx="3419475" cy="4800600"/>
+          </a:xfrm>
+          <a:prstGeom prst="rect">
+            <a:avLst/>
+          </a:prstGeom>
+        </p:spPr>
+      </p:pic>
+      <p:sp>
+        <p:nvSpPr>
+          <p:cNvPr id="5" name="Content Placeholder 2"/>
+          <p:cNvSpPr>
+            <a:spLocks noGrp="1"/>
+          </p:cNvSpPr>
+          <p:nvPr>
+            <p:ph type="subTitle" idx="1"/>
+          </p:nvPr>
+        </p:nvSpPr>
+        <p:spPr>
+          <a:xfrm>
+            <a:off x="3843633" y="1453816"/>
+            <a:ext cx="5026047" cy="3495215"/>
+          </a:xfrm>
+        </p:spPr>
+        <p:txBody>
+          <a:bodyPr>
+            <a:normAutofit fontScale="92500" lnSpcReduction="20000"/>
+          </a:bodyPr>
+          <a:lstStyle/>
+          <a:p>
+            <a:pPr marL="4763" lvl="1" indent="0">
+              <a:buNone/>
+            </a:pPr>
+            <a:r>
+              <a:rPr lang="en-US" sz="2000" dirty="0" smtClean="0">
+                <a:solidFill>
+                  <a:srgbClr val="00B050"/>
+                </a:solidFill>
+              </a:rPr>
+              <a:t>; start of “</a:t>
+            </a:r>
+            <a:r>
+              <a:rPr lang="en-US" dirty="0" smtClean="0">
+                <a:solidFill>
+                  <a:srgbClr val="00B050"/>
+                </a:solidFill>
+              </a:rPr>
+              <a:t>for</a:t>
+            </a:r>
+            <a:r>
+              <a:rPr lang="en-US" sz="2000" dirty="0" smtClean="0">
+                <a:solidFill>
+                  <a:srgbClr val="00B050"/>
+                </a:solidFill>
+              </a:rPr>
+              <a:t>” block of code</a:t>
+            </a:r>
+            <a:endParaRPr lang="en-US" dirty="0"/>
+          </a:p>
+          <a:p>
+            <a:pPr marL="4763" lvl="1" indent="0">
+              <a:buNone/>
+            </a:pPr>
+            <a:r>
+              <a:rPr lang="en-US" dirty="0"/>
+              <a:t>    </a:t>
+            </a:r>
+            <a:r>
+              <a:rPr lang="en-US" dirty="0" err="1"/>
+              <a:t>mov</a:t>
+            </a:r>
+            <a:r>
+              <a:rPr lang="en-US" dirty="0"/>
+              <a:t>     #10, r7   </a:t>
+            </a:r>
+            <a:r>
+              <a:rPr lang="en-US" dirty="0">
+                <a:solidFill>
+                  <a:srgbClr val="00B050"/>
+                </a:solidFill>
+              </a:rPr>
+              <a:t>; </a:t>
+            </a:r>
+            <a:r>
+              <a:rPr lang="en-US" dirty="0" smtClean="0">
+                <a:solidFill>
+                  <a:srgbClr val="00B050"/>
+                </a:solidFill>
+              </a:rPr>
+              <a:t>do this 10x</a:t>
+            </a:r>
+            <a:endParaRPr lang="en-US" sz="2000" dirty="0" smtClean="0">
+              <a:solidFill>
+                <a:srgbClr val="00B050"/>
+              </a:solidFill>
+            </a:endParaRPr>
+          </a:p>
+          <a:p>
+            <a:pPr marL="4763" lvl="1" indent="0">
+              <a:buNone/>
+            </a:pPr>
+            <a:r>
+              <a:rPr lang="en-US" dirty="0" smtClean="0"/>
+              <a:t>for:</a:t>
+            </a:r>
+          </a:p>
+          <a:p>
+            <a:pPr marL="4763" lvl="1" indent="0">
+              <a:buNone/>
+            </a:pPr>
+            <a:r>
+              <a:rPr lang="en-US" sz="2000" dirty="0" smtClean="0"/>
+              <a:t>    </a:t>
+            </a:r>
+            <a:r>
+              <a:rPr lang="en-US" sz="2000" dirty="0" err="1" smtClean="0"/>
+              <a:t>cmp</a:t>
+            </a:r>
+            <a:r>
+              <a:rPr lang="en-US" sz="2000" dirty="0" smtClean="0"/>
+              <a:t>     #0, r7     </a:t>
+            </a:r>
+            <a:r>
+              <a:rPr lang="en-US" dirty="0" smtClean="0">
+                <a:solidFill>
+                  <a:srgbClr val="00B050"/>
+                </a:solidFill>
+              </a:rPr>
+              <a:t>; r7 - #0: Z = ?</a:t>
+            </a:r>
+            <a:endParaRPr lang="en-US" sz="2000" dirty="0" smtClean="0"/>
+          </a:p>
+          <a:p>
+            <a:pPr marL="4763" lvl="1" indent="0">
+              <a:buNone/>
+            </a:pPr>
+            <a:r>
+              <a:rPr lang="en-US" sz="2000" dirty="0" smtClean="0"/>
+              <a:t>    </a:t>
+            </a:r>
+            <a:r>
+              <a:rPr lang="en-US" sz="2000" dirty="0" err="1" smtClean="0"/>
+              <a:t>jz</a:t>
+            </a:r>
+            <a:r>
+              <a:rPr lang="en-US" sz="2000" dirty="0" smtClean="0"/>
+              <a:t>         done      </a:t>
+            </a:r>
+            <a:r>
+              <a:rPr lang="en-US" sz="2000" dirty="0" smtClean="0">
+                <a:solidFill>
+                  <a:srgbClr val="00B050"/>
+                </a:solidFill>
+              </a:rPr>
+              <a:t>; if Z == 1, done</a:t>
+            </a:r>
+          </a:p>
+          <a:p>
+            <a:pPr marL="4763" lvl="1" indent="0">
+              <a:buNone/>
+            </a:pPr>
+            <a:r>
+              <a:rPr lang="en-US" dirty="0">
+                <a:solidFill>
+                  <a:srgbClr val="00B050"/>
+                </a:solidFill>
+              </a:rPr>
+              <a:t> </a:t>
+            </a:r>
+            <a:r>
+              <a:rPr lang="en-US" dirty="0" smtClean="0">
+                <a:solidFill>
+                  <a:srgbClr val="00B050"/>
+                </a:solidFill>
+              </a:rPr>
+              <a:t>                             ; else, do code block</a:t>
+            </a:r>
+            <a:endParaRPr lang="en-US" sz="2000" dirty="0">
+              <a:solidFill>
+                <a:srgbClr val="00B050"/>
+              </a:solidFill>
+            </a:endParaRPr>
+          </a:p>
+          <a:p>
+            <a:pPr marL="4763" lvl="1" indent="0">
+              <a:buNone/>
+            </a:pPr>
+            <a:r>
+              <a:rPr lang="en-US" sz="2000" dirty="0" smtClean="0"/>
+              <a:t>    </a:t>
+            </a:r>
+            <a:r>
+              <a:rPr lang="en-US" sz="2000" dirty="0" err="1" smtClean="0"/>
+              <a:t>dec</a:t>
+            </a:r>
+            <a:r>
+              <a:rPr lang="en-US" sz="2000" dirty="0" smtClean="0"/>
+              <a:t>      r7           </a:t>
+            </a:r>
+            <a:r>
+              <a:rPr lang="en-US" sz="2000" dirty="0" smtClean="0">
+                <a:solidFill>
+                  <a:srgbClr val="00B050"/>
+                </a:solidFill>
+              </a:rPr>
+              <a:t>; r7 = r7 - 1</a:t>
+            </a:r>
+          </a:p>
+          <a:p>
+            <a:pPr marL="4763" lvl="1" indent="0">
+              <a:buNone/>
+            </a:pPr>
+            <a:r>
+              <a:rPr lang="en-US" sz="2000" dirty="0" smtClean="0"/>
+              <a:t>    </a:t>
+            </a:r>
+            <a:r>
+              <a:rPr lang="en-US" sz="2000" dirty="0" err="1" smtClean="0"/>
+              <a:t>mov</a:t>
+            </a:r>
+            <a:r>
+              <a:rPr lang="en-US" sz="2000" dirty="0" smtClean="0"/>
+              <a:t>     r7, r8      </a:t>
+            </a:r>
+            <a:r>
+              <a:rPr lang="en-US" sz="2000" dirty="0" smtClean="0">
+                <a:solidFill>
+                  <a:srgbClr val="00B050"/>
+                </a:solidFill>
+              </a:rPr>
+              <a:t>; do something useful!</a:t>
+            </a:r>
+          </a:p>
+          <a:p>
+            <a:pPr marL="4763" lvl="1" indent="0">
+              <a:buNone/>
+            </a:pPr>
+            <a:r>
+              <a:rPr lang="en-US" dirty="0">
+                <a:solidFill>
+                  <a:srgbClr val="00B050"/>
+                </a:solidFill>
+              </a:rPr>
+              <a:t> </a:t>
+            </a:r>
+            <a:r>
+              <a:rPr lang="en-US" dirty="0" smtClean="0">
+                <a:solidFill>
+                  <a:srgbClr val="00B050"/>
+                </a:solidFill>
+              </a:rPr>
+              <a:t>   </a:t>
+            </a:r>
+            <a:r>
+              <a:rPr lang="en-US" dirty="0" smtClean="0"/>
+              <a:t>…                        </a:t>
+            </a:r>
+            <a:r>
+              <a:rPr lang="en-US" dirty="0" smtClean="0">
+                <a:solidFill>
+                  <a:srgbClr val="00B050"/>
+                </a:solidFill>
+              </a:rPr>
+              <a:t>; maybe more stuff</a:t>
+            </a:r>
+            <a:endParaRPr lang="en-US" sz="2000" dirty="0">
+              <a:solidFill>
+                <a:srgbClr val="00B050"/>
+              </a:solidFill>
+            </a:endParaRPr>
+          </a:p>
+          <a:p>
+            <a:pPr marL="4763" lvl="1" indent="0">
+              <a:buNone/>
+            </a:pPr>
+            <a:r>
+              <a:rPr lang="en-US" sz="2000" dirty="0"/>
+              <a:t>    </a:t>
+            </a:r>
+            <a:r>
+              <a:rPr lang="en-US" sz="2000" dirty="0" err="1"/>
+              <a:t>jmp</a:t>
+            </a:r>
+            <a:r>
+              <a:rPr lang="en-US" sz="2000" dirty="0"/>
+              <a:t>     </a:t>
+            </a:r>
+            <a:r>
+              <a:rPr lang="en-US" dirty="0" smtClean="0"/>
+              <a:t>for</a:t>
+            </a:r>
+            <a:r>
+              <a:rPr lang="en-US" sz="2000" dirty="0" smtClean="0"/>
+              <a:t>           </a:t>
+            </a:r>
+            <a:r>
+              <a:rPr lang="en-US" sz="2000" dirty="0" smtClean="0">
+                <a:solidFill>
+                  <a:srgbClr val="00B050"/>
+                </a:solidFill>
+              </a:rPr>
+              <a:t>; back to start</a:t>
+            </a:r>
+            <a:endParaRPr lang="en-US" sz="2000" dirty="0">
+              <a:solidFill>
+                <a:srgbClr val="00B050"/>
+              </a:solidFill>
+            </a:endParaRPr>
+          </a:p>
+          <a:p>
+            <a:pPr marL="4763" lvl="1" indent="0">
+              <a:buNone/>
+            </a:pPr>
+            <a:r>
+              <a:rPr lang="en-US" sz="2000" dirty="0" smtClean="0"/>
+              <a:t>done:</a:t>
+            </a:r>
+            <a:endParaRPr lang="en-US" sz="2000" dirty="0" smtClean="0"/>
           </a:p>
         </p:txBody>
       </p:sp>
     </p:spTree>
     <p:extLst>
       <p:ext uri="{BB962C8B-B14F-4D97-AF65-F5344CB8AC3E}">
-        <p14:creationId xmlns:p14="http://schemas.microsoft.com/office/powerpoint/2010/main" val="1468548756"/>
+        <p14:creationId xmlns:p14="http://schemas.microsoft.com/office/powerpoint/2010/main" val="3514954887"/>
       </p:ext>
     </p:extLst>
   </p:cSld>
@@ -7451,13 +7888,6 @@
     <a:masterClrMapping/>
   </p:clrMapOvr>
   <p:transition spd="med"/>
-  <p:timing>
-    <p:tnLst>
-      <p:par>
-        <p:cTn id="1" dur="indefinite" restart="never" nodeType="tmRoot"/>
-      </p:par>
-    </p:tnLst>
-  </p:timing>
 </p:sld>
 </file>
 
@@ -7480,190 +7910,7 @@
       </p:grpSpPr>
       <p:sp>
         <p:nvSpPr>
-          <p:cNvPr id="3" name="Content Placeholder 2"/>
-          <p:cNvSpPr>
-            <a:spLocks noGrp="1"/>
-          </p:cNvSpPr>
-          <p:nvPr>
-            <p:ph type="subTitle" idx="1"/>
-          </p:nvPr>
-        </p:nvSpPr>
-        <p:spPr/>
-        <p:txBody>
-          <a:bodyPr/>
-          <a:lstStyle/>
-          <a:p>
-            <a:pPr marL="4763" lvl="1" indent="0">
-              <a:buNone/>
-            </a:pPr>
-            <a:r>
-              <a:rPr lang="en-US" sz="2000" dirty="0" smtClean="0">
-                <a:solidFill>
-                  <a:srgbClr val="00B050"/>
-                </a:solidFill>
-              </a:rPr>
-              <a:t>; </a:t>
-            </a:r>
-            <a:r>
-              <a:rPr lang="en-US" sz="2000" dirty="0">
-                <a:solidFill>
-                  <a:srgbClr val="00B050"/>
-                </a:solidFill>
-              </a:rPr>
-              <a:t>example of a loop</a:t>
-            </a:r>
-          </a:p>
-          <a:p>
-            <a:pPr marL="4763" lvl="1" indent="0">
-              <a:buNone/>
-            </a:pPr>
-            <a:r>
-              <a:rPr lang="en-US" sz="2000" dirty="0"/>
-              <a:t>    </a:t>
-            </a:r>
-            <a:r>
-              <a:rPr lang="en-US" sz="2000" dirty="0" err="1"/>
-              <a:t>mov</a:t>
-            </a:r>
-            <a:r>
-              <a:rPr lang="en-US" sz="2000" dirty="0"/>
-              <a:t>     #0, r6</a:t>
-            </a:r>
-          </a:p>
-          <a:p>
-            <a:pPr marL="4763" lvl="1" indent="0">
-              <a:buNone/>
-            </a:pPr>
-            <a:r>
-              <a:rPr lang="en-US" sz="2000" dirty="0"/>
-              <a:t>    </a:t>
-            </a:r>
-            <a:r>
-              <a:rPr lang="en-US" sz="2000" dirty="0" err="1"/>
-              <a:t>mov</a:t>
-            </a:r>
-            <a:r>
-              <a:rPr lang="en-US" sz="2000" dirty="0"/>
-              <a:t>     #10, r7</a:t>
-            </a:r>
-          </a:p>
-          <a:p>
-            <a:pPr marL="4763" lvl="1" indent="0">
-              <a:buNone/>
-            </a:pPr>
-            <a:r>
-              <a:rPr lang="en-US" sz="2000" dirty="0"/>
-              <a:t>loop:                            </a:t>
-            </a:r>
-            <a:r>
-              <a:rPr lang="en-US" sz="2000" dirty="0" smtClean="0"/>
-              <a:t>  </a:t>
-            </a:r>
-            <a:r>
-              <a:rPr lang="en-US" sz="2000" dirty="0" smtClean="0">
-                <a:solidFill>
-                  <a:srgbClr val="00B050"/>
-                </a:solidFill>
-              </a:rPr>
-              <a:t>; </a:t>
-            </a:r>
-            <a:r>
-              <a:rPr lang="en-US" sz="2000" dirty="0">
-                <a:solidFill>
-                  <a:srgbClr val="00B050"/>
-                </a:solidFill>
-              </a:rPr>
-              <a:t>count upward by 2 ten times</a:t>
-            </a:r>
-          </a:p>
-          <a:p>
-            <a:pPr marL="4763" lvl="1" indent="0">
-              <a:buNone/>
-            </a:pPr>
-            <a:r>
-              <a:rPr lang="en-US" sz="2000" dirty="0"/>
-              <a:t>    add     #2, r6</a:t>
-            </a:r>
-          </a:p>
-          <a:p>
-            <a:pPr marL="4763" lvl="1" indent="0">
-              <a:buNone/>
-            </a:pPr>
-            <a:r>
-              <a:rPr lang="en-US" sz="2000" dirty="0"/>
-              <a:t>    </a:t>
-            </a:r>
-            <a:r>
-              <a:rPr lang="en-US" sz="2000" dirty="0" err="1"/>
-              <a:t>dec</a:t>
-            </a:r>
-            <a:r>
-              <a:rPr lang="en-US" sz="2000" dirty="0"/>
-              <a:t>     r7</a:t>
-            </a:r>
-          </a:p>
-          <a:p>
-            <a:pPr marL="4763" lvl="1" indent="0">
-              <a:buNone/>
-            </a:pPr>
-            <a:r>
-              <a:rPr lang="en-US" sz="2000" dirty="0"/>
-              <a:t>    </a:t>
-            </a:r>
-            <a:r>
-              <a:rPr lang="en-US" sz="2000" dirty="0" err="1"/>
-              <a:t>jnz</a:t>
-            </a:r>
-            <a:r>
-              <a:rPr lang="en-US" sz="2000" dirty="0"/>
-              <a:t>     loop</a:t>
-            </a:r>
-          </a:p>
-          <a:p>
-            <a:pPr marL="4763" lvl="1" indent="0">
-              <a:buNone/>
-            </a:pPr>
-            <a:endParaRPr lang="en-US" sz="2000" dirty="0"/>
-          </a:p>
-          <a:p>
-            <a:pPr marL="4763" lvl="1" indent="0">
-              <a:buNone/>
-            </a:pPr>
-            <a:r>
-              <a:rPr lang="en-US" sz="2000" dirty="0"/>
-              <a:t>forever:                        </a:t>
-            </a:r>
-            <a:r>
-              <a:rPr lang="en-US" sz="2000" dirty="0">
-                <a:solidFill>
-                  <a:srgbClr val="00B050"/>
-                </a:solidFill>
-              </a:rPr>
-              <a:t>; trap CPU</a:t>
-            </a:r>
-          </a:p>
-          <a:p>
-            <a:pPr marL="4763" lvl="1" indent="0">
-              <a:buNone/>
-            </a:pPr>
-            <a:r>
-              <a:rPr lang="en-US" sz="2000" dirty="0"/>
-              <a:t>    </a:t>
-            </a:r>
-            <a:r>
-              <a:rPr lang="en-US" sz="2000" dirty="0" err="1"/>
-              <a:t>jmp</a:t>
-            </a:r>
-            <a:r>
-              <a:rPr lang="en-US" sz="2000" dirty="0"/>
-              <a:t>     forever</a:t>
-            </a:r>
-          </a:p>
-        </p:txBody>
-      </p:sp>
-      <p:sp>
-        <p:nvSpPr>
-          <p:cNvPr id="2" name="Title 1"/>
+          <p:cNvPr id="3" name="Title 2"/>
           <p:cNvSpPr>
             <a:spLocks noGrp="1"/>
           </p:cNvSpPr>
@@ -7678,7 +7925,374 @@
           <a:p>
             <a:r>
               <a:rPr lang="en-US" dirty="0" smtClean="0"/>
-              <a:t>Example of a Loop</a:t>
+              <a:t>While Loop</a:t>
+            </a:r>
+            <a:endParaRPr lang="en-US" dirty="0"/>
+          </a:p>
+        </p:txBody>
+      </p:sp>
+      <p:pic>
+        <p:nvPicPr>
+          <p:cNvPr id="4" name="Picture 3"/>
+          <p:cNvPicPr>
+            <a:picLocks noChangeAspect="1"/>
+          </p:cNvPicPr>
+          <p:nvPr/>
+        </p:nvPicPr>
+        <p:blipFill>
+          <a:blip r:embed="rId2"/>
+          <a:stretch>
+            <a:fillRect/>
+          </a:stretch>
+        </p:blipFill>
+        <p:spPr>
+          <a:xfrm>
+            <a:off x="489551" y="1772964"/>
+            <a:ext cx="2505075" cy="3848100"/>
+          </a:xfrm>
+          <a:prstGeom prst="rect">
+            <a:avLst/>
+          </a:prstGeom>
+        </p:spPr>
+      </p:pic>
+      <p:sp>
+        <p:nvSpPr>
+          <p:cNvPr id="5" name="Content Placeholder 2"/>
+          <p:cNvSpPr>
+            <a:spLocks noGrp="1"/>
+          </p:cNvSpPr>
+          <p:nvPr>
+            <p:ph type="subTitle" idx="1"/>
+          </p:nvPr>
+        </p:nvSpPr>
+        <p:spPr>
+          <a:xfrm>
+            <a:off x="3701744" y="1572057"/>
+            <a:ext cx="5026047" cy="3495215"/>
+          </a:xfrm>
+        </p:spPr>
+        <p:txBody>
+          <a:bodyPr>
+            <a:normAutofit fontScale="92500" lnSpcReduction="20000"/>
+          </a:bodyPr>
+          <a:lstStyle/>
+          <a:p>
+            <a:pPr marL="4763" lvl="1" indent="0">
+              <a:buNone/>
+            </a:pPr>
+            <a:r>
+              <a:rPr lang="en-US" sz="2000" dirty="0" smtClean="0">
+                <a:solidFill>
+                  <a:srgbClr val="00B050"/>
+                </a:solidFill>
+              </a:rPr>
+              <a:t>; start of “</a:t>
+            </a:r>
+            <a:r>
+              <a:rPr lang="en-US" dirty="0" smtClean="0">
+                <a:solidFill>
+                  <a:srgbClr val="00B050"/>
+                </a:solidFill>
+              </a:rPr>
+              <a:t>while</a:t>
+            </a:r>
+            <a:r>
+              <a:rPr lang="en-US" sz="2000" dirty="0" smtClean="0">
+                <a:solidFill>
+                  <a:srgbClr val="00B050"/>
+                </a:solidFill>
+              </a:rPr>
+              <a:t>” block of code</a:t>
+            </a:r>
+            <a:endParaRPr lang="en-US" dirty="0"/>
+          </a:p>
+          <a:p>
+            <a:pPr marL="4763" lvl="1" indent="0">
+              <a:buNone/>
+            </a:pPr>
+            <a:r>
+              <a:rPr lang="en-US" dirty="0"/>
+              <a:t>    </a:t>
+            </a:r>
+            <a:r>
+              <a:rPr lang="en-US" dirty="0" err="1"/>
+              <a:t>mov</a:t>
+            </a:r>
+            <a:r>
+              <a:rPr lang="en-US" dirty="0"/>
+              <a:t>     #10, r7   </a:t>
+            </a:r>
+            <a:r>
+              <a:rPr lang="en-US" dirty="0">
+                <a:solidFill>
+                  <a:srgbClr val="00B050"/>
+                </a:solidFill>
+              </a:rPr>
+              <a:t>; </a:t>
+            </a:r>
+            <a:r>
+              <a:rPr lang="en-US" dirty="0" smtClean="0">
+                <a:solidFill>
+                  <a:srgbClr val="00B050"/>
+                </a:solidFill>
+              </a:rPr>
+              <a:t>do this 10x</a:t>
+            </a:r>
+            <a:endParaRPr lang="en-US" sz="2000" dirty="0" smtClean="0">
+              <a:solidFill>
+                <a:srgbClr val="00B050"/>
+              </a:solidFill>
+            </a:endParaRPr>
+          </a:p>
+          <a:p>
+            <a:pPr marL="4763" lvl="1" indent="0">
+              <a:buNone/>
+            </a:pPr>
+            <a:r>
+              <a:rPr lang="en-US" dirty="0" smtClean="0"/>
+              <a:t>while:</a:t>
+            </a:r>
+          </a:p>
+          <a:p>
+            <a:pPr marL="4763" lvl="1" indent="0">
+              <a:buNone/>
+            </a:pPr>
+            <a:r>
+              <a:rPr lang="en-US" sz="2000" dirty="0" smtClean="0"/>
+              <a:t>    </a:t>
+            </a:r>
+            <a:r>
+              <a:rPr lang="en-US" sz="2000" dirty="0" err="1" smtClean="0"/>
+              <a:t>cmp</a:t>
+            </a:r>
+            <a:r>
+              <a:rPr lang="en-US" sz="2000" dirty="0" smtClean="0"/>
+              <a:t>     #0, r7     </a:t>
+            </a:r>
+            <a:r>
+              <a:rPr lang="en-US" dirty="0" smtClean="0">
+                <a:solidFill>
+                  <a:srgbClr val="00B050"/>
+                </a:solidFill>
+              </a:rPr>
+              <a:t>; r7 - #0: Z = ?</a:t>
+            </a:r>
+            <a:endParaRPr lang="en-US" sz="2000" dirty="0" smtClean="0"/>
+          </a:p>
+          <a:p>
+            <a:pPr marL="4763" lvl="1" indent="0">
+              <a:buNone/>
+            </a:pPr>
+            <a:r>
+              <a:rPr lang="en-US" sz="2000" dirty="0" smtClean="0"/>
+              <a:t>    </a:t>
+            </a:r>
+            <a:r>
+              <a:rPr lang="en-US" sz="2000" dirty="0" err="1" smtClean="0"/>
+              <a:t>jz</a:t>
+            </a:r>
+            <a:r>
+              <a:rPr lang="en-US" sz="2000" dirty="0" smtClean="0"/>
+              <a:t>         done      </a:t>
+            </a:r>
+            <a:r>
+              <a:rPr lang="en-US" sz="2000" dirty="0" smtClean="0">
+                <a:solidFill>
+                  <a:srgbClr val="00B050"/>
+                </a:solidFill>
+              </a:rPr>
+              <a:t>; if Z == 1, done</a:t>
+            </a:r>
+          </a:p>
+          <a:p>
+            <a:pPr marL="4763" lvl="1" indent="0">
+              <a:buNone/>
+            </a:pPr>
+            <a:r>
+              <a:rPr lang="en-US" dirty="0">
+                <a:solidFill>
+                  <a:srgbClr val="00B050"/>
+                </a:solidFill>
+              </a:rPr>
+              <a:t> </a:t>
+            </a:r>
+            <a:r>
+              <a:rPr lang="en-US" dirty="0" smtClean="0">
+                <a:solidFill>
+                  <a:srgbClr val="00B050"/>
+                </a:solidFill>
+              </a:rPr>
+              <a:t>                             ; do code block</a:t>
+            </a:r>
+            <a:endParaRPr lang="en-US" sz="2000" dirty="0">
+              <a:solidFill>
+                <a:srgbClr val="00B050"/>
+              </a:solidFill>
+            </a:endParaRPr>
+          </a:p>
+          <a:p>
+            <a:pPr marL="4763" lvl="1" indent="0">
+              <a:buNone/>
+            </a:pPr>
+            <a:r>
+              <a:rPr lang="en-US" sz="2000" dirty="0" smtClean="0"/>
+              <a:t>    </a:t>
+            </a:r>
+            <a:r>
+              <a:rPr lang="en-US" sz="2000" dirty="0" err="1" smtClean="0"/>
+              <a:t>mov</a:t>
+            </a:r>
+            <a:r>
+              <a:rPr lang="en-US" sz="2000" dirty="0" smtClean="0"/>
+              <a:t>     #0, r7     </a:t>
+            </a:r>
+            <a:r>
+              <a:rPr lang="en-US" sz="2000" dirty="0" smtClean="0">
+                <a:solidFill>
+                  <a:srgbClr val="00B050"/>
+                </a:solidFill>
+              </a:rPr>
+              <a:t>; r7 = 0</a:t>
+            </a:r>
+          </a:p>
+          <a:p>
+            <a:pPr marL="4763" lvl="1" indent="0">
+              <a:buNone/>
+            </a:pPr>
+            <a:r>
+              <a:rPr lang="en-US" sz="2000" dirty="0" smtClean="0"/>
+              <a:t>    </a:t>
+            </a:r>
+            <a:r>
+              <a:rPr lang="en-US" sz="2000" dirty="0" err="1" smtClean="0"/>
+              <a:t>mov</a:t>
+            </a:r>
+            <a:r>
+              <a:rPr lang="en-US" sz="2000" dirty="0" smtClean="0"/>
+              <a:t>     r9, r8      </a:t>
+            </a:r>
+            <a:r>
+              <a:rPr lang="en-US" sz="2000" dirty="0" smtClean="0">
+                <a:solidFill>
+                  <a:srgbClr val="00B050"/>
+                </a:solidFill>
+              </a:rPr>
+              <a:t>; do something useful!</a:t>
+            </a:r>
+          </a:p>
+          <a:p>
+            <a:pPr marL="4763" lvl="1" indent="0">
+              <a:buNone/>
+            </a:pPr>
+            <a:r>
+              <a:rPr lang="en-US" dirty="0">
+                <a:solidFill>
+                  <a:srgbClr val="00B050"/>
+                </a:solidFill>
+              </a:rPr>
+              <a:t> </a:t>
+            </a:r>
+            <a:r>
+              <a:rPr lang="en-US" dirty="0" smtClean="0">
+                <a:solidFill>
+                  <a:srgbClr val="00B050"/>
+                </a:solidFill>
+              </a:rPr>
+              <a:t>   </a:t>
+            </a:r>
+            <a:r>
+              <a:rPr lang="en-US" dirty="0" smtClean="0"/>
+              <a:t>…                        </a:t>
+            </a:r>
+            <a:r>
+              <a:rPr lang="en-US" dirty="0" smtClean="0">
+                <a:solidFill>
+                  <a:srgbClr val="00B050"/>
+                </a:solidFill>
+              </a:rPr>
+              <a:t>; maybe more stuff</a:t>
+            </a:r>
+            <a:endParaRPr lang="en-US" sz="2000" dirty="0">
+              <a:solidFill>
+                <a:srgbClr val="00B050"/>
+              </a:solidFill>
+            </a:endParaRPr>
+          </a:p>
+          <a:p>
+            <a:pPr marL="4763" lvl="1" indent="0">
+              <a:buNone/>
+            </a:pPr>
+            <a:r>
+              <a:rPr lang="en-US" sz="2000" dirty="0"/>
+              <a:t>    </a:t>
+            </a:r>
+            <a:r>
+              <a:rPr lang="en-US" sz="2000" dirty="0" err="1"/>
+              <a:t>jmp</a:t>
+            </a:r>
+            <a:r>
+              <a:rPr lang="en-US" sz="2000" dirty="0"/>
+              <a:t>     </a:t>
+            </a:r>
+            <a:r>
+              <a:rPr lang="en-US" dirty="0" smtClean="0"/>
+              <a:t>while</a:t>
+            </a:r>
+            <a:r>
+              <a:rPr lang="en-US" sz="2000" dirty="0" smtClean="0"/>
+              <a:t>       </a:t>
+            </a:r>
+            <a:r>
+              <a:rPr lang="en-US" sz="2000" dirty="0" smtClean="0">
+                <a:solidFill>
+                  <a:srgbClr val="00B050"/>
+                </a:solidFill>
+              </a:rPr>
+              <a:t>; back to start</a:t>
+            </a:r>
+            <a:endParaRPr lang="en-US" sz="2000" dirty="0">
+              <a:solidFill>
+                <a:srgbClr val="00B050"/>
+              </a:solidFill>
+            </a:endParaRPr>
+          </a:p>
+          <a:p>
+            <a:pPr marL="4763" lvl="1" indent="0">
+              <a:buNone/>
+            </a:pPr>
+            <a:r>
+              <a:rPr lang="en-US" sz="2000" dirty="0" smtClean="0"/>
+              <a:t>done:</a:t>
+            </a:r>
+            <a:endParaRPr lang="en-US" sz="2000" dirty="0" smtClean="0"/>
+          </a:p>
+        </p:txBody>
+      </p:sp>
+      <p:sp>
+        <p:nvSpPr>
+          <p:cNvPr id="6" name="TextBox 5"/>
+          <p:cNvSpPr txBox="1"/>
+          <p:nvPr/>
+        </p:nvSpPr>
+        <p:spPr>
+          <a:xfrm>
+            <a:off x="1828800" y="5147442"/>
+            <a:ext cx="6710687" cy="1200329"/>
+          </a:xfrm>
+          <a:prstGeom prst="rect">
+            <a:avLst/>
+          </a:prstGeom>
+          <a:noFill/>
+        </p:spPr>
+        <p:txBody>
+          <a:bodyPr wrap="square" rtlCol="0">
+            <a:spAutoFit/>
+          </a:bodyPr>
+          <a:lstStyle/>
+          <a:p>
+            <a:r>
+              <a:rPr lang="en-US" dirty="0" smtClean="0"/>
+              <a:t>This is actually very similar to the for loop, when you look at the assembly … we just changed the labels </a:t>
             </a:r>
             <a:endParaRPr lang="en-US" dirty="0"/>
           </a:p>
@@ -7687,7 +8301,7 @@
     </p:spTree>
     <p:extLst>
       <p:ext uri="{BB962C8B-B14F-4D97-AF65-F5344CB8AC3E}">
-        <p14:creationId xmlns:p14="http://schemas.microsoft.com/office/powerpoint/2010/main" val="69987890"/>
+        <p14:creationId xmlns:p14="http://schemas.microsoft.com/office/powerpoint/2010/main" val="3807563581"/>
       </p:ext>
     </p:extLst>
   </p:cSld>
@@ -7695,13 +8309,6 @@
     <a:masterClrMapping/>
   </p:clrMapOvr>
   <p:transition spd="med"/>
-  <p:timing>
-    <p:tnLst>
-      <p:par>
-        <p:cTn id="1" dur="indefinite" restart="never" nodeType="tmRoot"/>
-      </p:par>
-    </p:tnLst>
-  </p:timing>
 </p:sld>
 </file>
 
@@ -7737,79 +8344,222 @@
           <a:bodyPr/>
           <a:lstStyle/>
           <a:p>
-            <a:r>
-              <a:rPr lang="en-US" sz="2800" dirty="0" smtClean="0"/>
-              <a:t>Due to Relative Jump range limitations:</a:t>
-            </a:r>
-          </a:p>
-          <a:p>
-            <a:r>
-              <a:rPr lang="en-US" sz="2800" dirty="0"/>
-              <a:t>The </a:t>
-            </a:r>
-            <a:r>
-              <a:rPr lang="en-US" sz="2800" dirty="0">
-                <a:solidFill>
-                  <a:srgbClr val="FF0000"/>
-                </a:solidFill>
-              </a:rPr>
-              <a:t>BR</a:t>
-            </a:r>
-            <a:r>
-              <a:rPr lang="en-US" sz="2800" dirty="0"/>
-              <a:t> instruction is an emulated instruction for a </a:t>
-            </a:r>
-            <a:r>
-              <a:rPr lang="en-US" sz="2800" dirty="0">
-                <a:solidFill>
-                  <a:srgbClr val="FF0000"/>
-                </a:solidFill>
-              </a:rPr>
-              <a:t>MOV</a:t>
-            </a:r>
-            <a:r>
-              <a:rPr lang="en-US" sz="2800" dirty="0"/>
-              <a:t> to the </a:t>
-            </a:r>
-            <a:r>
-              <a:rPr lang="en-US" sz="2800" dirty="0">
-                <a:solidFill>
-                  <a:srgbClr val="FF0000"/>
-                </a:solidFill>
-              </a:rPr>
-              <a:t>PC</a:t>
-            </a:r>
-            <a:r>
-              <a:rPr lang="en-US" sz="2800" dirty="0"/>
-              <a:t> - this allows us to move anywhere in the map we choose</a:t>
-            </a:r>
-            <a:r>
-              <a:rPr lang="en-US" sz="2800" dirty="0" smtClean="0"/>
-              <a:t>.</a:t>
-            </a:r>
-          </a:p>
-          <a:p>
-            <a:endParaRPr lang="en-US" sz="2800" dirty="0"/>
-          </a:p>
-          <a:p>
-            <a:endParaRPr lang="en-US" sz="2800" dirty="0" smtClean="0"/>
-          </a:p>
-          <a:p>
-            <a:r>
-              <a:rPr lang="en-US" sz="2800" dirty="0"/>
-              <a:t>This instruction is simply a MOV to the PC. </a:t>
-            </a:r>
-            <a:endParaRPr lang="en-US" sz="2800" dirty="0" smtClean="0"/>
-          </a:p>
-          <a:p>
-            <a:r>
-              <a:rPr lang="en-US" sz="2800" dirty="0" smtClean="0"/>
-              <a:t>So</a:t>
-            </a:r>
-            <a:r>
-              <a:rPr lang="en-US" sz="2800" dirty="0"/>
-              <a:t>, with BR we have access to the full range of addressing modes if PC-relative is not acceptable.</a:t>
-            </a:r>
+            <a:pPr marL="4763" lvl="1" indent="0">
+              <a:buNone/>
+            </a:pPr>
+            <a:r>
+              <a:rPr lang="en-US" sz="2000" dirty="0" smtClean="0">
+                <a:solidFill>
+                  <a:srgbClr val="00B050"/>
+                </a:solidFill>
+              </a:rPr>
+              <a:t>; </a:t>
+            </a:r>
+            <a:r>
+              <a:rPr lang="en-US" sz="2000" dirty="0" smtClean="0">
+                <a:solidFill>
+                  <a:srgbClr val="00B050"/>
+                </a:solidFill>
+              </a:rPr>
+              <a:t>A student wrote this code, but didn’t comment it.</a:t>
+            </a:r>
+          </a:p>
+          <a:p>
+            <a:pPr marL="4763" lvl="1" indent="0">
+              <a:buNone/>
+            </a:pPr>
+            <a:r>
+              <a:rPr lang="en-US" dirty="0" smtClean="0">
+                <a:solidFill>
+                  <a:srgbClr val="00B050"/>
+                </a:solidFill>
+              </a:rPr>
+              <a:t>; What is going on here? </a:t>
+            </a:r>
+          </a:p>
+          <a:p>
+            <a:pPr marL="4763" lvl="1" indent="0">
+              <a:buNone/>
+            </a:pPr>
+            <a:r>
+              <a:rPr lang="en-US" dirty="0" smtClean="0">
+                <a:solidFill>
+                  <a:srgbClr val="00B050"/>
+                </a:solidFill>
+              </a:rPr>
+              <a:t>; What type of loops? </a:t>
+            </a:r>
+          </a:p>
+          <a:p>
+            <a:pPr marL="4763" lvl="1" indent="0">
+              <a:buNone/>
+            </a:pPr>
+            <a:r>
+              <a:rPr lang="en-US" dirty="0" smtClean="0">
+                <a:solidFill>
+                  <a:srgbClr val="00B050"/>
+                </a:solidFill>
+              </a:rPr>
+              <a:t>; How many times will they run?</a:t>
+            </a:r>
+            <a:endParaRPr lang="en-US" sz="2000" dirty="0">
+              <a:solidFill>
+                <a:srgbClr val="00B050"/>
+              </a:solidFill>
+            </a:endParaRPr>
+          </a:p>
+          <a:p>
+            <a:pPr marL="4763" lvl="1" indent="0">
+              <a:buNone/>
+            </a:pPr>
+            <a:r>
+              <a:rPr lang="en-US" sz="2000" dirty="0"/>
+              <a:t>    </a:t>
+            </a:r>
+            <a:r>
+              <a:rPr lang="en-US" sz="2000" dirty="0" err="1"/>
+              <a:t>mov</a:t>
+            </a:r>
+            <a:r>
+              <a:rPr lang="en-US" sz="2000" dirty="0"/>
+              <a:t>     #0, r6</a:t>
+            </a:r>
+          </a:p>
+          <a:p>
+            <a:pPr marL="4763" lvl="1" indent="0">
+              <a:buNone/>
+            </a:pPr>
+            <a:r>
+              <a:rPr lang="en-US" sz="2000" dirty="0"/>
+              <a:t>    </a:t>
+            </a:r>
+            <a:r>
+              <a:rPr lang="en-US" sz="2000" dirty="0" err="1"/>
+              <a:t>mov</a:t>
+            </a:r>
+            <a:r>
+              <a:rPr lang="en-US" sz="2000" dirty="0"/>
+              <a:t>     #10, r7</a:t>
+            </a:r>
+          </a:p>
+          <a:p>
+            <a:pPr marL="4763" lvl="1" indent="0">
+              <a:buNone/>
+            </a:pPr>
+            <a:r>
+              <a:rPr lang="en-US" sz="2000" dirty="0"/>
+              <a:t>loop: </a:t>
+            </a:r>
+            <a:endParaRPr lang="en-US" sz="2000" dirty="0" smtClean="0"/>
+          </a:p>
+          <a:p>
+            <a:pPr marL="4763" lvl="1" indent="0">
+              <a:buNone/>
+            </a:pPr>
+            <a:r>
+              <a:rPr lang="en-US" dirty="0"/>
+              <a:t> </a:t>
+            </a:r>
+            <a:r>
+              <a:rPr lang="en-US" dirty="0" smtClean="0"/>
+              <a:t>   </a:t>
+            </a:r>
+            <a:r>
+              <a:rPr lang="en-US" sz="2000" dirty="0" smtClean="0"/>
+              <a:t>add     </a:t>
+            </a:r>
+            <a:r>
+              <a:rPr lang="en-US" sz="2000" dirty="0"/>
+              <a:t>#2, r6</a:t>
+            </a:r>
+          </a:p>
+          <a:p>
+            <a:pPr marL="4763" lvl="1" indent="0">
+              <a:buNone/>
+            </a:pPr>
+            <a:r>
+              <a:rPr lang="en-US" sz="2000" dirty="0"/>
+              <a:t>    </a:t>
+            </a:r>
+            <a:r>
+              <a:rPr lang="en-US" sz="2000" dirty="0" err="1"/>
+              <a:t>dec</a:t>
+            </a:r>
+            <a:r>
+              <a:rPr lang="en-US" sz="2000" dirty="0"/>
+              <a:t>     r7</a:t>
+            </a:r>
+          </a:p>
+          <a:p>
+            <a:pPr marL="4763" lvl="1" indent="0">
+              <a:buNone/>
+            </a:pPr>
+            <a:r>
+              <a:rPr lang="en-US" sz="2000" dirty="0"/>
+              <a:t>    </a:t>
+            </a:r>
+            <a:r>
+              <a:rPr lang="en-US" sz="2000" dirty="0" err="1"/>
+              <a:t>jnz</a:t>
+            </a:r>
+            <a:r>
+              <a:rPr lang="en-US" sz="2000" dirty="0"/>
+              <a:t>     loop</a:t>
+            </a:r>
+          </a:p>
+          <a:p>
+            <a:pPr marL="4763" lvl="1" indent="0">
+              <a:buNone/>
+            </a:pPr>
+            <a:endParaRPr lang="en-US" sz="2000" dirty="0"/>
+          </a:p>
+          <a:p>
+            <a:pPr marL="4763" lvl="1" indent="0">
+              <a:buNone/>
+            </a:pPr>
+            <a:r>
+              <a:rPr lang="en-US" sz="2000" dirty="0"/>
+              <a:t>forever:                        </a:t>
+            </a:r>
+            <a:endParaRPr lang="en-US" sz="2000" dirty="0">
+              <a:solidFill>
+                <a:srgbClr val="00B050"/>
+              </a:solidFill>
+            </a:endParaRPr>
+          </a:p>
+          <a:p>
+            <a:pPr marL="4763" lvl="1" indent="0">
+              <a:buNone/>
+            </a:pPr>
+            <a:r>
+              <a:rPr lang="en-US" sz="2000" dirty="0"/>
+              <a:t>    </a:t>
+            </a:r>
+            <a:r>
+              <a:rPr lang="en-US" sz="2000" dirty="0" err="1"/>
+              <a:t>jmp</a:t>
+            </a:r>
+            <a:r>
+              <a:rPr lang="en-US" sz="2000" dirty="0"/>
+              <a:t>     </a:t>
+            </a:r>
+            <a:r>
+              <a:rPr lang="en-US" sz="2000" dirty="0" smtClean="0"/>
+              <a:t>forever  </a:t>
+            </a:r>
+            <a:r>
+              <a:rPr lang="en-US" sz="2000" dirty="0" smtClean="0">
+                <a:solidFill>
+                  <a:srgbClr val="00B050"/>
+                </a:solidFill>
+              </a:rPr>
+              <a:t>; why????</a:t>
+            </a:r>
+            <a:endParaRPr lang="en-US" sz="2000" dirty="0">
+              <a:solidFill>
+                <a:srgbClr val="00B050"/>
+              </a:solidFill>
+            </a:endParaRPr>
           </a:p>
         </p:txBody>
       </p:sp>
@@ -7830,286 +8580,64 @@
           <a:p>
             <a:r>
               <a:rPr lang="en-US" dirty="0" smtClean="0"/>
-              <a:t>Branch Instructions</a:t>
+              <a:t>What the </a:t>
+            </a:r>
+            <a:r>
+              <a:rPr lang="en-US" dirty="0" err="1" smtClean="0"/>
+              <a:t>Frak</a:t>
+            </a:r>
+            <a:r>
+              <a:rPr lang="en-US" dirty="0" smtClean="0"/>
+              <a:t>?</a:t>
             </a:r>
             <a:endParaRPr lang="en-US" dirty="0"/>
           </a:p>
         </p:txBody>
       </p:sp>
-      <p:graphicFrame>
-        <p:nvGraphicFramePr>
-          <p:cNvPr id="4" name="Table 3"/>
-          <p:cNvGraphicFramePr>
-            <a:graphicFrameLocks noGrp="1"/>
-          </p:cNvGraphicFramePr>
-          <p:nvPr>
-            <p:extLst>
-              <p:ext uri="{D42A27DB-BD31-4B8C-83A1-F6EECF244321}">
-                <p14:modId xmlns:p14="http://schemas.microsoft.com/office/powerpoint/2010/main" val="3069199779"/>
-              </p:ext>
-            </p:extLst>
-          </p:nvPr>
-        </p:nvGraphicFramePr>
-        <p:xfrm>
-          <a:off x="685800" y="3429290"/>
-          <a:ext cx="7772400" cy="822380"/>
-        </p:xfrm>
-        <a:graphic>
-          <a:graphicData uri="http://schemas.openxmlformats.org/drawingml/2006/table">
-            <a:tbl>
-              <a:tblPr/>
-              <a:tblGrid>
-                <a:gridCol w="3886200"/>
-                <a:gridCol w="3886200"/>
-              </a:tblGrid>
-              <a:tr h="297892">
-                <a:tc>
-                  <a:txBody>
-                    <a:bodyPr/>
-                    <a:lstStyle/>
-                    <a:p>
-                      <a:pPr algn="l" fontAlgn="b"/>
-                      <a:r>
-                        <a:rPr lang="en-US" sz="2000" b="1">
-                          <a:effectLst/>
-                        </a:rPr>
-                        <a:t>Emulated Instruction</a:t>
-                      </a:r>
-                    </a:p>
-                  </a:txBody>
-                  <a:tcPr marL="53195" marR="53195" marT="53195" marB="53195" anchor="b">
-                    <a:lnL w="9525" cap="flat" cmpd="sng" algn="ctr">
-                      <a:solidFill>
-                        <a:srgbClr val="DDDDDD"/>
-                      </a:solidFill>
-                      <a:prstDash val="solid"/>
-                      <a:round/>
-                      <a:headEnd type="none" w="med" len="med"/>
-                      <a:tailEnd type="none" w="med" len="med"/>
-                    </a:lnL>
-                    <a:lnR w="9525" cap="flat" cmpd="sng" algn="ctr">
-                      <a:solidFill>
-                        <a:srgbClr val="DDDDDD"/>
-                      </a:solidFill>
-                      <a:prstDash val="solid"/>
-                      <a:round/>
-                      <a:headEnd type="none" w="med" len="med"/>
-                      <a:tailEnd type="none" w="med" len="med"/>
-                    </a:lnR>
-                    <a:lnT w="9525" cap="flat" cmpd="sng" algn="ctr">
-                      <a:solidFill>
-                        <a:srgbClr val="DDDDDD"/>
-                      </a:solidFill>
-                      <a:prstDash val="solid"/>
-                      <a:round/>
-                      <a:headEnd type="none" w="med" len="med"/>
-                      <a:tailEnd type="none" w="med" len="med"/>
-                    </a:lnT>
-                    <a:lnB w="9525" cap="flat" cmpd="sng" algn="ctr">
-                      <a:solidFill>
-                        <a:srgbClr val="DDDDDD"/>
-                      </a:solidFill>
-                      <a:prstDash val="solid"/>
-                      <a:round/>
-                      <a:headEnd type="none" w="med" len="med"/>
-                      <a:tailEnd type="none" w="med" len="med"/>
-                    </a:lnB>
-                    <a:solidFill>
-                      <a:srgbClr val="FFFFFF"/>
-                    </a:solidFill>
-                  </a:tcPr>
-                </a:tc>
-                <a:tc>
-                  <a:txBody>
-                    <a:bodyPr/>
-                    <a:lstStyle/>
-                    <a:p>
-                      <a:pPr algn="l" fontAlgn="b"/>
-                      <a:r>
-                        <a:rPr lang="en-US" sz="2000" b="1">
-                          <a:effectLst/>
-                        </a:rPr>
-                        <a:t>Assembly Instruction</a:t>
-                      </a:r>
-                    </a:p>
-                  </a:txBody>
-                  <a:tcPr marL="53195" marR="53195" marT="53195" marB="53195" anchor="b">
-                    <a:lnL w="9525" cap="flat" cmpd="sng" algn="ctr">
-                      <a:solidFill>
-                        <a:srgbClr val="DDDDDD"/>
-                      </a:solidFill>
-                      <a:prstDash val="solid"/>
-                      <a:round/>
-                      <a:headEnd type="none" w="med" len="med"/>
-                      <a:tailEnd type="none" w="med" len="med"/>
-                    </a:lnL>
-                    <a:lnR w="9525" cap="flat" cmpd="sng" algn="ctr">
-                      <a:solidFill>
-                        <a:srgbClr val="DDDDDD"/>
-                      </a:solidFill>
-                      <a:prstDash val="solid"/>
-                      <a:round/>
-                      <a:headEnd type="none" w="med" len="med"/>
-                      <a:tailEnd type="none" w="med" len="med"/>
-                    </a:lnR>
-                    <a:lnT w="9525" cap="flat" cmpd="sng" algn="ctr">
-                      <a:solidFill>
-                        <a:srgbClr val="DDDDDD"/>
-                      </a:solidFill>
-                      <a:prstDash val="solid"/>
-                      <a:round/>
-                      <a:headEnd type="none" w="med" len="med"/>
-                      <a:tailEnd type="none" w="med" len="med"/>
-                    </a:lnT>
-                    <a:lnB w="9525" cap="flat" cmpd="sng" algn="ctr">
-                      <a:solidFill>
-                        <a:srgbClr val="DDDDDD"/>
-                      </a:solidFill>
-                      <a:prstDash val="solid"/>
-                      <a:round/>
-                      <a:headEnd type="none" w="med" len="med"/>
-                      <a:tailEnd type="none" w="med" len="med"/>
-                    </a:lnB>
-                    <a:solidFill>
-                      <a:srgbClr val="FFFFFF"/>
-                    </a:solidFill>
-                  </a:tcPr>
-                </a:tc>
-              </a:tr>
-              <a:tr h="297892">
-                <a:tc>
-                  <a:txBody>
-                    <a:bodyPr/>
-                    <a:lstStyle/>
-                    <a:p>
-                      <a:pPr algn="l" fontAlgn="t"/>
-                      <a:r>
-                        <a:rPr lang="en-US" sz="2000">
-                          <a:effectLst/>
-                        </a:rPr>
-                        <a:t>BR dst</a:t>
-                      </a:r>
-                    </a:p>
-                  </a:txBody>
-                  <a:tcPr marL="53195" marR="53195" marT="53195" marB="53195">
-                    <a:lnL w="9525" cap="flat" cmpd="sng" algn="ctr">
-                      <a:solidFill>
-                        <a:srgbClr val="DDDDDD"/>
-                      </a:solidFill>
-                      <a:prstDash val="solid"/>
-                      <a:round/>
-                      <a:headEnd type="none" w="med" len="med"/>
-                      <a:tailEnd type="none" w="med" len="med"/>
-                    </a:lnL>
-                    <a:lnR w="9525" cap="flat" cmpd="sng" algn="ctr">
-                      <a:solidFill>
-                        <a:srgbClr val="DDDDDD"/>
-                      </a:solidFill>
-                      <a:prstDash val="solid"/>
-                      <a:round/>
-                      <a:headEnd type="none" w="med" len="med"/>
-                      <a:tailEnd type="none" w="med" len="med"/>
-                    </a:lnR>
-                    <a:lnT w="9525" cap="flat" cmpd="sng" algn="ctr">
-                      <a:solidFill>
-                        <a:srgbClr val="DDDDDD"/>
-                      </a:solidFill>
-                      <a:prstDash val="solid"/>
-                      <a:round/>
-                      <a:headEnd type="none" w="med" len="med"/>
-                      <a:tailEnd type="none" w="med" len="med"/>
-                    </a:lnT>
-                    <a:lnB w="9525" cap="flat" cmpd="sng" algn="ctr">
-                      <a:solidFill>
-                        <a:srgbClr val="DDDDDD"/>
-                      </a:solidFill>
-                      <a:prstDash val="solid"/>
-                      <a:round/>
-                      <a:headEnd type="none" w="med" len="med"/>
-                      <a:tailEnd type="none" w="med" len="med"/>
-                    </a:lnB>
-                    <a:solidFill>
-                      <a:srgbClr val="F9F9F9"/>
-                    </a:solidFill>
-                  </a:tcPr>
-                </a:tc>
-                <a:tc>
-                  <a:txBody>
-                    <a:bodyPr/>
-                    <a:lstStyle/>
-                    <a:p>
-                      <a:pPr algn="l" fontAlgn="t"/>
-                      <a:r>
-                        <a:rPr lang="en-US" sz="2000" dirty="0">
-                          <a:effectLst/>
-                        </a:rPr>
-                        <a:t>MOV </a:t>
-                      </a:r>
-                      <a:r>
-                        <a:rPr lang="en-US" sz="2000" dirty="0" err="1">
-                          <a:effectLst/>
-                        </a:rPr>
-                        <a:t>dst</a:t>
-                      </a:r>
-                      <a:r>
-                        <a:rPr lang="en-US" sz="2000" dirty="0">
-                          <a:effectLst/>
-                        </a:rPr>
-                        <a:t>, PC</a:t>
-                      </a:r>
-                    </a:p>
-                  </a:txBody>
-                  <a:tcPr marL="53195" marR="53195" marT="53195" marB="53195">
-                    <a:lnL w="9525" cap="flat" cmpd="sng" algn="ctr">
-                      <a:solidFill>
-                        <a:srgbClr val="DDDDDD"/>
-                      </a:solidFill>
-                      <a:prstDash val="solid"/>
-                      <a:round/>
-                      <a:headEnd type="none" w="med" len="med"/>
-                      <a:tailEnd type="none" w="med" len="med"/>
-                    </a:lnL>
-                    <a:lnR w="9525" cap="flat" cmpd="sng" algn="ctr">
-                      <a:solidFill>
-                        <a:srgbClr val="DDDDDD"/>
-                      </a:solidFill>
-                      <a:prstDash val="solid"/>
-                      <a:round/>
-                      <a:headEnd type="none" w="med" len="med"/>
-                      <a:tailEnd type="none" w="med" len="med"/>
-                    </a:lnR>
-                    <a:lnT w="9525" cap="flat" cmpd="sng" algn="ctr">
-                      <a:solidFill>
-                        <a:srgbClr val="DDDDDD"/>
-                      </a:solidFill>
-                      <a:prstDash val="solid"/>
-                      <a:round/>
-                      <a:headEnd type="none" w="med" len="med"/>
-                      <a:tailEnd type="none" w="med" len="med"/>
-                    </a:lnT>
-                    <a:lnB w="9525" cap="flat" cmpd="sng" algn="ctr">
-                      <a:solidFill>
-                        <a:srgbClr val="DDDDDD"/>
-                      </a:solidFill>
-                      <a:prstDash val="solid"/>
-                      <a:round/>
-                      <a:headEnd type="none" w="med" len="med"/>
-                      <a:tailEnd type="none" w="med" len="med"/>
-                    </a:lnB>
-                    <a:solidFill>
-                      <a:srgbClr val="F9F9F9"/>
-                    </a:solidFill>
-                  </a:tcPr>
-                </a:tc>
-              </a:tr>
-            </a:tbl>
-          </a:graphicData>
-        </a:graphic>
-      </p:graphicFrame>
+      <p:sp>
+        <p:nvSpPr>
+          <p:cNvPr id="4" name="TextBox 3"/>
+          <p:cNvSpPr txBox="1"/>
+          <p:nvPr/>
+        </p:nvSpPr>
+        <p:spPr>
+          <a:xfrm>
+            <a:off x="6937672" y="5817476"/>
+            <a:ext cx="1840568" cy="461665"/>
+          </a:xfrm>
+          <a:prstGeom prst="rect">
+            <a:avLst/>
+          </a:prstGeom>
+          <a:noFill/>
+        </p:spPr>
+        <p:txBody>
+          <a:bodyPr wrap="none" rtlCol="0">
+            <a:spAutoFit/>
+          </a:bodyPr>
+          <a:lstStyle/>
+          <a:p>
+            <a:r>
+              <a:rPr lang="en-US" dirty="0" smtClean="0"/>
+              <a:t>What is </a:t>
+            </a:r>
+            <a:r>
+              <a:rPr lang="en-US" dirty="0" err="1" smtClean="0">
+                <a:hlinkClick r:id="rId2"/>
+              </a:rPr>
+              <a:t>frak</a:t>
+            </a:r>
+            <a:r>
+              <a:rPr lang="en-US" dirty="0" smtClean="0"/>
+              <a:t>?</a:t>
+            </a:r>
+            <a:endParaRPr lang="en-US" dirty="0"/>
+          </a:p>
+        </p:txBody>
+      </p:sp>
     </p:spTree>
     <p:extLst>
       <p:ext uri="{BB962C8B-B14F-4D97-AF65-F5344CB8AC3E}">
-        <p14:creationId xmlns:p14="http://schemas.microsoft.com/office/powerpoint/2010/main" val="240803739"/>
+        <p14:creationId xmlns:p14="http://schemas.microsoft.com/office/powerpoint/2010/main" val="69987890"/>
       </p:ext>
     </p:extLst>
   </p:cSld>
@@ -8585,6 +9113,309 @@
           <a:bodyPr/>
           <a:lstStyle/>
           <a:p>
+            <a:pPr marL="4763" lvl="1" indent="0">
+              <a:buNone/>
+            </a:pPr>
+            <a:r>
+              <a:rPr lang="en-US" sz="2000" dirty="0" smtClean="0">
+                <a:solidFill>
+                  <a:srgbClr val="00B050"/>
+                </a:solidFill>
+              </a:rPr>
+              <a:t> </a:t>
+            </a:r>
+            <a:r>
+              <a:rPr lang="en-US" sz="2000" dirty="0">
+                <a:solidFill>
+                  <a:srgbClr val="00B050"/>
+                </a:solidFill>
+              </a:rPr>
+              <a:t>; example of a conditional</a:t>
+            </a:r>
+          </a:p>
+          <a:p>
+            <a:pPr marL="4763" lvl="1" indent="0">
+              <a:buNone/>
+            </a:pPr>
+            <a:r>
+              <a:rPr lang="en-US" sz="2000" dirty="0"/>
+              <a:t>    </a:t>
+            </a:r>
+            <a:r>
+              <a:rPr lang="en-US" sz="2000" dirty="0" err="1"/>
+              <a:t>mov</a:t>
+            </a:r>
+            <a:r>
+              <a:rPr lang="en-US" sz="2000" dirty="0"/>
+              <a:t>     #10, r7</a:t>
+            </a:r>
+          </a:p>
+          <a:p>
+            <a:pPr marL="4763" lvl="1" indent="0">
+              <a:buNone/>
+            </a:pPr>
+            <a:r>
+              <a:rPr lang="en-US" sz="2000" dirty="0"/>
+              <a:t>    </a:t>
+            </a:r>
+            <a:r>
+              <a:rPr lang="en-US" sz="2000" dirty="0" err="1"/>
+              <a:t>cmp</a:t>
+            </a:r>
+            <a:r>
+              <a:rPr lang="en-US" sz="2000" dirty="0"/>
+              <a:t>     #5, r7             </a:t>
+            </a:r>
+            <a:r>
+              <a:rPr lang="en-US" sz="2000" dirty="0" smtClean="0">
+                <a:solidFill>
+                  <a:srgbClr val="00B050"/>
+                </a:solidFill>
+              </a:rPr>
+              <a:t>; </a:t>
+            </a:r>
+            <a:r>
+              <a:rPr lang="en-US" sz="2000" dirty="0">
+                <a:solidFill>
+                  <a:srgbClr val="00B050"/>
+                </a:solidFill>
+              </a:rPr>
+              <a:t>set C - why is the carry flag set here?  think about how CMP is SUB and how the SUB operation is implemented</a:t>
+            </a:r>
+          </a:p>
+          <a:p>
+            <a:pPr marL="4763" lvl="1" indent="0">
+              <a:buNone/>
+            </a:pPr>
+            <a:r>
+              <a:rPr lang="en-US" sz="2000" dirty="0"/>
+              <a:t>    </a:t>
+            </a:r>
+            <a:r>
+              <a:rPr lang="en-US" sz="2000" dirty="0" err="1"/>
+              <a:t>jge</a:t>
+            </a:r>
+            <a:r>
+              <a:rPr lang="en-US" sz="2000" dirty="0"/>
+              <a:t>     greater             </a:t>
+            </a:r>
+            <a:r>
+              <a:rPr lang="en-US" sz="2000" dirty="0">
+                <a:solidFill>
+                  <a:srgbClr val="00B050"/>
+                </a:solidFill>
+              </a:rPr>
+              <a:t>; if N == V, jump</a:t>
+            </a:r>
+          </a:p>
+          <a:p>
+            <a:pPr marL="4763" lvl="1" indent="0">
+              <a:buNone/>
+            </a:pPr>
+            <a:r>
+              <a:rPr lang="en-US" sz="2000" dirty="0"/>
+              <a:t>    </a:t>
+            </a:r>
+            <a:r>
+              <a:rPr lang="en-US" sz="2000" dirty="0" err="1"/>
+              <a:t>mov</a:t>
+            </a:r>
+            <a:r>
+              <a:rPr lang="en-US" sz="2000" dirty="0"/>
+              <a:t>     #0xbeef, r7</a:t>
+            </a:r>
+          </a:p>
+          <a:p>
+            <a:pPr marL="4763" lvl="1" indent="0">
+              <a:buNone/>
+            </a:pPr>
+            <a:r>
+              <a:rPr lang="en-US" sz="2000" dirty="0"/>
+              <a:t>    </a:t>
+            </a:r>
+            <a:r>
+              <a:rPr lang="en-US" sz="2000" dirty="0" err="1"/>
+              <a:t>jmp</a:t>
+            </a:r>
+            <a:r>
+              <a:rPr lang="en-US" sz="2000" dirty="0"/>
+              <a:t>     done               </a:t>
+            </a:r>
+            <a:r>
+              <a:rPr lang="en-US" sz="2000" dirty="0" smtClean="0">
+                <a:solidFill>
+                  <a:srgbClr val="00B050"/>
+                </a:solidFill>
+              </a:rPr>
+              <a:t>; </a:t>
+            </a:r>
+            <a:r>
+              <a:rPr lang="en-US" sz="2000" dirty="0">
+                <a:solidFill>
+                  <a:srgbClr val="00B050"/>
+                </a:solidFill>
+              </a:rPr>
+              <a:t>always jump</a:t>
+            </a:r>
+          </a:p>
+          <a:p>
+            <a:pPr marL="4763" lvl="1" indent="0">
+              <a:buNone/>
+            </a:pPr>
+            <a:r>
+              <a:rPr lang="en-US" sz="2000" dirty="0"/>
+              <a:t>greater:</a:t>
+            </a:r>
+          </a:p>
+          <a:p>
+            <a:pPr marL="4763" lvl="1" indent="0">
+              <a:buNone/>
+            </a:pPr>
+            <a:r>
+              <a:rPr lang="en-US" sz="2000" dirty="0"/>
+              <a:t>    </a:t>
+            </a:r>
+            <a:r>
+              <a:rPr lang="en-US" sz="2000" dirty="0" err="1"/>
+              <a:t>mov</a:t>
+            </a:r>
+            <a:r>
+              <a:rPr lang="en-US" sz="2000" dirty="0"/>
+              <a:t>     #0xdfec, r7</a:t>
+            </a:r>
+          </a:p>
+          <a:p>
+            <a:pPr marL="4763" lvl="1" indent="0">
+              <a:buNone/>
+            </a:pPr>
+            <a:r>
+              <a:rPr lang="en-US" sz="2000" dirty="0"/>
+              <a:t>done</a:t>
+            </a:r>
+            <a:r>
+              <a:rPr lang="en-US" sz="2000" dirty="0" smtClean="0"/>
+              <a:t>:</a:t>
+            </a:r>
+          </a:p>
+          <a:p>
+            <a:pPr marL="4763" lvl="1" indent="0">
+              <a:buNone/>
+            </a:pPr>
+            <a:endParaRPr lang="en-US" sz="2000" dirty="0" smtClean="0"/>
+          </a:p>
+          <a:p>
+            <a:pPr marL="4763" lvl="1" indent="0">
+              <a:buNone/>
+            </a:pPr>
+            <a:r>
+              <a:rPr lang="en-US" sz="2000" dirty="0" smtClean="0"/>
+              <a:t>forever:                        </a:t>
+            </a:r>
+            <a:r>
+              <a:rPr lang="en-US" sz="2000" dirty="0" smtClean="0">
+                <a:solidFill>
+                  <a:srgbClr val="00B050"/>
+                </a:solidFill>
+              </a:rPr>
+              <a:t>; trap CPU</a:t>
+            </a:r>
+          </a:p>
+          <a:p>
+            <a:pPr marL="4763" lvl="1" indent="0">
+              <a:buNone/>
+            </a:pPr>
+            <a:r>
+              <a:rPr lang="en-US" sz="2000" dirty="0" smtClean="0"/>
+              <a:t>    </a:t>
+            </a:r>
+            <a:r>
+              <a:rPr lang="en-US" sz="2000" dirty="0" err="1" smtClean="0"/>
+              <a:t>jmp</a:t>
+            </a:r>
+            <a:r>
+              <a:rPr lang="en-US" sz="2000" dirty="0" smtClean="0"/>
+              <a:t>     forever</a:t>
+            </a:r>
+            <a:endParaRPr lang="en-US" sz="2000" dirty="0"/>
+          </a:p>
+        </p:txBody>
+      </p:sp>
+      <p:sp>
+        <p:nvSpPr>
+          <p:cNvPr id="2" name="Title 1"/>
+          <p:cNvSpPr>
+            <a:spLocks noGrp="1"/>
+          </p:cNvSpPr>
+          <p:nvPr>
+            <p:ph type="title"/>
+          </p:nvPr>
+        </p:nvSpPr>
+        <p:spPr/>
+        <p:txBody>
+          <a:bodyPr/>
+          <a:lstStyle/>
+          <a:p>
+            <a:r>
+              <a:rPr lang="en-US" dirty="0" smtClean="0"/>
+              <a:t>Examples of a Conditional</a:t>
+            </a:r>
+            <a:endParaRPr lang="en-US" dirty="0"/>
+          </a:p>
+        </p:txBody>
+      </p:sp>
+    </p:spTree>
+    <p:extLst>
+      <p:ext uri="{BB962C8B-B14F-4D97-AF65-F5344CB8AC3E}">
+        <p14:creationId xmlns:p14="http://schemas.microsoft.com/office/powerpoint/2010/main" val="1468548756"/>
+      </p:ext>
+    </p:extLst>
+  </p:cSld>
+  <p:clrMapOvr>
+    <a:masterClrMapping/>
+  </p:clrMapOvr>
+  <p:transition spd="med"/>
+  <p:timing>
+    <p:tnLst>
+      <p:par>
+        <p:cTn id="1" dur="indefinite" restart="never" nodeType="tmRoot"/>
+      </p:par>
+    </p:tnLst>
+  </p:timing>
+</p:sld>
+</file>
+
+<file path=ppt/slides/slide22.xml><?xml version="1.0" encoding="utf-8"?>
+<p:sld xmlns:a="http://schemas.openxmlformats.org/drawingml/2006/main" xmlns:r="http://schemas.openxmlformats.org/officeDocument/2006/relationships" xmlns:p="http://schemas.openxmlformats.org/presentationml/2006/main">
+  <p:cSld>
+    <p:spTree>
+      <p:nvGrpSpPr>
+        <p:cNvPr id="1" name=""/>
+        <p:cNvGrpSpPr/>
+        <p:nvPr/>
+      </p:nvGrpSpPr>
+      <p:grpSpPr>
+        <a:xfrm>
+          <a:off x="0" y="0"/>
+          <a:ext cx="0" cy="0"/>
+          <a:chOff x="0" y="0"/>
+          <a:chExt cx="0" cy="0"/>
+        </a:xfrm>
+      </p:grpSpPr>
+      <p:sp>
+        <p:nvSpPr>
+          <p:cNvPr id="3" name="Content Placeholder 2"/>
+          <p:cNvSpPr>
+            <a:spLocks noGrp="1"/>
+          </p:cNvSpPr>
+          <p:nvPr>
+            <p:ph type="subTitle" idx="1"/>
+          </p:nvPr>
+        </p:nvSpPr>
+        <p:spPr/>
+        <p:txBody>
+          <a:bodyPr/>
+          <a:lstStyle/>
+          <a:p>
             <a:pPr marL="0" indent="0">
               <a:buNone/>
             </a:pPr>
@@ -8953,7 +9784,429 @@
 </p:sld>
 </file>
 
-<file path=ppt/slides/slide22.xml><?xml version="1.0" encoding="utf-8"?>
+<file path=ppt/slides/slide23.xml><?xml version="1.0" encoding="utf-8"?>
+<p:sld xmlns:a="http://schemas.openxmlformats.org/drawingml/2006/main" xmlns:r="http://schemas.openxmlformats.org/officeDocument/2006/relationships" xmlns:p="http://schemas.openxmlformats.org/presentationml/2006/main">
+  <p:cSld>
+    <p:spTree>
+      <p:nvGrpSpPr>
+        <p:cNvPr id="1" name=""/>
+        <p:cNvGrpSpPr/>
+        <p:nvPr/>
+      </p:nvGrpSpPr>
+      <p:grpSpPr>
+        <a:xfrm>
+          <a:off x="0" y="0"/>
+          <a:ext cx="0" cy="0"/>
+          <a:chOff x="0" y="0"/>
+          <a:chExt cx="0" cy="0"/>
+        </a:xfrm>
+      </p:grpSpPr>
+      <p:sp>
+        <p:nvSpPr>
+          <p:cNvPr id="3" name="Content Placeholder 2"/>
+          <p:cNvSpPr>
+            <a:spLocks noGrp="1"/>
+          </p:cNvSpPr>
+          <p:nvPr>
+            <p:ph type="subTitle" idx="1"/>
+          </p:nvPr>
+        </p:nvSpPr>
+        <p:spPr/>
+        <p:txBody>
+          <a:bodyPr/>
+          <a:lstStyle/>
+          <a:p>
+            <a:r>
+              <a:rPr lang="en-US" sz="2800" dirty="0" smtClean="0"/>
+              <a:t>Due to Relative Jump range limitations:</a:t>
+            </a:r>
+          </a:p>
+          <a:p>
+            <a:r>
+              <a:rPr lang="en-US" sz="2800" dirty="0"/>
+              <a:t>The </a:t>
+            </a:r>
+            <a:r>
+              <a:rPr lang="en-US" sz="2800" dirty="0">
+                <a:solidFill>
+                  <a:srgbClr val="FF0000"/>
+                </a:solidFill>
+              </a:rPr>
+              <a:t>BR</a:t>
+            </a:r>
+            <a:r>
+              <a:rPr lang="en-US" sz="2800" dirty="0"/>
+              <a:t> instruction is an emulated instruction for a </a:t>
+            </a:r>
+            <a:r>
+              <a:rPr lang="en-US" sz="2800" dirty="0">
+                <a:solidFill>
+                  <a:srgbClr val="FF0000"/>
+                </a:solidFill>
+              </a:rPr>
+              <a:t>MOV</a:t>
+            </a:r>
+            <a:r>
+              <a:rPr lang="en-US" sz="2800" dirty="0"/>
+              <a:t> to the </a:t>
+            </a:r>
+            <a:r>
+              <a:rPr lang="en-US" sz="2800" dirty="0">
+                <a:solidFill>
+                  <a:srgbClr val="FF0000"/>
+                </a:solidFill>
+              </a:rPr>
+              <a:t>PC</a:t>
+            </a:r>
+            <a:r>
+              <a:rPr lang="en-US" sz="2800" dirty="0"/>
+              <a:t> - this allows us to move anywhere in the map we choose</a:t>
+            </a:r>
+            <a:r>
+              <a:rPr lang="en-US" sz="2800" dirty="0" smtClean="0"/>
+              <a:t>.</a:t>
+            </a:r>
+          </a:p>
+          <a:p>
+            <a:endParaRPr lang="en-US" sz="2800" dirty="0"/>
+          </a:p>
+          <a:p>
+            <a:endParaRPr lang="en-US" sz="2800" dirty="0" smtClean="0"/>
+          </a:p>
+          <a:p>
+            <a:r>
+              <a:rPr lang="en-US" sz="2800" dirty="0"/>
+              <a:t>This instruction is simply a MOV to the PC. </a:t>
+            </a:r>
+            <a:endParaRPr lang="en-US" sz="2800" dirty="0" smtClean="0"/>
+          </a:p>
+          <a:p>
+            <a:r>
+              <a:rPr lang="en-US" sz="2800" dirty="0" smtClean="0"/>
+              <a:t>So</a:t>
+            </a:r>
+            <a:r>
+              <a:rPr lang="en-US" sz="2800" dirty="0"/>
+              <a:t>, with BR we have access to the full range of addressing modes if PC-relative is not acceptable.</a:t>
+            </a:r>
+          </a:p>
+        </p:txBody>
+      </p:sp>
+      <p:sp>
+        <p:nvSpPr>
+          <p:cNvPr id="2" name="Title 1"/>
+          <p:cNvSpPr>
+            <a:spLocks noGrp="1"/>
+          </p:cNvSpPr>
+          <p:nvPr>
+            <p:ph type="title"/>
+          </p:nvPr>
+        </p:nvSpPr>
+        <p:spPr/>
+        <p:txBody>
+          <a:bodyPr/>
+          <a:lstStyle/>
+          <a:p>
+            <a:r>
+              <a:rPr lang="en-US" dirty="0" smtClean="0"/>
+              <a:t>Branch Instructions</a:t>
+            </a:r>
+            <a:endParaRPr lang="en-US" dirty="0"/>
+          </a:p>
+        </p:txBody>
+      </p:sp>
+      <p:graphicFrame>
+        <p:nvGraphicFramePr>
+          <p:cNvPr id="4" name="Table 3"/>
+          <p:cNvGraphicFramePr>
+            <a:graphicFrameLocks noGrp="1"/>
+          </p:cNvGraphicFramePr>
+          <p:nvPr>
+            <p:extLst>
+              <p:ext uri="{D42A27DB-BD31-4B8C-83A1-F6EECF244321}">
+                <p14:modId xmlns:p14="http://schemas.microsoft.com/office/powerpoint/2010/main" val="3069199779"/>
+              </p:ext>
+            </p:extLst>
+          </p:nvPr>
+        </p:nvGraphicFramePr>
+        <p:xfrm>
+          <a:off x="685800" y="3429290"/>
+          <a:ext cx="7772400" cy="822380"/>
+        </p:xfrm>
+        <a:graphic>
+          <a:graphicData uri="http://schemas.openxmlformats.org/drawingml/2006/table">
+            <a:tbl>
+              <a:tblPr/>
+              <a:tblGrid>
+                <a:gridCol w="3886200"/>
+                <a:gridCol w="3886200"/>
+              </a:tblGrid>
+              <a:tr h="297892">
+                <a:tc>
+                  <a:txBody>
+                    <a:bodyPr/>
+                    <a:lstStyle/>
+                    <a:p>
+                      <a:pPr algn="l" fontAlgn="b"/>
+                      <a:r>
+                        <a:rPr lang="en-US" sz="2000" b="1">
+                          <a:effectLst/>
+                        </a:rPr>
+                        <a:t>Emulated Instruction</a:t>
+                      </a:r>
+                    </a:p>
+                  </a:txBody>
+                  <a:tcPr marL="53195" marR="53195" marT="53195" marB="53195" anchor="b">
+                    <a:lnL w="9525" cap="flat" cmpd="sng" algn="ctr">
+                      <a:solidFill>
+                        <a:srgbClr val="DDDDDD"/>
+                      </a:solidFill>
+                      <a:prstDash val="solid"/>
+                      <a:round/>
+                      <a:headEnd type="none" w="med" len="med"/>
+                      <a:tailEnd type="none" w="med" len="med"/>
+                    </a:lnL>
+                    <a:lnR w="9525" cap="flat" cmpd="sng" algn="ctr">
+                      <a:solidFill>
+                        <a:srgbClr val="DDDDDD"/>
+                      </a:solidFill>
+                      <a:prstDash val="solid"/>
+                      <a:round/>
+                      <a:headEnd type="none" w="med" len="med"/>
+                      <a:tailEnd type="none" w="med" len="med"/>
+                    </a:lnR>
+                    <a:lnT w="9525" cap="flat" cmpd="sng" algn="ctr">
+                      <a:solidFill>
+                        <a:srgbClr val="DDDDDD"/>
+                      </a:solidFill>
+                      <a:prstDash val="solid"/>
+                      <a:round/>
+                      <a:headEnd type="none" w="med" len="med"/>
+                      <a:tailEnd type="none" w="med" len="med"/>
+                    </a:lnT>
+                    <a:lnB w="9525" cap="flat" cmpd="sng" algn="ctr">
+                      <a:solidFill>
+                        <a:srgbClr val="DDDDDD"/>
+                      </a:solidFill>
+                      <a:prstDash val="solid"/>
+                      <a:round/>
+                      <a:headEnd type="none" w="med" len="med"/>
+                      <a:tailEnd type="none" w="med" len="med"/>
+                    </a:lnB>
+                    <a:solidFill>
+                      <a:srgbClr val="FFFFFF"/>
+                    </a:solidFill>
+                  </a:tcPr>
+                </a:tc>
+                <a:tc>
+                  <a:txBody>
+                    <a:bodyPr/>
+                    <a:lstStyle/>
+                    <a:p>
+                      <a:pPr algn="l" fontAlgn="b"/>
+                      <a:r>
+                        <a:rPr lang="en-US" sz="2000" b="1">
+                          <a:effectLst/>
+                        </a:rPr>
+                        <a:t>Assembly Instruction</a:t>
+                      </a:r>
+                    </a:p>
+                  </a:txBody>
+                  <a:tcPr marL="53195" marR="53195" marT="53195" marB="53195" anchor="b">
+                    <a:lnL w="9525" cap="flat" cmpd="sng" algn="ctr">
+                      <a:solidFill>
+                        <a:srgbClr val="DDDDDD"/>
+                      </a:solidFill>
+                      <a:prstDash val="solid"/>
+                      <a:round/>
+                      <a:headEnd type="none" w="med" len="med"/>
+                      <a:tailEnd type="none" w="med" len="med"/>
+                    </a:lnL>
+                    <a:lnR w="9525" cap="flat" cmpd="sng" algn="ctr">
+                      <a:solidFill>
+                        <a:srgbClr val="DDDDDD"/>
+                      </a:solidFill>
+                      <a:prstDash val="solid"/>
+                      <a:round/>
+                      <a:headEnd type="none" w="med" len="med"/>
+                      <a:tailEnd type="none" w="med" len="med"/>
+                    </a:lnR>
+                    <a:lnT w="9525" cap="flat" cmpd="sng" algn="ctr">
+                      <a:solidFill>
+                        <a:srgbClr val="DDDDDD"/>
+                      </a:solidFill>
+                      <a:prstDash val="solid"/>
+                      <a:round/>
+                      <a:headEnd type="none" w="med" len="med"/>
+                      <a:tailEnd type="none" w="med" len="med"/>
+                    </a:lnT>
+                    <a:lnB w="9525" cap="flat" cmpd="sng" algn="ctr">
+                      <a:solidFill>
+                        <a:srgbClr val="DDDDDD"/>
+                      </a:solidFill>
+                      <a:prstDash val="solid"/>
+                      <a:round/>
+                      <a:headEnd type="none" w="med" len="med"/>
+                      <a:tailEnd type="none" w="med" len="med"/>
+                    </a:lnB>
+                    <a:solidFill>
+                      <a:srgbClr val="FFFFFF"/>
+                    </a:solidFill>
+                  </a:tcPr>
+                </a:tc>
+              </a:tr>
+              <a:tr h="297892">
+                <a:tc>
+                  <a:txBody>
+                    <a:bodyPr/>
+                    <a:lstStyle/>
+                    <a:p>
+                      <a:pPr algn="l" fontAlgn="t"/>
+                      <a:r>
+                        <a:rPr lang="en-US" sz="2000">
+                          <a:effectLst/>
+                        </a:rPr>
+                        <a:t>BR dst</a:t>
+                      </a:r>
+                    </a:p>
+                  </a:txBody>
+                  <a:tcPr marL="53195" marR="53195" marT="53195" marB="53195">
+                    <a:lnL w="9525" cap="flat" cmpd="sng" algn="ctr">
+                      <a:solidFill>
+                        <a:srgbClr val="DDDDDD"/>
+                      </a:solidFill>
+                      <a:prstDash val="solid"/>
+                      <a:round/>
+                      <a:headEnd type="none" w="med" len="med"/>
+                      <a:tailEnd type="none" w="med" len="med"/>
+                    </a:lnL>
+                    <a:lnR w="9525" cap="flat" cmpd="sng" algn="ctr">
+                      <a:solidFill>
+                        <a:srgbClr val="DDDDDD"/>
+                      </a:solidFill>
+                      <a:prstDash val="solid"/>
+                      <a:round/>
+                      <a:headEnd type="none" w="med" len="med"/>
+                      <a:tailEnd type="none" w="med" len="med"/>
+                    </a:lnR>
+                    <a:lnT w="9525" cap="flat" cmpd="sng" algn="ctr">
+                      <a:solidFill>
+                        <a:srgbClr val="DDDDDD"/>
+                      </a:solidFill>
+                      <a:prstDash val="solid"/>
+                      <a:round/>
+                      <a:headEnd type="none" w="med" len="med"/>
+                      <a:tailEnd type="none" w="med" len="med"/>
+                    </a:lnT>
+                    <a:lnB w="9525" cap="flat" cmpd="sng" algn="ctr">
+                      <a:solidFill>
+                        <a:srgbClr val="DDDDDD"/>
+                      </a:solidFill>
+                      <a:prstDash val="solid"/>
+                      <a:round/>
+                      <a:headEnd type="none" w="med" len="med"/>
+                      <a:tailEnd type="none" w="med" len="med"/>
+                    </a:lnB>
+                    <a:solidFill>
+                      <a:srgbClr val="F9F9F9"/>
+                    </a:solidFill>
+                  </a:tcPr>
+                </a:tc>
+                <a:tc>
+                  <a:txBody>
+                    <a:bodyPr/>
+                    <a:lstStyle/>
+                    <a:p>
+                      <a:pPr algn="l" fontAlgn="t"/>
+                      <a:r>
+                        <a:rPr lang="en-US" sz="2000" dirty="0">
+                          <a:effectLst/>
+                        </a:rPr>
+                        <a:t>MOV </a:t>
+                      </a:r>
+                      <a:r>
+                        <a:rPr lang="en-US" sz="2000" dirty="0" err="1">
+                          <a:effectLst/>
+                        </a:rPr>
+                        <a:t>dst</a:t>
+                      </a:r>
+                      <a:r>
+                        <a:rPr lang="en-US" sz="2000" dirty="0">
+                          <a:effectLst/>
+                        </a:rPr>
+                        <a:t>, PC</a:t>
+                      </a:r>
+                    </a:p>
+                  </a:txBody>
+                  <a:tcPr marL="53195" marR="53195" marT="53195" marB="53195">
+                    <a:lnL w="9525" cap="flat" cmpd="sng" algn="ctr">
+                      <a:solidFill>
+                        <a:srgbClr val="DDDDDD"/>
+                      </a:solidFill>
+                      <a:prstDash val="solid"/>
+                      <a:round/>
+                      <a:headEnd type="none" w="med" len="med"/>
+                      <a:tailEnd type="none" w="med" len="med"/>
+                    </a:lnL>
+                    <a:lnR w="9525" cap="flat" cmpd="sng" algn="ctr">
+                      <a:solidFill>
+                        <a:srgbClr val="DDDDDD"/>
+                      </a:solidFill>
+                      <a:prstDash val="solid"/>
+                      <a:round/>
+                      <a:headEnd type="none" w="med" len="med"/>
+                      <a:tailEnd type="none" w="med" len="med"/>
+                    </a:lnR>
+                    <a:lnT w="9525" cap="flat" cmpd="sng" algn="ctr">
+                      <a:solidFill>
+                        <a:srgbClr val="DDDDDD"/>
+                      </a:solidFill>
+                      <a:prstDash val="solid"/>
+                      <a:round/>
+                      <a:headEnd type="none" w="med" len="med"/>
+                      <a:tailEnd type="none" w="med" len="med"/>
+                    </a:lnT>
+                    <a:lnB w="9525" cap="flat" cmpd="sng" algn="ctr">
+                      <a:solidFill>
+                        <a:srgbClr val="DDDDDD"/>
+                      </a:solidFill>
+                      <a:prstDash val="solid"/>
+                      <a:round/>
+                      <a:headEnd type="none" w="med" len="med"/>
+                      <a:tailEnd type="none" w="med" len="med"/>
+                    </a:lnB>
+                    <a:solidFill>
+                      <a:srgbClr val="F9F9F9"/>
+                    </a:solidFill>
+                  </a:tcPr>
+                </a:tc>
+              </a:tr>
+            </a:tbl>
+          </a:graphicData>
+        </a:graphic>
+      </p:graphicFrame>
+    </p:spTree>
+    <p:extLst>
+      <p:ext uri="{BB962C8B-B14F-4D97-AF65-F5344CB8AC3E}">
+        <p14:creationId xmlns:p14="http://schemas.microsoft.com/office/powerpoint/2010/main" val="240803739"/>
+      </p:ext>
+    </p:extLst>
+  </p:cSld>
+  <p:clrMapOvr>
+    <a:masterClrMapping/>
+  </p:clrMapOvr>
+  <p:transition spd="med"/>
+  <p:timing>
+    <p:tnLst>
+      <p:par>
+        <p:cTn id="1" dur="indefinite" restart="never" nodeType="tmRoot"/>
+      </p:par>
+    </p:tnLst>
+  </p:timing>
+</p:sld>
+</file>
+
+<file path=ppt/slides/slide24.xml><?xml version="1.0" encoding="utf-8"?>
 <p:sld xmlns:a="http://schemas.openxmlformats.org/drawingml/2006/main" xmlns:r="http://schemas.openxmlformats.org/officeDocument/2006/relationships" xmlns:p="http://schemas.openxmlformats.org/presentationml/2006/main">
   <p:cSld>
     <p:spTree>
@@ -9430,7 +10683,7 @@
 </p:sld>
 </file>
 
-<file path=ppt/slides/slide23.xml><?xml version="1.0" encoding="utf-8"?>
+<file path=ppt/slides/slide25.xml><?xml version="1.0" encoding="utf-8"?>
 <p:sld xmlns:a="http://schemas.openxmlformats.org/drawingml/2006/main" xmlns:r="http://schemas.openxmlformats.org/officeDocument/2006/relationships" xmlns:p="http://schemas.openxmlformats.org/presentationml/2006/main">
   <p:cSld>
     <p:spTree>
@@ -10117,7 +11370,7 @@
 </p:sld>
 </file>
 
-<file path=ppt/slides/slide24.xml><?xml version="1.0" encoding="utf-8"?>
+<file path=ppt/slides/slide26.xml><?xml version="1.0" encoding="utf-8"?>
 <p:sld xmlns:a="http://schemas.openxmlformats.org/drawingml/2006/main" xmlns:r="http://schemas.openxmlformats.org/officeDocument/2006/relationships" xmlns:p="http://schemas.openxmlformats.org/presentationml/2006/main">
   <p:cSld>
     <p:spTree>
@@ -10834,7 +12087,7 @@
 </p:sld>
 </file>
 
-<file path=ppt/slides/slide25.xml><?xml version="1.0" encoding="utf-8"?>
+<file path=ppt/slides/slide27.xml><?xml version="1.0" encoding="utf-8"?>
 <p:sld xmlns:a="http://schemas.openxmlformats.org/drawingml/2006/main" xmlns:r="http://schemas.openxmlformats.org/officeDocument/2006/relationships" xmlns:p="http://schemas.openxmlformats.org/presentationml/2006/main" show="0">
   <p:cSld>
     <p:spTree>
@@ -11111,7 +12364,7 @@
 </p:sld>
 </file>
 
-<file path=ppt/slides/slide26.xml><?xml version="1.0" encoding="utf-8"?>
+<file path=ppt/slides/slide28.xml><?xml version="1.0" encoding="utf-8"?>
 <p:sld xmlns:a="http://schemas.openxmlformats.org/drawingml/2006/main" xmlns:r="http://schemas.openxmlformats.org/officeDocument/2006/relationships" xmlns:p="http://schemas.openxmlformats.org/presentationml/2006/main" show="0">
   <p:cSld>
     <p:spTree>
@@ -11642,7 +12895,7 @@
 </p:sld>
 </file>
 
-<file path=ppt/slides/slide27.xml><?xml version="1.0" encoding="utf-8"?>
+<file path=ppt/slides/slide29.xml><?xml version="1.0" encoding="utf-8"?>
 <p:sld xmlns:a="http://schemas.openxmlformats.org/drawingml/2006/main" xmlns:r="http://schemas.openxmlformats.org/officeDocument/2006/relationships" xmlns:p="http://schemas.openxmlformats.org/presentationml/2006/main" show="0">
   <p:cSld>
     <p:spTree>
@@ -12346,7 +13599,190 @@
 </p:sld>
 </file>
 
-<file path=ppt/slides/slide28.xml><?xml version="1.0" encoding="utf-8"?>
+<file path=ppt/slides/slide3.xml><?xml version="1.0" encoding="utf-8"?>
+<p:sld xmlns:a="http://schemas.openxmlformats.org/drawingml/2006/main" xmlns:r="http://schemas.openxmlformats.org/officeDocument/2006/relationships" xmlns:p="http://schemas.openxmlformats.org/presentationml/2006/main">
+  <p:cSld>
+    <p:spTree>
+      <p:nvGrpSpPr>
+        <p:cNvPr id="1" name=""/>
+        <p:cNvGrpSpPr/>
+        <p:nvPr/>
+      </p:nvGrpSpPr>
+      <p:grpSpPr>
+        <a:xfrm>
+          <a:off x="0" y="0"/>
+          <a:ext cx="0" cy="0"/>
+          <a:chOff x="0" y="0"/>
+          <a:chExt cx="0" cy="0"/>
+        </a:xfrm>
+      </p:grpSpPr>
+      <p:sp>
+        <p:nvSpPr>
+          <p:cNvPr id="3" name="Content Placeholder 2"/>
+          <p:cNvSpPr>
+            <a:spLocks noGrp="1"/>
+          </p:cNvSpPr>
+          <p:nvPr>
+            <p:ph type="subTitle" idx="1"/>
+          </p:nvPr>
+        </p:nvSpPr>
+        <p:spPr/>
+        <p:txBody>
+          <a:bodyPr/>
+          <a:lstStyle/>
+          <a:p>
+            <a:r>
+              <a:rPr lang="en-US" dirty="0" smtClean="0"/>
+              <a:t>Upper 7 bits are unused</a:t>
+            </a:r>
+            <a:endParaRPr lang="en-US" dirty="0"/>
+          </a:p>
+        </p:txBody>
+      </p:sp>
+      <p:sp>
+        <p:nvSpPr>
+          <p:cNvPr id="2" name="Title 1"/>
+          <p:cNvSpPr>
+            <a:spLocks noGrp="1"/>
+          </p:cNvSpPr>
+          <p:nvPr>
+            <p:ph type="title"/>
+          </p:nvPr>
+        </p:nvSpPr>
+        <p:spPr/>
+        <p:txBody>
+          <a:bodyPr/>
+          <a:lstStyle/>
+          <a:p>
+            <a:r>
+              <a:rPr lang="en-US" dirty="0" smtClean="0"/>
+              <a:t>Status Register</a:t>
+            </a:r>
+            <a:endParaRPr lang="en-US" dirty="0"/>
+          </a:p>
+        </p:txBody>
+      </p:sp>
+      <p:pic>
+        <p:nvPicPr>
+          <p:cNvPr id="1027" name="Picture 3"/>
+          <p:cNvPicPr>
+            <a:picLocks noChangeAspect="1" noChangeArrowheads="1"/>
+          </p:cNvPicPr>
+          <p:nvPr/>
+        </p:nvPicPr>
+        <p:blipFill>
+          <a:blip r:embed="rId2">
+            <a:extLst>
+              <a:ext uri="{28A0092B-C50C-407E-A947-70E740481C1C}">
+                <a14:useLocalDpi xmlns:a14="http://schemas.microsoft.com/office/drawing/2010/main" val="0"/>
+              </a:ext>
+            </a:extLst>
+          </a:blip>
+          <a:srcRect/>
+          <a:stretch>
+            <a:fillRect/>
+          </a:stretch>
+        </p:blipFill>
+        <p:spPr bwMode="auto">
+          <a:xfrm>
+            <a:off x="94308" y="2888480"/>
+            <a:ext cx="8955384" cy="1081042"/>
+          </a:xfrm>
+          <a:prstGeom prst="rect">
+            <a:avLst/>
+          </a:prstGeom>
+          <a:noFill/>
+          <a:ln>
+            <a:noFill/>
+          </a:ln>
+          <a:extLst>
+            <a:ext uri="{909E8E84-426E-40DD-AFC4-6F175D3DCCD1}">
+              <a14:hiddenFill xmlns:a14="http://schemas.microsoft.com/office/drawing/2010/main">
+                <a:solidFill>
+                  <a:schemeClr val="accent1"/>
+                </a:solidFill>
+              </a14:hiddenFill>
+            </a:ext>
+            <a:ext uri="{91240B29-F687-4F45-9708-019B960494DF}">
+              <a14:hiddenLine xmlns:a14="http://schemas.microsoft.com/office/drawing/2010/main" w="9525">
+                <a:solidFill>
+                  <a:schemeClr val="tx1"/>
+                </a:solidFill>
+                <a:miter lim="800000"/>
+                <a:headEnd/>
+                <a:tailEnd/>
+              </a14:hiddenLine>
+            </a:ext>
+          </a:extLst>
+        </p:spPr>
+      </p:pic>
+      <p:sp>
+        <p:nvSpPr>
+          <p:cNvPr id="6" name="TextBox 5"/>
+          <p:cNvSpPr txBox="1"/>
+          <p:nvPr/>
+        </p:nvSpPr>
+        <p:spPr>
+          <a:xfrm>
+            <a:off x="0" y="5577842"/>
+            <a:ext cx="3944203" cy="707886"/>
+          </a:xfrm>
+          <a:prstGeom prst="rect">
+            <a:avLst/>
+          </a:prstGeom>
+          <a:noFill/>
+        </p:spPr>
+        <p:txBody>
+          <a:bodyPr wrap="square" rtlCol="0">
+            <a:spAutoFit/>
+          </a:bodyPr>
+          <a:lstStyle/>
+          <a:p>
+            <a:pPr>
+              <a:spcBef>
+                <a:spcPts val="0"/>
+              </a:spcBef>
+            </a:pPr>
+            <a:r>
+              <a:rPr lang="en-US" sz="2000" dirty="0" smtClean="0"/>
+              <a:t>Figure 3-6</a:t>
+            </a:r>
+          </a:p>
+          <a:p>
+            <a:pPr>
+              <a:spcBef>
+                <a:spcPts val="0"/>
+              </a:spcBef>
+            </a:pPr>
+            <a:r>
+              <a:rPr lang="en-US" sz="2000" dirty="0" smtClean="0"/>
+              <a:t>Family User Guide 3.2.3 pp46</a:t>
+            </a:r>
+          </a:p>
+        </p:txBody>
+      </p:sp>
+    </p:spTree>
+    <p:extLst>
+      <p:ext uri="{BB962C8B-B14F-4D97-AF65-F5344CB8AC3E}">
+        <p14:creationId xmlns:p14="http://schemas.microsoft.com/office/powerpoint/2010/main" val="1149124510"/>
+      </p:ext>
+    </p:extLst>
+  </p:cSld>
+  <p:clrMapOvr>
+    <a:masterClrMapping/>
+  </p:clrMapOvr>
+  <p:transition spd="med"/>
+  <p:timing>
+    <p:tnLst>
+      <p:par>
+        <p:cTn id="1" dur="indefinite" restart="never" nodeType="tmRoot"/>
+      </p:par>
+    </p:tnLst>
+  </p:timing>
+</p:sld>
+</file>
+
+<file path=ppt/slides/slide30.xml><?xml version="1.0" encoding="utf-8"?>
 <p:sld xmlns:a="http://schemas.openxmlformats.org/drawingml/2006/main" xmlns:r="http://schemas.openxmlformats.org/officeDocument/2006/relationships" xmlns:p="http://schemas.openxmlformats.org/presentationml/2006/main" show="0">
   <p:cSld>
     <p:spTree>
@@ -15294,7 +16730,7 @@
 </p:sld>
 </file>
 
-<file path=ppt/slides/slide29.xml><?xml version="1.0" encoding="utf-8"?>
+<file path=ppt/slides/slide31.xml><?xml version="1.0" encoding="utf-8"?>
 <p:sld xmlns:a="http://schemas.openxmlformats.org/drawingml/2006/main" xmlns:r="http://schemas.openxmlformats.org/officeDocument/2006/relationships" xmlns:p="http://schemas.openxmlformats.org/presentationml/2006/main">
   <p:cSld>
     <p:spTree>
@@ -17824,194 +19260,6 @@
             </p:seq>
           </p:childTnLst>
         </p:cTn>
-      </p:par>
-    </p:tnLst>
-  </p:timing>
-</p:sld>
-</file>
-
-<file path=ppt/slides/slide3.xml><?xml version="1.0" encoding="utf-8"?>
-<p:sld xmlns:a="http://schemas.openxmlformats.org/drawingml/2006/main" xmlns:r="http://schemas.openxmlformats.org/officeDocument/2006/relationships" xmlns:p="http://schemas.openxmlformats.org/presentationml/2006/main">
-  <p:cSld>
-    <p:spTree>
-      <p:nvGrpSpPr>
-        <p:cNvPr id="1" name=""/>
-        <p:cNvGrpSpPr/>
-        <p:nvPr/>
-      </p:nvGrpSpPr>
-      <p:grpSpPr>
-        <a:xfrm>
-          <a:off x="0" y="0"/>
-          <a:ext cx="0" cy="0"/>
-          <a:chOff x="0" y="0"/>
-          <a:chExt cx="0" cy="0"/>
-        </a:xfrm>
-      </p:grpSpPr>
-      <p:sp>
-        <p:nvSpPr>
-          <p:cNvPr id="3" name="Content Placeholder 2"/>
-          <p:cNvSpPr>
-            <a:spLocks noGrp="1"/>
-          </p:cNvSpPr>
-          <p:nvPr>
-            <p:ph type="subTitle" idx="1"/>
-          </p:nvPr>
-        </p:nvSpPr>
-        <p:spPr/>
-        <p:txBody>
-          <a:bodyPr/>
-          <a:lstStyle/>
-          <a:p>
-            <a:r>
-              <a:rPr lang="en-US" dirty="0" smtClean="0"/>
-              <a:t>Upper 7 bits are unused</a:t>
-            </a:r>
-            <a:endParaRPr lang="en-US" dirty="0"/>
-          </a:p>
-        </p:txBody>
-      </p:sp>
-      <p:sp>
-        <p:nvSpPr>
-          <p:cNvPr id="2" name="Title 1"/>
-          <p:cNvSpPr>
-            <a:spLocks noGrp="1"/>
-          </p:cNvSpPr>
-          <p:nvPr>
-            <p:ph type="title"/>
-          </p:nvPr>
-        </p:nvSpPr>
-        <p:spPr/>
-        <p:txBody>
-          <a:bodyPr/>
-          <a:lstStyle/>
-          <a:p>
-            <a:r>
-              <a:rPr lang="en-US" dirty="0" smtClean="0"/>
-              <a:t>Status Register</a:t>
-            </a:r>
-            <a:endParaRPr lang="en-US" dirty="0"/>
-          </a:p>
-        </p:txBody>
-      </p:sp>
-      <p:pic>
-        <p:nvPicPr>
-          <p:cNvPr id="1027" name="Picture 3"/>
-          <p:cNvPicPr>
-            <a:picLocks noChangeAspect="1" noChangeArrowheads="1"/>
-          </p:cNvPicPr>
-          <p:nvPr/>
-        </p:nvPicPr>
-        <p:blipFill>
-          <a:blip r:embed="rId2">
-            <a:extLst>
-              <a:ext uri="{28A0092B-C50C-407E-A947-70E740481C1C}">
-                <a14:useLocalDpi xmlns:a14="http://schemas.microsoft.com/office/drawing/2010/main" val="0"/>
-              </a:ext>
-            </a:extLst>
-          </a:blip>
-          <a:srcRect/>
-          <a:stretch>
-            <a:fillRect/>
-          </a:stretch>
-        </p:blipFill>
-        <p:spPr bwMode="auto">
-          <a:xfrm>
-            <a:off x="94308" y="2888480"/>
-            <a:ext cx="8955384" cy="1081042"/>
-          </a:xfrm>
-          <a:prstGeom prst="rect">
-            <a:avLst/>
-          </a:prstGeom>
-          <a:noFill/>
-          <a:ln>
-            <a:noFill/>
-          </a:ln>
-          <a:extLst>
-            <a:ext uri="{909E8E84-426E-40DD-AFC4-6F175D3DCCD1}">
-              <a14:hiddenFill xmlns:a14="http://schemas.microsoft.com/office/drawing/2010/main">
-                <a:solidFill>
-                  <a:schemeClr val="accent1"/>
-                </a:solidFill>
-              </a14:hiddenFill>
-            </a:ext>
-            <a:ext uri="{91240B29-F687-4F45-9708-019B960494DF}">
-              <a14:hiddenLine xmlns:a14="http://schemas.microsoft.com/office/drawing/2010/main" w="9525">
-                <a:solidFill>
-                  <a:schemeClr val="tx1"/>
-                </a:solidFill>
-                <a:miter lim="800000"/>
-                <a:headEnd/>
-                <a:tailEnd/>
-              </a14:hiddenLine>
-            </a:ext>
-          </a:extLst>
-        </p:spPr>
-      </p:pic>
-      <p:sp>
-        <p:nvSpPr>
-          <p:cNvPr id="6" name="TextBox 5"/>
-          <p:cNvSpPr txBox="1"/>
-          <p:nvPr/>
-        </p:nvSpPr>
-        <p:spPr>
-          <a:xfrm>
-            <a:off x="0" y="5577842"/>
-            <a:ext cx="3944203" cy="707886"/>
-          </a:xfrm>
-          <a:prstGeom prst="rect">
-            <a:avLst/>
-          </a:prstGeom>
-          <a:noFill/>
-        </p:spPr>
-        <p:txBody>
-          <a:bodyPr wrap="square" rtlCol="0">
-            <a:spAutoFit/>
-          </a:bodyPr>
-          <a:lstStyle/>
-          <a:p>
-            <a:pPr>
-              <a:spcBef>
-                <a:spcPts val="0"/>
-              </a:spcBef>
-            </a:pPr>
-            <a:r>
-              <a:rPr lang="en-US" sz="2000" dirty="0" smtClean="0"/>
-              <a:t>Figure 3-6</a:t>
-            </a:r>
-          </a:p>
-          <a:p>
-            <a:pPr>
-              <a:spcBef>
-                <a:spcPts val="0"/>
-              </a:spcBef>
-            </a:pPr>
-            <a:r>
-              <a:rPr lang="en-US" sz="2000" dirty="0" smtClean="0"/>
-              <a:t>Family User Guide 3.2.3 </a:t>
-            </a:r>
-            <a:r>
-              <a:rPr lang="en-US" sz="2000" dirty="0" smtClean="0"/>
-              <a:t>pp46</a:t>
-            </a:r>
-            <a:endParaRPr lang="en-US" sz="2000" dirty="0" smtClean="0"/>
-          </a:p>
-        </p:txBody>
-      </p:sp>
-    </p:spTree>
-    <p:extLst>
-      <p:ext uri="{BB962C8B-B14F-4D97-AF65-F5344CB8AC3E}">
-        <p14:creationId xmlns:p14="http://schemas.microsoft.com/office/powerpoint/2010/main" val="1149124510"/>
-      </p:ext>
-    </p:extLst>
-  </p:cSld>
-  <p:clrMapOvr>
-    <a:masterClrMapping/>
-  </p:clrMapOvr>
-  <p:transition spd="med"/>
-  <p:timing>
-    <p:tnLst>
-      <p:par>
-        <p:cTn id="1" dur="indefinite" restart="never" nodeType="tmRoot"/>
       </p:par>
     </p:tnLst>
   </p:timing>

--- a/source/lessons/lsn8/Lsn8.pptx
+++ b/source/lessons/lsn8/Lsn8.pptx
@@ -4943,13 +4943,8 @@
           <a:p>
             <a:r>
               <a:rPr lang="en-US" sz="2800" dirty="0" smtClean="0"/>
-              <a:t>When we want to use certain pieces of </a:t>
-            </a:r>
-            <a:r>
-              <a:rPr lang="en-US" sz="2800" dirty="0" smtClean="0"/>
-              <a:t>code based off of certain conditions</a:t>
-            </a:r>
-            <a:endParaRPr lang="en-US" sz="2800" dirty="0" smtClean="0"/>
+              <a:t>When we want to use certain pieces of code based off of certain conditions</a:t>
+            </a:r>
           </a:p>
           <a:p>
             <a:r>
@@ -4974,7 +4969,6 @@
               <a:rPr lang="en-US" sz="2800" dirty="0" smtClean="0"/>
               <a:t>Let’s look at if/else, for loop, and while loop</a:t>
             </a:r>
-            <a:endParaRPr lang="en-US" sz="2800" dirty="0" smtClean="0"/>
           </a:p>
         </p:txBody>
       </p:sp>
@@ -7332,7 +7326,6 @@
               <a:rPr lang="en-US" sz="2000" dirty="0" smtClean="0"/>
               <a:t>:</a:t>
             </a:r>
-            <a:endParaRPr lang="en-US" sz="2000" dirty="0" smtClean="0"/>
           </a:p>
         </p:txBody>
       </p:sp>
@@ -7418,7 +7411,7 @@
               <a:t> (if, </a:t>
             </a:r>
             <a:r>
-              <a:rPr kumimoji="0" lang="en-US" sz="1600" b="0" i="0" u="none" strike="noStrike" cap="none" normalizeH="0" dirty="0" err="1" smtClean="0">
+              <a:rPr kumimoji="0" lang="en-US" sz="1600" b="0" i="0" u="none" strike="noStrike" cap="none" normalizeH="0" dirty="0" smtClean="0">
                 <a:ln>
                   <a:noFill/>
                 </a:ln>
@@ -7428,7 +7421,7 @@
                 <a:effectLst/>
                 <a:latin typeface="Arial" charset="0"/>
               </a:rPr>
-              <a:t>elseif</a:t>
+              <a:t>else if</a:t>
             </a:r>
             <a:r>
               <a:rPr kumimoji="0" lang="en-US" sz="1600" b="0" i="0" u="none" strike="noStrike" cap="none" normalizeH="0" dirty="0" smtClean="0">
@@ -7873,7 +7866,6 @@
               <a:rPr lang="en-US" sz="2000" dirty="0" smtClean="0"/>
               <a:t>done:</a:t>
             </a:r>
-            <a:endParaRPr lang="en-US" sz="2000" dirty="0" smtClean="0"/>
           </a:p>
         </p:txBody>
       </p:sp>
@@ -8264,7 +8256,6 @@
               <a:rPr lang="en-US" sz="2000" dirty="0" smtClean="0"/>
               <a:t>done:</a:t>
             </a:r>
-            <a:endParaRPr lang="en-US" sz="2000" dirty="0" smtClean="0"/>
           </a:p>
         </p:txBody>
       </p:sp>
@@ -8353,15 +8344,7 @@
                   <a:srgbClr val="00B050"/>
                 </a:solidFill>
               </a:rPr>
-              <a:t>; </a:t>
-            </a:r>
-            <a:r>
-              <a:rPr lang="en-US" sz="2000" dirty="0" smtClean="0">
-                <a:solidFill>
-                  <a:srgbClr val="00B050"/>
-                </a:solidFill>
-              </a:rPr>
-              <a:t>A student wrote this code, but didn’t comment it.</a:t>
+              <a:t>; A student wrote this code, but didn’t comment it.</a:t>
             </a:r>
           </a:p>
           <a:p>

--- a/source/lessons/lsn8/Lsn8.pptx
+++ b/source/lessons/lsn8/Lsn8.pptx
@@ -7408,33 +7408,7 @@
                 <a:effectLst/>
                 <a:latin typeface="Arial" charset="0"/>
               </a:rPr>
-              <a:t> (if, </a:t>
-            </a:r>
-            <a:r>
-              <a:rPr kumimoji="0" lang="en-US" sz="1600" b="0" i="0" u="none" strike="noStrike" cap="none" normalizeH="0" dirty="0" smtClean="0">
-                <a:ln>
-                  <a:noFill/>
-                </a:ln>
-                <a:solidFill>
-                  <a:schemeClr val="tx1"/>
-                </a:solidFill>
-                <a:effectLst/>
-                <a:latin typeface="Arial" charset="0"/>
-              </a:rPr>
-              <a:t>else if</a:t>
-            </a:r>
-            <a:r>
-              <a:rPr kumimoji="0" lang="en-US" sz="1600" b="0" i="0" u="none" strike="noStrike" cap="none" normalizeH="0" dirty="0" smtClean="0">
-                <a:ln>
-                  <a:noFill/>
-                </a:ln>
-                <a:solidFill>
-                  <a:schemeClr val="tx1"/>
-                </a:solidFill>
-                <a:effectLst/>
-                <a:latin typeface="Arial" charset="0"/>
-              </a:rPr>
-              <a:t>, else, done) do thing, they are just labels for the jump commands</a:t>
+              <a:t> (if, else if, else, done) do thing, they are just labels for the jump commands</a:t>
             </a:r>
             <a:endParaRPr kumimoji="0" lang="en-US" sz="1600" b="0" i="0" u="none" strike="noStrike" cap="none" normalizeH="0" baseline="0" dirty="0" smtClean="0">
               <a:ln>
@@ -12374,7 +12348,12 @@
             <p:ph type="subTitle" idx="1"/>
           </p:nvPr>
         </p:nvSpPr>
-        <p:spPr/>
+        <p:spPr>
+          <a:xfrm>
+            <a:off x="365760" y="1463040"/>
+            <a:ext cx="4679206" cy="4937760"/>
+          </a:xfrm>
+        </p:spPr>
         <p:txBody>
           <a:bodyPr/>
           <a:lstStyle/>
@@ -12544,7 +12523,7 @@
         </p:nvSpPr>
         <p:spPr bwMode="auto">
           <a:xfrm>
-            <a:off x="5820187" y="1906285"/>
+            <a:off x="5820187" y="2521143"/>
             <a:ext cx="2121125" cy="680396"/>
           </a:xfrm>
           <a:prstGeom prst="rect">
@@ -12587,7 +12566,7 @@
         </p:nvSpPr>
         <p:spPr bwMode="auto">
           <a:xfrm>
-            <a:off x="6883192" y="1571985"/>
+            <a:off x="6883192" y="2186843"/>
             <a:ext cx="0" cy="323949"/>
           </a:xfrm>
           <a:prstGeom prst="line">
@@ -12619,7 +12598,7 @@
         </p:nvSpPr>
         <p:spPr>
           <a:xfrm>
-            <a:off x="5334156" y="1213004"/>
+            <a:off x="5334156" y="1827862"/>
             <a:ext cx="2929007" cy="369332"/>
           </a:xfrm>
           <a:prstGeom prst="rect">
@@ -12651,7 +12630,7 @@
         </p:nvSpPr>
         <p:spPr bwMode="auto">
           <a:xfrm>
-            <a:off x="6880749" y="2586681"/>
+            <a:off x="6880749" y="3201539"/>
             <a:ext cx="0" cy="323949"/>
           </a:xfrm>
           <a:prstGeom prst="line">
@@ -12685,7 +12664,7 @@
         </p:nvSpPr>
         <p:spPr bwMode="auto">
           <a:xfrm>
-            <a:off x="5822629" y="3608030"/>
+            <a:off x="5822629" y="4222888"/>
             <a:ext cx="2121125" cy="680396"/>
           </a:xfrm>
           <a:prstGeom prst="rect">
@@ -12728,7 +12707,7 @@
         </p:nvSpPr>
         <p:spPr bwMode="auto">
           <a:xfrm>
-            <a:off x="6885634" y="3273730"/>
+            <a:off x="6885634" y="3888588"/>
             <a:ext cx="0" cy="323949"/>
           </a:xfrm>
           <a:prstGeom prst="line">
@@ -12760,7 +12739,7 @@
         </p:nvSpPr>
         <p:spPr>
           <a:xfrm>
-            <a:off x="5634254" y="2904398"/>
+            <a:off x="5634254" y="3519256"/>
             <a:ext cx="2492990" cy="369332"/>
           </a:xfrm>
           <a:prstGeom prst="rect">
@@ -12796,7 +12775,7 @@
         </p:nvSpPr>
         <p:spPr bwMode="auto">
           <a:xfrm>
-            <a:off x="6883191" y="4288426"/>
+            <a:off x="6883191" y="4903284"/>
             <a:ext cx="0" cy="323949"/>
           </a:xfrm>
           <a:prstGeom prst="line">
@@ -12828,7 +12807,7 @@
         </p:nvSpPr>
         <p:spPr>
           <a:xfrm>
-            <a:off x="6002944" y="4612375"/>
+            <a:off x="6002944" y="5227233"/>
             <a:ext cx="1755609" cy="369332"/>
           </a:xfrm>
           <a:prstGeom prst="rect">
